--- a/Tercera entrega/Programación entera bin.pptx
+++ b/Tercera entrega/Programación entera bin.pptx
@@ -1,53 +1,53 @@
 
 <file path=ppt/presentation.xml><?xml version="1.0" encoding="utf-8"?>
-<p:presentation xmlns:a="http://schemas.openxmlformats.org/drawingml/2006/main" xmlns:r="http://schemas.openxmlformats.org/officeDocument/2006/relationships" xmlns:mc="http://schemas.openxmlformats.org/markup-compatibility/2006" xmlns:mv="urn:schemas-microsoft-com:mac:vml" xmlns:p="http://schemas.openxmlformats.org/presentationml/2006/main" xmlns:c="http://schemas.openxmlformats.org/drawingml/2006/chart" xmlns:dgm="http://schemas.openxmlformats.org/drawingml/2006/diagram" xmlns:o="urn:schemas-microsoft-com:office:office" xmlns:v="urn:schemas-microsoft-com:vml" xmlns:pvml="urn:schemas-microsoft-com:office:powerpoint" xmlns:com="http://schemas.openxmlformats.org/drawingml/2006/compatibility" xmlns:p14="http://schemas.microsoft.com/office/powerpoint/2010/main" xmlns:p15="http://schemas.microsoft.com/office/powerpoint/2012/main" xmlns:ahyp="http://schemas.microsoft.com/office/drawing/2018/hyperlinkcolor" autoCompressPictures="0" embedTrueTypeFonts="1" strictFirstAndLastChars="0" saveSubsetFonts="1">
+<p:presentation xmlns:a="http://schemas.openxmlformats.org/drawingml/2006/main" xmlns:r="http://schemas.openxmlformats.org/officeDocument/2006/relationships" xmlns:p="http://schemas.openxmlformats.org/presentationml/2006/main" strictFirstAndLastChars="0" embedTrueTypeFonts="1" saveSubsetFonts="1" autoCompressPictures="0">
   <p:sldMasterIdLst>
-    <p:sldMasterId id="2147483659" r:id="rId5"/>
+    <p:sldMasterId id="2147483659" r:id="rId1"/>
   </p:sldMasterIdLst>
   <p:notesMasterIdLst>
-    <p:notesMasterId r:id="rId6"/>
+    <p:notesMasterId r:id="rId21"/>
   </p:notesMasterIdLst>
   <p:sldIdLst>
-    <p:sldId id="256" r:id="rId7"/>
-    <p:sldId id="257" r:id="rId8"/>
-    <p:sldId id="258" r:id="rId9"/>
-    <p:sldId id="259" r:id="rId10"/>
-    <p:sldId id="260" r:id="rId11"/>
-    <p:sldId id="261" r:id="rId12"/>
-    <p:sldId id="262" r:id="rId13"/>
-    <p:sldId id="263" r:id="rId14"/>
-    <p:sldId id="264" r:id="rId15"/>
-    <p:sldId id="265" r:id="rId16"/>
-    <p:sldId id="266" r:id="rId17"/>
-    <p:sldId id="267" r:id="rId18"/>
-    <p:sldId id="268" r:id="rId19"/>
-    <p:sldId id="269" r:id="rId20"/>
-    <p:sldId id="270" r:id="rId21"/>
-    <p:sldId id="271" r:id="rId22"/>
-    <p:sldId id="272" r:id="rId23"/>
-    <p:sldId id="273" r:id="rId24"/>
-    <p:sldId id="274" r:id="rId25"/>
+    <p:sldId id="256" r:id="rId2"/>
+    <p:sldId id="257" r:id="rId3"/>
+    <p:sldId id="258" r:id="rId4"/>
+    <p:sldId id="259" r:id="rId5"/>
+    <p:sldId id="260" r:id="rId6"/>
+    <p:sldId id="261" r:id="rId7"/>
+    <p:sldId id="262" r:id="rId8"/>
+    <p:sldId id="263" r:id="rId9"/>
+    <p:sldId id="264" r:id="rId10"/>
+    <p:sldId id="265" r:id="rId11"/>
+    <p:sldId id="266" r:id="rId12"/>
+    <p:sldId id="267" r:id="rId13"/>
+    <p:sldId id="268" r:id="rId14"/>
+    <p:sldId id="269" r:id="rId15"/>
+    <p:sldId id="270" r:id="rId16"/>
+    <p:sldId id="271" r:id="rId17"/>
+    <p:sldId id="272" r:id="rId18"/>
+    <p:sldId id="273" r:id="rId19"/>
+    <p:sldId id="274" r:id="rId20"/>
   </p:sldIdLst>
-  <p:sldSz cy="5143500" cx="9144000"/>
+  <p:sldSz cx="9144000" cy="5143500" type="screen16x9"/>
   <p:notesSz cx="6858000" cy="9144000"/>
   <p:embeddedFontLst>
     <p:embeddedFont>
-      <p:font typeface="Roboto"/>
+      <p:font typeface="Lato" panose="020B0604020202020204" charset="0"/>
+      <p:regular r:id="rId22"/>
+      <p:bold r:id="rId23"/>
+      <p:italic r:id="rId24"/>
+      <p:boldItalic r:id="rId25"/>
+    </p:embeddedFont>
+    <p:embeddedFont>
+      <p:font typeface="Roboto" panose="020B0604020202020204" charset="0"/>
       <p:regular r:id="rId26"/>
       <p:bold r:id="rId27"/>
       <p:italic r:id="rId28"/>
       <p:boldItalic r:id="rId29"/>
     </p:embeddedFont>
-    <p:embeddedFont>
-      <p:font typeface="Lato"/>
-      <p:regular r:id="rId30"/>
-      <p:bold r:id="rId31"/>
-      <p:italic r:id="rId32"/>
-      <p:boldItalic r:id="rId33"/>
-    </p:embeddedFont>
   </p:embeddedFontLst>
   <p:defaultTextStyle>
-    <a:defPPr lvl="0" marR="0" rtl="0" algn="l">
+    <a:defPPr marR="0" lvl="0" algn="l" rtl="0">
       <a:lnSpc>
         <a:spcPct val="100000"/>
       </a:lnSpc>
@@ -58,7 +58,7 @@
         <a:spcPts val="0"/>
       </a:spcAft>
     </a:defPPr>
-    <a:lvl1pPr lvl="0" marR="0" rtl="0" algn="l">
+    <a:lvl1pPr marR="0" lvl="0" algn="l" rtl="0">
       <a:lnSpc>
         <a:spcPct val="100000"/>
       </a:lnSpc>
@@ -72,7 +72,7 @@
         <a:srgbClr val="000000"/>
       </a:buClr>
       <a:buFont typeface="Arial"/>
-      <a:defRPr b="0" i="0" sz="1400" u="none" cap="none" strike="noStrike">
+      <a:defRPr sz="1400" b="0" i="0" u="none" strike="noStrike" cap="none">
         <a:solidFill>
           <a:srgbClr val="000000"/>
         </a:solidFill>
@@ -82,7 +82,7 @@
         <a:sym typeface="Arial"/>
       </a:defRPr>
     </a:lvl1pPr>
-    <a:lvl2pPr lvl="1" marR="0" rtl="0" algn="l">
+    <a:lvl2pPr marR="0" lvl="1" algn="l" rtl="0">
       <a:lnSpc>
         <a:spcPct val="100000"/>
       </a:lnSpc>
@@ -96,7 +96,7 @@
         <a:srgbClr val="000000"/>
       </a:buClr>
       <a:buFont typeface="Arial"/>
-      <a:defRPr b="0" i="0" sz="1400" u="none" cap="none" strike="noStrike">
+      <a:defRPr sz="1400" b="0" i="0" u="none" strike="noStrike" cap="none">
         <a:solidFill>
           <a:srgbClr val="000000"/>
         </a:solidFill>
@@ -106,7 +106,7 @@
         <a:sym typeface="Arial"/>
       </a:defRPr>
     </a:lvl2pPr>
-    <a:lvl3pPr lvl="2" marR="0" rtl="0" algn="l">
+    <a:lvl3pPr marR="0" lvl="2" algn="l" rtl="0">
       <a:lnSpc>
         <a:spcPct val="100000"/>
       </a:lnSpc>
@@ -120,7 +120,7 @@
         <a:srgbClr val="000000"/>
       </a:buClr>
       <a:buFont typeface="Arial"/>
-      <a:defRPr b="0" i="0" sz="1400" u="none" cap="none" strike="noStrike">
+      <a:defRPr sz="1400" b="0" i="0" u="none" strike="noStrike" cap="none">
         <a:solidFill>
           <a:srgbClr val="000000"/>
         </a:solidFill>
@@ -130,7 +130,7 @@
         <a:sym typeface="Arial"/>
       </a:defRPr>
     </a:lvl3pPr>
-    <a:lvl4pPr lvl="3" marR="0" rtl="0" algn="l">
+    <a:lvl4pPr marR="0" lvl="3" algn="l" rtl="0">
       <a:lnSpc>
         <a:spcPct val="100000"/>
       </a:lnSpc>
@@ -144,7 +144,7 @@
         <a:srgbClr val="000000"/>
       </a:buClr>
       <a:buFont typeface="Arial"/>
-      <a:defRPr b="0" i="0" sz="1400" u="none" cap="none" strike="noStrike">
+      <a:defRPr sz="1400" b="0" i="0" u="none" strike="noStrike" cap="none">
         <a:solidFill>
           <a:srgbClr val="000000"/>
         </a:solidFill>
@@ -154,7 +154,7 @@
         <a:sym typeface="Arial"/>
       </a:defRPr>
     </a:lvl4pPr>
-    <a:lvl5pPr lvl="4" marR="0" rtl="0" algn="l">
+    <a:lvl5pPr marR="0" lvl="4" algn="l" rtl="0">
       <a:lnSpc>
         <a:spcPct val="100000"/>
       </a:lnSpc>
@@ -168,7 +168,7 @@
         <a:srgbClr val="000000"/>
       </a:buClr>
       <a:buFont typeface="Arial"/>
-      <a:defRPr b="0" i="0" sz="1400" u="none" cap="none" strike="noStrike">
+      <a:defRPr sz="1400" b="0" i="0" u="none" strike="noStrike" cap="none">
         <a:solidFill>
           <a:srgbClr val="000000"/>
         </a:solidFill>
@@ -178,7 +178,7 @@
         <a:sym typeface="Arial"/>
       </a:defRPr>
     </a:lvl5pPr>
-    <a:lvl6pPr lvl="5" marR="0" rtl="0" algn="l">
+    <a:lvl6pPr marR="0" lvl="5" algn="l" rtl="0">
       <a:lnSpc>
         <a:spcPct val="100000"/>
       </a:lnSpc>
@@ -192,7 +192,7 @@
         <a:srgbClr val="000000"/>
       </a:buClr>
       <a:buFont typeface="Arial"/>
-      <a:defRPr b="0" i="0" sz="1400" u="none" cap="none" strike="noStrike">
+      <a:defRPr sz="1400" b="0" i="0" u="none" strike="noStrike" cap="none">
         <a:solidFill>
           <a:srgbClr val="000000"/>
         </a:solidFill>
@@ -202,7 +202,7 @@
         <a:sym typeface="Arial"/>
       </a:defRPr>
     </a:lvl6pPr>
-    <a:lvl7pPr lvl="6" marR="0" rtl="0" algn="l">
+    <a:lvl7pPr marR="0" lvl="6" algn="l" rtl="0">
       <a:lnSpc>
         <a:spcPct val="100000"/>
       </a:lnSpc>
@@ -216,7 +216,7 @@
         <a:srgbClr val="000000"/>
       </a:buClr>
       <a:buFont typeface="Arial"/>
-      <a:defRPr b="0" i="0" sz="1400" u="none" cap="none" strike="noStrike">
+      <a:defRPr sz="1400" b="0" i="0" u="none" strike="noStrike" cap="none">
         <a:solidFill>
           <a:srgbClr val="000000"/>
         </a:solidFill>
@@ -226,7 +226,7 @@
         <a:sym typeface="Arial"/>
       </a:defRPr>
     </a:lvl7pPr>
-    <a:lvl8pPr lvl="7" marR="0" rtl="0" algn="l">
+    <a:lvl8pPr marR="0" lvl="7" algn="l" rtl="0">
       <a:lnSpc>
         <a:spcPct val="100000"/>
       </a:lnSpc>
@@ -240,7 +240,7 @@
         <a:srgbClr val="000000"/>
       </a:buClr>
       <a:buFont typeface="Arial"/>
-      <a:defRPr b="0" i="0" sz="1400" u="none" cap="none" strike="noStrike">
+      <a:defRPr sz="1400" b="0" i="0" u="none" strike="noStrike" cap="none">
         <a:solidFill>
           <a:srgbClr val="000000"/>
         </a:solidFill>
@@ -250,7 +250,7 @@
         <a:sym typeface="Arial"/>
       </a:defRPr>
     </a:lvl8pPr>
-    <a:lvl9pPr lvl="8" marR="0" rtl="0" algn="l">
+    <a:lvl9pPr marR="0" lvl="8" algn="l" rtl="0">
       <a:lnSpc>
         <a:spcPct val="100000"/>
       </a:lnSpc>
@@ -264,7 +264,7 @@
         <a:srgbClr val="000000"/>
       </a:buClr>
       <a:buFont typeface="Arial"/>
-      <a:defRPr b="0" i="0" sz="1400" u="none" cap="none" strike="noStrike">
+      <a:defRPr sz="1400" b="0" i="0" u="none" strike="noStrike" cap="none">
         <a:solidFill>
           <a:srgbClr val="000000"/>
         </a:solidFill>
@@ -277,7 +277,7 @@
   </p:defaultTextStyle>
   <p:extLst>
     <p:ext uri="{EFAFB233-063F-42B5-8137-9DF3F51BA10A}">
-      <p15:sldGuideLst>
+      <p15:sldGuideLst xmlns:p15="http://schemas.microsoft.com/office/powerpoint/2012/main">
         <p15:guide id="1" orient="horz" pos="1620">
           <p15:clr>
             <a:srgbClr val="A4A3A4"/>
@@ -294,12 +294,46 @@
 </p:presentation>
 </file>
 
+<file path=ppt/changesInfos/changesInfo1.xml><?xml version="1.0" encoding="utf-8"?>
+<pc:chgInfo xmlns:a="http://schemas.openxmlformats.org/drawingml/2006/main" xmlns:r="http://schemas.openxmlformats.org/officeDocument/2006/relationships" xmlns:ac="http://schemas.microsoft.com/office/drawing/2013/main/command" xmlns:pc="http://schemas.microsoft.com/office/powerpoint/2013/main/command">
+  <pc:docChgLst>
+    <pc:chgData name="acer10raiko@hotmail.com" userId="cd38d2fbbb9cbedd" providerId="LiveId" clId="{B882AE66-F365-410F-A754-9D5B5640BD37}"/>
+    <pc:docChg chg="modSld">
+      <pc:chgData name="acer10raiko@hotmail.com" userId="cd38d2fbbb9cbedd" providerId="LiveId" clId="{B882AE66-F365-410F-A754-9D5B5640BD37}" dt="2020-12-02T18:41:43.286" v="2" actId="20577"/>
+      <pc:docMkLst>
+        <pc:docMk/>
+      </pc:docMkLst>
+      <pc:sldChg chg="modSp mod">
+        <pc:chgData name="acer10raiko@hotmail.com" userId="cd38d2fbbb9cbedd" providerId="LiveId" clId="{B882AE66-F365-410F-A754-9D5B5640BD37}" dt="2020-12-02T18:41:43.286" v="2" actId="20577"/>
+        <pc:sldMkLst>
+          <pc:docMk/>
+          <pc:sldMk cId="0" sldId="264"/>
+        </pc:sldMkLst>
+        <pc:spChg chg="mod">
+          <ac:chgData name="acer10raiko@hotmail.com" userId="cd38d2fbbb9cbedd" providerId="LiveId" clId="{B882AE66-F365-410F-A754-9D5B5640BD37}" dt="2020-12-02T18:41:43.286" v="2" actId="20577"/>
+          <ac:spMkLst>
+            <pc:docMk/>
+            <pc:sldMk cId="0" sldId="264"/>
+            <ac:spMk id="132" creationId="{00000000-0000-0000-0000-000000000000}"/>
+          </ac:spMkLst>
+        </pc:spChg>
+      </pc:sldChg>
+    </pc:docChg>
+  </pc:docChgLst>
+</pc:chgInfo>
+</file>
+
 <file path=ppt/notesMasters/notesMaster1.xml><?xml version="1.0" encoding="utf-8"?>
-<p:notesMaster xmlns:a="http://schemas.openxmlformats.org/drawingml/2006/main" xmlns:r="http://schemas.openxmlformats.org/officeDocument/2006/relationships" xmlns:mc="http://schemas.openxmlformats.org/markup-compatibility/2006" xmlns:mv="urn:schemas-microsoft-com:mac:vml" xmlns:p="http://schemas.openxmlformats.org/presentationml/2006/main" xmlns:c="http://schemas.openxmlformats.org/drawingml/2006/chart" xmlns:dgm="http://schemas.openxmlformats.org/drawingml/2006/diagram" xmlns:o="urn:schemas-microsoft-com:office:office" xmlns:v="urn:schemas-microsoft-com:vml" xmlns:pvml="urn:schemas-microsoft-com:office:powerpoint" xmlns:com="http://schemas.openxmlformats.org/drawingml/2006/compatibility" xmlns:p14="http://schemas.microsoft.com/office/powerpoint/2010/main" xmlns:p15="http://schemas.microsoft.com/office/powerpoint/2012/main" xmlns:ahyp="http://schemas.microsoft.com/office/drawing/2018/hyperlinkcolor">
+<p:notesMaster xmlns:a="http://schemas.openxmlformats.org/drawingml/2006/main" xmlns:r="http://schemas.openxmlformats.org/officeDocument/2006/relationships" xmlns:p="http://schemas.openxmlformats.org/presentationml/2006/main">
   <p:cSld>
+    <p:bg>
+      <p:bgRef idx="1001">
+        <a:schemeClr val="bg1"/>
+      </p:bgRef>
+    </p:bg>
     <p:spTree>
       <p:nvGrpSpPr>
-        <p:cNvPr id="2" name="Shape 2"/>
+        <p:cNvPr id="1" name="Shape 2"/>
         <p:cNvGrpSpPr/>
         <p:nvPr/>
       </p:nvGrpSpPr>
@@ -314,9 +348,11 @@
       <p:sp>
         <p:nvSpPr>
           <p:cNvPr id="3" name="Google Shape;3;n"/>
-          <p:cNvSpPr/>
+          <p:cNvSpPr>
+            <a:spLocks noGrp="1" noRot="1" noChangeAspect="1"/>
+          </p:cNvSpPr>
           <p:nvPr>
-            <p:ph idx="2" type="sldImg"/>
+            <p:ph type="sldImg" idx="2"/>
           </p:nvPr>
         </p:nvSpPr>
         <p:spPr>
@@ -325,9 +361,13 @@
             <a:ext cx="6096075" cy="3429000"/>
           </a:xfrm>
           <a:custGeom>
-            <a:rect b="b" l="l" r="r" t="t"/>
+            <a:avLst/>
+            <a:gdLst/>
+            <a:ahLst/>
+            <a:cxnLst/>
+            <a:rect l="l" t="t" r="r" b="b"/>
             <a:pathLst>
-              <a:path extrusionOk="0" h="120000" w="120000">
+              <a:path w="120000" h="120000" extrusionOk="0">
                 <a:moveTo>
                   <a:pt x="0" y="0"/>
                 </a:moveTo>
@@ -345,23 +385,25 @@
             </a:pathLst>
           </a:custGeom>
           <a:noFill/>
-          <a:ln cap="flat" cmpd="sng" w="9525">
+          <a:ln w="9525" cap="flat" cmpd="sng">
             <a:solidFill>
               <a:srgbClr val="000000"/>
             </a:solidFill>
             <a:prstDash val="solid"/>
             <a:round/>
-            <a:headEnd len="sm" w="sm" type="none"/>
-            <a:tailEnd len="sm" w="sm" type="none"/>
+            <a:headEnd type="none" w="sm" len="sm"/>
+            <a:tailEnd type="none" w="sm" len="sm"/>
           </a:ln>
         </p:spPr>
       </p:sp>
       <p:sp>
         <p:nvSpPr>
           <p:cNvPr id="4" name="Google Shape;4;n"/>
-          <p:cNvSpPr txBox="1"/>
+          <p:cNvSpPr txBox="1">
+            <a:spLocks noGrp="1"/>
+          </p:cNvSpPr>
           <p:nvPr>
-            <p:ph idx="1" type="body"/>
+            <p:ph type="body" idx="1"/>
           </p:nvPr>
         </p:nvSpPr>
         <p:spPr>
@@ -378,11 +420,11 @@
           </a:ln>
         </p:spPr>
         <p:txBody>
-          <a:bodyPr anchorCtr="0" anchor="t" bIns="91425" lIns="91425" spcFirstLastPara="1" rIns="91425" wrap="square" tIns="91425">
+          <a:bodyPr spcFirstLastPara="1" wrap="square" lIns="91425" tIns="91425" rIns="91425" bIns="91425" anchor="t" anchorCtr="0">
             <a:noAutofit/>
           </a:bodyPr>
           <a:lstStyle>
-            <a:lvl1pPr indent="-298450" lvl="0" marL="457200">
+            <a:lvl1pPr marL="457200" lvl="0" indent="-298450">
               <a:spcBef>
                 <a:spcPts val="0"/>
               </a:spcBef>
@@ -393,7 +435,7 @@
               <a:buChar char="●"/>
               <a:defRPr sz="1100"/>
             </a:lvl1pPr>
-            <a:lvl2pPr indent="-298450" lvl="1" marL="914400">
+            <a:lvl2pPr marL="914400" lvl="1" indent="-298450">
               <a:spcBef>
                 <a:spcPts val="0"/>
               </a:spcBef>
@@ -404,7 +446,7 @@
               <a:buChar char="○"/>
               <a:defRPr sz="1100"/>
             </a:lvl2pPr>
-            <a:lvl3pPr indent="-298450" lvl="2" marL="1371600">
+            <a:lvl3pPr marL="1371600" lvl="2" indent="-298450">
               <a:spcBef>
                 <a:spcPts val="0"/>
               </a:spcBef>
@@ -415,7 +457,7 @@
               <a:buChar char="■"/>
               <a:defRPr sz="1100"/>
             </a:lvl3pPr>
-            <a:lvl4pPr indent="-298450" lvl="3" marL="1828800">
+            <a:lvl4pPr marL="1828800" lvl="3" indent="-298450">
               <a:spcBef>
                 <a:spcPts val="0"/>
               </a:spcBef>
@@ -426,7 +468,7 @@
               <a:buChar char="●"/>
               <a:defRPr sz="1100"/>
             </a:lvl4pPr>
-            <a:lvl5pPr indent="-298450" lvl="4" marL="2286000">
+            <a:lvl5pPr marL="2286000" lvl="4" indent="-298450">
               <a:spcBef>
                 <a:spcPts val="0"/>
               </a:spcBef>
@@ -437,7 +479,7 @@
               <a:buChar char="○"/>
               <a:defRPr sz="1100"/>
             </a:lvl5pPr>
-            <a:lvl6pPr indent="-298450" lvl="5" marL="2743200">
+            <a:lvl6pPr marL="2743200" lvl="5" indent="-298450">
               <a:spcBef>
                 <a:spcPts val="0"/>
               </a:spcBef>
@@ -448,7 +490,7 @@
               <a:buChar char="■"/>
               <a:defRPr sz="1100"/>
             </a:lvl6pPr>
-            <a:lvl7pPr indent="-298450" lvl="6" marL="3200400">
+            <a:lvl7pPr marL="3200400" lvl="6" indent="-298450">
               <a:spcBef>
                 <a:spcPts val="0"/>
               </a:spcBef>
@@ -459,7 +501,7 @@
               <a:buChar char="●"/>
               <a:defRPr sz="1100"/>
             </a:lvl7pPr>
-            <a:lvl8pPr indent="-298450" lvl="7" marL="3657600">
+            <a:lvl8pPr marL="3657600" lvl="7" indent="-298450">
               <a:spcBef>
                 <a:spcPts val="0"/>
               </a:spcBef>
@@ -470,7 +512,7 @@
               <a:buChar char="○"/>
               <a:defRPr sz="1100"/>
             </a:lvl8pPr>
-            <a:lvl9pPr indent="-298450" lvl="8" marL="4114800">
+            <a:lvl9pPr marL="4114800" lvl="8" indent="-298450">
               <a:spcBef>
                 <a:spcPts val="0"/>
               </a:spcBef>
@@ -482,14 +524,16 @@
               <a:defRPr sz="1100"/>
             </a:lvl9pPr>
           </a:lstStyle>
-          <a:p/>
+          <a:p>
+            <a:endParaRPr/>
+          </a:p>
         </p:txBody>
       </p:sp>
     </p:spTree>
   </p:cSld>
-  <p:clrMap accent1="accent1" accent2="accent2" accent3="accent3" accent4="accent4" accent5="accent5" accent6="accent6" bg1="lt1" bg2="dk2" tx1="dk1" tx2="lt2" folHlink="folHlink" hlink="hlink"/>
+  <p:clrMap bg1="lt1" tx1="dk1" bg2="dk2" tx2="lt2" accent1="accent1" accent2="accent2" accent3="accent3" accent4="accent4" accent5="accent5" accent6="accent6" hlink="hlink" folHlink="folHlink"/>
   <p:notesStyle>
-    <a:defPPr lvl="0" marR="0" rtl="0" algn="l">
+    <a:defPPr marR="0" lvl="0" algn="l" rtl="0">
       <a:lnSpc>
         <a:spcPct val="100000"/>
       </a:lnSpc>
@@ -500,7 +544,7 @@
         <a:spcPts val="0"/>
       </a:spcAft>
     </a:defPPr>
-    <a:lvl1pPr lvl="0" marR="0" rtl="0" algn="l">
+    <a:lvl1pPr marR="0" lvl="0" algn="l" rtl="0">
       <a:lnSpc>
         <a:spcPct val="100000"/>
       </a:lnSpc>
@@ -514,7 +558,7 @@
         <a:srgbClr val="000000"/>
       </a:buClr>
       <a:buFont typeface="Arial"/>
-      <a:defRPr b="0" i="0" sz="1400" u="none" cap="none" strike="noStrike">
+      <a:defRPr sz="1400" b="0" i="0" u="none" strike="noStrike" cap="none">
         <a:solidFill>
           <a:srgbClr val="000000"/>
         </a:solidFill>
@@ -524,7 +568,7 @@
         <a:sym typeface="Arial"/>
       </a:defRPr>
     </a:lvl1pPr>
-    <a:lvl2pPr lvl="1" marR="0" rtl="0" algn="l">
+    <a:lvl2pPr marR="0" lvl="1" algn="l" rtl="0">
       <a:lnSpc>
         <a:spcPct val="100000"/>
       </a:lnSpc>
@@ -538,7 +582,7 @@
         <a:srgbClr val="000000"/>
       </a:buClr>
       <a:buFont typeface="Arial"/>
-      <a:defRPr b="0" i="0" sz="1400" u="none" cap="none" strike="noStrike">
+      <a:defRPr sz="1400" b="0" i="0" u="none" strike="noStrike" cap="none">
         <a:solidFill>
           <a:srgbClr val="000000"/>
         </a:solidFill>
@@ -548,7 +592,7 @@
         <a:sym typeface="Arial"/>
       </a:defRPr>
     </a:lvl2pPr>
-    <a:lvl3pPr lvl="2" marR="0" rtl="0" algn="l">
+    <a:lvl3pPr marR="0" lvl="2" algn="l" rtl="0">
       <a:lnSpc>
         <a:spcPct val="100000"/>
       </a:lnSpc>
@@ -562,7 +606,7 @@
         <a:srgbClr val="000000"/>
       </a:buClr>
       <a:buFont typeface="Arial"/>
-      <a:defRPr b="0" i="0" sz="1400" u="none" cap="none" strike="noStrike">
+      <a:defRPr sz="1400" b="0" i="0" u="none" strike="noStrike" cap="none">
         <a:solidFill>
           <a:srgbClr val="000000"/>
         </a:solidFill>
@@ -572,7 +616,7 @@
         <a:sym typeface="Arial"/>
       </a:defRPr>
     </a:lvl3pPr>
-    <a:lvl4pPr lvl="3" marR="0" rtl="0" algn="l">
+    <a:lvl4pPr marR="0" lvl="3" algn="l" rtl="0">
       <a:lnSpc>
         <a:spcPct val="100000"/>
       </a:lnSpc>
@@ -586,7 +630,7 @@
         <a:srgbClr val="000000"/>
       </a:buClr>
       <a:buFont typeface="Arial"/>
-      <a:defRPr b="0" i="0" sz="1400" u="none" cap="none" strike="noStrike">
+      <a:defRPr sz="1400" b="0" i="0" u="none" strike="noStrike" cap="none">
         <a:solidFill>
           <a:srgbClr val="000000"/>
         </a:solidFill>
@@ -596,7 +640,7 @@
         <a:sym typeface="Arial"/>
       </a:defRPr>
     </a:lvl4pPr>
-    <a:lvl5pPr lvl="4" marR="0" rtl="0" algn="l">
+    <a:lvl5pPr marR="0" lvl="4" algn="l" rtl="0">
       <a:lnSpc>
         <a:spcPct val="100000"/>
       </a:lnSpc>
@@ -610,7 +654,7 @@
         <a:srgbClr val="000000"/>
       </a:buClr>
       <a:buFont typeface="Arial"/>
-      <a:defRPr b="0" i="0" sz="1400" u="none" cap="none" strike="noStrike">
+      <a:defRPr sz="1400" b="0" i="0" u="none" strike="noStrike" cap="none">
         <a:solidFill>
           <a:srgbClr val="000000"/>
         </a:solidFill>
@@ -620,7 +664,7 @@
         <a:sym typeface="Arial"/>
       </a:defRPr>
     </a:lvl5pPr>
-    <a:lvl6pPr lvl="5" marR="0" rtl="0" algn="l">
+    <a:lvl6pPr marR="0" lvl="5" algn="l" rtl="0">
       <a:lnSpc>
         <a:spcPct val="100000"/>
       </a:lnSpc>
@@ -634,7 +678,7 @@
         <a:srgbClr val="000000"/>
       </a:buClr>
       <a:buFont typeface="Arial"/>
-      <a:defRPr b="0" i="0" sz="1400" u="none" cap="none" strike="noStrike">
+      <a:defRPr sz="1400" b="0" i="0" u="none" strike="noStrike" cap="none">
         <a:solidFill>
           <a:srgbClr val="000000"/>
         </a:solidFill>
@@ -644,7 +688,7 @@
         <a:sym typeface="Arial"/>
       </a:defRPr>
     </a:lvl6pPr>
-    <a:lvl7pPr lvl="6" marR="0" rtl="0" algn="l">
+    <a:lvl7pPr marR="0" lvl="6" algn="l" rtl="0">
       <a:lnSpc>
         <a:spcPct val="100000"/>
       </a:lnSpc>
@@ -658,7 +702,7 @@
         <a:srgbClr val="000000"/>
       </a:buClr>
       <a:buFont typeface="Arial"/>
-      <a:defRPr b="0" i="0" sz="1400" u="none" cap="none" strike="noStrike">
+      <a:defRPr sz="1400" b="0" i="0" u="none" strike="noStrike" cap="none">
         <a:solidFill>
           <a:srgbClr val="000000"/>
         </a:solidFill>
@@ -668,7 +712,7 @@
         <a:sym typeface="Arial"/>
       </a:defRPr>
     </a:lvl7pPr>
-    <a:lvl8pPr lvl="7" marR="0" rtl="0" algn="l">
+    <a:lvl8pPr marR="0" lvl="7" algn="l" rtl="0">
       <a:lnSpc>
         <a:spcPct val="100000"/>
       </a:lnSpc>
@@ -682,7 +726,7 @@
         <a:srgbClr val="000000"/>
       </a:buClr>
       <a:buFont typeface="Arial"/>
-      <a:defRPr b="0" i="0" sz="1400" u="none" cap="none" strike="noStrike">
+      <a:defRPr sz="1400" b="0" i="0" u="none" strike="noStrike" cap="none">
         <a:solidFill>
           <a:srgbClr val="000000"/>
         </a:solidFill>
@@ -692,7 +736,7 @@
         <a:sym typeface="Arial"/>
       </a:defRPr>
     </a:lvl8pPr>
-    <a:lvl9pPr lvl="8" marR="0" rtl="0" algn="l">
+    <a:lvl9pPr marR="0" lvl="8" algn="l" rtl="0">
       <a:lnSpc>
         <a:spcPct val="100000"/>
       </a:lnSpc>
@@ -706,7 +750,7 @@
         <a:srgbClr val="000000"/>
       </a:buClr>
       <a:buFont typeface="Arial"/>
-      <a:defRPr b="0" i="0" sz="1400" u="none" cap="none" strike="noStrike">
+      <a:defRPr sz="1400" b="0" i="0" u="none" strike="noStrike" cap="none">
         <a:solidFill>
           <a:srgbClr val="000000"/>
         </a:solidFill>
@@ -721,11 +765,11 @@
 </file>
 
 <file path=ppt/notesSlides/notesSlide1.xml><?xml version="1.0" encoding="utf-8"?>
-<p:notes xmlns:a="http://schemas.openxmlformats.org/drawingml/2006/main" xmlns:r="http://schemas.openxmlformats.org/officeDocument/2006/relationships" xmlns:mc="http://schemas.openxmlformats.org/markup-compatibility/2006" xmlns:mv="urn:schemas-microsoft-com:mac:vml" xmlns:p="http://schemas.openxmlformats.org/presentationml/2006/main" xmlns:c="http://schemas.openxmlformats.org/drawingml/2006/chart" xmlns:dgm="http://schemas.openxmlformats.org/drawingml/2006/diagram" xmlns:o="urn:schemas-microsoft-com:office:office" xmlns:v="urn:schemas-microsoft-com:vml" xmlns:pvml="urn:schemas-microsoft-com:office:powerpoint" xmlns:com="http://schemas.openxmlformats.org/drawingml/2006/compatibility" xmlns:p14="http://schemas.microsoft.com/office/powerpoint/2010/main" xmlns:p15="http://schemas.microsoft.com/office/powerpoint/2012/main" xmlns:ahyp="http://schemas.microsoft.com/office/drawing/2018/hyperlinkcolor" showMasterPhAnim="0" showMasterSp="0">
+<p:notes xmlns:a="http://schemas.openxmlformats.org/drawingml/2006/main" xmlns:r="http://schemas.openxmlformats.org/officeDocument/2006/relationships" xmlns:p="http://schemas.openxmlformats.org/presentationml/2006/main" showMasterSp="0" showMasterPhAnim="0">
   <p:cSld>
     <p:spTree>
       <p:nvGrpSpPr>
-        <p:cNvPr id="81" name="Shape 81"/>
+        <p:cNvPr id="1" name="Shape 81"/>
         <p:cNvGrpSpPr/>
         <p:nvPr/>
       </p:nvGrpSpPr>
@@ -740,9 +784,11 @@
       <p:sp>
         <p:nvSpPr>
           <p:cNvPr id="82" name="Google Shape;82;p:notes"/>
-          <p:cNvSpPr/>
+          <p:cNvSpPr>
+            <a:spLocks noGrp="1" noRot="1" noChangeAspect="1"/>
+          </p:cNvSpPr>
           <p:nvPr>
-            <p:ph idx="2" type="sldImg"/>
+            <p:ph type="sldImg" idx="2"/>
           </p:nvPr>
         </p:nvSpPr>
         <p:spPr>
@@ -751,9 +797,13 @@
             <a:ext cx="6096075" cy="3429000"/>
           </a:xfrm>
           <a:custGeom>
-            <a:rect b="b" l="l" r="r" t="t"/>
+            <a:avLst/>
+            <a:gdLst/>
+            <a:ahLst/>
+            <a:cxnLst/>
+            <a:rect l="l" t="t" r="r" b="b"/>
             <a:pathLst>
-              <a:path extrusionOk="0" h="120000" w="120000">
+              <a:path w="120000" h="120000" extrusionOk="0">
                 <a:moveTo>
                   <a:pt x="0" y="0"/>
                 </a:moveTo>
@@ -775,9 +825,11 @@
       <p:sp>
         <p:nvSpPr>
           <p:cNvPr id="83" name="Google Shape;83;p:notes"/>
-          <p:cNvSpPr txBox="1"/>
+          <p:cNvSpPr txBox="1">
+            <a:spLocks noGrp="1"/>
+          </p:cNvSpPr>
           <p:nvPr>
-            <p:ph idx="1" type="body"/>
+            <p:ph type="body" idx="1"/>
           </p:nvPr>
         </p:nvSpPr>
         <p:spPr>
@@ -790,12 +842,12 @@
           </a:prstGeom>
         </p:spPr>
         <p:txBody>
-          <a:bodyPr anchorCtr="0" anchor="t" bIns="91425" lIns="91425" spcFirstLastPara="1" rIns="91425" wrap="square" tIns="91425">
+          <a:bodyPr spcFirstLastPara="1" wrap="square" lIns="91425" tIns="91425" rIns="91425" bIns="91425" anchor="t" anchorCtr="0">
             <a:noAutofit/>
           </a:bodyPr>
           <a:lstStyle/>
           <a:p>
-            <a:pPr indent="0" lvl="0" marL="0" rtl="0" algn="l">
+            <a:pPr marL="0" lvl="0" indent="0" algn="l" rtl="0">
               <a:spcBef>
                 <a:spcPts val="0"/>
               </a:spcBef>
@@ -804,9 +856,6 @@
               </a:spcAft>
               <a:buNone/>
             </a:pPr>
-            <a:r>
-              <a:t/>
-            </a:r>
             <a:endParaRPr/>
           </a:p>
         </p:txBody>
@@ -820,11 +869,11 @@
 </file>
 
 <file path=ppt/notesSlides/notesSlide10.xml><?xml version="1.0" encoding="utf-8"?>
-<p:notes xmlns:a="http://schemas.openxmlformats.org/drawingml/2006/main" xmlns:r="http://schemas.openxmlformats.org/officeDocument/2006/relationships" xmlns:mc="http://schemas.openxmlformats.org/markup-compatibility/2006" xmlns:mv="urn:schemas-microsoft-com:mac:vml" xmlns:p="http://schemas.openxmlformats.org/presentationml/2006/main" xmlns:c="http://schemas.openxmlformats.org/drawingml/2006/chart" xmlns:dgm="http://schemas.openxmlformats.org/drawingml/2006/diagram" xmlns:o="urn:schemas-microsoft-com:office:office" xmlns:v="urn:schemas-microsoft-com:vml" xmlns:pvml="urn:schemas-microsoft-com:office:powerpoint" xmlns:com="http://schemas.openxmlformats.org/drawingml/2006/compatibility" xmlns:p14="http://schemas.microsoft.com/office/powerpoint/2010/main" xmlns:p15="http://schemas.microsoft.com/office/powerpoint/2012/main" xmlns:ahyp="http://schemas.microsoft.com/office/drawing/2018/hyperlinkcolor" showMasterPhAnim="0" showMasterSp="0">
+<p:notes xmlns:a="http://schemas.openxmlformats.org/drawingml/2006/main" xmlns:r="http://schemas.openxmlformats.org/officeDocument/2006/relationships" xmlns:p="http://schemas.openxmlformats.org/presentationml/2006/main" showMasterSp="0" showMasterPhAnim="0">
   <p:cSld>
     <p:spTree>
       <p:nvGrpSpPr>
-        <p:cNvPr id="133" name="Shape 133"/>
+        <p:cNvPr id="1" name="Shape 133"/>
         <p:cNvGrpSpPr/>
         <p:nvPr/>
       </p:nvGrpSpPr>
@@ -839,9 +888,11 @@
       <p:sp>
         <p:nvSpPr>
           <p:cNvPr id="134" name="Google Shape;134;g9b9752f841_0_396:notes"/>
-          <p:cNvSpPr/>
+          <p:cNvSpPr>
+            <a:spLocks noGrp="1" noRot="1" noChangeAspect="1"/>
+          </p:cNvSpPr>
           <p:nvPr>
-            <p:ph idx="2" type="sldImg"/>
+            <p:ph type="sldImg" idx="2"/>
           </p:nvPr>
         </p:nvSpPr>
         <p:spPr>
@@ -850,9 +901,13 @@
             <a:ext cx="6096000" cy="3429000"/>
           </a:xfrm>
           <a:custGeom>
-            <a:rect b="b" l="l" r="r" t="t"/>
+            <a:avLst/>
+            <a:gdLst/>
+            <a:ahLst/>
+            <a:cxnLst/>
+            <a:rect l="l" t="t" r="r" b="b"/>
             <a:pathLst>
-              <a:path extrusionOk="0" h="120000" w="120000">
+              <a:path w="120000" h="120000" extrusionOk="0">
                 <a:moveTo>
                   <a:pt x="0" y="0"/>
                 </a:moveTo>
@@ -874,9 +929,11 @@
       <p:sp>
         <p:nvSpPr>
           <p:cNvPr id="135" name="Google Shape;135;g9b9752f841_0_396:notes"/>
-          <p:cNvSpPr txBox="1"/>
+          <p:cNvSpPr txBox="1">
+            <a:spLocks noGrp="1"/>
+          </p:cNvSpPr>
           <p:nvPr>
-            <p:ph idx="1" type="body"/>
+            <p:ph type="body" idx="1"/>
           </p:nvPr>
         </p:nvSpPr>
         <p:spPr>
@@ -889,12 +946,12 @@
           </a:prstGeom>
         </p:spPr>
         <p:txBody>
-          <a:bodyPr anchorCtr="0" anchor="t" bIns="91425" lIns="91425" spcFirstLastPara="1" rIns="91425" wrap="square" tIns="91425">
+          <a:bodyPr spcFirstLastPara="1" wrap="square" lIns="91425" tIns="91425" rIns="91425" bIns="91425" anchor="t" anchorCtr="0">
             <a:noAutofit/>
           </a:bodyPr>
           <a:lstStyle/>
           <a:p>
-            <a:pPr indent="0" lvl="0" marL="0" rtl="0" algn="l">
+            <a:pPr marL="0" lvl="0" indent="0" algn="l" rtl="0">
               <a:spcBef>
                 <a:spcPts val="0"/>
               </a:spcBef>
@@ -903,9 +960,6 @@
               </a:spcAft>
               <a:buNone/>
             </a:pPr>
-            <a:r>
-              <a:t/>
-            </a:r>
             <a:endParaRPr/>
           </a:p>
         </p:txBody>
@@ -919,11 +973,11 @@
 </file>
 
 <file path=ppt/notesSlides/notesSlide11.xml><?xml version="1.0" encoding="utf-8"?>
-<p:notes xmlns:a="http://schemas.openxmlformats.org/drawingml/2006/main" xmlns:r="http://schemas.openxmlformats.org/officeDocument/2006/relationships" xmlns:mc="http://schemas.openxmlformats.org/markup-compatibility/2006" xmlns:mv="urn:schemas-microsoft-com:mac:vml" xmlns:p="http://schemas.openxmlformats.org/presentationml/2006/main" xmlns:c="http://schemas.openxmlformats.org/drawingml/2006/chart" xmlns:dgm="http://schemas.openxmlformats.org/drawingml/2006/diagram" xmlns:o="urn:schemas-microsoft-com:office:office" xmlns:v="urn:schemas-microsoft-com:vml" xmlns:pvml="urn:schemas-microsoft-com:office:powerpoint" xmlns:com="http://schemas.openxmlformats.org/drawingml/2006/compatibility" xmlns:p14="http://schemas.microsoft.com/office/powerpoint/2010/main" xmlns:p15="http://schemas.microsoft.com/office/powerpoint/2012/main" xmlns:ahyp="http://schemas.microsoft.com/office/drawing/2018/hyperlinkcolor" showMasterPhAnim="0" showMasterSp="0">
+<p:notes xmlns:a="http://schemas.openxmlformats.org/drawingml/2006/main" xmlns:r="http://schemas.openxmlformats.org/officeDocument/2006/relationships" xmlns:p="http://schemas.openxmlformats.org/presentationml/2006/main" showMasterSp="0" showMasterPhAnim="0">
   <p:cSld>
     <p:spTree>
       <p:nvGrpSpPr>
-        <p:cNvPr id="138" name="Shape 138"/>
+        <p:cNvPr id="1" name="Shape 138"/>
         <p:cNvGrpSpPr/>
         <p:nvPr/>
       </p:nvGrpSpPr>
@@ -938,9 +992,11 @@
       <p:sp>
         <p:nvSpPr>
           <p:cNvPr id="139" name="Google Shape;139;g54143b7cc9_0_38:notes"/>
-          <p:cNvSpPr/>
+          <p:cNvSpPr>
+            <a:spLocks noGrp="1" noRot="1" noChangeAspect="1"/>
+          </p:cNvSpPr>
           <p:nvPr>
-            <p:ph idx="2" type="sldImg"/>
+            <p:ph type="sldImg" idx="2"/>
           </p:nvPr>
         </p:nvSpPr>
         <p:spPr>
@@ -949,9 +1005,13 @@
             <a:ext cx="6096000" cy="3429000"/>
           </a:xfrm>
           <a:custGeom>
-            <a:rect b="b" l="l" r="r" t="t"/>
+            <a:avLst/>
+            <a:gdLst/>
+            <a:ahLst/>
+            <a:cxnLst/>
+            <a:rect l="l" t="t" r="r" b="b"/>
             <a:pathLst>
-              <a:path extrusionOk="0" h="120000" w="120000">
+              <a:path w="120000" h="120000" extrusionOk="0">
                 <a:moveTo>
                   <a:pt x="0" y="0"/>
                 </a:moveTo>
@@ -973,9 +1033,11 @@
       <p:sp>
         <p:nvSpPr>
           <p:cNvPr id="140" name="Google Shape;140;g54143b7cc9_0_38:notes"/>
-          <p:cNvSpPr txBox="1"/>
+          <p:cNvSpPr txBox="1">
+            <a:spLocks noGrp="1"/>
+          </p:cNvSpPr>
           <p:nvPr>
-            <p:ph idx="1" type="body"/>
+            <p:ph type="body" idx="1"/>
           </p:nvPr>
         </p:nvSpPr>
         <p:spPr>
@@ -988,12 +1050,12 @@
           </a:prstGeom>
         </p:spPr>
         <p:txBody>
-          <a:bodyPr anchorCtr="0" anchor="t" bIns="91425" lIns="91425" spcFirstLastPara="1" rIns="91425" wrap="square" tIns="91425">
+          <a:bodyPr spcFirstLastPara="1" wrap="square" lIns="91425" tIns="91425" rIns="91425" bIns="91425" anchor="t" anchorCtr="0">
             <a:noAutofit/>
           </a:bodyPr>
           <a:lstStyle/>
           <a:p>
-            <a:pPr indent="0" lvl="0" marL="0" rtl="0" algn="l">
+            <a:pPr marL="0" lvl="0" indent="0" algn="l" rtl="0">
               <a:spcBef>
                 <a:spcPts val="0"/>
               </a:spcBef>
@@ -1002,9 +1064,6 @@
               </a:spcAft>
               <a:buNone/>
             </a:pPr>
-            <a:r>
-              <a:t/>
-            </a:r>
             <a:endParaRPr/>
           </a:p>
         </p:txBody>
@@ -1018,11 +1077,11 @@
 </file>
 
 <file path=ppt/notesSlides/notesSlide12.xml><?xml version="1.0" encoding="utf-8"?>
-<p:notes xmlns:a="http://schemas.openxmlformats.org/drawingml/2006/main" xmlns:r="http://schemas.openxmlformats.org/officeDocument/2006/relationships" xmlns:mc="http://schemas.openxmlformats.org/markup-compatibility/2006" xmlns:mv="urn:schemas-microsoft-com:mac:vml" xmlns:p="http://schemas.openxmlformats.org/presentationml/2006/main" xmlns:c="http://schemas.openxmlformats.org/drawingml/2006/chart" xmlns:dgm="http://schemas.openxmlformats.org/drawingml/2006/diagram" xmlns:o="urn:schemas-microsoft-com:office:office" xmlns:v="urn:schemas-microsoft-com:vml" xmlns:pvml="urn:schemas-microsoft-com:office:powerpoint" xmlns:com="http://schemas.openxmlformats.org/drawingml/2006/compatibility" xmlns:p14="http://schemas.microsoft.com/office/powerpoint/2010/main" xmlns:p15="http://schemas.microsoft.com/office/powerpoint/2012/main" xmlns:ahyp="http://schemas.microsoft.com/office/drawing/2018/hyperlinkcolor" showMasterPhAnim="0" showMasterSp="0">
+<p:notes xmlns:a="http://schemas.openxmlformats.org/drawingml/2006/main" xmlns:r="http://schemas.openxmlformats.org/officeDocument/2006/relationships" xmlns:p="http://schemas.openxmlformats.org/presentationml/2006/main" showMasterSp="0" showMasterPhAnim="0">
   <p:cSld>
     <p:spTree>
       <p:nvGrpSpPr>
-        <p:cNvPr id="144" name="Shape 144"/>
+        <p:cNvPr id="1" name="Shape 144"/>
         <p:cNvGrpSpPr/>
         <p:nvPr/>
       </p:nvGrpSpPr>
@@ -1037,9 +1096,11 @@
       <p:sp>
         <p:nvSpPr>
           <p:cNvPr id="145" name="Google Shape;145;g54143b7cc9_0_43:notes"/>
-          <p:cNvSpPr/>
+          <p:cNvSpPr>
+            <a:spLocks noGrp="1" noRot="1" noChangeAspect="1"/>
+          </p:cNvSpPr>
           <p:nvPr>
-            <p:ph idx="2" type="sldImg"/>
+            <p:ph type="sldImg" idx="2"/>
           </p:nvPr>
         </p:nvSpPr>
         <p:spPr>
@@ -1048,9 +1109,13 @@
             <a:ext cx="6096000" cy="3429000"/>
           </a:xfrm>
           <a:custGeom>
-            <a:rect b="b" l="l" r="r" t="t"/>
+            <a:avLst/>
+            <a:gdLst/>
+            <a:ahLst/>
+            <a:cxnLst/>
+            <a:rect l="l" t="t" r="r" b="b"/>
             <a:pathLst>
-              <a:path extrusionOk="0" h="120000" w="120000">
+              <a:path w="120000" h="120000" extrusionOk="0">
                 <a:moveTo>
                   <a:pt x="0" y="0"/>
                 </a:moveTo>
@@ -1072,9 +1137,11 @@
       <p:sp>
         <p:nvSpPr>
           <p:cNvPr id="146" name="Google Shape;146;g54143b7cc9_0_43:notes"/>
-          <p:cNvSpPr txBox="1"/>
+          <p:cNvSpPr txBox="1">
+            <a:spLocks noGrp="1"/>
+          </p:cNvSpPr>
           <p:nvPr>
-            <p:ph idx="1" type="body"/>
+            <p:ph type="body" idx="1"/>
           </p:nvPr>
         </p:nvSpPr>
         <p:spPr>
@@ -1087,12 +1154,12 @@
           </a:prstGeom>
         </p:spPr>
         <p:txBody>
-          <a:bodyPr anchorCtr="0" anchor="t" bIns="91425" lIns="91425" spcFirstLastPara="1" rIns="91425" wrap="square" tIns="91425">
+          <a:bodyPr spcFirstLastPara="1" wrap="square" lIns="91425" tIns="91425" rIns="91425" bIns="91425" anchor="t" anchorCtr="0">
             <a:noAutofit/>
           </a:bodyPr>
           <a:lstStyle/>
           <a:p>
-            <a:pPr indent="0" lvl="0" marL="0" rtl="0" algn="l">
+            <a:pPr marL="0" lvl="0" indent="0" algn="l" rtl="0">
               <a:spcBef>
                 <a:spcPts val="0"/>
               </a:spcBef>
@@ -1101,9 +1168,6 @@
               </a:spcAft>
               <a:buNone/>
             </a:pPr>
-            <a:r>
-              <a:t/>
-            </a:r>
             <a:endParaRPr/>
           </a:p>
         </p:txBody>
@@ -1117,11 +1181,11 @@
 </file>
 
 <file path=ppt/notesSlides/notesSlide13.xml><?xml version="1.0" encoding="utf-8"?>
-<p:notes xmlns:a="http://schemas.openxmlformats.org/drawingml/2006/main" xmlns:r="http://schemas.openxmlformats.org/officeDocument/2006/relationships" xmlns:mc="http://schemas.openxmlformats.org/markup-compatibility/2006" xmlns:mv="urn:schemas-microsoft-com:mac:vml" xmlns:p="http://schemas.openxmlformats.org/presentationml/2006/main" xmlns:c="http://schemas.openxmlformats.org/drawingml/2006/chart" xmlns:dgm="http://schemas.openxmlformats.org/drawingml/2006/diagram" xmlns:o="urn:schemas-microsoft-com:office:office" xmlns:v="urn:schemas-microsoft-com:vml" xmlns:pvml="urn:schemas-microsoft-com:office:powerpoint" xmlns:com="http://schemas.openxmlformats.org/drawingml/2006/compatibility" xmlns:p14="http://schemas.microsoft.com/office/powerpoint/2010/main" xmlns:p15="http://schemas.microsoft.com/office/powerpoint/2012/main" xmlns:ahyp="http://schemas.microsoft.com/office/drawing/2018/hyperlinkcolor" showMasterPhAnim="0" showMasterSp="0">
+<p:notes xmlns:a="http://schemas.openxmlformats.org/drawingml/2006/main" xmlns:r="http://schemas.openxmlformats.org/officeDocument/2006/relationships" xmlns:p="http://schemas.openxmlformats.org/presentationml/2006/main" showMasterSp="0" showMasterPhAnim="0">
   <p:cSld>
     <p:spTree>
       <p:nvGrpSpPr>
-        <p:cNvPr id="150" name="Shape 150"/>
+        <p:cNvPr id="1" name="Shape 150"/>
         <p:cNvGrpSpPr/>
         <p:nvPr/>
       </p:nvGrpSpPr>
@@ -1136,9 +1200,11 @@
       <p:sp>
         <p:nvSpPr>
           <p:cNvPr id="151" name="Google Shape;151;g54143b7cc9_0_49:notes"/>
-          <p:cNvSpPr/>
+          <p:cNvSpPr>
+            <a:spLocks noGrp="1" noRot="1" noChangeAspect="1"/>
+          </p:cNvSpPr>
           <p:nvPr>
-            <p:ph idx="2" type="sldImg"/>
+            <p:ph type="sldImg" idx="2"/>
           </p:nvPr>
         </p:nvSpPr>
         <p:spPr>
@@ -1147,9 +1213,13 @@
             <a:ext cx="6096000" cy="3429000"/>
           </a:xfrm>
           <a:custGeom>
-            <a:rect b="b" l="l" r="r" t="t"/>
+            <a:avLst/>
+            <a:gdLst/>
+            <a:ahLst/>
+            <a:cxnLst/>
+            <a:rect l="l" t="t" r="r" b="b"/>
             <a:pathLst>
-              <a:path extrusionOk="0" h="120000" w="120000">
+              <a:path w="120000" h="120000" extrusionOk="0">
                 <a:moveTo>
                   <a:pt x="0" y="0"/>
                 </a:moveTo>
@@ -1171,9 +1241,11 @@
       <p:sp>
         <p:nvSpPr>
           <p:cNvPr id="152" name="Google Shape;152;g54143b7cc9_0_49:notes"/>
-          <p:cNvSpPr txBox="1"/>
+          <p:cNvSpPr txBox="1">
+            <a:spLocks noGrp="1"/>
+          </p:cNvSpPr>
           <p:nvPr>
-            <p:ph idx="1" type="body"/>
+            <p:ph type="body" idx="1"/>
           </p:nvPr>
         </p:nvSpPr>
         <p:spPr>
@@ -1186,12 +1258,12 @@
           </a:prstGeom>
         </p:spPr>
         <p:txBody>
-          <a:bodyPr anchorCtr="0" anchor="t" bIns="91425" lIns="91425" spcFirstLastPara="1" rIns="91425" wrap="square" tIns="91425">
+          <a:bodyPr spcFirstLastPara="1" wrap="square" lIns="91425" tIns="91425" rIns="91425" bIns="91425" anchor="t" anchorCtr="0">
             <a:noAutofit/>
           </a:bodyPr>
           <a:lstStyle/>
           <a:p>
-            <a:pPr indent="0" lvl="0" marL="0" rtl="0" algn="l">
+            <a:pPr marL="0" lvl="0" indent="0" algn="l" rtl="0">
               <a:spcBef>
                 <a:spcPts val="0"/>
               </a:spcBef>
@@ -1200,9 +1272,6 @@
               </a:spcAft>
               <a:buNone/>
             </a:pPr>
-            <a:r>
-              <a:t/>
-            </a:r>
             <a:endParaRPr/>
           </a:p>
         </p:txBody>
@@ -1216,11 +1285,11 @@
 </file>
 
 <file path=ppt/notesSlides/notesSlide14.xml><?xml version="1.0" encoding="utf-8"?>
-<p:notes xmlns:a="http://schemas.openxmlformats.org/drawingml/2006/main" xmlns:r="http://schemas.openxmlformats.org/officeDocument/2006/relationships" xmlns:mc="http://schemas.openxmlformats.org/markup-compatibility/2006" xmlns:mv="urn:schemas-microsoft-com:mac:vml" xmlns:p="http://schemas.openxmlformats.org/presentationml/2006/main" xmlns:c="http://schemas.openxmlformats.org/drawingml/2006/chart" xmlns:dgm="http://schemas.openxmlformats.org/drawingml/2006/diagram" xmlns:o="urn:schemas-microsoft-com:office:office" xmlns:v="urn:schemas-microsoft-com:vml" xmlns:pvml="urn:schemas-microsoft-com:office:powerpoint" xmlns:com="http://schemas.openxmlformats.org/drawingml/2006/compatibility" xmlns:p14="http://schemas.microsoft.com/office/powerpoint/2010/main" xmlns:p15="http://schemas.microsoft.com/office/powerpoint/2012/main" xmlns:ahyp="http://schemas.microsoft.com/office/drawing/2018/hyperlinkcolor" showMasterPhAnim="0" showMasterSp="0">
+<p:notes xmlns:a="http://schemas.openxmlformats.org/drawingml/2006/main" xmlns:r="http://schemas.openxmlformats.org/officeDocument/2006/relationships" xmlns:p="http://schemas.openxmlformats.org/presentationml/2006/main" showMasterSp="0" showMasterPhAnim="0">
   <p:cSld>
     <p:spTree>
       <p:nvGrpSpPr>
-        <p:cNvPr id="156" name="Shape 156"/>
+        <p:cNvPr id="1" name="Shape 156"/>
         <p:cNvGrpSpPr/>
         <p:nvPr/>
       </p:nvGrpSpPr>
@@ -1235,9 +1304,11 @@
       <p:sp>
         <p:nvSpPr>
           <p:cNvPr id="157" name="Google Shape;157;g54143b7cc9_0_57:notes"/>
-          <p:cNvSpPr/>
+          <p:cNvSpPr>
+            <a:spLocks noGrp="1" noRot="1" noChangeAspect="1"/>
+          </p:cNvSpPr>
           <p:nvPr>
-            <p:ph idx="2" type="sldImg"/>
+            <p:ph type="sldImg" idx="2"/>
           </p:nvPr>
         </p:nvSpPr>
         <p:spPr>
@@ -1246,9 +1317,13 @@
             <a:ext cx="6096000" cy="3429000"/>
           </a:xfrm>
           <a:custGeom>
-            <a:rect b="b" l="l" r="r" t="t"/>
+            <a:avLst/>
+            <a:gdLst/>
+            <a:ahLst/>
+            <a:cxnLst/>
+            <a:rect l="l" t="t" r="r" b="b"/>
             <a:pathLst>
-              <a:path extrusionOk="0" h="120000" w="120000">
+              <a:path w="120000" h="120000" extrusionOk="0">
                 <a:moveTo>
                   <a:pt x="0" y="0"/>
                 </a:moveTo>
@@ -1270,9 +1345,11 @@
       <p:sp>
         <p:nvSpPr>
           <p:cNvPr id="158" name="Google Shape;158;g54143b7cc9_0_57:notes"/>
-          <p:cNvSpPr txBox="1"/>
+          <p:cNvSpPr txBox="1">
+            <a:spLocks noGrp="1"/>
+          </p:cNvSpPr>
           <p:nvPr>
-            <p:ph idx="1" type="body"/>
+            <p:ph type="body" idx="1"/>
           </p:nvPr>
         </p:nvSpPr>
         <p:spPr>
@@ -1285,12 +1362,12 @@
           </a:prstGeom>
         </p:spPr>
         <p:txBody>
-          <a:bodyPr anchorCtr="0" anchor="t" bIns="91425" lIns="91425" spcFirstLastPara="1" rIns="91425" wrap="square" tIns="91425">
+          <a:bodyPr spcFirstLastPara="1" wrap="square" lIns="91425" tIns="91425" rIns="91425" bIns="91425" anchor="t" anchorCtr="0">
             <a:noAutofit/>
           </a:bodyPr>
           <a:lstStyle/>
           <a:p>
-            <a:pPr indent="0" lvl="0" marL="0" rtl="0" algn="l">
+            <a:pPr marL="0" lvl="0" indent="0" algn="l" rtl="0">
               <a:spcBef>
                 <a:spcPts val="0"/>
               </a:spcBef>
@@ -1299,9 +1376,6 @@
               </a:spcAft>
               <a:buNone/>
             </a:pPr>
-            <a:r>
-              <a:t/>
-            </a:r>
             <a:endParaRPr/>
           </a:p>
         </p:txBody>
@@ -1315,11 +1389,11 @@
 </file>
 
 <file path=ppt/notesSlides/notesSlide15.xml><?xml version="1.0" encoding="utf-8"?>
-<p:notes xmlns:a="http://schemas.openxmlformats.org/drawingml/2006/main" xmlns:r="http://schemas.openxmlformats.org/officeDocument/2006/relationships" xmlns:mc="http://schemas.openxmlformats.org/markup-compatibility/2006" xmlns:mv="urn:schemas-microsoft-com:mac:vml" xmlns:p="http://schemas.openxmlformats.org/presentationml/2006/main" xmlns:c="http://schemas.openxmlformats.org/drawingml/2006/chart" xmlns:dgm="http://schemas.openxmlformats.org/drawingml/2006/diagram" xmlns:o="urn:schemas-microsoft-com:office:office" xmlns:v="urn:schemas-microsoft-com:vml" xmlns:pvml="urn:schemas-microsoft-com:office:powerpoint" xmlns:com="http://schemas.openxmlformats.org/drawingml/2006/compatibility" xmlns:p14="http://schemas.microsoft.com/office/powerpoint/2010/main" xmlns:p15="http://schemas.microsoft.com/office/powerpoint/2012/main" xmlns:ahyp="http://schemas.microsoft.com/office/drawing/2018/hyperlinkcolor" showMasterPhAnim="0" showMasterSp="0">
+<p:notes xmlns:a="http://schemas.openxmlformats.org/drawingml/2006/main" xmlns:r="http://schemas.openxmlformats.org/officeDocument/2006/relationships" xmlns:p="http://schemas.openxmlformats.org/presentationml/2006/main" showMasterSp="0" showMasterPhAnim="0">
   <p:cSld>
     <p:spTree>
       <p:nvGrpSpPr>
-        <p:cNvPr id="162" name="Shape 162"/>
+        <p:cNvPr id="1" name="Shape 162"/>
         <p:cNvGrpSpPr/>
         <p:nvPr/>
       </p:nvGrpSpPr>
@@ -1334,9 +1408,11 @@
       <p:sp>
         <p:nvSpPr>
           <p:cNvPr id="163" name="Google Shape;163;ga256c4f388_2_6:notes"/>
-          <p:cNvSpPr/>
+          <p:cNvSpPr>
+            <a:spLocks noGrp="1" noRot="1" noChangeAspect="1"/>
+          </p:cNvSpPr>
           <p:nvPr>
-            <p:ph idx="2" type="sldImg"/>
+            <p:ph type="sldImg" idx="2"/>
           </p:nvPr>
         </p:nvSpPr>
         <p:spPr>
@@ -1345,9 +1421,13 @@
             <a:ext cx="6096000" cy="3429000"/>
           </a:xfrm>
           <a:custGeom>
-            <a:rect b="b" l="l" r="r" t="t"/>
+            <a:avLst/>
+            <a:gdLst/>
+            <a:ahLst/>
+            <a:cxnLst/>
+            <a:rect l="l" t="t" r="r" b="b"/>
             <a:pathLst>
-              <a:path extrusionOk="0" h="120000" w="120000">
+              <a:path w="120000" h="120000" extrusionOk="0">
                 <a:moveTo>
                   <a:pt x="0" y="0"/>
                 </a:moveTo>
@@ -1369,9 +1449,11 @@
       <p:sp>
         <p:nvSpPr>
           <p:cNvPr id="164" name="Google Shape;164;ga256c4f388_2_6:notes"/>
-          <p:cNvSpPr txBox="1"/>
+          <p:cNvSpPr txBox="1">
+            <a:spLocks noGrp="1"/>
+          </p:cNvSpPr>
           <p:nvPr>
-            <p:ph idx="1" type="body"/>
+            <p:ph type="body" idx="1"/>
           </p:nvPr>
         </p:nvSpPr>
         <p:spPr>
@@ -1384,12 +1466,12 @@
           </a:prstGeom>
         </p:spPr>
         <p:txBody>
-          <a:bodyPr anchorCtr="0" anchor="t" bIns="91425" lIns="91425" spcFirstLastPara="1" rIns="91425" wrap="square" tIns="91425">
+          <a:bodyPr spcFirstLastPara="1" wrap="square" lIns="91425" tIns="91425" rIns="91425" bIns="91425" anchor="t" anchorCtr="0">
             <a:noAutofit/>
           </a:bodyPr>
           <a:lstStyle/>
           <a:p>
-            <a:pPr indent="0" lvl="0" marL="0" rtl="0" algn="l">
+            <a:pPr marL="0" lvl="0" indent="0" algn="l" rtl="0">
               <a:spcBef>
                 <a:spcPts val="0"/>
               </a:spcBef>
@@ -1398,9 +1480,6 @@
               </a:spcAft>
               <a:buNone/>
             </a:pPr>
-            <a:r>
-              <a:t/>
-            </a:r>
             <a:endParaRPr/>
           </a:p>
         </p:txBody>
@@ -1414,11 +1493,11 @@
 </file>
 
 <file path=ppt/notesSlides/notesSlide16.xml><?xml version="1.0" encoding="utf-8"?>
-<p:notes xmlns:a="http://schemas.openxmlformats.org/drawingml/2006/main" xmlns:r="http://schemas.openxmlformats.org/officeDocument/2006/relationships" xmlns:mc="http://schemas.openxmlformats.org/markup-compatibility/2006" xmlns:mv="urn:schemas-microsoft-com:mac:vml" xmlns:p="http://schemas.openxmlformats.org/presentationml/2006/main" xmlns:c="http://schemas.openxmlformats.org/drawingml/2006/chart" xmlns:dgm="http://schemas.openxmlformats.org/drawingml/2006/diagram" xmlns:o="urn:schemas-microsoft-com:office:office" xmlns:v="urn:schemas-microsoft-com:vml" xmlns:pvml="urn:schemas-microsoft-com:office:powerpoint" xmlns:com="http://schemas.openxmlformats.org/drawingml/2006/compatibility" xmlns:p14="http://schemas.microsoft.com/office/powerpoint/2010/main" xmlns:p15="http://schemas.microsoft.com/office/powerpoint/2012/main" xmlns:ahyp="http://schemas.microsoft.com/office/drawing/2018/hyperlinkcolor" showMasterPhAnim="0" showMasterSp="0">
+<p:notes xmlns:a="http://schemas.openxmlformats.org/drawingml/2006/main" xmlns:r="http://schemas.openxmlformats.org/officeDocument/2006/relationships" xmlns:p="http://schemas.openxmlformats.org/presentationml/2006/main" showMasterSp="0" showMasterPhAnim="0">
   <p:cSld>
     <p:spTree>
       <p:nvGrpSpPr>
-        <p:cNvPr id="167" name="Shape 167"/>
+        <p:cNvPr id="1" name="Shape 167"/>
         <p:cNvGrpSpPr/>
         <p:nvPr/>
       </p:nvGrpSpPr>
@@ -1433,9 +1512,11 @@
       <p:sp>
         <p:nvSpPr>
           <p:cNvPr id="168" name="Google Shape;168;ga256c4f388_2_17:notes"/>
-          <p:cNvSpPr/>
+          <p:cNvSpPr>
+            <a:spLocks noGrp="1" noRot="1" noChangeAspect="1"/>
+          </p:cNvSpPr>
           <p:nvPr>
-            <p:ph idx="2" type="sldImg"/>
+            <p:ph type="sldImg" idx="2"/>
           </p:nvPr>
         </p:nvSpPr>
         <p:spPr>
@@ -1444,9 +1525,13 @@
             <a:ext cx="6096000" cy="3429000"/>
           </a:xfrm>
           <a:custGeom>
-            <a:rect b="b" l="l" r="r" t="t"/>
+            <a:avLst/>
+            <a:gdLst/>
+            <a:ahLst/>
+            <a:cxnLst/>
+            <a:rect l="l" t="t" r="r" b="b"/>
             <a:pathLst>
-              <a:path extrusionOk="0" h="120000" w="120000">
+              <a:path w="120000" h="120000" extrusionOk="0">
                 <a:moveTo>
                   <a:pt x="0" y="0"/>
                 </a:moveTo>
@@ -1468,9 +1553,11 @@
       <p:sp>
         <p:nvSpPr>
           <p:cNvPr id="169" name="Google Shape;169;ga256c4f388_2_17:notes"/>
-          <p:cNvSpPr txBox="1"/>
+          <p:cNvSpPr txBox="1">
+            <a:spLocks noGrp="1"/>
+          </p:cNvSpPr>
           <p:nvPr>
-            <p:ph idx="1" type="body"/>
+            <p:ph type="body" idx="1"/>
           </p:nvPr>
         </p:nvSpPr>
         <p:spPr>
@@ -1483,12 +1570,12 @@
           </a:prstGeom>
         </p:spPr>
         <p:txBody>
-          <a:bodyPr anchorCtr="0" anchor="t" bIns="91425" lIns="91425" spcFirstLastPara="1" rIns="91425" wrap="square" tIns="91425">
+          <a:bodyPr spcFirstLastPara="1" wrap="square" lIns="91425" tIns="91425" rIns="91425" bIns="91425" anchor="t" anchorCtr="0">
             <a:noAutofit/>
           </a:bodyPr>
           <a:lstStyle/>
           <a:p>
-            <a:pPr indent="0" lvl="0" marL="0" rtl="0" algn="l">
+            <a:pPr marL="0" lvl="0" indent="0" algn="l" rtl="0">
               <a:spcBef>
                 <a:spcPts val="0"/>
               </a:spcBef>
@@ -1497,9 +1584,6 @@
               </a:spcAft>
               <a:buNone/>
             </a:pPr>
-            <a:r>
-              <a:t/>
-            </a:r>
             <a:endParaRPr/>
           </a:p>
         </p:txBody>
@@ -1513,11 +1597,11 @@
 </file>
 
 <file path=ppt/notesSlides/notesSlide17.xml><?xml version="1.0" encoding="utf-8"?>
-<p:notes xmlns:a="http://schemas.openxmlformats.org/drawingml/2006/main" xmlns:r="http://schemas.openxmlformats.org/officeDocument/2006/relationships" xmlns:mc="http://schemas.openxmlformats.org/markup-compatibility/2006" xmlns:mv="urn:schemas-microsoft-com:mac:vml" xmlns:p="http://schemas.openxmlformats.org/presentationml/2006/main" xmlns:c="http://schemas.openxmlformats.org/drawingml/2006/chart" xmlns:dgm="http://schemas.openxmlformats.org/drawingml/2006/diagram" xmlns:o="urn:schemas-microsoft-com:office:office" xmlns:v="urn:schemas-microsoft-com:vml" xmlns:pvml="urn:schemas-microsoft-com:office:powerpoint" xmlns:com="http://schemas.openxmlformats.org/drawingml/2006/compatibility" xmlns:p14="http://schemas.microsoft.com/office/powerpoint/2010/main" xmlns:p15="http://schemas.microsoft.com/office/powerpoint/2012/main" xmlns:ahyp="http://schemas.microsoft.com/office/drawing/2018/hyperlinkcolor" showMasterPhAnim="0" showMasterSp="0">
+<p:notes xmlns:a="http://schemas.openxmlformats.org/drawingml/2006/main" xmlns:r="http://schemas.openxmlformats.org/officeDocument/2006/relationships" xmlns:p="http://schemas.openxmlformats.org/presentationml/2006/main" showMasterSp="0" showMasterPhAnim="0">
   <p:cSld>
     <p:spTree>
       <p:nvGrpSpPr>
-        <p:cNvPr id="172" name="Shape 172"/>
+        <p:cNvPr id="1" name="Shape 172"/>
         <p:cNvGrpSpPr/>
         <p:nvPr/>
       </p:nvGrpSpPr>
@@ -1532,9 +1616,11 @@
       <p:sp>
         <p:nvSpPr>
           <p:cNvPr id="173" name="Google Shape;173;ga256c4f388_2_23:notes"/>
-          <p:cNvSpPr/>
+          <p:cNvSpPr>
+            <a:spLocks noGrp="1" noRot="1" noChangeAspect="1"/>
+          </p:cNvSpPr>
           <p:nvPr>
-            <p:ph idx="2" type="sldImg"/>
+            <p:ph type="sldImg" idx="2"/>
           </p:nvPr>
         </p:nvSpPr>
         <p:spPr>
@@ -1543,9 +1629,13 @@
             <a:ext cx="6096000" cy="3429000"/>
           </a:xfrm>
           <a:custGeom>
-            <a:rect b="b" l="l" r="r" t="t"/>
+            <a:avLst/>
+            <a:gdLst/>
+            <a:ahLst/>
+            <a:cxnLst/>
+            <a:rect l="l" t="t" r="r" b="b"/>
             <a:pathLst>
-              <a:path extrusionOk="0" h="120000" w="120000">
+              <a:path w="120000" h="120000" extrusionOk="0">
                 <a:moveTo>
                   <a:pt x="0" y="0"/>
                 </a:moveTo>
@@ -1567,9 +1657,11 @@
       <p:sp>
         <p:nvSpPr>
           <p:cNvPr id="174" name="Google Shape;174;ga256c4f388_2_23:notes"/>
-          <p:cNvSpPr txBox="1"/>
+          <p:cNvSpPr txBox="1">
+            <a:spLocks noGrp="1"/>
+          </p:cNvSpPr>
           <p:nvPr>
-            <p:ph idx="1" type="body"/>
+            <p:ph type="body" idx="1"/>
           </p:nvPr>
         </p:nvSpPr>
         <p:spPr>
@@ -1582,12 +1674,12 @@
           </a:prstGeom>
         </p:spPr>
         <p:txBody>
-          <a:bodyPr anchorCtr="0" anchor="t" bIns="91425" lIns="91425" spcFirstLastPara="1" rIns="91425" wrap="square" tIns="91425">
+          <a:bodyPr spcFirstLastPara="1" wrap="square" lIns="91425" tIns="91425" rIns="91425" bIns="91425" anchor="t" anchorCtr="0">
             <a:noAutofit/>
           </a:bodyPr>
           <a:lstStyle/>
           <a:p>
-            <a:pPr indent="0" lvl="0" marL="0" rtl="0" algn="l">
+            <a:pPr marL="0" lvl="0" indent="0" algn="l" rtl="0">
               <a:spcBef>
                 <a:spcPts val="0"/>
               </a:spcBef>
@@ -1596,9 +1688,6 @@
               </a:spcAft>
               <a:buNone/>
             </a:pPr>
-            <a:r>
-              <a:t/>
-            </a:r>
             <a:endParaRPr/>
           </a:p>
         </p:txBody>
@@ -1612,11 +1701,11 @@
 </file>
 
 <file path=ppt/notesSlides/notesSlide18.xml><?xml version="1.0" encoding="utf-8"?>
-<p:notes xmlns:a="http://schemas.openxmlformats.org/drawingml/2006/main" xmlns:r="http://schemas.openxmlformats.org/officeDocument/2006/relationships" xmlns:mc="http://schemas.openxmlformats.org/markup-compatibility/2006" xmlns:mv="urn:schemas-microsoft-com:mac:vml" xmlns:p="http://schemas.openxmlformats.org/presentationml/2006/main" xmlns:c="http://schemas.openxmlformats.org/drawingml/2006/chart" xmlns:dgm="http://schemas.openxmlformats.org/drawingml/2006/diagram" xmlns:o="urn:schemas-microsoft-com:office:office" xmlns:v="urn:schemas-microsoft-com:vml" xmlns:pvml="urn:schemas-microsoft-com:office:powerpoint" xmlns:com="http://schemas.openxmlformats.org/drawingml/2006/compatibility" xmlns:p14="http://schemas.microsoft.com/office/powerpoint/2010/main" xmlns:p15="http://schemas.microsoft.com/office/powerpoint/2012/main" xmlns:ahyp="http://schemas.microsoft.com/office/drawing/2018/hyperlinkcolor" showMasterPhAnim="0" showMasterSp="0">
+<p:notes xmlns:a="http://schemas.openxmlformats.org/drawingml/2006/main" xmlns:r="http://schemas.openxmlformats.org/officeDocument/2006/relationships" xmlns:p="http://schemas.openxmlformats.org/presentationml/2006/main" showMasterSp="0" showMasterPhAnim="0">
   <p:cSld>
     <p:spTree>
       <p:nvGrpSpPr>
-        <p:cNvPr id="177" name="Shape 177"/>
+        <p:cNvPr id="1" name="Shape 177"/>
         <p:cNvGrpSpPr/>
         <p:nvPr/>
       </p:nvGrpSpPr>
@@ -1631,9 +1720,11 @@
       <p:sp>
         <p:nvSpPr>
           <p:cNvPr id="178" name="Google Shape;178;ga256c4f388_2_0:notes"/>
-          <p:cNvSpPr/>
+          <p:cNvSpPr>
+            <a:spLocks noGrp="1" noRot="1" noChangeAspect="1"/>
+          </p:cNvSpPr>
           <p:nvPr>
-            <p:ph idx="2" type="sldImg"/>
+            <p:ph type="sldImg" idx="2"/>
           </p:nvPr>
         </p:nvSpPr>
         <p:spPr>
@@ -1642,9 +1733,13 @@
             <a:ext cx="6096000" cy="3429000"/>
           </a:xfrm>
           <a:custGeom>
-            <a:rect b="b" l="l" r="r" t="t"/>
+            <a:avLst/>
+            <a:gdLst/>
+            <a:ahLst/>
+            <a:cxnLst/>
+            <a:rect l="l" t="t" r="r" b="b"/>
             <a:pathLst>
-              <a:path extrusionOk="0" h="120000" w="120000">
+              <a:path w="120000" h="120000" extrusionOk="0">
                 <a:moveTo>
                   <a:pt x="0" y="0"/>
                 </a:moveTo>
@@ -1666,9 +1761,11 @@
       <p:sp>
         <p:nvSpPr>
           <p:cNvPr id="179" name="Google Shape;179;ga256c4f388_2_0:notes"/>
-          <p:cNvSpPr txBox="1"/>
+          <p:cNvSpPr txBox="1">
+            <a:spLocks noGrp="1"/>
+          </p:cNvSpPr>
           <p:nvPr>
-            <p:ph idx="1" type="body"/>
+            <p:ph type="body" idx="1"/>
           </p:nvPr>
         </p:nvSpPr>
         <p:spPr>
@@ -1681,12 +1778,12 @@
           </a:prstGeom>
         </p:spPr>
         <p:txBody>
-          <a:bodyPr anchorCtr="0" anchor="t" bIns="91425" lIns="91425" spcFirstLastPara="1" rIns="91425" wrap="square" tIns="91425">
+          <a:bodyPr spcFirstLastPara="1" wrap="square" lIns="91425" tIns="91425" rIns="91425" bIns="91425" anchor="t" anchorCtr="0">
             <a:noAutofit/>
           </a:bodyPr>
           <a:lstStyle/>
           <a:p>
-            <a:pPr indent="0" lvl="0" marL="0" rtl="0" algn="l">
+            <a:pPr marL="0" lvl="0" indent="0" algn="l" rtl="0">
               <a:spcBef>
                 <a:spcPts val="0"/>
               </a:spcBef>
@@ -1695,9 +1792,6 @@
               </a:spcAft>
               <a:buNone/>
             </a:pPr>
-            <a:r>
-              <a:t/>
-            </a:r>
             <a:endParaRPr/>
           </a:p>
         </p:txBody>
@@ -1711,11 +1805,11 @@
 </file>
 
 <file path=ppt/notesSlides/notesSlide19.xml><?xml version="1.0" encoding="utf-8"?>
-<p:notes xmlns:a="http://schemas.openxmlformats.org/drawingml/2006/main" xmlns:r="http://schemas.openxmlformats.org/officeDocument/2006/relationships" xmlns:mc="http://schemas.openxmlformats.org/markup-compatibility/2006" xmlns:mv="urn:schemas-microsoft-com:mac:vml" xmlns:p="http://schemas.openxmlformats.org/presentationml/2006/main" xmlns:c="http://schemas.openxmlformats.org/drawingml/2006/chart" xmlns:dgm="http://schemas.openxmlformats.org/drawingml/2006/diagram" xmlns:o="urn:schemas-microsoft-com:office:office" xmlns:v="urn:schemas-microsoft-com:vml" xmlns:pvml="urn:schemas-microsoft-com:office:powerpoint" xmlns:com="http://schemas.openxmlformats.org/drawingml/2006/compatibility" xmlns:p14="http://schemas.microsoft.com/office/powerpoint/2010/main" xmlns:p15="http://schemas.microsoft.com/office/powerpoint/2012/main" xmlns:ahyp="http://schemas.microsoft.com/office/drawing/2018/hyperlinkcolor" showMasterPhAnim="0" showMasterSp="0">
+<p:notes xmlns:a="http://schemas.openxmlformats.org/drawingml/2006/main" xmlns:r="http://schemas.openxmlformats.org/officeDocument/2006/relationships" xmlns:p="http://schemas.openxmlformats.org/presentationml/2006/main" showMasterSp="0" showMasterPhAnim="0">
   <p:cSld>
     <p:spTree>
       <p:nvGrpSpPr>
-        <p:cNvPr id="182" name="Shape 182"/>
+        <p:cNvPr id="1" name="Shape 182"/>
         <p:cNvGrpSpPr/>
         <p:nvPr/>
       </p:nvGrpSpPr>
@@ -1730,9 +1824,11 @@
       <p:sp>
         <p:nvSpPr>
           <p:cNvPr id="183" name="Google Shape;183;g9b9752f841_4_0:notes"/>
-          <p:cNvSpPr/>
+          <p:cNvSpPr>
+            <a:spLocks noGrp="1" noRot="1" noChangeAspect="1"/>
+          </p:cNvSpPr>
           <p:nvPr>
-            <p:ph idx="2" type="sldImg"/>
+            <p:ph type="sldImg" idx="2"/>
           </p:nvPr>
         </p:nvSpPr>
         <p:spPr>
@@ -1741,9 +1837,13 @@
             <a:ext cx="6096000" cy="3429000"/>
           </a:xfrm>
           <a:custGeom>
-            <a:rect b="b" l="l" r="r" t="t"/>
+            <a:avLst/>
+            <a:gdLst/>
+            <a:ahLst/>
+            <a:cxnLst/>
+            <a:rect l="l" t="t" r="r" b="b"/>
             <a:pathLst>
-              <a:path extrusionOk="0" h="120000" w="120000">
+              <a:path w="120000" h="120000" extrusionOk="0">
                 <a:moveTo>
                   <a:pt x="0" y="0"/>
                 </a:moveTo>
@@ -1765,9 +1865,11 @@
       <p:sp>
         <p:nvSpPr>
           <p:cNvPr id="184" name="Google Shape;184;g9b9752f841_4_0:notes"/>
-          <p:cNvSpPr txBox="1"/>
+          <p:cNvSpPr txBox="1">
+            <a:spLocks noGrp="1"/>
+          </p:cNvSpPr>
           <p:nvPr>
-            <p:ph idx="1" type="body"/>
+            <p:ph type="body" idx="1"/>
           </p:nvPr>
         </p:nvSpPr>
         <p:spPr>
@@ -1780,12 +1882,12 @@
           </a:prstGeom>
         </p:spPr>
         <p:txBody>
-          <a:bodyPr anchorCtr="0" anchor="t" bIns="91425" lIns="91425" spcFirstLastPara="1" rIns="91425" wrap="square" tIns="91425">
+          <a:bodyPr spcFirstLastPara="1" wrap="square" lIns="91425" tIns="91425" rIns="91425" bIns="91425" anchor="t" anchorCtr="0">
             <a:noAutofit/>
           </a:bodyPr>
           <a:lstStyle/>
           <a:p>
-            <a:pPr indent="0" lvl="0" marL="0" rtl="0" algn="l">
+            <a:pPr marL="0" lvl="0" indent="0" algn="l" rtl="0">
               <a:spcBef>
                 <a:spcPts val="0"/>
               </a:spcBef>
@@ -1794,9 +1896,6 @@
               </a:spcAft>
               <a:buNone/>
             </a:pPr>
-            <a:r>
-              <a:t/>
-            </a:r>
             <a:endParaRPr/>
           </a:p>
         </p:txBody>
@@ -1810,11 +1909,11 @@
 </file>
 
 <file path=ppt/notesSlides/notesSlide2.xml><?xml version="1.0" encoding="utf-8"?>
-<p:notes xmlns:a="http://schemas.openxmlformats.org/drawingml/2006/main" xmlns:r="http://schemas.openxmlformats.org/officeDocument/2006/relationships" xmlns:mc="http://schemas.openxmlformats.org/markup-compatibility/2006" xmlns:mv="urn:schemas-microsoft-com:mac:vml" xmlns:p="http://schemas.openxmlformats.org/presentationml/2006/main" xmlns:c="http://schemas.openxmlformats.org/drawingml/2006/chart" xmlns:dgm="http://schemas.openxmlformats.org/drawingml/2006/diagram" xmlns:o="urn:schemas-microsoft-com:office:office" xmlns:v="urn:schemas-microsoft-com:vml" xmlns:pvml="urn:schemas-microsoft-com:office:powerpoint" xmlns:com="http://schemas.openxmlformats.org/drawingml/2006/compatibility" xmlns:p14="http://schemas.microsoft.com/office/powerpoint/2010/main" xmlns:p15="http://schemas.microsoft.com/office/powerpoint/2012/main" xmlns:ahyp="http://schemas.microsoft.com/office/drawing/2018/hyperlinkcolor" showMasterPhAnim="0" showMasterSp="0">
+<p:notes xmlns:a="http://schemas.openxmlformats.org/drawingml/2006/main" xmlns:r="http://schemas.openxmlformats.org/officeDocument/2006/relationships" xmlns:p="http://schemas.openxmlformats.org/presentationml/2006/main" showMasterSp="0" showMasterPhAnim="0">
   <p:cSld>
     <p:spTree>
       <p:nvGrpSpPr>
-        <p:cNvPr id="87" name="Shape 87"/>
+        <p:cNvPr id="1" name="Shape 87"/>
         <p:cNvGrpSpPr/>
         <p:nvPr/>
       </p:nvGrpSpPr>
@@ -1829,9 +1928,11 @@
       <p:sp>
         <p:nvSpPr>
           <p:cNvPr id="88" name="Google Shape;88;g54143b7cc9_0_0:notes"/>
-          <p:cNvSpPr/>
+          <p:cNvSpPr>
+            <a:spLocks noGrp="1" noRot="1" noChangeAspect="1"/>
+          </p:cNvSpPr>
           <p:nvPr>
-            <p:ph idx="2" type="sldImg"/>
+            <p:ph type="sldImg" idx="2"/>
           </p:nvPr>
         </p:nvSpPr>
         <p:spPr>
@@ -1840,9 +1941,13 @@
             <a:ext cx="6096000" cy="3429000"/>
           </a:xfrm>
           <a:custGeom>
-            <a:rect b="b" l="l" r="r" t="t"/>
+            <a:avLst/>
+            <a:gdLst/>
+            <a:ahLst/>
+            <a:cxnLst/>
+            <a:rect l="l" t="t" r="r" b="b"/>
             <a:pathLst>
-              <a:path extrusionOk="0" h="120000" w="120000">
+              <a:path w="120000" h="120000" extrusionOk="0">
                 <a:moveTo>
                   <a:pt x="0" y="0"/>
                 </a:moveTo>
@@ -1864,9 +1969,11 @@
       <p:sp>
         <p:nvSpPr>
           <p:cNvPr id="89" name="Google Shape;89;g54143b7cc9_0_0:notes"/>
-          <p:cNvSpPr txBox="1"/>
+          <p:cNvSpPr txBox="1">
+            <a:spLocks noGrp="1"/>
+          </p:cNvSpPr>
           <p:nvPr>
-            <p:ph idx="1" type="body"/>
+            <p:ph type="body" idx="1"/>
           </p:nvPr>
         </p:nvSpPr>
         <p:spPr>
@@ -1879,12 +1986,12 @@
           </a:prstGeom>
         </p:spPr>
         <p:txBody>
-          <a:bodyPr anchorCtr="0" anchor="t" bIns="91425" lIns="91425" spcFirstLastPara="1" rIns="91425" wrap="square" tIns="91425">
+          <a:bodyPr spcFirstLastPara="1" wrap="square" lIns="91425" tIns="91425" rIns="91425" bIns="91425" anchor="t" anchorCtr="0">
             <a:noAutofit/>
           </a:bodyPr>
           <a:lstStyle/>
           <a:p>
-            <a:pPr indent="0" lvl="0" marL="0" rtl="0" algn="l">
+            <a:pPr marL="0" lvl="0" indent="0" algn="l" rtl="0">
               <a:spcBef>
                 <a:spcPts val="0"/>
               </a:spcBef>
@@ -1893,9 +2000,6 @@
               </a:spcAft>
               <a:buNone/>
             </a:pPr>
-            <a:r>
-              <a:t/>
-            </a:r>
             <a:endParaRPr/>
           </a:p>
         </p:txBody>
@@ -1909,11 +2013,11 @@
 </file>
 
 <file path=ppt/notesSlides/notesSlide3.xml><?xml version="1.0" encoding="utf-8"?>
-<p:notes xmlns:a="http://schemas.openxmlformats.org/drawingml/2006/main" xmlns:r="http://schemas.openxmlformats.org/officeDocument/2006/relationships" xmlns:mc="http://schemas.openxmlformats.org/markup-compatibility/2006" xmlns:mv="urn:schemas-microsoft-com:mac:vml" xmlns:p="http://schemas.openxmlformats.org/presentationml/2006/main" xmlns:c="http://schemas.openxmlformats.org/drawingml/2006/chart" xmlns:dgm="http://schemas.openxmlformats.org/drawingml/2006/diagram" xmlns:o="urn:schemas-microsoft-com:office:office" xmlns:v="urn:schemas-microsoft-com:vml" xmlns:pvml="urn:schemas-microsoft-com:office:powerpoint" xmlns:com="http://schemas.openxmlformats.org/drawingml/2006/compatibility" xmlns:p14="http://schemas.microsoft.com/office/powerpoint/2010/main" xmlns:p15="http://schemas.microsoft.com/office/powerpoint/2012/main" xmlns:ahyp="http://schemas.microsoft.com/office/drawing/2018/hyperlinkcolor" showMasterPhAnim="0" showMasterSp="0">
+<p:notes xmlns:a="http://schemas.openxmlformats.org/drawingml/2006/main" xmlns:r="http://schemas.openxmlformats.org/officeDocument/2006/relationships" xmlns:p="http://schemas.openxmlformats.org/presentationml/2006/main" showMasterSp="0" showMasterPhAnim="0">
   <p:cSld>
     <p:spTree>
       <p:nvGrpSpPr>
-        <p:cNvPr id="93" name="Shape 93"/>
+        <p:cNvPr id="1" name="Shape 93"/>
         <p:cNvGrpSpPr/>
         <p:nvPr/>
       </p:nvGrpSpPr>
@@ -1928,9 +2032,11 @@
       <p:sp>
         <p:nvSpPr>
           <p:cNvPr id="94" name="Google Shape;94;g54143b7cc9_0_5:notes"/>
-          <p:cNvSpPr/>
+          <p:cNvSpPr>
+            <a:spLocks noGrp="1" noRot="1" noChangeAspect="1"/>
+          </p:cNvSpPr>
           <p:nvPr>
-            <p:ph idx="2" type="sldImg"/>
+            <p:ph type="sldImg" idx="2"/>
           </p:nvPr>
         </p:nvSpPr>
         <p:spPr>
@@ -1939,9 +2045,13 @@
             <a:ext cx="6096000" cy="3429000"/>
           </a:xfrm>
           <a:custGeom>
-            <a:rect b="b" l="l" r="r" t="t"/>
+            <a:avLst/>
+            <a:gdLst/>
+            <a:ahLst/>
+            <a:cxnLst/>
+            <a:rect l="l" t="t" r="r" b="b"/>
             <a:pathLst>
-              <a:path extrusionOk="0" h="120000" w="120000">
+              <a:path w="120000" h="120000" extrusionOk="0">
                 <a:moveTo>
                   <a:pt x="0" y="0"/>
                 </a:moveTo>
@@ -1963,9 +2073,11 @@
       <p:sp>
         <p:nvSpPr>
           <p:cNvPr id="95" name="Google Shape;95;g54143b7cc9_0_5:notes"/>
-          <p:cNvSpPr txBox="1"/>
+          <p:cNvSpPr txBox="1">
+            <a:spLocks noGrp="1"/>
+          </p:cNvSpPr>
           <p:nvPr>
-            <p:ph idx="1" type="body"/>
+            <p:ph type="body" idx="1"/>
           </p:nvPr>
         </p:nvSpPr>
         <p:spPr>
@@ -1978,12 +2090,12 @@
           </a:prstGeom>
         </p:spPr>
         <p:txBody>
-          <a:bodyPr anchorCtr="0" anchor="t" bIns="91425" lIns="91425" spcFirstLastPara="1" rIns="91425" wrap="square" tIns="91425">
+          <a:bodyPr spcFirstLastPara="1" wrap="square" lIns="91425" tIns="91425" rIns="91425" bIns="91425" anchor="t" anchorCtr="0">
             <a:noAutofit/>
           </a:bodyPr>
           <a:lstStyle/>
           <a:p>
-            <a:pPr indent="0" lvl="0" marL="0" rtl="0" algn="l">
+            <a:pPr marL="0" lvl="0" indent="0" algn="l" rtl="0">
               <a:spcBef>
                 <a:spcPts val="0"/>
               </a:spcBef>
@@ -1992,9 +2104,6 @@
               </a:spcAft>
               <a:buNone/>
             </a:pPr>
-            <a:r>
-              <a:t/>
-            </a:r>
             <a:endParaRPr/>
           </a:p>
         </p:txBody>
@@ -2008,11 +2117,11 @@
 </file>
 
 <file path=ppt/notesSlides/notesSlide4.xml><?xml version="1.0" encoding="utf-8"?>
-<p:notes xmlns:a="http://schemas.openxmlformats.org/drawingml/2006/main" xmlns:r="http://schemas.openxmlformats.org/officeDocument/2006/relationships" xmlns:mc="http://schemas.openxmlformats.org/markup-compatibility/2006" xmlns:mv="urn:schemas-microsoft-com:mac:vml" xmlns:p="http://schemas.openxmlformats.org/presentationml/2006/main" xmlns:c="http://schemas.openxmlformats.org/drawingml/2006/chart" xmlns:dgm="http://schemas.openxmlformats.org/drawingml/2006/diagram" xmlns:o="urn:schemas-microsoft-com:office:office" xmlns:v="urn:schemas-microsoft-com:vml" xmlns:pvml="urn:schemas-microsoft-com:office:powerpoint" xmlns:com="http://schemas.openxmlformats.org/drawingml/2006/compatibility" xmlns:p14="http://schemas.microsoft.com/office/powerpoint/2010/main" xmlns:p15="http://schemas.microsoft.com/office/powerpoint/2012/main" xmlns:ahyp="http://schemas.microsoft.com/office/drawing/2018/hyperlinkcolor" showMasterPhAnim="0" showMasterSp="0">
+<p:notes xmlns:a="http://schemas.openxmlformats.org/drawingml/2006/main" xmlns:r="http://schemas.openxmlformats.org/officeDocument/2006/relationships" xmlns:p="http://schemas.openxmlformats.org/presentationml/2006/main" showMasterSp="0" showMasterPhAnim="0">
   <p:cSld>
     <p:spTree>
       <p:nvGrpSpPr>
-        <p:cNvPr id="99" name="Shape 99"/>
+        <p:cNvPr id="1" name="Shape 99"/>
         <p:cNvGrpSpPr/>
         <p:nvPr/>
       </p:nvGrpSpPr>
@@ -2027,9 +2136,11 @@
       <p:sp>
         <p:nvSpPr>
           <p:cNvPr id="100" name="Google Shape;100;g54143b7cc9_0_10:notes"/>
-          <p:cNvSpPr/>
+          <p:cNvSpPr>
+            <a:spLocks noGrp="1" noRot="1" noChangeAspect="1"/>
+          </p:cNvSpPr>
           <p:nvPr>
-            <p:ph idx="2" type="sldImg"/>
+            <p:ph type="sldImg" idx="2"/>
           </p:nvPr>
         </p:nvSpPr>
         <p:spPr>
@@ -2038,9 +2149,13 @@
             <a:ext cx="6096000" cy="3429000"/>
           </a:xfrm>
           <a:custGeom>
-            <a:rect b="b" l="l" r="r" t="t"/>
+            <a:avLst/>
+            <a:gdLst/>
+            <a:ahLst/>
+            <a:cxnLst/>
+            <a:rect l="l" t="t" r="r" b="b"/>
             <a:pathLst>
-              <a:path extrusionOk="0" h="120000" w="120000">
+              <a:path w="120000" h="120000" extrusionOk="0">
                 <a:moveTo>
                   <a:pt x="0" y="0"/>
                 </a:moveTo>
@@ -2062,9 +2177,11 @@
       <p:sp>
         <p:nvSpPr>
           <p:cNvPr id="101" name="Google Shape;101;g54143b7cc9_0_10:notes"/>
-          <p:cNvSpPr txBox="1"/>
+          <p:cNvSpPr txBox="1">
+            <a:spLocks noGrp="1"/>
+          </p:cNvSpPr>
           <p:nvPr>
-            <p:ph idx="1" type="body"/>
+            <p:ph type="body" idx="1"/>
           </p:nvPr>
         </p:nvSpPr>
         <p:spPr>
@@ -2077,12 +2194,12 @@
           </a:prstGeom>
         </p:spPr>
         <p:txBody>
-          <a:bodyPr anchorCtr="0" anchor="t" bIns="91425" lIns="91425" spcFirstLastPara="1" rIns="91425" wrap="square" tIns="91425">
+          <a:bodyPr spcFirstLastPara="1" wrap="square" lIns="91425" tIns="91425" rIns="91425" bIns="91425" anchor="t" anchorCtr="0">
             <a:noAutofit/>
           </a:bodyPr>
           <a:lstStyle/>
           <a:p>
-            <a:pPr indent="0" lvl="0" marL="0" rtl="0" algn="l">
+            <a:pPr marL="0" lvl="0" indent="0" algn="l" rtl="0">
               <a:spcBef>
                 <a:spcPts val="0"/>
               </a:spcBef>
@@ -2091,9 +2208,6 @@
               </a:spcAft>
               <a:buNone/>
             </a:pPr>
-            <a:r>
-              <a:t/>
-            </a:r>
             <a:endParaRPr/>
           </a:p>
         </p:txBody>
@@ -2107,11 +2221,11 @@
 </file>
 
 <file path=ppt/notesSlides/notesSlide5.xml><?xml version="1.0" encoding="utf-8"?>
-<p:notes xmlns:a="http://schemas.openxmlformats.org/drawingml/2006/main" xmlns:r="http://schemas.openxmlformats.org/officeDocument/2006/relationships" xmlns:mc="http://schemas.openxmlformats.org/markup-compatibility/2006" xmlns:mv="urn:schemas-microsoft-com:mac:vml" xmlns:p="http://schemas.openxmlformats.org/presentationml/2006/main" xmlns:c="http://schemas.openxmlformats.org/drawingml/2006/chart" xmlns:dgm="http://schemas.openxmlformats.org/drawingml/2006/diagram" xmlns:o="urn:schemas-microsoft-com:office:office" xmlns:v="urn:schemas-microsoft-com:vml" xmlns:pvml="urn:schemas-microsoft-com:office:powerpoint" xmlns:com="http://schemas.openxmlformats.org/drawingml/2006/compatibility" xmlns:p14="http://schemas.microsoft.com/office/powerpoint/2010/main" xmlns:p15="http://schemas.microsoft.com/office/powerpoint/2012/main" xmlns:ahyp="http://schemas.microsoft.com/office/drawing/2018/hyperlinkcolor" showMasterPhAnim="0" showMasterSp="0">
+<p:notes xmlns:a="http://schemas.openxmlformats.org/drawingml/2006/main" xmlns:r="http://schemas.openxmlformats.org/officeDocument/2006/relationships" xmlns:p="http://schemas.openxmlformats.org/presentationml/2006/main" showMasterSp="0" showMasterPhAnim="0">
   <p:cSld>
     <p:spTree>
       <p:nvGrpSpPr>
-        <p:cNvPr id="105" name="Shape 105"/>
+        <p:cNvPr id="1" name="Shape 105"/>
         <p:cNvGrpSpPr/>
         <p:nvPr/>
       </p:nvGrpSpPr>
@@ -2126,9 +2240,11 @@
       <p:sp>
         <p:nvSpPr>
           <p:cNvPr id="106" name="Google Shape;106;g54143b7cc9_0_23:notes"/>
-          <p:cNvSpPr/>
+          <p:cNvSpPr>
+            <a:spLocks noGrp="1" noRot="1" noChangeAspect="1"/>
+          </p:cNvSpPr>
           <p:nvPr>
-            <p:ph idx="2" type="sldImg"/>
+            <p:ph type="sldImg" idx="2"/>
           </p:nvPr>
         </p:nvSpPr>
         <p:spPr>
@@ -2137,9 +2253,13 @@
             <a:ext cx="6096000" cy="3429000"/>
           </a:xfrm>
           <a:custGeom>
-            <a:rect b="b" l="l" r="r" t="t"/>
+            <a:avLst/>
+            <a:gdLst/>
+            <a:ahLst/>
+            <a:cxnLst/>
+            <a:rect l="l" t="t" r="r" b="b"/>
             <a:pathLst>
-              <a:path extrusionOk="0" h="120000" w="120000">
+              <a:path w="120000" h="120000" extrusionOk="0">
                 <a:moveTo>
                   <a:pt x="0" y="0"/>
                 </a:moveTo>
@@ -2161,9 +2281,11 @@
       <p:sp>
         <p:nvSpPr>
           <p:cNvPr id="107" name="Google Shape;107;g54143b7cc9_0_23:notes"/>
-          <p:cNvSpPr txBox="1"/>
+          <p:cNvSpPr txBox="1">
+            <a:spLocks noGrp="1"/>
+          </p:cNvSpPr>
           <p:nvPr>
-            <p:ph idx="1" type="body"/>
+            <p:ph type="body" idx="1"/>
           </p:nvPr>
         </p:nvSpPr>
         <p:spPr>
@@ -2176,12 +2298,12 @@
           </a:prstGeom>
         </p:spPr>
         <p:txBody>
-          <a:bodyPr anchorCtr="0" anchor="t" bIns="91425" lIns="91425" spcFirstLastPara="1" rIns="91425" wrap="square" tIns="91425">
+          <a:bodyPr spcFirstLastPara="1" wrap="square" lIns="91425" tIns="91425" rIns="91425" bIns="91425" anchor="t" anchorCtr="0">
             <a:noAutofit/>
           </a:bodyPr>
           <a:lstStyle/>
           <a:p>
-            <a:pPr indent="0" lvl="0" marL="0" rtl="0" algn="l">
+            <a:pPr marL="0" lvl="0" indent="0" algn="l" rtl="0">
               <a:spcBef>
                 <a:spcPts val="0"/>
               </a:spcBef>
@@ -2190,9 +2312,6 @@
               </a:spcAft>
               <a:buNone/>
             </a:pPr>
-            <a:r>
-              <a:t/>
-            </a:r>
             <a:endParaRPr/>
           </a:p>
         </p:txBody>
@@ -2206,11 +2325,11 @@
 </file>
 
 <file path=ppt/notesSlides/notesSlide6.xml><?xml version="1.0" encoding="utf-8"?>
-<p:notes xmlns:a="http://schemas.openxmlformats.org/drawingml/2006/main" xmlns:r="http://schemas.openxmlformats.org/officeDocument/2006/relationships" xmlns:mc="http://schemas.openxmlformats.org/markup-compatibility/2006" xmlns:mv="urn:schemas-microsoft-com:mac:vml" xmlns:p="http://schemas.openxmlformats.org/presentationml/2006/main" xmlns:c="http://schemas.openxmlformats.org/drawingml/2006/chart" xmlns:dgm="http://schemas.openxmlformats.org/drawingml/2006/diagram" xmlns:o="urn:schemas-microsoft-com:office:office" xmlns:v="urn:schemas-microsoft-com:vml" xmlns:pvml="urn:schemas-microsoft-com:office:powerpoint" xmlns:com="http://schemas.openxmlformats.org/drawingml/2006/compatibility" xmlns:p14="http://schemas.microsoft.com/office/powerpoint/2010/main" xmlns:p15="http://schemas.microsoft.com/office/powerpoint/2012/main" xmlns:ahyp="http://schemas.microsoft.com/office/drawing/2018/hyperlinkcolor" showMasterPhAnim="0" showMasterSp="0">
+<p:notes xmlns:a="http://schemas.openxmlformats.org/drawingml/2006/main" xmlns:r="http://schemas.openxmlformats.org/officeDocument/2006/relationships" xmlns:p="http://schemas.openxmlformats.org/presentationml/2006/main" showMasterSp="0" showMasterPhAnim="0">
   <p:cSld>
     <p:spTree>
       <p:nvGrpSpPr>
-        <p:cNvPr id="110" name="Shape 110"/>
+        <p:cNvPr id="1" name="Shape 110"/>
         <p:cNvGrpSpPr/>
         <p:nvPr/>
       </p:nvGrpSpPr>
@@ -2225,9 +2344,11 @@
       <p:sp>
         <p:nvSpPr>
           <p:cNvPr id="111" name="Google Shape;111;g9b9752f841_5_5:notes"/>
-          <p:cNvSpPr/>
+          <p:cNvSpPr>
+            <a:spLocks noGrp="1" noRot="1" noChangeAspect="1"/>
+          </p:cNvSpPr>
           <p:nvPr>
-            <p:ph idx="2" type="sldImg"/>
+            <p:ph type="sldImg" idx="2"/>
           </p:nvPr>
         </p:nvSpPr>
         <p:spPr>
@@ -2236,9 +2357,13 @@
             <a:ext cx="6096000" cy="3429000"/>
           </a:xfrm>
           <a:custGeom>
-            <a:rect b="b" l="l" r="r" t="t"/>
+            <a:avLst/>
+            <a:gdLst/>
+            <a:ahLst/>
+            <a:cxnLst/>
+            <a:rect l="l" t="t" r="r" b="b"/>
             <a:pathLst>
-              <a:path extrusionOk="0" h="120000" w="120000">
+              <a:path w="120000" h="120000" extrusionOk="0">
                 <a:moveTo>
                   <a:pt x="0" y="0"/>
                 </a:moveTo>
@@ -2260,9 +2385,11 @@
       <p:sp>
         <p:nvSpPr>
           <p:cNvPr id="112" name="Google Shape;112;g9b9752f841_5_5:notes"/>
-          <p:cNvSpPr txBox="1"/>
+          <p:cNvSpPr txBox="1">
+            <a:spLocks noGrp="1"/>
+          </p:cNvSpPr>
           <p:nvPr>
-            <p:ph idx="1" type="body"/>
+            <p:ph type="body" idx="1"/>
           </p:nvPr>
         </p:nvSpPr>
         <p:spPr>
@@ -2275,12 +2402,12 @@
           </a:prstGeom>
         </p:spPr>
         <p:txBody>
-          <a:bodyPr anchorCtr="0" anchor="t" bIns="91425" lIns="91425" spcFirstLastPara="1" rIns="91425" wrap="square" tIns="91425">
+          <a:bodyPr spcFirstLastPara="1" wrap="square" lIns="91425" tIns="91425" rIns="91425" bIns="91425" anchor="t" anchorCtr="0">
             <a:noAutofit/>
           </a:bodyPr>
           <a:lstStyle/>
           <a:p>
-            <a:pPr indent="0" lvl="0" marL="0" rtl="0" algn="l">
+            <a:pPr marL="0" lvl="0" indent="0" algn="l" rtl="0">
               <a:spcBef>
                 <a:spcPts val="0"/>
               </a:spcBef>
@@ -2289,9 +2416,6 @@
               </a:spcAft>
               <a:buNone/>
             </a:pPr>
-            <a:r>
-              <a:t/>
-            </a:r>
             <a:endParaRPr/>
           </a:p>
         </p:txBody>
@@ -2305,11 +2429,11 @@
 </file>
 
 <file path=ppt/notesSlides/notesSlide7.xml><?xml version="1.0" encoding="utf-8"?>
-<p:notes xmlns:a="http://schemas.openxmlformats.org/drawingml/2006/main" xmlns:r="http://schemas.openxmlformats.org/officeDocument/2006/relationships" xmlns:mc="http://schemas.openxmlformats.org/markup-compatibility/2006" xmlns:mv="urn:schemas-microsoft-com:mac:vml" xmlns:p="http://schemas.openxmlformats.org/presentationml/2006/main" xmlns:c="http://schemas.openxmlformats.org/drawingml/2006/chart" xmlns:dgm="http://schemas.openxmlformats.org/drawingml/2006/diagram" xmlns:o="urn:schemas-microsoft-com:office:office" xmlns:v="urn:schemas-microsoft-com:vml" xmlns:pvml="urn:schemas-microsoft-com:office:powerpoint" xmlns:com="http://schemas.openxmlformats.org/drawingml/2006/compatibility" xmlns:p14="http://schemas.microsoft.com/office/powerpoint/2010/main" xmlns:p15="http://schemas.microsoft.com/office/powerpoint/2012/main" xmlns:ahyp="http://schemas.microsoft.com/office/drawing/2018/hyperlinkcolor" showMasterPhAnim="0" showMasterSp="0">
+<p:notes xmlns:a="http://schemas.openxmlformats.org/drawingml/2006/main" xmlns:r="http://schemas.openxmlformats.org/officeDocument/2006/relationships" xmlns:p="http://schemas.openxmlformats.org/presentationml/2006/main" showMasterSp="0" showMasterPhAnim="0">
   <p:cSld>
     <p:spTree>
       <p:nvGrpSpPr>
-        <p:cNvPr id="116" name="Shape 116"/>
+        <p:cNvPr id="1" name="Shape 116"/>
         <p:cNvGrpSpPr/>
         <p:nvPr/>
       </p:nvGrpSpPr>
@@ -2324,9 +2448,11 @@
       <p:sp>
         <p:nvSpPr>
           <p:cNvPr id="117" name="Google Shape;117;g54143b7cc9_0_28:notes"/>
-          <p:cNvSpPr/>
+          <p:cNvSpPr>
+            <a:spLocks noGrp="1" noRot="1" noChangeAspect="1"/>
+          </p:cNvSpPr>
           <p:nvPr>
-            <p:ph idx="2" type="sldImg"/>
+            <p:ph type="sldImg" idx="2"/>
           </p:nvPr>
         </p:nvSpPr>
         <p:spPr>
@@ -2335,9 +2461,13 @@
             <a:ext cx="6096000" cy="3429000"/>
           </a:xfrm>
           <a:custGeom>
-            <a:rect b="b" l="l" r="r" t="t"/>
+            <a:avLst/>
+            <a:gdLst/>
+            <a:ahLst/>
+            <a:cxnLst/>
+            <a:rect l="l" t="t" r="r" b="b"/>
             <a:pathLst>
-              <a:path extrusionOk="0" h="120000" w="120000">
+              <a:path w="120000" h="120000" extrusionOk="0">
                 <a:moveTo>
                   <a:pt x="0" y="0"/>
                 </a:moveTo>
@@ -2359,9 +2489,11 @@
       <p:sp>
         <p:nvSpPr>
           <p:cNvPr id="118" name="Google Shape;118;g54143b7cc9_0_28:notes"/>
-          <p:cNvSpPr txBox="1"/>
+          <p:cNvSpPr txBox="1">
+            <a:spLocks noGrp="1"/>
+          </p:cNvSpPr>
           <p:nvPr>
-            <p:ph idx="1" type="body"/>
+            <p:ph type="body" idx="1"/>
           </p:nvPr>
         </p:nvSpPr>
         <p:spPr>
@@ -2374,12 +2506,12 @@
           </a:prstGeom>
         </p:spPr>
         <p:txBody>
-          <a:bodyPr anchorCtr="0" anchor="t" bIns="91425" lIns="91425" spcFirstLastPara="1" rIns="91425" wrap="square" tIns="91425">
+          <a:bodyPr spcFirstLastPara="1" wrap="square" lIns="91425" tIns="91425" rIns="91425" bIns="91425" anchor="t" anchorCtr="0">
             <a:noAutofit/>
           </a:bodyPr>
           <a:lstStyle/>
           <a:p>
-            <a:pPr indent="0" lvl="0" marL="0" rtl="0" algn="l">
+            <a:pPr marL="0" lvl="0" indent="0" algn="l" rtl="0">
               <a:spcBef>
                 <a:spcPts val="0"/>
               </a:spcBef>
@@ -2388,9 +2520,6 @@
               </a:spcAft>
               <a:buNone/>
             </a:pPr>
-            <a:r>
-              <a:t/>
-            </a:r>
             <a:endParaRPr/>
           </a:p>
         </p:txBody>
@@ -2404,11 +2533,11 @@
 </file>
 
 <file path=ppt/notesSlides/notesSlide8.xml><?xml version="1.0" encoding="utf-8"?>
-<p:notes xmlns:a="http://schemas.openxmlformats.org/drawingml/2006/main" xmlns:r="http://schemas.openxmlformats.org/officeDocument/2006/relationships" xmlns:mc="http://schemas.openxmlformats.org/markup-compatibility/2006" xmlns:mv="urn:schemas-microsoft-com:mac:vml" xmlns:p="http://schemas.openxmlformats.org/presentationml/2006/main" xmlns:c="http://schemas.openxmlformats.org/drawingml/2006/chart" xmlns:dgm="http://schemas.openxmlformats.org/drawingml/2006/diagram" xmlns:o="urn:schemas-microsoft-com:office:office" xmlns:v="urn:schemas-microsoft-com:vml" xmlns:pvml="urn:schemas-microsoft-com:office:powerpoint" xmlns:com="http://schemas.openxmlformats.org/drawingml/2006/compatibility" xmlns:p14="http://schemas.microsoft.com/office/powerpoint/2010/main" xmlns:p15="http://schemas.microsoft.com/office/powerpoint/2012/main" xmlns:ahyp="http://schemas.microsoft.com/office/drawing/2018/hyperlinkcolor" showMasterPhAnim="0" showMasterSp="0">
+<p:notes xmlns:a="http://schemas.openxmlformats.org/drawingml/2006/main" xmlns:r="http://schemas.openxmlformats.org/officeDocument/2006/relationships" xmlns:p="http://schemas.openxmlformats.org/presentationml/2006/main" showMasterSp="0" showMasterPhAnim="0">
   <p:cSld>
     <p:spTree>
       <p:nvGrpSpPr>
-        <p:cNvPr id="122" name="Shape 122"/>
+        <p:cNvPr id="1" name="Shape 122"/>
         <p:cNvGrpSpPr/>
         <p:nvPr/>
       </p:nvGrpSpPr>
@@ -2423,9 +2552,11 @@
       <p:sp>
         <p:nvSpPr>
           <p:cNvPr id="123" name="Google Shape;123;g54143b7cc9_0_33:notes"/>
-          <p:cNvSpPr/>
+          <p:cNvSpPr>
+            <a:spLocks noGrp="1" noRot="1" noChangeAspect="1"/>
+          </p:cNvSpPr>
           <p:nvPr>
-            <p:ph idx="2" type="sldImg"/>
+            <p:ph type="sldImg" idx="2"/>
           </p:nvPr>
         </p:nvSpPr>
         <p:spPr>
@@ -2434,9 +2565,13 @@
             <a:ext cx="6096000" cy="3429000"/>
           </a:xfrm>
           <a:custGeom>
-            <a:rect b="b" l="l" r="r" t="t"/>
+            <a:avLst/>
+            <a:gdLst/>
+            <a:ahLst/>
+            <a:cxnLst/>
+            <a:rect l="l" t="t" r="r" b="b"/>
             <a:pathLst>
-              <a:path extrusionOk="0" h="120000" w="120000">
+              <a:path w="120000" h="120000" extrusionOk="0">
                 <a:moveTo>
                   <a:pt x="0" y="0"/>
                 </a:moveTo>
@@ -2458,9 +2593,11 @@
       <p:sp>
         <p:nvSpPr>
           <p:cNvPr id="124" name="Google Shape;124;g54143b7cc9_0_33:notes"/>
-          <p:cNvSpPr txBox="1"/>
+          <p:cNvSpPr txBox="1">
+            <a:spLocks noGrp="1"/>
+          </p:cNvSpPr>
           <p:nvPr>
-            <p:ph idx="1" type="body"/>
+            <p:ph type="body" idx="1"/>
           </p:nvPr>
         </p:nvSpPr>
         <p:spPr>
@@ -2473,12 +2610,12 @@
           </a:prstGeom>
         </p:spPr>
         <p:txBody>
-          <a:bodyPr anchorCtr="0" anchor="t" bIns="91425" lIns="91425" spcFirstLastPara="1" rIns="91425" wrap="square" tIns="91425">
+          <a:bodyPr spcFirstLastPara="1" wrap="square" lIns="91425" tIns="91425" rIns="91425" bIns="91425" anchor="t" anchorCtr="0">
             <a:noAutofit/>
           </a:bodyPr>
           <a:lstStyle/>
           <a:p>
-            <a:pPr indent="0" lvl="0" marL="0" rtl="0" algn="l">
+            <a:pPr marL="0" lvl="0" indent="0" algn="l" rtl="0">
               <a:spcBef>
                 <a:spcPts val="0"/>
               </a:spcBef>
@@ -2487,9 +2624,6 @@
               </a:spcAft>
               <a:buNone/>
             </a:pPr>
-            <a:r>
-              <a:t/>
-            </a:r>
             <a:endParaRPr/>
           </a:p>
         </p:txBody>
@@ -2503,11 +2637,11 @@
 </file>
 
 <file path=ppt/notesSlides/notesSlide9.xml><?xml version="1.0" encoding="utf-8"?>
-<p:notes xmlns:a="http://schemas.openxmlformats.org/drawingml/2006/main" xmlns:r="http://schemas.openxmlformats.org/officeDocument/2006/relationships" xmlns:mc="http://schemas.openxmlformats.org/markup-compatibility/2006" xmlns:mv="urn:schemas-microsoft-com:mac:vml" xmlns:p="http://schemas.openxmlformats.org/presentationml/2006/main" xmlns:c="http://schemas.openxmlformats.org/drawingml/2006/chart" xmlns:dgm="http://schemas.openxmlformats.org/drawingml/2006/diagram" xmlns:o="urn:schemas-microsoft-com:office:office" xmlns:v="urn:schemas-microsoft-com:vml" xmlns:pvml="urn:schemas-microsoft-com:office:powerpoint" xmlns:com="http://schemas.openxmlformats.org/drawingml/2006/compatibility" xmlns:p14="http://schemas.microsoft.com/office/powerpoint/2010/main" xmlns:p15="http://schemas.microsoft.com/office/powerpoint/2012/main" xmlns:ahyp="http://schemas.microsoft.com/office/drawing/2018/hyperlinkcolor" showMasterPhAnim="0" showMasterSp="0">
+<p:notes xmlns:a="http://schemas.openxmlformats.org/drawingml/2006/main" xmlns:r="http://schemas.openxmlformats.org/officeDocument/2006/relationships" xmlns:p="http://schemas.openxmlformats.org/presentationml/2006/main" showMasterSp="0" showMasterPhAnim="0">
   <p:cSld>
     <p:spTree>
       <p:nvGrpSpPr>
-        <p:cNvPr id="127" name="Shape 127"/>
+        <p:cNvPr id="1" name="Shape 127"/>
         <p:cNvGrpSpPr/>
         <p:nvPr/>
       </p:nvGrpSpPr>
@@ -2522,20 +2656,26 @@
       <p:sp>
         <p:nvSpPr>
           <p:cNvPr id="128" name="Google Shape;128;g9b9752f841_4_9:notes"/>
-          <p:cNvSpPr/>
+          <p:cNvSpPr>
+            <a:spLocks noGrp="1" noRot="1" noChangeAspect="1"/>
+          </p:cNvSpPr>
           <p:nvPr>
-            <p:ph idx="2" type="sldImg"/>
+            <p:ph type="sldImg" idx="2"/>
           </p:nvPr>
         </p:nvSpPr>
         <p:spPr>
           <a:xfrm>
-            <a:off x="381300" y="685800"/>
+            <a:off x="381000" y="685800"/>
             <a:ext cx="6096000" cy="3429000"/>
           </a:xfrm>
           <a:custGeom>
-            <a:rect b="b" l="l" r="r" t="t"/>
+            <a:avLst/>
+            <a:gdLst/>
+            <a:ahLst/>
+            <a:cxnLst/>
+            <a:rect l="l" t="t" r="r" b="b"/>
             <a:pathLst>
-              <a:path extrusionOk="0" h="120000" w="120000">
+              <a:path w="120000" h="120000" extrusionOk="0">
                 <a:moveTo>
                   <a:pt x="0" y="0"/>
                 </a:moveTo>
@@ -2557,9 +2697,11 @@
       <p:sp>
         <p:nvSpPr>
           <p:cNvPr id="129" name="Google Shape;129;g9b9752f841_4_9:notes"/>
-          <p:cNvSpPr txBox="1"/>
+          <p:cNvSpPr txBox="1">
+            <a:spLocks noGrp="1"/>
+          </p:cNvSpPr>
           <p:nvPr>
-            <p:ph idx="1" type="body"/>
+            <p:ph type="body" idx="1"/>
           </p:nvPr>
         </p:nvSpPr>
         <p:spPr>
@@ -2572,12 +2714,12 @@
           </a:prstGeom>
         </p:spPr>
         <p:txBody>
-          <a:bodyPr anchorCtr="0" anchor="t" bIns="91425" lIns="91425" spcFirstLastPara="1" rIns="91425" wrap="square" tIns="91425">
+          <a:bodyPr spcFirstLastPara="1" wrap="square" lIns="91425" tIns="91425" rIns="91425" bIns="91425" anchor="t" anchorCtr="0">
             <a:noAutofit/>
           </a:bodyPr>
           <a:lstStyle/>
           <a:p>
-            <a:pPr indent="0" lvl="0" marL="0" rtl="0" algn="l">
+            <a:pPr marL="0" lvl="0" indent="0" algn="l" rtl="0">
               <a:spcBef>
                 <a:spcPts val="0"/>
               </a:spcBef>
@@ -2586,9 +2728,6 @@
               </a:spcAft>
               <a:buNone/>
             </a:pPr>
-            <a:r>
-              <a:t/>
-            </a:r>
             <a:endParaRPr/>
           </a:p>
         </p:txBody>
@@ -2602,18 +2741,19 @@
 </file>
 
 <file path=ppt/slideLayouts/slideLayout1.xml><?xml version="1.0" encoding="utf-8"?>
-<p:sldLayout xmlns:a="http://schemas.openxmlformats.org/drawingml/2006/main" xmlns:r="http://schemas.openxmlformats.org/officeDocument/2006/relationships" xmlns:mc="http://schemas.openxmlformats.org/markup-compatibility/2006" xmlns:mv="urn:schemas-microsoft-com:mac:vml" xmlns:p="http://schemas.openxmlformats.org/presentationml/2006/main" xmlns:c="http://schemas.openxmlformats.org/drawingml/2006/chart" xmlns:dgm="http://schemas.openxmlformats.org/drawingml/2006/diagram" xmlns:o="urn:schemas-microsoft-com:office:office" xmlns:v="urn:schemas-microsoft-com:vml" xmlns:pvml="urn:schemas-microsoft-com:office:powerpoint" xmlns:com="http://schemas.openxmlformats.org/drawingml/2006/compatibility" xmlns:p14="http://schemas.microsoft.com/office/powerpoint/2010/main" xmlns:p15="http://schemas.microsoft.com/office/powerpoint/2012/main" xmlns:ahyp="http://schemas.microsoft.com/office/drawing/2018/hyperlinkcolor" matchingName="Title slide" type="title">
+<p:sldLayout xmlns:a="http://schemas.openxmlformats.org/drawingml/2006/main" xmlns:r="http://schemas.openxmlformats.org/officeDocument/2006/relationships" xmlns:p="http://schemas.openxmlformats.org/presentationml/2006/main" matchingName="Title slide" type="title">
   <p:cSld name="TITLE">
     <p:bg>
       <p:bgPr>
         <a:solidFill>
           <a:schemeClr val="dk1"/>
         </a:solidFill>
+        <a:effectLst/>
       </p:bgPr>
     </p:bg>
     <p:spTree>
       <p:nvGrpSpPr>
-        <p:cNvPr id="9" name="Shape 9"/>
+        <p:cNvPr id="1" name="Shape 9"/>
         <p:cNvGrpSpPr/>
         <p:nvPr/>
       </p:nvGrpSpPr>
@@ -2661,12 +2801,12 @@
             </a:ln>
           </p:spPr>
           <p:txBody>
-            <a:bodyPr anchorCtr="0" anchor="ctr" bIns="91425" lIns="91425" spcFirstLastPara="1" rIns="91425" wrap="square" tIns="91425">
+            <a:bodyPr spcFirstLastPara="1" wrap="square" lIns="91425" tIns="91425" rIns="91425" bIns="91425" anchor="ctr" anchorCtr="0">
               <a:noAutofit/>
             </a:bodyPr>
             <a:lstStyle/>
             <a:p>
-              <a:pPr indent="0" lvl="0" marL="0" rtl="0" algn="l">
+              <a:pPr marL="0" lvl="0" indent="0" algn="l" rtl="0">
                 <a:spcBef>
                   <a:spcPts val="0"/>
                 </a:spcBef>
@@ -2675,9 +2815,6 @@
                 </a:spcAft>
                 <a:buNone/>
               </a:pPr>
-              <a:r>
-                <a:t/>
-              </a:r>
               <a:endParaRPr/>
             </a:p>
           </p:txBody>
@@ -2704,12 +2841,12 @@
             </a:ln>
           </p:spPr>
           <p:txBody>
-            <a:bodyPr anchorCtr="0" anchor="ctr" bIns="91425" lIns="91425" spcFirstLastPara="1" rIns="91425" wrap="square" tIns="91425">
+            <a:bodyPr spcFirstLastPara="1" wrap="square" lIns="91425" tIns="91425" rIns="91425" bIns="91425" anchor="ctr" anchorCtr="0">
               <a:noAutofit/>
             </a:bodyPr>
             <a:lstStyle/>
             <a:p>
-              <a:pPr indent="0" lvl="0" marL="0" rtl="0" algn="l">
+              <a:pPr marL="0" lvl="0" indent="0" algn="l" rtl="0">
                 <a:spcBef>
                   <a:spcPts val="0"/>
                 </a:spcBef>
@@ -2718,9 +2855,6 @@
                 </a:spcAft>
                 <a:buNone/>
               </a:pPr>
-              <a:r>
-                <a:t/>
-              </a:r>
               <a:endParaRPr/>
             </a:p>
           </p:txBody>
@@ -2732,7 +2866,7 @@
             <p:nvPr/>
           </p:nvSpPr>
           <p:spPr>
-            <a:xfrm flipH="1" rot="10800000">
+            <a:xfrm rot="10800000" flipH="1">
               <a:off x="7113588" y="107"/>
               <a:ext cx="1015200" cy="1015200"/>
             </a:xfrm>
@@ -2747,12 +2881,12 @@
             </a:ln>
           </p:spPr>
           <p:txBody>
-            <a:bodyPr anchorCtr="0" anchor="ctr" bIns="91425" lIns="91425" spcFirstLastPara="1" rIns="91425" wrap="square" tIns="91425">
+            <a:bodyPr spcFirstLastPara="1" wrap="square" lIns="91425" tIns="91425" rIns="91425" bIns="91425" anchor="ctr" anchorCtr="0">
               <a:noAutofit/>
             </a:bodyPr>
             <a:lstStyle/>
             <a:p>
-              <a:pPr indent="0" lvl="0" marL="0" rtl="0" algn="l">
+              <a:pPr marL="0" lvl="0" indent="0" algn="l" rtl="0">
                 <a:spcBef>
                   <a:spcPts val="0"/>
                 </a:spcBef>
@@ -2761,9 +2895,6 @@
                 </a:spcAft>
                 <a:buNone/>
               </a:pPr>
-              <a:r>
-                <a:t/>
-              </a:r>
               <a:endParaRPr/>
             </a:p>
           </p:txBody>
@@ -2790,12 +2921,12 @@
             </a:ln>
           </p:spPr>
           <p:txBody>
-            <a:bodyPr anchorCtr="0" anchor="ctr" bIns="91425" lIns="91425" spcFirstLastPara="1" rIns="91425" wrap="square" tIns="91425">
+            <a:bodyPr spcFirstLastPara="1" wrap="square" lIns="91425" tIns="91425" rIns="91425" bIns="91425" anchor="ctr" anchorCtr="0">
               <a:noAutofit/>
             </a:bodyPr>
             <a:lstStyle/>
             <a:p>
-              <a:pPr indent="0" lvl="0" marL="0" rtl="0" algn="l">
+              <a:pPr marL="0" lvl="0" indent="0" algn="l" rtl="0">
                 <a:spcBef>
                   <a:spcPts val="0"/>
                 </a:spcBef>
@@ -2804,9 +2935,6 @@
                 </a:spcAft>
                 <a:buNone/>
               </a:pPr>
-              <a:r>
-                <a:t/>
-              </a:r>
               <a:endParaRPr/>
             </a:p>
           </p:txBody>
@@ -2833,12 +2961,12 @@
             </a:ln>
           </p:spPr>
           <p:txBody>
-            <a:bodyPr anchorCtr="0" anchor="ctr" bIns="91425" lIns="91425" spcFirstLastPara="1" rIns="91425" wrap="square" tIns="91425">
+            <a:bodyPr spcFirstLastPara="1" wrap="square" lIns="91425" tIns="91425" rIns="91425" bIns="91425" anchor="ctr" anchorCtr="0">
               <a:noAutofit/>
             </a:bodyPr>
             <a:lstStyle/>
             <a:p>
-              <a:pPr indent="0" lvl="0" marL="0" rtl="0" algn="l">
+              <a:pPr marL="0" lvl="0" indent="0" algn="l" rtl="0">
                 <a:spcBef>
                   <a:spcPts val="0"/>
                 </a:spcBef>
@@ -2847,9 +2975,6 @@
                 </a:spcAft>
                 <a:buNone/>
               </a:pPr>
-              <a:r>
-                <a:t/>
-              </a:r>
               <a:endParaRPr/>
             </a:p>
           </p:txBody>
@@ -2858,7 +2983,9 @@
       <p:sp>
         <p:nvSpPr>
           <p:cNvPr id="16" name="Google Shape;16;p2"/>
-          <p:cNvSpPr txBox="1"/>
+          <p:cNvSpPr txBox="1">
+            <a:spLocks noGrp="1"/>
+          </p:cNvSpPr>
           <p:nvPr>
             <p:ph type="ctrTitle"/>
           </p:nvPr>
@@ -2873,7 +3000,7 @@
           </a:prstGeom>
         </p:spPr>
         <p:txBody>
-          <a:bodyPr anchorCtr="0" anchor="b" bIns="91425" lIns="91425" spcFirstLastPara="1" rIns="91425" wrap="square" tIns="91425">
+          <a:bodyPr spcFirstLastPara="1" wrap="square" lIns="91425" tIns="91425" rIns="91425" bIns="91425" anchor="b" anchorCtr="0">
             <a:noAutofit/>
           </a:bodyPr>
           <a:lstStyle>
@@ -3040,15 +3167,19 @@
               </a:defRPr>
             </a:lvl9pPr>
           </a:lstStyle>
-          <a:p/>
+          <a:p>
+            <a:endParaRPr/>
+          </a:p>
         </p:txBody>
       </p:sp>
       <p:sp>
         <p:nvSpPr>
           <p:cNvPr id="17" name="Google Shape;17;p2"/>
-          <p:cNvSpPr txBox="1"/>
+          <p:cNvSpPr txBox="1">
+            <a:spLocks noGrp="1"/>
+          </p:cNvSpPr>
           <p:nvPr>
-            <p:ph idx="1" type="subTitle"/>
+            <p:ph type="subTitle" idx="1"/>
           </p:nvPr>
         </p:nvSpPr>
         <p:spPr>
@@ -3061,7 +3192,7 @@
           </a:prstGeom>
         </p:spPr>
         <p:txBody>
-          <a:bodyPr anchorCtr="0" anchor="t" bIns="91425" lIns="91425" spcFirstLastPara="1" rIns="91425" wrap="square" tIns="91425">
+          <a:bodyPr spcFirstLastPara="1" wrap="square" lIns="91425" tIns="91425" rIns="91425" bIns="91425" anchor="t" anchorCtr="0">
             <a:noAutofit/>
           </a:bodyPr>
           <a:lstStyle>
@@ -3255,15 +3386,19 @@
               </a:defRPr>
             </a:lvl9pPr>
           </a:lstStyle>
-          <a:p/>
+          <a:p>
+            <a:endParaRPr/>
+          </a:p>
         </p:txBody>
       </p:sp>
       <p:sp>
         <p:nvSpPr>
           <p:cNvPr id="18" name="Google Shape;18;p2"/>
-          <p:cNvSpPr txBox="1"/>
+          <p:cNvSpPr txBox="1">
+            <a:spLocks noGrp="1"/>
+          </p:cNvSpPr>
           <p:nvPr>
-            <p:ph idx="12" type="sldNum"/>
+            <p:ph type="sldNum" idx="12"/>
           </p:nvPr>
         </p:nvSpPr>
         <p:spPr>
@@ -3276,7 +3411,7 @@
           </a:prstGeom>
         </p:spPr>
         <p:txBody>
-          <a:bodyPr anchorCtr="0" anchor="ctr" bIns="91425" lIns="91425" spcFirstLastPara="1" rIns="91425" wrap="square" tIns="91425">
+          <a:bodyPr spcFirstLastPara="1" wrap="square" lIns="91425" tIns="91425" rIns="91425" bIns="91425" anchor="ctr" anchorCtr="0">
             <a:noAutofit/>
           </a:bodyPr>
           <a:lstStyle>
@@ -3318,7 +3453,7 @@
             </a:lvl9pPr>
           </a:lstStyle>
           <a:p>
-            <a:pPr indent="0" lvl="0" marL="0" rtl="0" algn="r">
+            <a:pPr marL="0" lvl="0" indent="0" algn="r" rtl="0">
               <a:spcBef>
                 <a:spcPts val="0"/>
               </a:spcBef>
@@ -3329,7 +3464,7 @@
             </a:pPr>
             <a:fld id="{00000000-1234-1234-1234-123412341234}" type="slidenum">
               <a:rPr lang="es"/>
-              <a:t>‹#›</a:t>
+              <a:t>‹Nº›</a:t>
             </a:fld>
             <a:endParaRPr/>
           </a:p>
@@ -3344,18 +3479,19 @@
 </file>
 
 <file path=ppt/slideLayouts/slideLayout10.xml><?xml version="1.0" encoding="utf-8"?>
-<p:sldLayout xmlns:a="http://schemas.openxmlformats.org/drawingml/2006/main" xmlns:r="http://schemas.openxmlformats.org/officeDocument/2006/relationships" xmlns:mc="http://schemas.openxmlformats.org/markup-compatibility/2006" xmlns:mv="urn:schemas-microsoft-com:mac:vml" xmlns:p="http://schemas.openxmlformats.org/presentationml/2006/main" xmlns:c="http://schemas.openxmlformats.org/drawingml/2006/chart" xmlns:dgm="http://schemas.openxmlformats.org/drawingml/2006/diagram" xmlns:o="urn:schemas-microsoft-com:office:office" xmlns:v="urn:schemas-microsoft-com:vml" xmlns:pvml="urn:schemas-microsoft-com:office:powerpoint" xmlns:com="http://schemas.openxmlformats.org/drawingml/2006/compatibility" xmlns:p14="http://schemas.microsoft.com/office/powerpoint/2010/main" xmlns:p15="http://schemas.microsoft.com/office/powerpoint/2012/main" xmlns:ahyp="http://schemas.microsoft.com/office/drawing/2018/hyperlinkcolor" matchingName="Big number">
+<p:sldLayout xmlns:a="http://schemas.openxmlformats.org/drawingml/2006/main" xmlns:r="http://schemas.openxmlformats.org/officeDocument/2006/relationships" xmlns:p="http://schemas.openxmlformats.org/presentationml/2006/main" matchingName="Big number">
   <p:cSld name="BIG_NUMBER">
     <p:bg>
       <p:bgPr>
         <a:solidFill>
           <a:schemeClr val="dk1"/>
         </a:solidFill>
+        <a:effectLst/>
       </p:bgPr>
     </p:bg>
     <p:spTree>
       <p:nvGrpSpPr>
-        <p:cNvPr id="69" name="Shape 69"/>
+        <p:cNvPr id="1" name="Shape 69"/>
         <p:cNvGrpSpPr/>
         <p:nvPr/>
       </p:nvGrpSpPr>
@@ -3403,12 +3539,12 @@
             </a:ln>
           </p:spPr>
           <p:txBody>
-            <a:bodyPr anchorCtr="0" anchor="ctr" bIns="91425" lIns="91425" spcFirstLastPara="1" rIns="91425" wrap="square" tIns="91425">
+            <a:bodyPr spcFirstLastPara="1" wrap="square" lIns="91425" tIns="91425" rIns="91425" bIns="91425" anchor="ctr" anchorCtr="0">
               <a:noAutofit/>
             </a:bodyPr>
             <a:lstStyle/>
             <a:p>
-              <a:pPr indent="0" lvl="0" marL="0" rtl="0" algn="l">
+              <a:pPr marL="0" lvl="0" indent="0" algn="l" rtl="0">
                 <a:spcBef>
                   <a:spcPts val="0"/>
                 </a:spcBef>
@@ -3417,9 +3553,6 @@
                 </a:spcAft>
                 <a:buNone/>
               </a:pPr>
-              <a:r>
-                <a:t/>
-              </a:r>
               <a:endParaRPr/>
             </a:p>
           </p:txBody>
@@ -3446,12 +3579,12 @@
             </a:ln>
           </p:spPr>
           <p:txBody>
-            <a:bodyPr anchorCtr="0" anchor="ctr" bIns="91425" lIns="91425" spcFirstLastPara="1" rIns="91425" wrap="square" tIns="91425">
+            <a:bodyPr spcFirstLastPara="1" wrap="square" lIns="91425" tIns="91425" rIns="91425" bIns="91425" anchor="ctr" anchorCtr="0">
               <a:noAutofit/>
             </a:bodyPr>
             <a:lstStyle/>
             <a:p>
-              <a:pPr indent="0" lvl="0" marL="0" rtl="0" algn="l">
+              <a:pPr marL="0" lvl="0" indent="0" algn="l" rtl="0">
                 <a:spcBef>
                   <a:spcPts val="0"/>
                 </a:spcBef>
@@ -3460,9 +3593,6 @@
                 </a:spcAft>
                 <a:buNone/>
               </a:pPr>
-              <a:r>
-                <a:t/>
-              </a:r>
               <a:endParaRPr/>
             </a:p>
           </p:txBody>
@@ -3474,7 +3604,7 @@
             <p:nvPr/>
           </p:nvSpPr>
           <p:spPr>
-            <a:xfrm flipH="1" rot="10800000">
+            <a:xfrm rot="10800000" flipH="1">
               <a:off x="7113588" y="107"/>
               <a:ext cx="1015200" cy="1015200"/>
             </a:xfrm>
@@ -3489,12 +3619,12 @@
             </a:ln>
           </p:spPr>
           <p:txBody>
-            <a:bodyPr anchorCtr="0" anchor="ctr" bIns="91425" lIns="91425" spcFirstLastPara="1" rIns="91425" wrap="square" tIns="91425">
+            <a:bodyPr spcFirstLastPara="1" wrap="square" lIns="91425" tIns="91425" rIns="91425" bIns="91425" anchor="ctr" anchorCtr="0">
               <a:noAutofit/>
             </a:bodyPr>
             <a:lstStyle/>
             <a:p>
-              <a:pPr indent="0" lvl="0" marL="0" rtl="0" algn="l">
+              <a:pPr marL="0" lvl="0" indent="0" algn="l" rtl="0">
                 <a:spcBef>
                   <a:spcPts val="0"/>
                 </a:spcBef>
@@ -3503,9 +3633,6 @@
                 </a:spcAft>
                 <a:buNone/>
               </a:pPr>
-              <a:r>
-                <a:t/>
-              </a:r>
               <a:endParaRPr/>
             </a:p>
           </p:txBody>
@@ -3532,12 +3659,12 @@
             </a:ln>
           </p:spPr>
           <p:txBody>
-            <a:bodyPr anchorCtr="0" anchor="ctr" bIns="91425" lIns="91425" spcFirstLastPara="1" rIns="91425" wrap="square" tIns="91425">
+            <a:bodyPr spcFirstLastPara="1" wrap="square" lIns="91425" tIns="91425" rIns="91425" bIns="91425" anchor="ctr" anchorCtr="0">
               <a:noAutofit/>
             </a:bodyPr>
             <a:lstStyle/>
             <a:p>
-              <a:pPr indent="0" lvl="0" marL="0" rtl="0" algn="l">
+              <a:pPr marL="0" lvl="0" indent="0" algn="l" rtl="0">
                 <a:spcBef>
                   <a:spcPts val="0"/>
                 </a:spcBef>
@@ -3546,9 +3673,6 @@
                 </a:spcAft>
                 <a:buNone/>
               </a:pPr>
-              <a:r>
-                <a:t/>
-              </a:r>
               <a:endParaRPr/>
             </a:p>
           </p:txBody>
@@ -3575,12 +3699,12 @@
             </a:ln>
           </p:spPr>
           <p:txBody>
-            <a:bodyPr anchorCtr="0" anchor="ctr" bIns="91425" lIns="91425" spcFirstLastPara="1" rIns="91425" wrap="square" tIns="91425">
+            <a:bodyPr spcFirstLastPara="1" wrap="square" lIns="91425" tIns="91425" rIns="91425" bIns="91425" anchor="ctr" anchorCtr="0">
               <a:noAutofit/>
             </a:bodyPr>
             <a:lstStyle/>
             <a:p>
-              <a:pPr indent="0" lvl="0" marL="0" rtl="0" algn="l">
+              <a:pPr marL="0" lvl="0" indent="0" algn="l" rtl="0">
                 <a:spcBef>
                   <a:spcPts val="0"/>
                 </a:spcBef>
@@ -3589,9 +3713,6 @@
                 </a:spcAft>
                 <a:buNone/>
               </a:pPr>
-              <a:r>
-                <a:t/>
-              </a:r>
               <a:endParaRPr/>
             </a:p>
           </p:txBody>
@@ -3600,9 +3721,11 @@
       <p:sp>
         <p:nvSpPr>
           <p:cNvPr id="76" name="Google Shape;76;p11"/>
-          <p:cNvSpPr txBox="1"/>
+          <p:cNvSpPr txBox="1">
+            <a:spLocks noGrp="1"/>
+          </p:cNvSpPr>
           <p:nvPr>
-            <p:ph hasCustomPrompt="1" type="title"/>
+            <p:ph type="title" hasCustomPrompt="1"/>
           </p:nvPr>
         </p:nvSpPr>
         <p:spPr>
@@ -3615,7 +3738,7 @@
           </a:prstGeom>
         </p:spPr>
         <p:txBody>
-          <a:bodyPr anchorCtr="0" anchor="b" bIns="91425" lIns="91425" spcFirstLastPara="1" rIns="91425" wrap="square" tIns="91425">
+          <a:bodyPr spcFirstLastPara="1" wrap="square" lIns="91425" tIns="91425" rIns="91425" bIns="91425" anchor="b" anchorCtr="0">
             <a:noAutofit/>
           </a:bodyPr>
           <a:lstStyle>
@@ -3792,9 +3915,11 @@
       <p:sp>
         <p:nvSpPr>
           <p:cNvPr id="77" name="Google Shape;77;p11"/>
-          <p:cNvSpPr txBox="1"/>
+          <p:cNvSpPr txBox="1">
+            <a:spLocks noGrp="1"/>
+          </p:cNvSpPr>
           <p:nvPr>
-            <p:ph idx="1" type="body"/>
+            <p:ph type="body" idx="1"/>
           </p:nvPr>
         </p:nvSpPr>
         <p:spPr>
@@ -3807,11 +3932,11 @@
           </a:prstGeom>
         </p:spPr>
         <p:txBody>
-          <a:bodyPr anchorCtr="0" anchor="t" bIns="91425" lIns="91425" spcFirstLastPara="1" rIns="91425" wrap="square" tIns="91425">
+          <a:bodyPr spcFirstLastPara="1" wrap="square" lIns="91425" tIns="91425" rIns="91425" bIns="91425" anchor="t" anchorCtr="0">
             <a:noAutofit/>
           </a:bodyPr>
           <a:lstStyle>
-            <a:lvl1pPr indent="-342900" lvl="0" marL="457200" algn="ctr">
+            <a:lvl1pPr marL="457200" lvl="0" indent="-342900" algn="ctr">
               <a:spcBef>
                 <a:spcPts val="0"/>
               </a:spcBef>
@@ -3829,7 +3954,7 @@
                 </a:solidFill>
               </a:defRPr>
             </a:lvl1pPr>
-            <a:lvl2pPr indent="-317500" lvl="1" marL="914400" algn="ctr">
+            <a:lvl2pPr marL="914400" lvl="1" indent="-317500" algn="ctr">
               <a:spcBef>
                 <a:spcPts val="1600"/>
               </a:spcBef>
@@ -3847,7 +3972,7 @@
                 </a:solidFill>
               </a:defRPr>
             </a:lvl2pPr>
-            <a:lvl3pPr indent="-317500" lvl="2" marL="1371600" algn="ctr">
+            <a:lvl3pPr marL="1371600" lvl="2" indent="-317500" algn="ctr">
               <a:spcBef>
                 <a:spcPts val="1600"/>
               </a:spcBef>
@@ -3865,7 +3990,7 @@
                 </a:solidFill>
               </a:defRPr>
             </a:lvl3pPr>
-            <a:lvl4pPr indent="-317500" lvl="3" marL="1828800" algn="ctr">
+            <a:lvl4pPr marL="1828800" lvl="3" indent="-317500" algn="ctr">
               <a:spcBef>
                 <a:spcPts val="1600"/>
               </a:spcBef>
@@ -3883,7 +4008,7 @@
                 </a:solidFill>
               </a:defRPr>
             </a:lvl4pPr>
-            <a:lvl5pPr indent="-317500" lvl="4" marL="2286000" algn="ctr">
+            <a:lvl5pPr marL="2286000" lvl="4" indent="-317500" algn="ctr">
               <a:spcBef>
                 <a:spcPts val="1600"/>
               </a:spcBef>
@@ -3901,7 +4026,7 @@
                 </a:solidFill>
               </a:defRPr>
             </a:lvl5pPr>
-            <a:lvl6pPr indent="-317500" lvl="5" marL="2743200" algn="ctr">
+            <a:lvl6pPr marL="2743200" lvl="5" indent="-317500" algn="ctr">
               <a:spcBef>
                 <a:spcPts val="1600"/>
               </a:spcBef>
@@ -3919,7 +4044,7 @@
                 </a:solidFill>
               </a:defRPr>
             </a:lvl6pPr>
-            <a:lvl7pPr indent="-317500" lvl="6" marL="3200400" algn="ctr">
+            <a:lvl7pPr marL="3200400" lvl="6" indent="-317500" algn="ctr">
               <a:spcBef>
                 <a:spcPts val="1600"/>
               </a:spcBef>
@@ -3937,7 +4062,7 @@
                 </a:solidFill>
               </a:defRPr>
             </a:lvl7pPr>
-            <a:lvl8pPr indent="-317500" lvl="7" marL="3657600" algn="ctr">
+            <a:lvl8pPr marL="3657600" lvl="7" indent="-317500" algn="ctr">
               <a:spcBef>
                 <a:spcPts val="1600"/>
               </a:spcBef>
@@ -3955,7 +4080,7 @@
                 </a:solidFill>
               </a:defRPr>
             </a:lvl8pPr>
-            <a:lvl9pPr indent="-317500" lvl="8" marL="4114800" algn="ctr">
+            <a:lvl9pPr marL="4114800" lvl="8" indent="-317500" algn="ctr">
               <a:spcBef>
                 <a:spcPts val="1600"/>
               </a:spcBef>
@@ -3974,15 +4099,19 @@
               </a:defRPr>
             </a:lvl9pPr>
           </a:lstStyle>
-          <a:p/>
+          <a:p>
+            <a:endParaRPr/>
+          </a:p>
         </p:txBody>
       </p:sp>
       <p:sp>
         <p:nvSpPr>
           <p:cNvPr id="78" name="Google Shape;78;p11"/>
-          <p:cNvSpPr txBox="1"/>
+          <p:cNvSpPr txBox="1">
+            <a:spLocks noGrp="1"/>
+          </p:cNvSpPr>
           <p:nvPr>
-            <p:ph idx="12" type="sldNum"/>
+            <p:ph type="sldNum" idx="12"/>
           </p:nvPr>
         </p:nvSpPr>
         <p:spPr>
@@ -3995,7 +4124,7 @@
           </a:prstGeom>
         </p:spPr>
         <p:txBody>
-          <a:bodyPr anchorCtr="0" anchor="ctr" bIns="91425" lIns="91425" spcFirstLastPara="1" rIns="91425" wrap="square" tIns="91425">
+          <a:bodyPr spcFirstLastPara="1" wrap="square" lIns="91425" tIns="91425" rIns="91425" bIns="91425" anchor="ctr" anchorCtr="0">
             <a:noAutofit/>
           </a:bodyPr>
           <a:lstStyle>
@@ -4037,7 +4166,7 @@
             </a:lvl9pPr>
           </a:lstStyle>
           <a:p>
-            <a:pPr indent="0" lvl="0" marL="0" rtl="0" algn="r">
+            <a:pPr marL="0" lvl="0" indent="0" algn="r" rtl="0">
               <a:spcBef>
                 <a:spcPts val="0"/>
               </a:spcBef>
@@ -4048,7 +4177,7 @@
             </a:pPr>
             <a:fld id="{00000000-1234-1234-1234-123412341234}" type="slidenum">
               <a:rPr lang="es"/>
-              <a:t>‹#›</a:t>
+              <a:t>‹Nº›</a:t>
             </a:fld>
             <a:endParaRPr/>
           </a:p>
@@ -4063,11 +4192,11 @@
 </file>
 
 <file path=ppt/slideLayouts/slideLayout11.xml><?xml version="1.0" encoding="utf-8"?>
-<p:sldLayout xmlns:a="http://schemas.openxmlformats.org/drawingml/2006/main" xmlns:r="http://schemas.openxmlformats.org/officeDocument/2006/relationships" xmlns:mc="http://schemas.openxmlformats.org/markup-compatibility/2006" xmlns:mv="urn:schemas-microsoft-com:mac:vml" xmlns:p="http://schemas.openxmlformats.org/presentationml/2006/main" xmlns:c="http://schemas.openxmlformats.org/drawingml/2006/chart" xmlns:dgm="http://schemas.openxmlformats.org/drawingml/2006/diagram" xmlns:o="urn:schemas-microsoft-com:office:office" xmlns:v="urn:schemas-microsoft-com:vml" xmlns:pvml="urn:schemas-microsoft-com:office:powerpoint" xmlns:com="http://schemas.openxmlformats.org/drawingml/2006/compatibility" xmlns:p14="http://schemas.microsoft.com/office/powerpoint/2010/main" xmlns:p15="http://schemas.microsoft.com/office/powerpoint/2012/main" xmlns:ahyp="http://schemas.microsoft.com/office/drawing/2018/hyperlinkcolor" matchingName="Blank" type="blank">
+<p:sldLayout xmlns:a="http://schemas.openxmlformats.org/drawingml/2006/main" xmlns:r="http://schemas.openxmlformats.org/officeDocument/2006/relationships" xmlns:p="http://schemas.openxmlformats.org/presentationml/2006/main" matchingName="Blank" type="blank">
   <p:cSld name="BLANK">
     <p:spTree>
       <p:nvGrpSpPr>
-        <p:cNvPr id="79" name="Shape 79"/>
+        <p:cNvPr id="1" name="Shape 79"/>
         <p:cNvGrpSpPr/>
         <p:nvPr/>
       </p:nvGrpSpPr>
@@ -4082,9 +4211,11 @@
       <p:sp>
         <p:nvSpPr>
           <p:cNvPr id="80" name="Google Shape;80;p12"/>
-          <p:cNvSpPr txBox="1"/>
+          <p:cNvSpPr txBox="1">
+            <a:spLocks noGrp="1"/>
+          </p:cNvSpPr>
           <p:nvPr>
-            <p:ph idx="12" type="sldNum"/>
+            <p:ph type="sldNum" idx="12"/>
           </p:nvPr>
         </p:nvSpPr>
         <p:spPr>
@@ -4097,7 +4228,7 @@
           </a:prstGeom>
         </p:spPr>
         <p:txBody>
-          <a:bodyPr anchorCtr="0" anchor="ctr" bIns="91425" lIns="91425" spcFirstLastPara="1" rIns="91425" wrap="square" tIns="91425">
+          <a:bodyPr spcFirstLastPara="1" wrap="square" lIns="91425" tIns="91425" rIns="91425" bIns="91425" anchor="ctr" anchorCtr="0">
             <a:noAutofit/>
           </a:bodyPr>
           <a:lstStyle>
@@ -4175,7 +4306,7 @@
             </a:lvl9pPr>
           </a:lstStyle>
           <a:p>
-            <a:pPr indent="0" lvl="0" marL="0" rtl="0" algn="r">
+            <a:pPr marL="0" lvl="0" indent="0" algn="r" rtl="0">
               <a:spcBef>
                 <a:spcPts val="0"/>
               </a:spcBef>
@@ -4186,7 +4317,7 @@
             </a:pPr>
             <a:fld id="{00000000-1234-1234-1234-123412341234}" type="slidenum">
               <a:rPr lang="es"/>
-              <a:t>‹#›</a:t>
+              <a:t>‹Nº›</a:t>
             </a:fld>
             <a:endParaRPr/>
           </a:p>
@@ -4201,18 +4332,19 @@
 </file>
 
 <file path=ppt/slideLayouts/slideLayout2.xml><?xml version="1.0" encoding="utf-8"?>
-<p:sldLayout xmlns:a="http://schemas.openxmlformats.org/drawingml/2006/main" xmlns:r="http://schemas.openxmlformats.org/officeDocument/2006/relationships" xmlns:mc="http://schemas.openxmlformats.org/markup-compatibility/2006" xmlns:mv="urn:schemas-microsoft-com:mac:vml" xmlns:p="http://schemas.openxmlformats.org/presentationml/2006/main" xmlns:c="http://schemas.openxmlformats.org/drawingml/2006/chart" xmlns:dgm="http://schemas.openxmlformats.org/drawingml/2006/diagram" xmlns:o="urn:schemas-microsoft-com:office:office" xmlns:v="urn:schemas-microsoft-com:vml" xmlns:pvml="urn:schemas-microsoft-com:office:powerpoint" xmlns:com="http://schemas.openxmlformats.org/drawingml/2006/compatibility" xmlns:p14="http://schemas.microsoft.com/office/powerpoint/2010/main" xmlns:p15="http://schemas.microsoft.com/office/powerpoint/2012/main" xmlns:ahyp="http://schemas.microsoft.com/office/drawing/2018/hyperlinkcolor" matchingName="Section header" type="secHead">
+<p:sldLayout xmlns:a="http://schemas.openxmlformats.org/drawingml/2006/main" xmlns:r="http://schemas.openxmlformats.org/officeDocument/2006/relationships" xmlns:p="http://schemas.openxmlformats.org/presentationml/2006/main" matchingName="Section header" type="secHead">
   <p:cSld name="SECTION_HEADER">
     <p:bg>
       <p:bgPr>
         <a:solidFill>
           <a:schemeClr val="dk1"/>
         </a:solidFill>
+        <a:effectLst/>
       </p:bgPr>
     </p:bg>
     <p:spTree>
       <p:nvGrpSpPr>
-        <p:cNvPr id="19" name="Shape 19"/>
+        <p:cNvPr id="1" name="Shape 19"/>
         <p:cNvGrpSpPr/>
         <p:nvPr/>
       </p:nvGrpSpPr>
@@ -4260,12 +4392,12 @@
             </a:ln>
           </p:spPr>
           <p:txBody>
-            <a:bodyPr anchorCtr="0" anchor="ctr" bIns="91425" lIns="91425" spcFirstLastPara="1" rIns="91425" wrap="square" tIns="91425">
+            <a:bodyPr spcFirstLastPara="1" wrap="square" lIns="91425" tIns="91425" rIns="91425" bIns="91425" anchor="ctr" anchorCtr="0">
               <a:noAutofit/>
             </a:bodyPr>
             <a:lstStyle/>
             <a:p>
-              <a:pPr indent="0" lvl="0" marL="0" rtl="0" algn="l">
+              <a:pPr marL="0" lvl="0" indent="0" algn="l" rtl="0">
                 <a:spcBef>
                   <a:spcPts val="0"/>
                 </a:spcBef>
@@ -4274,9 +4406,6 @@
                 </a:spcAft>
                 <a:buNone/>
               </a:pPr>
-              <a:r>
-                <a:t/>
-              </a:r>
               <a:endParaRPr/>
             </a:p>
           </p:txBody>
@@ -4303,12 +4432,12 @@
             </a:ln>
           </p:spPr>
           <p:txBody>
-            <a:bodyPr anchorCtr="0" anchor="ctr" bIns="91425" lIns="91425" spcFirstLastPara="1" rIns="91425" wrap="square" tIns="91425">
+            <a:bodyPr spcFirstLastPara="1" wrap="square" lIns="91425" tIns="91425" rIns="91425" bIns="91425" anchor="ctr" anchorCtr="0">
               <a:noAutofit/>
             </a:bodyPr>
             <a:lstStyle/>
             <a:p>
-              <a:pPr indent="0" lvl="0" marL="0" rtl="0" algn="l">
+              <a:pPr marL="0" lvl="0" indent="0" algn="l" rtl="0">
                 <a:spcBef>
                   <a:spcPts val="0"/>
                 </a:spcBef>
@@ -4317,9 +4446,6 @@
                 </a:spcAft>
                 <a:buNone/>
               </a:pPr>
-              <a:r>
-                <a:t/>
-              </a:r>
               <a:endParaRPr/>
             </a:p>
           </p:txBody>
@@ -4331,7 +4457,7 @@
             <p:nvPr/>
           </p:nvSpPr>
           <p:spPr>
-            <a:xfrm flipH="1" rot="10800000">
+            <a:xfrm rot="10800000" flipH="1">
               <a:off x="7113588" y="107"/>
               <a:ext cx="1015200" cy="1015200"/>
             </a:xfrm>
@@ -4346,12 +4472,12 @@
             </a:ln>
           </p:spPr>
           <p:txBody>
-            <a:bodyPr anchorCtr="0" anchor="ctr" bIns="91425" lIns="91425" spcFirstLastPara="1" rIns="91425" wrap="square" tIns="91425">
+            <a:bodyPr spcFirstLastPara="1" wrap="square" lIns="91425" tIns="91425" rIns="91425" bIns="91425" anchor="ctr" anchorCtr="0">
               <a:noAutofit/>
             </a:bodyPr>
             <a:lstStyle/>
             <a:p>
-              <a:pPr indent="0" lvl="0" marL="0" rtl="0" algn="l">
+              <a:pPr marL="0" lvl="0" indent="0" algn="l" rtl="0">
                 <a:spcBef>
                   <a:spcPts val="0"/>
                 </a:spcBef>
@@ -4360,9 +4486,6 @@
                 </a:spcAft>
                 <a:buNone/>
               </a:pPr>
-              <a:r>
-                <a:t/>
-              </a:r>
               <a:endParaRPr/>
             </a:p>
           </p:txBody>
@@ -4389,12 +4512,12 @@
             </a:ln>
           </p:spPr>
           <p:txBody>
-            <a:bodyPr anchorCtr="0" anchor="ctr" bIns="91425" lIns="91425" spcFirstLastPara="1" rIns="91425" wrap="square" tIns="91425">
+            <a:bodyPr spcFirstLastPara="1" wrap="square" lIns="91425" tIns="91425" rIns="91425" bIns="91425" anchor="ctr" anchorCtr="0">
               <a:noAutofit/>
             </a:bodyPr>
             <a:lstStyle/>
             <a:p>
-              <a:pPr indent="0" lvl="0" marL="0" rtl="0" algn="l">
+              <a:pPr marL="0" lvl="0" indent="0" algn="l" rtl="0">
                 <a:spcBef>
                   <a:spcPts val="0"/>
                 </a:spcBef>
@@ -4403,9 +4526,6 @@
                 </a:spcAft>
                 <a:buNone/>
               </a:pPr>
-              <a:r>
-                <a:t/>
-              </a:r>
               <a:endParaRPr/>
             </a:p>
           </p:txBody>
@@ -4432,12 +4552,12 @@
             </a:ln>
           </p:spPr>
           <p:txBody>
-            <a:bodyPr anchorCtr="0" anchor="ctr" bIns="91425" lIns="91425" spcFirstLastPara="1" rIns="91425" wrap="square" tIns="91425">
+            <a:bodyPr spcFirstLastPara="1" wrap="square" lIns="91425" tIns="91425" rIns="91425" bIns="91425" anchor="ctr" anchorCtr="0">
               <a:noAutofit/>
             </a:bodyPr>
             <a:lstStyle/>
             <a:p>
-              <a:pPr indent="0" lvl="0" marL="0" rtl="0" algn="l">
+              <a:pPr marL="0" lvl="0" indent="0" algn="l" rtl="0">
                 <a:spcBef>
                   <a:spcPts val="0"/>
                 </a:spcBef>
@@ -4446,9 +4566,6 @@
                 </a:spcAft>
                 <a:buNone/>
               </a:pPr>
-              <a:r>
-                <a:t/>
-              </a:r>
               <a:endParaRPr/>
             </a:p>
           </p:txBody>
@@ -4457,7 +4574,9 @@
       <p:sp>
         <p:nvSpPr>
           <p:cNvPr id="26" name="Google Shape;26;p3"/>
-          <p:cNvSpPr txBox="1"/>
+          <p:cNvSpPr txBox="1">
+            <a:spLocks noGrp="1"/>
+          </p:cNvSpPr>
           <p:nvPr>
             <p:ph type="title"/>
           </p:nvPr>
@@ -4472,7 +4591,7 @@
           </a:prstGeom>
         </p:spPr>
         <p:txBody>
-          <a:bodyPr anchorCtr="0" anchor="ctr" bIns="91425" lIns="91425" spcFirstLastPara="1" rIns="91425" wrap="square" tIns="91425">
+          <a:bodyPr spcFirstLastPara="1" wrap="square" lIns="91425" tIns="91425" rIns="91425" bIns="91425" anchor="ctr" anchorCtr="0">
             <a:noAutofit/>
           </a:bodyPr>
           <a:lstStyle>
@@ -4639,15 +4758,19 @@
               </a:defRPr>
             </a:lvl9pPr>
           </a:lstStyle>
-          <a:p/>
+          <a:p>
+            <a:endParaRPr/>
+          </a:p>
         </p:txBody>
       </p:sp>
       <p:sp>
         <p:nvSpPr>
           <p:cNvPr id="27" name="Google Shape;27;p3"/>
-          <p:cNvSpPr txBox="1"/>
+          <p:cNvSpPr txBox="1">
+            <a:spLocks noGrp="1"/>
+          </p:cNvSpPr>
           <p:nvPr>
-            <p:ph idx="12" type="sldNum"/>
+            <p:ph type="sldNum" idx="12"/>
           </p:nvPr>
         </p:nvSpPr>
         <p:spPr>
@@ -4660,7 +4783,7 @@
           </a:prstGeom>
         </p:spPr>
         <p:txBody>
-          <a:bodyPr anchorCtr="0" anchor="ctr" bIns="91425" lIns="91425" spcFirstLastPara="1" rIns="91425" wrap="square" tIns="91425">
+          <a:bodyPr spcFirstLastPara="1" wrap="square" lIns="91425" tIns="91425" rIns="91425" bIns="91425" anchor="ctr" anchorCtr="0">
             <a:noAutofit/>
           </a:bodyPr>
           <a:lstStyle>
@@ -4702,7 +4825,7 @@
             </a:lvl9pPr>
           </a:lstStyle>
           <a:p>
-            <a:pPr indent="0" lvl="0" marL="0" rtl="0" algn="r">
+            <a:pPr marL="0" lvl="0" indent="0" algn="r" rtl="0">
               <a:spcBef>
                 <a:spcPts val="0"/>
               </a:spcBef>
@@ -4713,7 +4836,7 @@
             </a:pPr>
             <a:fld id="{00000000-1234-1234-1234-123412341234}" type="slidenum">
               <a:rPr lang="es"/>
-              <a:t>‹#›</a:t>
+              <a:t>‹Nº›</a:t>
             </a:fld>
             <a:endParaRPr/>
           </a:p>
@@ -4728,11 +4851,11 @@
 </file>
 
 <file path=ppt/slideLayouts/slideLayout3.xml><?xml version="1.0" encoding="utf-8"?>
-<p:sldLayout xmlns:a="http://schemas.openxmlformats.org/drawingml/2006/main" xmlns:r="http://schemas.openxmlformats.org/officeDocument/2006/relationships" xmlns:mc="http://schemas.openxmlformats.org/markup-compatibility/2006" xmlns:mv="urn:schemas-microsoft-com:mac:vml" xmlns:p="http://schemas.openxmlformats.org/presentationml/2006/main" xmlns:c="http://schemas.openxmlformats.org/drawingml/2006/chart" xmlns:dgm="http://schemas.openxmlformats.org/drawingml/2006/diagram" xmlns:o="urn:schemas-microsoft-com:office:office" xmlns:v="urn:schemas-microsoft-com:vml" xmlns:pvml="urn:schemas-microsoft-com:office:powerpoint" xmlns:com="http://schemas.openxmlformats.org/drawingml/2006/compatibility" xmlns:p14="http://schemas.microsoft.com/office/powerpoint/2010/main" xmlns:p15="http://schemas.microsoft.com/office/powerpoint/2012/main" xmlns:ahyp="http://schemas.microsoft.com/office/drawing/2018/hyperlinkcolor" matchingName="Title and body" type="tx">
+<p:sldLayout xmlns:a="http://schemas.openxmlformats.org/drawingml/2006/main" xmlns:r="http://schemas.openxmlformats.org/officeDocument/2006/relationships" xmlns:p="http://schemas.openxmlformats.org/presentationml/2006/main" matchingName="Title and body" type="tx">
   <p:cSld name="TITLE_AND_BODY">
     <p:spTree>
       <p:nvGrpSpPr>
-        <p:cNvPr id="28" name="Shape 28"/>
+        <p:cNvPr id="1" name="Shape 28"/>
         <p:cNvGrpSpPr/>
         <p:nvPr/>
       </p:nvGrpSpPr>
@@ -4780,12 +4903,12 @@
             </a:ln>
           </p:spPr>
           <p:txBody>
-            <a:bodyPr anchorCtr="0" anchor="ctr" bIns="91425" lIns="91425" spcFirstLastPara="1" rIns="91425" wrap="square" tIns="91425">
+            <a:bodyPr spcFirstLastPara="1" wrap="square" lIns="91425" tIns="91425" rIns="91425" bIns="91425" anchor="ctr" anchorCtr="0">
               <a:noAutofit/>
             </a:bodyPr>
             <a:lstStyle/>
             <a:p>
-              <a:pPr indent="0" lvl="0" marL="0" rtl="0" algn="l">
+              <a:pPr marL="0" lvl="0" indent="0" algn="l" rtl="0">
                 <a:spcBef>
                   <a:spcPts val="0"/>
                 </a:spcBef>
@@ -4794,9 +4917,6 @@
                 </a:spcAft>
                 <a:buNone/>
               </a:pPr>
-              <a:r>
-                <a:t/>
-              </a:r>
               <a:endParaRPr/>
             </a:p>
           </p:txBody>
@@ -4823,12 +4943,12 @@
             </a:ln>
           </p:spPr>
           <p:txBody>
-            <a:bodyPr anchorCtr="0" anchor="ctr" bIns="91425" lIns="91425" spcFirstLastPara="1" rIns="91425" wrap="square" tIns="91425">
+            <a:bodyPr spcFirstLastPara="1" wrap="square" lIns="91425" tIns="91425" rIns="91425" bIns="91425" anchor="ctr" anchorCtr="0">
               <a:noAutofit/>
             </a:bodyPr>
             <a:lstStyle/>
             <a:p>
-              <a:pPr indent="0" lvl="0" marL="0" rtl="0" algn="l">
+              <a:pPr marL="0" lvl="0" indent="0" algn="l" rtl="0">
                 <a:spcBef>
                   <a:spcPts val="0"/>
                 </a:spcBef>
@@ -4837,9 +4957,6 @@
                 </a:spcAft>
                 <a:buNone/>
               </a:pPr>
-              <a:r>
-                <a:t/>
-              </a:r>
               <a:endParaRPr/>
             </a:p>
           </p:txBody>
@@ -4866,12 +4983,12 @@
             </a:ln>
           </p:spPr>
           <p:txBody>
-            <a:bodyPr anchorCtr="0" anchor="ctr" bIns="91425" lIns="91425" spcFirstLastPara="1" rIns="91425" wrap="square" tIns="91425">
+            <a:bodyPr spcFirstLastPara="1" wrap="square" lIns="91425" tIns="91425" rIns="91425" bIns="91425" anchor="ctr" anchorCtr="0">
               <a:noAutofit/>
             </a:bodyPr>
             <a:lstStyle/>
             <a:p>
-              <a:pPr indent="0" lvl="0" marL="0" rtl="0" algn="l">
+              <a:pPr marL="0" lvl="0" indent="0" algn="l" rtl="0">
                 <a:spcBef>
                   <a:spcPts val="0"/>
                 </a:spcBef>
@@ -4880,9 +4997,6 @@
                 </a:spcAft>
                 <a:buNone/>
               </a:pPr>
-              <a:r>
-                <a:t/>
-              </a:r>
               <a:endParaRPr/>
             </a:p>
           </p:txBody>
@@ -4909,12 +5023,12 @@
             </a:ln>
           </p:spPr>
           <p:txBody>
-            <a:bodyPr anchorCtr="0" anchor="ctr" bIns="91425" lIns="91425" spcFirstLastPara="1" rIns="91425" wrap="square" tIns="91425">
+            <a:bodyPr spcFirstLastPara="1" wrap="square" lIns="91425" tIns="91425" rIns="91425" bIns="91425" anchor="ctr" anchorCtr="0">
               <a:noAutofit/>
             </a:bodyPr>
             <a:lstStyle/>
             <a:p>
-              <a:pPr indent="0" lvl="0" marL="0" rtl="0" algn="l">
+              <a:pPr marL="0" lvl="0" indent="0" algn="l" rtl="0">
                 <a:spcBef>
                   <a:spcPts val="0"/>
                 </a:spcBef>
@@ -4923,9 +5037,6 @@
                 </a:spcAft>
                 <a:buNone/>
               </a:pPr>
-              <a:r>
-                <a:t/>
-              </a:r>
               <a:endParaRPr/>
             </a:p>
           </p:txBody>
@@ -4952,12 +5063,12 @@
             </a:ln>
           </p:spPr>
           <p:txBody>
-            <a:bodyPr anchorCtr="0" anchor="ctr" bIns="91425" lIns="91425" spcFirstLastPara="1" rIns="91425" wrap="square" tIns="91425">
+            <a:bodyPr spcFirstLastPara="1" wrap="square" lIns="91425" tIns="91425" rIns="91425" bIns="91425" anchor="ctr" anchorCtr="0">
               <a:noAutofit/>
             </a:bodyPr>
             <a:lstStyle/>
             <a:p>
-              <a:pPr indent="0" lvl="0" marL="0" rtl="0" algn="l">
+              <a:pPr marL="0" lvl="0" indent="0" algn="l" rtl="0">
                 <a:spcBef>
                   <a:spcPts val="0"/>
                 </a:spcBef>
@@ -4966,9 +5077,6 @@
                 </a:spcAft>
                 <a:buNone/>
               </a:pPr>
-              <a:r>
-                <a:t/>
-              </a:r>
               <a:endParaRPr/>
             </a:p>
           </p:txBody>
@@ -4977,7 +5085,9 @@
       <p:sp>
         <p:nvSpPr>
           <p:cNvPr id="35" name="Google Shape;35;p4"/>
-          <p:cNvSpPr txBox="1"/>
+          <p:cNvSpPr txBox="1">
+            <a:spLocks noGrp="1"/>
+          </p:cNvSpPr>
           <p:nvPr>
             <p:ph type="title"/>
           </p:nvPr>
@@ -4992,7 +5102,7 @@
           </a:prstGeom>
         </p:spPr>
         <p:txBody>
-          <a:bodyPr anchorCtr="0" anchor="t" bIns="91425" lIns="91425" spcFirstLastPara="1" rIns="91425" wrap="square" tIns="91425">
+          <a:bodyPr spcFirstLastPara="1" wrap="square" lIns="91425" tIns="91425" rIns="91425" bIns="91425" anchor="t" anchorCtr="0">
             <a:noAutofit/>
           </a:bodyPr>
           <a:lstStyle>
@@ -5096,15 +5206,19 @@
               <a:defRPr/>
             </a:lvl9pPr>
           </a:lstStyle>
-          <a:p/>
+          <a:p>
+            <a:endParaRPr/>
+          </a:p>
         </p:txBody>
       </p:sp>
       <p:sp>
         <p:nvSpPr>
           <p:cNvPr id="36" name="Google Shape;36;p4"/>
-          <p:cNvSpPr txBox="1"/>
+          <p:cNvSpPr txBox="1">
+            <a:spLocks noGrp="1"/>
+          </p:cNvSpPr>
           <p:nvPr>
-            <p:ph idx="1" type="body"/>
+            <p:ph type="body" idx="1"/>
           </p:nvPr>
         </p:nvSpPr>
         <p:spPr>
@@ -5117,11 +5231,11 @@
           </a:prstGeom>
         </p:spPr>
         <p:txBody>
-          <a:bodyPr anchorCtr="0" anchor="t" bIns="91425" lIns="91425" spcFirstLastPara="1" rIns="91425" wrap="square" tIns="91425">
+          <a:bodyPr spcFirstLastPara="1" wrap="square" lIns="91425" tIns="91425" rIns="91425" bIns="91425" anchor="t" anchorCtr="0">
             <a:noAutofit/>
           </a:bodyPr>
           <a:lstStyle>
-            <a:lvl1pPr indent="-342900" lvl="0" marL="457200">
+            <a:lvl1pPr marL="457200" lvl="0" indent="-342900">
               <a:spcBef>
                 <a:spcPts val="0"/>
               </a:spcBef>
@@ -5132,7 +5246,7 @@
               <a:buChar char="●"/>
               <a:defRPr/>
             </a:lvl1pPr>
-            <a:lvl2pPr indent="-317500" lvl="1" marL="914400">
+            <a:lvl2pPr marL="914400" lvl="1" indent="-317500">
               <a:spcBef>
                 <a:spcPts val="1600"/>
               </a:spcBef>
@@ -5143,7 +5257,7 @@
               <a:buChar char="○"/>
               <a:defRPr/>
             </a:lvl2pPr>
-            <a:lvl3pPr indent="-317500" lvl="2" marL="1371600">
+            <a:lvl3pPr marL="1371600" lvl="2" indent="-317500">
               <a:spcBef>
                 <a:spcPts val="1600"/>
               </a:spcBef>
@@ -5154,7 +5268,7 @@
               <a:buChar char="■"/>
               <a:defRPr/>
             </a:lvl3pPr>
-            <a:lvl4pPr indent="-317500" lvl="3" marL="1828800">
+            <a:lvl4pPr marL="1828800" lvl="3" indent="-317500">
               <a:spcBef>
                 <a:spcPts val="1600"/>
               </a:spcBef>
@@ -5165,7 +5279,7 @@
               <a:buChar char="●"/>
               <a:defRPr/>
             </a:lvl4pPr>
-            <a:lvl5pPr indent="-317500" lvl="4" marL="2286000">
+            <a:lvl5pPr marL="2286000" lvl="4" indent="-317500">
               <a:spcBef>
                 <a:spcPts val="1600"/>
               </a:spcBef>
@@ -5176,7 +5290,7 @@
               <a:buChar char="○"/>
               <a:defRPr/>
             </a:lvl5pPr>
-            <a:lvl6pPr indent="-317500" lvl="5" marL="2743200">
+            <a:lvl6pPr marL="2743200" lvl="5" indent="-317500">
               <a:spcBef>
                 <a:spcPts val="1600"/>
               </a:spcBef>
@@ -5187,7 +5301,7 @@
               <a:buChar char="■"/>
               <a:defRPr/>
             </a:lvl6pPr>
-            <a:lvl7pPr indent="-317500" lvl="6" marL="3200400">
+            <a:lvl7pPr marL="3200400" lvl="6" indent="-317500">
               <a:spcBef>
                 <a:spcPts val="1600"/>
               </a:spcBef>
@@ -5198,7 +5312,7 @@
               <a:buChar char="●"/>
               <a:defRPr/>
             </a:lvl7pPr>
-            <a:lvl8pPr indent="-317500" lvl="7" marL="3657600">
+            <a:lvl8pPr marL="3657600" lvl="7" indent="-317500">
               <a:spcBef>
                 <a:spcPts val="1600"/>
               </a:spcBef>
@@ -5209,7 +5323,7 @@
               <a:buChar char="○"/>
               <a:defRPr/>
             </a:lvl8pPr>
-            <a:lvl9pPr indent="-317500" lvl="8" marL="4114800">
+            <a:lvl9pPr marL="4114800" lvl="8" indent="-317500">
               <a:spcBef>
                 <a:spcPts val="1600"/>
               </a:spcBef>
@@ -5221,15 +5335,19 @@
               <a:defRPr/>
             </a:lvl9pPr>
           </a:lstStyle>
-          <a:p/>
+          <a:p>
+            <a:endParaRPr/>
+          </a:p>
         </p:txBody>
       </p:sp>
       <p:sp>
         <p:nvSpPr>
           <p:cNvPr id="37" name="Google Shape;37;p4"/>
-          <p:cNvSpPr txBox="1"/>
+          <p:cNvSpPr txBox="1">
+            <a:spLocks noGrp="1"/>
+          </p:cNvSpPr>
           <p:nvPr>
-            <p:ph idx="12" type="sldNum"/>
+            <p:ph type="sldNum" idx="12"/>
           </p:nvPr>
         </p:nvSpPr>
         <p:spPr>
@@ -5242,7 +5360,7 @@
           </a:prstGeom>
         </p:spPr>
         <p:txBody>
-          <a:bodyPr anchorCtr="0" anchor="ctr" bIns="91425" lIns="91425" spcFirstLastPara="1" rIns="91425" wrap="square" tIns="91425">
+          <a:bodyPr spcFirstLastPara="1" wrap="square" lIns="91425" tIns="91425" rIns="91425" bIns="91425" anchor="ctr" anchorCtr="0">
             <a:noAutofit/>
           </a:bodyPr>
           <a:lstStyle>
@@ -5284,7 +5402,7 @@
             </a:lvl9pPr>
           </a:lstStyle>
           <a:p>
-            <a:pPr indent="0" lvl="0" marL="0" rtl="0" algn="r">
+            <a:pPr marL="0" lvl="0" indent="0" algn="r" rtl="0">
               <a:spcBef>
                 <a:spcPts val="0"/>
               </a:spcBef>
@@ -5295,7 +5413,7 @@
             </a:pPr>
             <a:fld id="{00000000-1234-1234-1234-123412341234}" type="slidenum">
               <a:rPr lang="es"/>
-              <a:t>‹#›</a:t>
+              <a:t>‹Nº›</a:t>
             </a:fld>
             <a:endParaRPr/>
           </a:p>
@@ -5310,11 +5428,11 @@
 </file>
 
 <file path=ppt/slideLayouts/slideLayout4.xml><?xml version="1.0" encoding="utf-8"?>
-<p:sldLayout xmlns:a="http://schemas.openxmlformats.org/drawingml/2006/main" xmlns:r="http://schemas.openxmlformats.org/officeDocument/2006/relationships" xmlns:mc="http://schemas.openxmlformats.org/markup-compatibility/2006" xmlns:mv="urn:schemas-microsoft-com:mac:vml" xmlns:p="http://schemas.openxmlformats.org/presentationml/2006/main" xmlns:c="http://schemas.openxmlformats.org/drawingml/2006/chart" xmlns:dgm="http://schemas.openxmlformats.org/drawingml/2006/diagram" xmlns:o="urn:schemas-microsoft-com:office:office" xmlns:v="urn:schemas-microsoft-com:vml" xmlns:pvml="urn:schemas-microsoft-com:office:powerpoint" xmlns:com="http://schemas.openxmlformats.org/drawingml/2006/compatibility" xmlns:p14="http://schemas.microsoft.com/office/powerpoint/2010/main" xmlns:p15="http://schemas.microsoft.com/office/powerpoint/2012/main" xmlns:ahyp="http://schemas.microsoft.com/office/drawing/2018/hyperlinkcolor" matchingName="Title and two columns" type="twoColTx">
+<p:sldLayout xmlns:a="http://schemas.openxmlformats.org/drawingml/2006/main" xmlns:r="http://schemas.openxmlformats.org/officeDocument/2006/relationships" xmlns:p="http://schemas.openxmlformats.org/presentationml/2006/main" matchingName="Title and two columns" type="twoColTx">
   <p:cSld name="TITLE_AND_TWO_COLUMNS">
     <p:spTree>
       <p:nvGrpSpPr>
-        <p:cNvPr id="38" name="Shape 38"/>
+        <p:cNvPr id="1" name="Shape 38"/>
         <p:cNvGrpSpPr/>
         <p:nvPr/>
       </p:nvGrpSpPr>
@@ -5329,7 +5447,9 @@
       <p:sp>
         <p:nvSpPr>
           <p:cNvPr id="39" name="Google Shape;39;p5"/>
-          <p:cNvSpPr txBox="1"/>
+          <p:cNvSpPr txBox="1">
+            <a:spLocks noGrp="1"/>
+          </p:cNvSpPr>
           <p:nvPr>
             <p:ph type="title"/>
           </p:nvPr>
@@ -5344,7 +5464,7 @@
           </a:prstGeom>
         </p:spPr>
         <p:txBody>
-          <a:bodyPr anchorCtr="0" anchor="t" bIns="91425" lIns="91425" spcFirstLastPara="1" rIns="91425" wrap="square" tIns="91425">
+          <a:bodyPr spcFirstLastPara="1" wrap="square" lIns="91425" tIns="91425" rIns="91425" bIns="91425" anchor="t" anchorCtr="0">
             <a:noAutofit/>
           </a:bodyPr>
           <a:lstStyle>
@@ -5448,15 +5568,19 @@
               <a:defRPr/>
             </a:lvl9pPr>
           </a:lstStyle>
-          <a:p/>
+          <a:p>
+            <a:endParaRPr/>
+          </a:p>
         </p:txBody>
       </p:sp>
       <p:sp>
         <p:nvSpPr>
           <p:cNvPr id="40" name="Google Shape;40;p5"/>
-          <p:cNvSpPr txBox="1"/>
+          <p:cNvSpPr txBox="1">
+            <a:spLocks noGrp="1"/>
+          </p:cNvSpPr>
           <p:nvPr>
-            <p:ph idx="1" type="body"/>
+            <p:ph type="body" idx="1"/>
           </p:nvPr>
         </p:nvSpPr>
         <p:spPr>
@@ -5469,11 +5593,11 @@
           </a:prstGeom>
         </p:spPr>
         <p:txBody>
-          <a:bodyPr anchorCtr="0" anchor="t" bIns="91425" lIns="91425" spcFirstLastPara="1" rIns="91425" wrap="square" tIns="91425">
+          <a:bodyPr spcFirstLastPara="1" wrap="square" lIns="91425" tIns="91425" rIns="91425" bIns="91425" anchor="t" anchorCtr="0">
             <a:noAutofit/>
           </a:bodyPr>
           <a:lstStyle>
-            <a:lvl1pPr indent="-317500" lvl="0" marL="457200">
+            <a:lvl1pPr marL="457200" lvl="0" indent="-317500">
               <a:spcBef>
                 <a:spcPts val="0"/>
               </a:spcBef>
@@ -5484,7 +5608,7 @@
               <a:buChar char="●"/>
               <a:defRPr sz="1400"/>
             </a:lvl1pPr>
-            <a:lvl2pPr indent="-304800" lvl="1" marL="914400">
+            <a:lvl2pPr marL="914400" lvl="1" indent="-304800">
               <a:spcBef>
                 <a:spcPts val="1600"/>
               </a:spcBef>
@@ -5495,7 +5619,7 @@
               <a:buChar char="○"/>
               <a:defRPr sz="1200"/>
             </a:lvl2pPr>
-            <a:lvl3pPr indent="-304800" lvl="2" marL="1371600">
+            <a:lvl3pPr marL="1371600" lvl="2" indent="-304800">
               <a:spcBef>
                 <a:spcPts val="1600"/>
               </a:spcBef>
@@ -5506,7 +5630,7 @@
               <a:buChar char="■"/>
               <a:defRPr sz="1200"/>
             </a:lvl3pPr>
-            <a:lvl4pPr indent="-304800" lvl="3" marL="1828800">
+            <a:lvl4pPr marL="1828800" lvl="3" indent="-304800">
               <a:spcBef>
                 <a:spcPts val="1600"/>
               </a:spcBef>
@@ -5517,7 +5641,7 @@
               <a:buChar char="●"/>
               <a:defRPr sz="1200"/>
             </a:lvl4pPr>
-            <a:lvl5pPr indent="-304800" lvl="4" marL="2286000">
+            <a:lvl5pPr marL="2286000" lvl="4" indent="-304800">
               <a:spcBef>
                 <a:spcPts val="1600"/>
               </a:spcBef>
@@ -5528,7 +5652,7 @@
               <a:buChar char="○"/>
               <a:defRPr sz="1200"/>
             </a:lvl5pPr>
-            <a:lvl6pPr indent="-304800" lvl="5" marL="2743200">
+            <a:lvl6pPr marL="2743200" lvl="5" indent="-304800">
               <a:spcBef>
                 <a:spcPts val="1600"/>
               </a:spcBef>
@@ -5539,7 +5663,7 @@
               <a:buChar char="■"/>
               <a:defRPr sz="1200"/>
             </a:lvl6pPr>
-            <a:lvl7pPr indent="-304800" lvl="6" marL="3200400">
+            <a:lvl7pPr marL="3200400" lvl="6" indent="-304800">
               <a:spcBef>
                 <a:spcPts val="1600"/>
               </a:spcBef>
@@ -5550,7 +5674,7 @@
               <a:buChar char="●"/>
               <a:defRPr sz="1200"/>
             </a:lvl7pPr>
-            <a:lvl8pPr indent="-304800" lvl="7" marL="3657600">
+            <a:lvl8pPr marL="3657600" lvl="7" indent="-304800">
               <a:spcBef>
                 <a:spcPts val="1600"/>
               </a:spcBef>
@@ -5561,7 +5685,7 @@
               <a:buChar char="○"/>
               <a:defRPr sz="1200"/>
             </a:lvl8pPr>
-            <a:lvl9pPr indent="-304800" lvl="8" marL="4114800">
+            <a:lvl9pPr marL="4114800" lvl="8" indent="-304800">
               <a:spcBef>
                 <a:spcPts val="1600"/>
               </a:spcBef>
@@ -5573,15 +5697,19 @@
               <a:defRPr sz="1200"/>
             </a:lvl9pPr>
           </a:lstStyle>
-          <a:p/>
+          <a:p>
+            <a:endParaRPr/>
+          </a:p>
         </p:txBody>
       </p:sp>
       <p:sp>
         <p:nvSpPr>
           <p:cNvPr id="41" name="Google Shape;41;p5"/>
-          <p:cNvSpPr txBox="1"/>
+          <p:cNvSpPr txBox="1">
+            <a:spLocks noGrp="1"/>
+          </p:cNvSpPr>
           <p:nvPr>
-            <p:ph idx="2" type="body"/>
+            <p:ph type="body" idx="2"/>
           </p:nvPr>
         </p:nvSpPr>
         <p:spPr>
@@ -5594,11 +5722,11 @@
           </a:prstGeom>
         </p:spPr>
         <p:txBody>
-          <a:bodyPr anchorCtr="0" anchor="t" bIns="91425" lIns="91425" spcFirstLastPara="1" rIns="91425" wrap="square" tIns="91425">
+          <a:bodyPr spcFirstLastPara="1" wrap="square" lIns="91425" tIns="91425" rIns="91425" bIns="91425" anchor="t" anchorCtr="0">
             <a:noAutofit/>
           </a:bodyPr>
           <a:lstStyle>
-            <a:lvl1pPr indent="-317500" lvl="0" marL="457200">
+            <a:lvl1pPr marL="457200" lvl="0" indent="-317500">
               <a:spcBef>
                 <a:spcPts val="0"/>
               </a:spcBef>
@@ -5609,7 +5737,7 @@
               <a:buChar char="●"/>
               <a:defRPr sz="1400"/>
             </a:lvl1pPr>
-            <a:lvl2pPr indent="-304800" lvl="1" marL="914400">
+            <a:lvl2pPr marL="914400" lvl="1" indent="-304800">
               <a:spcBef>
                 <a:spcPts val="1600"/>
               </a:spcBef>
@@ -5620,7 +5748,7 @@
               <a:buChar char="○"/>
               <a:defRPr sz="1200"/>
             </a:lvl2pPr>
-            <a:lvl3pPr indent="-304800" lvl="2" marL="1371600">
+            <a:lvl3pPr marL="1371600" lvl="2" indent="-304800">
               <a:spcBef>
                 <a:spcPts val="1600"/>
               </a:spcBef>
@@ -5631,7 +5759,7 @@
               <a:buChar char="■"/>
               <a:defRPr sz="1200"/>
             </a:lvl3pPr>
-            <a:lvl4pPr indent="-304800" lvl="3" marL="1828800">
+            <a:lvl4pPr marL="1828800" lvl="3" indent="-304800">
               <a:spcBef>
                 <a:spcPts val="1600"/>
               </a:spcBef>
@@ -5642,7 +5770,7 @@
               <a:buChar char="●"/>
               <a:defRPr sz="1200"/>
             </a:lvl4pPr>
-            <a:lvl5pPr indent="-304800" lvl="4" marL="2286000">
+            <a:lvl5pPr marL="2286000" lvl="4" indent="-304800">
               <a:spcBef>
                 <a:spcPts val="1600"/>
               </a:spcBef>
@@ -5653,7 +5781,7 @@
               <a:buChar char="○"/>
               <a:defRPr sz="1200"/>
             </a:lvl5pPr>
-            <a:lvl6pPr indent="-304800" lvl="5" marL="2743200">
+            <a:lvl6pPr marL="2743200" lvl="5" indent="-304800">
               <a:spcBef>
                 <a:spcPts val="1600"/>
               </a:spcBef>
@@ -5664,7 +5792,7 @@
               <a:buChar char="■"/>
               <a:defRPr sz="1200"/>
             </a:lvl6pPr>
-            <a:lvl7pPr indent="-304800" lvl="6" marL="3200400">
+            <a:lvl7pPr marL="3200400" lvl="6" indent="-304800">
               <a:spcBef>
                 <a:spcPts val="1600"/>
               </a:spcBef>
@@ -5675,7 +5803,7 @@
               <a:buChar char="●"/>
               <a:defRPr sz="1200"/>
             </a:lvl7pPr>
-            <a:lvl8pPr indent="-304800" lvl="7" marL="3657600">
+            <a:lvl8pPr marL="3657600" lvl="7" indent="-304800">
               <a:spcBef>
                 <a:spcPts val="1600"/>
               </a:spcBef>
@@ -5686,7 +5814,7 @@
               <a:buChar char="○"/>
               <a:defRPr sz="1200"/>
             </a:lvl8pPr>
-            <a:lvl9pPr indent="-304800" lvl="8" marL="4114800">
+            <a:lvl9pPr marL="4114800" lvl="8" indent="-304800">
               <a:spcBef>
                 <a:spcPts val="1600"/>
               </a:spcBef>
@@ -5698,15 +5826,19 @@
               <a:defRPr sz="1200"/>
             </a:lvl9pPr>
           </a:lstStyle>
-          <a:p/>
+          <a:p>
+            <a:endParaRPr/>
+          </a:p>
         </p:txBody>
       </p:sp>
       <p:sp>
         <p:nvSpPr>
           <p:cNvPr id="42" name="Google Shape;42;p5"/>
-          <p:cNvSpPr txBox="1"/>
+          <p:cNvSpPr txBox="1">
+            <a:spLocks noGrp="1"/>
+          </p:cNvSpPr>
           <p:nvPr>
-            <p:ph idx="12" type="sldNum"/>
+            <p:ph type="sldNum" idx="12"/>
           </p:nvPr>
         </p:nvSpPr>
         <p:spPr>
@@ -5719,7 +5851,7 @@
           </a:prstGeom>
         </p:spPr>
         <p:txBody>
-          <a:bodyPr anchorCtr="0" anchor="ctr" bIns="91425" lIns="91425" spcFirstLastPara="1" rIns="91425" wrap="square" tIns="91425">
+          <a:bodyPr spcFirstLastPara="1" wrap="square" lIns="91425" tIns="91425" rIns="91425" bIns="91425" anchor="ctr" anchorCtr="0">
             <a:noAutofit/>
           </a:bodyPr>
           <a:lstStyle>
@@ -5797,7 +5929,7 @@
             </a:lvl9pPr>
           </a:lstStyle>
           <a:p>
-            <a:pPr indent="0" lvl="0" marL="0" rtl="0" algn="r">
+            <a:pPr marL="0" lvl="0" indent="0" algn="r" rtl="0">
               <a:spcBef>
                 <a:spcPts val="0"/>
               </a:spcBef>
@@ -5808,7 +5940,7 @@
             </a:pPr>
             <a:fld id="{00000000-1234-1234-1234-123412341234}" type="slidenum">
               <a:rPr lang="es"/>
-              <a:t>‹#›</a:t>
+              <a:t>‹Nº›</a:t>
             </a:fld>
             <a:endParaRPr/>
           </a:p>
@@ -5823,11 +5955,11 @@
 </file>
 
 <file path=ppt/slideLayouts/slideLayout5.xml><?xml version="1.0" encoding="utf-8"?>
-<p:sldLayout xmlns:a="http://schemas.openxmlformats.org/drawingml/2006/main" xmlns:r="http://schemas.openxmlformats.org/officeDocument/2006/relationships" xmlns:mc="http://schemas.openxmlformats.org/markup-compatibility/2006" xmlns:mv="urn:schemas-microsoft-com:mac:vml" xmlns:p="http://schemas.openxmlformats.org/presentationml/2006/main" xmlns:c="http://schemas.openxmlformats.org/drawingml/2006/chart" xmlns:dgm="http://schemas.openxmlformats.org/drawingml/2006/diagram" xmlns:o="urn:schemas-microsoft-com:office:office" xmlns:v="urn:schemas-microsoft-com:vml" xmlns:pvml="urn:schemas-microsoft-com:office:powerpoint" xmlns:com="http://schemas.openxmlformats.org/drawingml/2006/compatibility" xmlns:p14="http://schemas.microsoft.com/office/powerpoint/2010/main" xmlns:p15="http://schemas.microsoft.com/office/powerpoint/2012/main" xmlns:ahyp="http://schemas.microsoft.com/office/drawing/2018/hyperlinkcolor" matchingName="Title only" type="titleOnly">
+<p:sldLayout xmlns:a="http://schemas.openxmlformats.org/drawingml/2006/main" xmlns:r="http://schemas.openxmlformats.org/officeDocument/2006/relationships" xmlns:p="http://schemas.openxmlformats.org/presentationml/2006/main" matchingName="Title only" type="titleOnly">
   <p:cSld name="TITLE_ONLY">
     <p:spTree>
       <p:nvGrpSpPr>
-        <p:cNvPr id="43" name="Shape 43"/>
+        <p:cNvPr id="1" name="Shape 43"/>
         <p:cNvGrpSpPr/>
         <p:nvPr/>
       </p:nvGrpSpPr>
@@ -5842,7 +5974,9 @@
       <p:sp>
         <p:nvSpPr>
           <p:cNvPr id="44" name="Google Shape;44;p6"/>
-          <p:cNvSpPr txBox="1"/>
+          <p:cNvSpPr txBox="1">
+            <a:spLocks noGrp="1"/>
+          </p:cNvSpPr>
           <p:nvPr>
             <p:ph type="title"/>
           </p:nvPr>
@@ -5857,7 +5991,7 @@
           </a:prstGeom>
         </p:spPr>
         <p:txBody>
-          <a:bodyPr anchorCtr="0" anchor="t" bIns="91425" lIns="91425" spcFirstLastPara="1" rIns="91425" wrap="square" tIns="91425">
+          <a:bodyPr spcFirstLastPara="1" wrap="square" lIns="91425" tIns="91425" rIns="91425" bIns="91425" anchor="t" anchorCtr="0">
             <a:noAutofit/>
           </a:bodyPr>
           <a:lstStyle>
@@ -5961,15 +6095,19 @@
               <a:defRPr/>
             </a:lvl9pPr>
           </a:lstStyle>
-          <a:p/>
+          <a:p>
+            <a:endParaRPr/>
+          </a:p>
         </p:txBody>
       </p:sp>
       <p:sp>
         <p:nvSpPr>
           <p:cNvPr id="45" name="Google Shape;45;p6"/>
-          <p:cNvSpPr txBox="1"/>
+          <p:cNvSpPr txBox="1">
+            <a:spLocks noGrp="1"/>
+          </p:cNvSpPr>
           <p:nvPr>
-            <p:ph idx="12" type="sldNum"/>
+            <p:ph type="sldNum" idx="12"/>
           </p:nvPr>
         </p:nvSpPr>
         <p:spPr>
@@ -5982,7 +6120,7 @@
           </a:prstGeom>
         </p:spPr>
         <p:txBody>
-          <a:bodyPr anchorCtr="0" anchor="ctr" bIns="91425" lIns="91425" spcFirstLastPara="1" rIns="91425" wrap="square" tIns="91425">
+          <a:bodyPr spcFirstLastPara="1" wrap="square" lIns="91425" tIns="91425" rIns="91425" bIns="91425" anchor="ctr" anchorCtr="0">
             <a:noAutofit/>
           </a:bodyPr>
           <a:lstStyle>
@@ -6060,7 +6198,7 @@
             </a:lvl9pPr>
           </a:lstStyle>
           <a:p>
-            <a:pPr indent="0" lvl="0" marL="0" rtl="0" algn="r">
+            <a:pPr marL="0" lvl="0" indent="0" algn="r" rtl="0">
               <a:spcBef>
                 <a:spcPts val="0"/>
               </a:spcBef>
@@ -6071,7 +6209,7 @@
             </a:pPr>
             <a:fld id="{00000000-1234-1234-1234-123412341234}" type="slidenum">
               <a:rPr lang="es"/>
-              <a:t>‹#›</a:t>
+              <a:t>‹Nº›</a:t>
             </a:fld>
             <a:endParaRPr/>
           </a:p>
@@ -6086,11 +6224,11 @@
 </file>
 
 <file path=ppt/slideLayouts/slideLayout6.xml><?xml version="1.0" encoding="utf-8"?>
-<p:sldLayout xmlns:a="http://schemas.openxmlformats.org/drawingml/2006/main" xmlns:r="http://schemas.openxmlformats.org/officeDocument/2006/relationships" xmlns:mc="http://schemas.openxmlformats.org/markup-compatibility/2006" xmlns:mv="urn:schemas-microsoft-com:mac:vml" xmlns:p="http://schemas.openxmlformats.org/presentationml/2006/main" xmlns:c="http://schemas.openxmlformats.org/drawingml/2006/chart" xmlns:dgm="http://schemas.openxmlformats.org/drawingml/2006/diagram" xmlns:o="urn:schemas-microsoft-com:office:office" xmlns:v="urn:schemas-microsoft-com:vml" xmlns:pvml="urn:schemas-microsoft-com:office:powerpoint" xmlns:com="http://schemas.openxmlformats.org/drawingml/2006/compatibility" xmlns:p14="http://schemas.microsoft.com/office/powerpoint/2010/main" xmlns:p15="http://schemas.microsoft.com/office/powerpoint/2012/main" xmlns:ahyp="http://schemas.microsoft.com/office/drawing/2018/hyperlinkcolor" matchingName="One column text">
+<p:sldLayout xmlns:a="http://schemas.openxmlformats.org/drawingml/2006/main" xmlns:r="http://schemas.openxmlformats.org/officeDocument/2006/relationships" xmlns:p="http://schemas.openxmlformats.org/presentationml/2006/main" matchingName="One column text">
   <p:cSld name="ONE_COLUMN_TEXT">
     <p:spTree>
       <p:nvGrpSpPr>
-        <p:cNvPr id="46" name="Shape 46"/>
+        <p:cNvPr id="1" name="Shape 46"/>
         <p:cNvGrpSpPr/>
         <p:nvPr/>
       </p:nvGrpSpPr>
@@ -6105,7 +6243,9 @@
       <p:sp>
         <p:nvSpPr>
           <p:cNvPr id="47" name="Google Shape;47;p7"/>
-          <p:cNvSpPr txBox="1"/>
+          <p:cNvSpPr txBox="1">
+            <a:spLocks noGrp="1"/>
+          </p:cNvSpPr>
           <p:nvPr>
             <p:ph type="title"/>
           </p:nvPr>
@@ -6120,7 +6260,7 @@
           </a:prstGeom>
         </p:spPr>
         <p:txBody>
-          <a:bodyPr anchorCtr="0" anchor="b" bIns="91425" lIns="91425" spcFirstLastPara="1" rIns="91425" wrap="square" tIns="91425">
+          <a:bodyPr spcFirstLastPara="1" wrap="square" lIns="91425" tIns="91425" rIns="91425" bIns="91425" anchor="b" anchorCtr="0">
             <a:noAutofit/>
           </a:bodyPr>
           <a:lstStyle>
@@ -6224,15 +6364,19 @@
               <a:defRPr sz="2400"/>
             </a:lvl9pPr>
           </a:lstStyle>
-          <a:p/>
+          <a:p>
+            <a:endParaRPr/>
+          </a:p>
         </p:txBody>
       </p:sp>
       <p:sp>
         <p:nvSpPr>
           <p:cNvPr id="48" name="Google Shape;48;p7"/>
-          <p:cNvSpPr txBox="1"/>
+          <p:cNvSpPr txBox="1">
+            <a:spLocks noGrp="1"/>
+          </p:cNvSpPr>
           <p:nvPr>
-            <p:ph idx="1" type="body"/>
+            <p:ph type="body" idx="1"/>
           </p:nvPr>
         </p:nvSpPr>
         <p:spPr>
@@ -6245,11 +6389,11 @@
           </a:prstGeom>
         </p:spPr>
         <p:txBody>
-          <a:bodyPr anchorCtr="0" anchor="t" bIns="91425" lIns="91425" spcFirstLastPara="1" rIns="91425" wrap="square" tIns="91425">
+          <a:bodyPr spcFirstLastPara="1" wrap="square" lIns="91425" tIns="91425" rIns="91425" bIns="91425" anchor="t" anchorCtr="0">
             <a:noAutofit/>
           </a:bodyPr>
           <a:lstStyle>
-            <a:lvl1pPr indent="-304800" lvl="0" marL="457200">
+            <a:lvl1pPr marL="457200" lvl="0" indent="-304800">
               <a:spcBef>
                 <a:spcPts val="0"/>
               </a:spcBef>
@@ -6260,7 +6404,7 @@
               <a:buChar char="●"/>
               <a:defRPr sz="1200"/>
             </a:lvl1pPr>
-            <a:lvl2pPr indent="-304800" lvl="1" marL="914400">
+            <a:lvl2pPr marL="914400" lvl="1" indent="-304800">
               <a:spcBef>
                 <a:spcPts val="1600"/>
               </a:spcBef>
@@ -6271,7 +6415,7 @@
               <a:buChar char="○"/>
               <a:defRPr sz="1200"/>
             </a:lvl2pPr>
-            <a:lvl3pPr indent="-304800" lvl="2" marL="1371600">
+            <a:lvl3pPr marL="1371600" lvl="2" indent="-304800">
               <a:spcBef>
                 <a:spcPts val="1600"/>
               </a:spcBef>
@@ -6282,7 +6426,7 @@
               <a:buChar char="■"/>
               <a:defRPr sz="1200"/>
             </a:lvl3pPr>
-            <a:lvl4pPr indent="-304800" lvl="3" marL="1828800">
+            <a:lvl4pPr marL="1828800" lvl="3" indent="-304800">
               <a:spcBef>
                 <a:spcPts val="1600"/>
               </a:spcBef>
@@ -6293,7 +6437,7 @@
               <a:buChar char="●"/>
               <a:defRPr sz="1200"/>
             </a:lvl4pPr>
-            <a:lvl5pPr indent="-304800" lvl="4" marL="2286000">
+            <a:lvl5pPr marL="2286000" lvl="4" indent="-304800">
               <a:spcBef>
                 <a:spcPts val="1600"/>
               </a:spcBef>
@@ -6304,7 +6448,7 @@
               <a:buChar char="○"/>
               <a:defRPr sz="1200"/>
             </a:lvl5pPr>
-            <a:lvl6pPr indent="-304800" lvl="5" marL="2743200">
+            <a:lvl6pPr marL="2743200" lvl="5" indent="-304800">
               <a:spcBef>
                 <a:spcPts val="1600"/>
               </a:spcBef>
@@ -6315,7 +6459,7 @@
               <a:buChar char="■"/>
               <a:defRPr sz="1200"/>
             </a:lvl6pPr>
-            <a:lvl7pPr indent="-304800" lvl="6" marL="3200400">
+            <a:lvl7pPr marL="3200400" lvl="6" indent="-304800">
               <a:spcBef>
                 <a:spcPts val="1600"/>
               </a:spcBef>
@@ -6326,7 +6470,7 @@
               <a:buChar char="●"/>
               <a:defRPr sz="1200"/>
             </a:lvl7pPr>
-            <a:lvl8pPr indent="-304800" lvl="7" marL="3657600">
+            <a:lvl8pPr marL="3657600" lvl="7" indent="-304800">
               <a:spcBef>
                 <a:spcPts val="1600"/>
               </a:spcBef>
@@ -6337,7 +6481,7 @@
               <a:buChar char="○"/>
               <a:defRPr sz="1200"/>
             </a:lvl8pPr>
-            <a:lvl9pPr indent="-304800" lvl="8" marL="4114800">
+            <a:lvl9pPr marL="4114800" lvl="8" indent="-304800">
               <a:spcBef>
                 <a:spcPts val="1600"/>
               </a:spcBef>
@@ -6349,15 +6493,19 @@
               <a:defRPr sz="1200"/>
             </a:lvl9pPr>
           </a:lstStyle>
-          <a:p/>
+          <a:p>
+            <a:endParaRPr/>
+          </a:p>
         </p:txBody>
       </p:sp>
       <p:sp>
         <p:nvSpPr>
           <p:cNvPr id="49" name="Google Shape;49;p7"/>
-          <p:cNvSpPr txBox="1"/>
+          <p:cNvSpPr txBox="1">
+            <a:spLocks noGrp="1"/>
+          </p:cNvSpPr>
           <p:nvPr>
-            <p:ph idx="12" type="sldNum"/>
+            <p:ph type="sldNum" idx="12"/>
           </p:nvPr>
         </p:nvSpPr>
         <p:spPr>
@@ -6370,7 +6518,7 @@
           </a:prstGeom>
         </p:spPr>
         <p:txBody>
-          <a:bodyPr anchorCtr="0" anchor="ctr" bIns="91425" lIns="91425" spcFirstLastPara="1" rIns="91425" wrap="square" tIns="91425">
+          <a:bodyPr spcFirstLastPara="1" wrap="square" lIns="91425" tIns="91425" rIns="91425" bIns="91425" anchor="ctr" anchorCtr="0">
             <a:noAutofit/>
           </a:bodyPr>
           <a:lstStyle>
@@ -6448,7 +6596,7 @@
             </a:lvl9pPr>
           </a:lstStyle>
           <a:p>
-            <a:pPr indent="0" lvl="0" marL="0" rtl="0" algn="r">
+            <a:pPr marL="0" lvl="0" indent="0" algn="r" rtl="0">
               <a:spcBef>
                 <a:spcPts val="0"/>
               </a:spcBef>
@@ -6459,7 +6607,7 @@
             </a:pPr>
             <a:fld id="{00000000-1234-1234-1234-123412341234}" type="slidenum">
               <a:rPr lang="es"/>
-              <a:t>‹#›</a:t>
+              <a:t>‹Nº›</a:t>
             </a:fld>
             <a:endParaRPr/>
           </a:p>
@@ -6474,18 +6622,19 @@
 </file>
 
 <file path=ppt/slideLayouts/slideLayout7.xml><?xml version="1.0" encoding="utf-8"?>
-<p:sldLayout xmlns:a="http://schemas.openxmlformats.org/drawingml/2006/main" xmlns:r="http://schemas.openxmlformats.org/officeDocument/2006/relationships" xmlns:mc="http://schemas.openxmlformats.org/markup-compatibility/2006" xmlns:mv="urn:schemas-microsoft-com:mac:vml" xmlns:p="http://schemas.openxmlformats.org/presentationml/2006/main" xmlns:c="http://schemas.openxmlformats.org/drawingml/2006/chart" xmlns:dgm="http://schemas.openxmlformats.org/drawingml/2006/diagram" xmlns:o="urn:schemas-microsoft-com:office:office" xmlns:v="urn:schemas-microsoft-com:vml" xmlns:pvml="urn:schemas-microsoft-com:office:powerpoint" xmlns:com="http://schemas.openxmlformats.org/drawingml/2006/compatibility" xmlns:p14="http://schemas.microsoft.com/office/powerpoint/2010/main" xmlns:p15="http://schemas.microsoft.com/office/powerpoint/2012/main" xmlns:ahyp="http://schemas.microsoft.com/office/drawing/2018/hyperlinkcolor" matchingName="Main point">
+<p:sldLayout xmlns:a="http://schemas.openxmlformats.org/drawingml/2006/main" xmlns:r="http://schemas.openxmlformats.org/officeDocument/2006/relationships" xmlns:p="http://schemas.openxmlformats.org/presentationml/2006/main" matchingName="Main point">
   <p:cSld name="MAIN_POINT">
     <p:bg>
       <p:bgPr>
         <a:solidFill>
           <a:schemeClr val="accent4"/>
         </a:solidFill>
+        <a:effectLst/>
       </p:bgPr>
     </p:bg>
     <p:spTree>
       <p:nvGrpSpPr>
-        <p:cNvPr id="50" name="Shape 50"/>
+        <p:cNvPr id="1" name="Shape 50"/>
         <p:cNvGrpSpPr/>
         <p:nvPr/>
       </p:nvGrpSpPr>
@@ -6533,12 +6682,12 @@
             </a:ln>
           </p:spPr>
           <p:txBody>
-            <a:bodyPr anchorCtr="0" anchor="ctr" bIns="91425" lIns="91425" spcFirstLastPara="1" rIns="91425" wrap="square" tIns="91425">
+            <a:bodyPr spcFirstLastPara="1" wrap="square" lIns="91425" tIns="91425" rIns="91425" bIns="91425" anchor="ctr" anchorCtr="0">
               <a:noAutofit/>
             </a:bodyPr>
             <a:lstStyle/>
             <a:p>
-              <a:pPr indent="0" lvl="0" marL="0" rtl="0" algn="l">
+              <a:pPr marL="0" lvl="0" indent="0" algn="l" rtl="0">
                 <a:spcBef>
                   <a:spcPts val="0"/>
                 </a:spcBef>
@@ -6547,9 +6696,6 @@
                 </a:spcAft>
                 <a:buNone/>
               </a:pPr>
-              <a:r>
-                <a:t/>
-              </a:r>
               <a:endParaRPr/>
             </a:p>
           </p:txBody>
@@ -6576,12 +6722,12 @@
             </a:ln>
           </p:spPr>
           <p:txBody>
-            <a:bodyPr anchorCtr="0" anchor="ctr" bIns="91425" lIns="91425" spcFirstLastPara="1" rIns="91425" wrap="square" tIns="91425">
+            <a:bodyPr spcFirstLastPara="1" wrap="square" lIns="91425" tIns="91425" rIns="91425" bIns="91425" anchor="ctr" anchorCtr="0">
               <a:noAutofit/>
             </a:bodyPr>
             <a:lstStyle/>
             <a:p>
-              <a:pPr indent="0" lvl="0" marL="0" rtl="0" algn="l">
+              <a:pPr marL="0" lvl="0" indent="0" algn="l" rtl="0">
                 <a:spcBef>
                   <a:spcPts val="0"/>
                 </a:spcBef>
@@ -6590,9 +6736,6 @@
                 </a:spcAft>
                 <a:buNone/>
               </a:pPr>
-              <a:r>
-                <a:t/>
-              </a:r>
               <a:endParaRPr/>
             </a:p>
           </p:txBody>
@@ -6604,7 +6747,7 @@
             <p:nvPr/>
           </p:nvSpPr>
           <p:spPr>
-            <a:xfrm flipH="1" rot="10800000">
+            <a:xfrm rot="10800000" flipH="1">
               <a:off x="7113588" y="107"/>
               <a:ext cx="1015200" cy="1015200"/>
             </a:xfrm>
@@ -6619,12 +6762,12 @@
             </a:ln>
           </p:spPr>
           <p:txBody>
-            <a:bodyPr anchorCtr="0" anchor="ctr" bIns="91425" lIns="91425" spcFirstLastPara="1" rIns="91425" wrap="square" tIns="91425">
+            <a:bodyPr spcFirstLastPara="1" wrap="square" lIns="91425" tIns="91425" rIns="91425" bIns="91425" anchor="ctr" anchorCtr="0">
               <a:noAutofit/>
             </a:bodyPr>
             <a:lstStyle/>
             <a:p>
-              <a:pPr indent="0" lvl="0" marL="0" rtl="0" algn="l">
+              <a:pPr marL="0" lvl="0" indent="0" algn="l" rtl="0">
                 <a:spcBef>
                   <a:spcPts val="0"/>
                 </a:spcBef>
@@ -6633,9 +6776,6 @@
                 </a:spcAft>
                 <a:buNone/>
               </a:pPr>
-              <a:r>
-                <a:t/>
-              </a:r>
               <a:endParaRPr/>
             </a:p>
           </p:txBody>
@@ -6662,12 +6802,12 @@
             </a:ln>
           </p:spPr>
           <p:txBody>
-            <a:bodyPr anchorCtr="0" anchor="ctr" bIns="91425" lIns="91425" spcFirstLastPara="1" rIns="91425" wrap="square" tIns="91425">
+            <a:bodyPr spcFirstLastPara="1" wrap="square" lIns="91425" tIns="91425" rIns="91425" bIns="91425" anchor="ctr" anchorCtr="0">
               <a:noAutofit/>
             </a:bodyPr>
             <a:lstStyle/>
             <a:p>
-              <a:pPr indent="0" lvl="0" marL="0" rtl="0" algn="l">
+              <a:pPr marL="0" lvl="0" indent="0" algn="l" rtl="0">
                 <a:spcBef>
                   <a:spcPts val="0"/>
                 </a:spcBef>
@@ -6676,9 +6816,6 @@
                 </a:spcAft>
                 <a:buNone/>
               </a:pPr>
-              <a:r>
-                <a:t/>
-              </a:r>
               <a:endParaRPr/>
             </a:p>
           </p:txBody>
@@ -6705,12 +6842,12 @@
             </a:ln>
           </p:spPr>
           <p:txBody>
-            <a:bodyPr anchorCtr="0" anchor="ctr" bIns="91425" lIns="91425" spcFirstLastPara="1" rIns="91425" wrap="square" tIns="91425">
+            <a:bodyPr spcFirstLastPara="1" wrap="square" lIns="91425" tIns="91425" rIns="91425" bIns="91425" anchor="ctr" anchorCtr="0">
               <a:noAutofit/>
             </a:bodyPr>
             <a:lstStyle/>
             <a:p>
-              <a:pPr indent="0" lvl="0" marL="0" rtl="0" algn="l">
+              <a:pPr marL="0" lvl="0" indent="0" algn="l" rtl="0">
                 <a:spcBef>
                   <a:spcPts val="0"/>
                 </a:spcBef>
@@ -6719,9 +6856,6 @@
                 </a:spcAft>
                 <a:buNone/>
               </a:pPr>
-              <a:r>
-                <a:t/>
-              </a:r>
               <a:endParaRPr/>
             </a:p>
           </p:txBody>
@@ -6730,7 +6864,9 @@
       <p:sp>
         <p:nvSpPr>
           <p:cNvPr id="57" name="Google Shape;57;p8"/>
-          <p:cNvSpPr txBox="1"/>
+          <p:cNvSpPr txBox="1">
+            <a:spLocks noGrp="1"/>
+          </p:cNvSpPr>
           <p:nvPr>
             <p:ph type="title"/>
           </p:nvPr>
@@ -6745,7 +6881,7 @@
           </a:prstGeom>
         </p:spPr>
         <p:txBody>
-          <a:bodyPr anchorCtr="0" anchor="ctr" bIns="91425" lIns="91425" spcFirstLastPara="1" rIns="91425" wrap="square" tIns="91425">
+          <a:bodyPr spcFirstLastPara="1" wrap="square" lIns="91425" tIns="91425" rIns="91425" bIns="91425" anchor="ctr" anchorCtr="0">
             <a:noAutofit/>
           </a:bodyPr>
           <a:lstStyle>
@@ -6912,15 +7048,19 @@
               </a:defRPr>
             </a:lvl9pPr>
           </a:lstStyle>
-          <a:p/>
+          <a:p>
+            <a:endParaRPr/>
+          </a:p>
         </p:txBody>
       </p:sp>
       <p:sp>
         <p:nvSpPr>
           <p:cNvPr id="58" name="Google Shape;58;p8"/>
-          <p:cNvSpPr txBox="1"/>
+          <p:cNvSpPr txBox="1">
+            <a:spLocks noGrp="1"/>
+          </p:cNvSpPr>
           <p:nvPr>
-            <p:ph idx="12" type="sldNum"/>
+            <p:ph type="sldNum" idx="12"/>
           </p:nvPr>
         </p:nvSpPr>
         <p:spPr>
@@ -6933,7 +7073,7 @@
           </a:prstGeom>
         </p:spPr>
         <p:txBody>
-          <a:bodyPr anchorCtr="0" anchor="ctr" bIns="91425" lIns="91425" spcFirstLastPara="1" rIns="91425" wrap="square" tIns="91425">
+          <a:bodyPr spcFirstLastPara="1" wrap="square" lIns="91425" tIns="91425" rIns="91425" bIns="91425" anchor="ctr" anchorCtr="0">
             <a:noAutofit/>
           </a:bodyPr>
           <a:lstStyle>
@@ -6975,7 +7115,7 @@
             </a:lvl9pPr>
           </a:lstStyle>
           <a:p>
-            <a:pPr indent="0" lvl="0" marL="0" rtl="0" algn="r">
+            <a:pPr marL="0" lvl="0" indent="0" algn="r" rtl="0">
               <a:spcBef>
                 <a:spcPts val="0"/>
               </a:spcBef>
@@ -6986,7 +7126,7 @@
             </a:pPr>
             <a:fld id="{00000000-1234-1234-1234-123412341234}" type="slidenum">
               <a:rPr lang="es"/>
-              <a:t>‹#›</a:t>
+              <a:t>‹Nº›</a:t>
             </a:fld>
             <a:endParaRPr/>
           </a:p>
@@ -7001,11 +7141,11 @@
 </file>
 
 <file path=ppt/slideLayouts/slideLayout8.xml><?xml version="1.0" encoding="utf-8"?>
-<p:sldLayout xmlns:a="http://schemas.openxmlformats.org/drawingml/2006/main" xmlns:r="http://schemas.openxmlformats.org/officeDocument/2006/relationships" xmlns:mc="http://schemas.openxmlformats.org/markup-compatibility/2006" xmlns:mv="urn:schemas-microsoft-com:mac:vml" xmlns:p="http://schemas.openxmlformats.org/presentationml/2006/main" xmlns:c="http://schemas.openxmlformats.org/drawingml/2006/chart" xmlns:dgm="http://schemas.openxmlformats.org/drawingml/2006/diagram" xmlns:o="urn:schemas-microsoft-com:office:office" xmlns:v="urn:schemas-microsoft-com:vml" xmlns:pvml="urn:schemas-microsoft-com:office:powerpoint" xmlns:com="http://schemas.openxmlformats.org/drawingml/2006/compatibility" xmlns:p14="http://schemas.microsoft.com/office/powerpoint/2010/main" xmlns:p15="http://schemas.microsoft.com/office/powerpoint/2012/main" xmlns:ahyp="http://schemas.microsoft.com/office/drawing/2018/hyperlinkcolor" matchingName="Section title and description">
+<p:sldLayout xmlns:a="http://schemas.openxmlformats.org/drawingml/2006/main" xmlns:r="http://schemas.openxmlformats.org/officeDocument/2006/relationships" xmlns:p="http://schemas.openxmlformats.org/presentationml/2006/main" matchingName="Section title and description">
   <p:cSld name="SECTION_TITLE_AND_DESCRIPTION">
     <p:spTree>
       <p:nvGrpSpPr>
-        <p:cNvPr id="59" name="Shape 59"/>
+        <p:cNvPr id="1" name="Shape 59"/>
         <p:cNvGrpSpPr/>
         <p:nvPr/>
       </p:nvGrpSpPr>
@@ -7039,12 +7179,12 @@
           </a:ln>
         </p:spPr>
         <p:txBody>
-          <a:bodyPr anchorCtr="0" anchor="ctr" bIns="91425" lIns="91425" spcFirstLastPara="1" rIns="91425" wrap="square" tIns="91425">
+          <a:bodyPr spcFirstLastPara="1" wrap="square" lIns="91425" tIns="91425" rIns="91425" bIns="91425" anchor="ctr" anchorCtr="0">
             <a:noAutofit/>
           </a:bodyPr>
           <a:lstStyle/>
           <a:p>
-            <a:pPr indent="0" lvl="0" marL="0" rtl="0" algn="l">
+            <a:pPr marL="0" lvl="0" indent="0" algn="l" rtl="0">
               <a:spcBef>
                 <a:spcPts val="0"/>
               </a:spcBef>
@@ -7053,9 +7193,6 @@
               </a:spcAft>
               <a:buNone/>
             </a:pPr>
-            <a:r>
-              <a:t/>
-            </a:r>
             <a:endParaRPr/>
           </a:p>
         </p:txBody>
@@ -7075,21 +7212,23 @@
             <a:avLst/>
           </a:prstGeom>
           <a:noFill/>
-          <a:ln cap="flat" cmpd="sng" w="19050">
+          <a:ln w="19050" cap="flat" cmpd="sng">
             <a:solidFill>
               <a:schemeClr val="lt1"/>
             </a:solidFill>
             <a:prstDash val="solid"/>
             <a:round/>
-            <a:headEnd len="sm" w="sm" type="none"/>
-            <a:tailEnd len="sm" w="sm" type="none"/>
+            <a:headEnd type="none" w="sm" len="sm"/>
+            <a:tailEnd type="none" w="sm" len="sm"/>
           </a:ln>
         </p:spPr>
       </p:cxnSp>
       <p:sp>
         <p:nvSpPr>
           <p:cNvPr id="62" name="Google Shape;62;p9"/>
-          <p:cNvSpPr txBox="1"/>
+          <p:cNvSpPr txBox="1">
+            <a:spLocks noGrp="1"/>
+          </p:cNvSpPr>
           <p:nvPr>
             <p:ph type="title"/>
           </p:nvPr>
@@ -7104,7 +7243,7 @@
           </a:prstGeom>
         </p:spPr>
         <p:txBody>
-          <a:bodyPr anchorCtr="0" anchor="b" bIns="91425" lIns="91425" spcFirstLastPara="1" rIns="91425" wrap="square" tIns="91425">
+          <a:bodyPr spcFirstLastPara="1" wrap="square" lIns="91425" tIns="91425" rIns="91425" bIns="91425" anchor="b" anchorCtr="0">
             <a:noAutofit/>
           </a:bodyPr>
           <a:lstStyle>
@@ -7208,15 +7347,19 @@
               <a:defRPr sz="4200"/>
             </a:lvl9pPr>
           </a:lstStyle>
-          <a:p/>
+          <a:p>
+            <a:endParaRPr/>
+          </a:p>
         </p:txBody>
       </p:sp>
       <p:sp>
         <p:nvSpPr>
           <p:cNvPr id="63" name="Google Shape;63;p9"/>
-          <p:cNvSpPr txBox="1"/>
+          <p:cNvSpPr txBox="1">
+            <a:spLocks noGrp="1"/>
+          </p:cNvSpPr>
           <p:nvPr>
-            <p:ph idx="1" type="subTitle"/>
+            <p:ph type="subTitle" idx="1"/>
           </p:nvPr>
         </p:nvSpPr>
         <p:spPr>
@@ -7229,7 +7372,7 @@
           </a:prstGeom>
         </p:spPr>
         <p:txBody>
-          <a:bodyPr anchorCtr="0" anchor="t" bIns="91425" lIns="91425" spcFirstLastPara="1" rIns="91425" wrap="square" tIns="91425">
+          <a:bodyPr spcFirstLastPara="1" wrap="square" lIns="91425" tIns="91425" rIns="91425" bIns="91425" anchor="t" anchorCtr="0">
             <a:noAutofit/>
           </a:bodyPr>
           <a:lstStyle>
@@ -7360,15 +7503,19 @@
               <a:defRPr sz="2100"/>
             </a:lvl9pPr>
           </a:lstStyle>
-          <a:p/>
+          <a:p>
+            <a:endParaRPr/>
+          </a:p>
         </p:txBody>
       </p:sp>
       <p:sp>
         <p:nvSpPr>
           <p:cNvPr id="64" name="Google Shape;64;p9"/>
-          <p:cNvSpPr txBox="1"/>
+          <p:cNvSpPr txBox="1">
+            <a:spLocks noGrp="1"/>
+          </p:cNvSpPr>
           <p:nvPr>
-            <p:ph idx="2" type="body"/>
+            <p:ph type="body" idx="2"/>
           </p:nvPr>
         </p:nvSpPr>
         <p:spPr>
@@ -7381,11 +7528,11 @@
           </a:prstGeom>
         </p:spPr>
         <p:txBody>
-          <a:bodyPr anchorCtr="0" anchor="ctr" bIns="91425" lIns="91425" spcFirstLastPara="1" rIns="91425" wrap="square" tIns="91425">
+          <a:bodyPr spcFirstLastPara="1" wrap="square" lIns="91425" tIns="91425" rIns="91425" bIns="91425" anchor="ctr" anchorCtr="0">
             <a:noAutofit/>
           </a:bodyPr>
           <a:lstStyle>
-            <a:lvl1pPr indent="-342900" lvl="0" marL="457200">
+            <a:lvl1pPr marL="457200" lvl="0" indent="-342900">
               <a:spcBef>
                 <a:spcPts val="0"/>
               </a:spcBef>
@@ -7403,7 +7550,7 @@
                 </a:solidFill>
               </a:defRPr>
             </a:lvl1pPr>
-            <a:lvl2pPr indent="-317500" lvl="1" marL="914400">
+            <a:lvl2pPr marL="914400" lvl="1" indent="-317500">
               <a:spcBef>
                 <a:spcPts val="1600"/>
               </a:spcBef>
@@ -7421,7 +7568,7 @@
                 </a:solidFill>
               </a:defRPr>
             </a:lvl2pPr>
-            <a:lvl3pPr indent="-317500" lvl="2" marL="1371600">
+            <a:lvl3pPr marL="1371600" lvl="2" indent="-317500">
               <a:spcBef>
                 <a:spcPts val="1600"/>
               </a:spcBef>
@@ -7439,7 +7586,7 @@
                 </a:solidFill>
               </a:defRPr>
             </a:lvl3pPr>
-            <a:lvl4pPr indent="-317500" lvl="3" marL="1828800">
+            <a:lvl4pPr marL="1828800" lvl="3" indent="-317500">
               <a:spcBef>
                 <a:spcPts val="1600"/>
               </a:spcBef>
@@ -7457,7 +7604,7 @@
                 </a:solidFill>
               </a:defRPr>
             </a:lvl4pPr>
-            <a:lvl5pPr indent="-317500" lvl="4" marL="2286000">
+            <a:lvl5pPr marL="2286000" lvl="4" indent="-317500">
               <a:spcBef>
                 <a:spcPts val="1600"/>
               </a:spcBef>
@@ -7475,7 +7622,7 @@
                 </a:solidFill>
               </a:defRPr>
             </a:lvl5pPr>
-            <a:lvl6pPr indent="-317500" lvl="5" marL="2743200">
+            <a:lvl6pPr marL="2743200" lvl="5" indent="-317500">
               <a:spcBef>
                 <a:spcPts val="1600"/>
               </a:spcBef>
@@ -7493,7 +7640,7 @@
                 </a:solidFill>
               </a:defRPr>
             </a:lvl6pPr>
-            <a:lvl7pPr indent="-317500" lvl="6" marL="3200400">
+            <a:lvl7pPr marL="3200400" lvl="6" indent="-317500">
               <a:spcBef>
                 <a:spcPts val="1600"/>
               </a:spcBef>
@@ -7511,7 +7658,7 @@
                 </a:solidFill>
               </a:defRPr>
             </a:lvl7pPr>
-            <a:lvl8pPr indent="-317500" lvl="7" marL="3657600">
+            <a:lvl8pPr marL="3657600" lvl="7" indent="-317500">
               <a:spcBef>
                 <a:spcPts val="1600"/>
               </a:spcBef>
@@ -7529,7 +7676,7 @@
                 </a:solidFill>
               </a:defRPr>
             </a:lvl8pPr>
-            <a:lvl9pPr indent="-317500" lvl="8" marL="4114800">
+            <a:lvl9pPr marL="4114800" lvl="8" indent="-317500">
               <a:spcBef>
                 <a:spcPts val="1600"/>
               </a:spcBef>
@@ -7548,15 +7695,19 @@
               </a:defRPr>
             </a:lvl9pPr>
           </a:lstStyle>
-          <a:p/>
+          <a:p>
+            <a:endParaRPr/>
+          </a:p>
         </p:txBody>
       </p:sp>
       <p:sp>
         <p:nvSpPr>
           <p:cNvPr id="65" name="Google Shape;65;p9"/>
-          <p:cNvSpPr txBox="1"/>
+          <p:cNvSpPr txBox="1">
+            <a:spLocks noGrp="1"/>
+          </p:cNvSpPr>
           <p:nvPr>
-            <p:ph idx="12" type="sldNum"/>
+            <p:ph type="sldNum" idx="12"/>
           </p:nvPr>
         </p:nvSpPr>
         <p:spPr>
@@ -7569,7 +7720,7 @@
           </a:prstGeom>
         </p:spPr>
         <p:txBody>
-          <a:bodyPr anchorCtr="0" anchor="ctr" bIns="91425" lIns="91425" spcFirstLastPara="1" rIns="91425" wrap="square" tIns="91425">
+          <a:bodyPr spcFirstLastPara="1" wrap="square" lIns="91425" tIns="91425" rIns="91425" bIns="91425" anchor="ctr" anchorCtr="0">
             <a:noAutofit/>
           </a:bodyPr>
           <a:lstStyle>
@@ -7611,7 +7762,7 @@
             </a:lvl9pPr>
           </a:lstStyle>
           <a:p>
-            <a:pPr indent="0" lvl="0" marL="0" rtl="0" algn="r">
+            <a:pPr marL="0" lvl="0" indent="0" algn="r" rtl="0">
               <a:spcBef>
                 <a:spcPts val="0"/>
               </a:spcBef>
@@ -7622,7 +7773,7 @@
             </a:pPr>
             <a:fld id="{00000000-1234-1234-1234-123412341234}" type="slidenum">
               <a:rPr lang="es"/>
-              <a:t>‹#›</a:t>
+              <a:t>‹Nº›</a:t>
             </a:fld>
             <a:endParaRPr/>
           </a:p>
@@ -7637,11 +7788,11 @@
 </file>
 
 <file path=ppt/slideLayouts/slideLayout9.xml><?xml version="1.0" encoding="utf-8"?>
-<p:sldLayout xmlns:a="http://schemas.openxmlformats.org/drawingml/2006/main" xmlns:r="http://schemas.openxmlformats.org/officeDocument/2006/relationships" xmlns:mc="http://schemas.openxmlformats.org/markup-compatibility/2006" xmlns:mv="urn:schemas-microsoft-com:mac:vml" xmlns:p="http://schemas.openxmlformats.org/presentationml/2006/main" xmlns:c="http://schemas.openxmlformats.org/drawingml/2006/chart" xmlns:dgm="http://schemas.openxmlformats.org/drawingml/2006/diagram" xmlns:o="urn:schemas-microsoft-com:office:office" xmlns:v="urn:schemas-microsoft-com:vml" xmlns:pvml="urn:schemas-microsoft-com:office:powerpoint" xmlns:com="http://schemas.openxmlformats.org/drawingml/2006/compatibility" xmlns:p14="http://schemas.microsoft.com/office/powerpoint/2010/main" xmlns:p15="http://schemas.microsoft.com/office/powerpoint/2012/main" xmlns:ahyp="http://schemas.microsoft.com/office/drawing/2018/hyperlinkcolor" matchingName="Caption">
+<p:sldLayout xmlns:a="http://schemas.openxmlformats.org/drawingml/2006/main" xmlns:r="http://schemas.openxmlformats.org/officeDocument/2006/relationships" xmlns:p="http://schemas.openxmlformats.org/presentationml/2006/main" matchingName="Caption">
   <p:cSld name="CAPTION_ONLY">
     <p:spTree>
       <p:nvGrpSpPr>
-        <p:cNvPr id="66" name="Shape 66"/>
+        <p:cNvPr id="1" name="Shape 66"/>
         <p:cNvGrpSpPr/>
         <p:nvPr/>
       </p:nvGrpSpPr>
@@ -7656,9 +7807,11 @@
       <p:sp>
         <p:nvSpPr>
           <p:cNvPr id="67" name="Google Shape;67;p10"/>
-          <p:cNvSpPr txBox="1"/>
+          <p:cNvSpPr txBox="1">
+            <a:spLocks noGrp="1"/>
+          </p:cNvSpPr>
           <p:nvPr>
-            <p:ph idx="1" type="body"/>
+            <p:ph type="body" idx="1"/>
           </p:nvPr>
         </p:nvSpPr>
         <p:spPr>
@@ -7671,11 +7824,11 @@
           </a:prstGeom>
         </p:spPr>
         <p:txBody>
-          <a:bodyPr anchorCtr="0" anchor="ctr" bIns="91425" lIns="91425" spcFirstLastPara="1" rIns="91425" wrap="square" tIns="91425">
+          <a:bodyPr spcFirstLastPara="1" wrap="square" lIns="91425" tIns="91425" rIns="91425" bIns="91425" anchor="ctr" anchorCtr="0">
             <a:noAutofit/>
           </a:bodyPr>
           <a:lstStyle>
-            <a:lvl1pPr indent="-228600" lvl="0" marL="457200">
+            <a:lvl1pPr marL="457200" lvl="0" indent="-228600">
               <a:lnSpc>
                 <a:spcPct val="100000"/>
               </a:lnSpc>
@@ -7690,15 +7843,19 @@
               <a:defRPr/>
             </a:lvl1pPr>
           </a:lstStyle>
-          <a:p/>
+          <a:p>
+            <a:endParaRPr/>
+          </a:p>
         </p:txBody>
       </p:sp>
       <p:sp>
         <p:nvSpPr>
           <p:cNvPr id="68" name="Google Shape;68;p10"/>
-          <p:cNvSpPr txBox="1"/>
+          <p:cNvSpPr txBox="1">
+            <a:spLocks noGrp="1"/>
+          </p:cNvSpPr>
           <p:nvPr>
-            <p:ph idx="12" type="sldNum"/>
+            <p:ph type="sldNum" idx="12"/>
           </p:nvPr>
         </p:nvSpPr>
         <p:spPr>
@@ -7711,7 +7868,7 @@
           </a:prstGeom>
         </p:spPr>
         <p:txBody>
-          <a:bodyPr anchorCtr="0" anchor="ctr" bIns="91425" lIns="91425" spcFirstLastPara="1" rIns="91425" wrap="square" tIns="91425">
+          <a:bodyPr spcFirstLastPara="1" wrap="square" lIns="91425" tIns="91425" rIns="91425" bIns="91425" anchor="ctr" anchorCtr="0">
             <a:noAutofit/>
           </a:bodyPr>
           <a:lstStyle>
@@ -7789,7 +7946,7 @@
             </a:lvl9pPr>
           </a:lstStyle>
           <a:p>
-            <a:pPr indent="0" lvl="0" marL="0" rtl="0" algn="r">
+            <a:pPr marL="0" lvl="0" indent="0" algn="r" rtl="0">
               <a:spcBef>
                 <a:spcPts val="0"/>
               </a:spcBef>
@@ -7800,7 +7957,7 @@
             </a:pPr>
             <a:fld id="{00000000-1234-1234-1234-123412341234}" type="slidenum">
               <a:rPr lang="es"/>
-              <a:t>‹#›</a:t>
+              <a:t>‹Nº›</a:t>
             </a:fld>
             <a:endParaRPr/>
           </a:p>
@@ -7815,18 +7972,19 @@
 </file>
 
 <file path=ppt/slideMasters/slideMaster1.xml><?xml version="1.0" encoding="utf-8"?>
-<p:sldMaster xmlns:a="http://schemas.openxmlformats.org/drawingml/2006/main" xmlns:r="http://schemas.openxmlformats.org/officeDocument/2006/relationships" xmlns:mc="http://schemas.openxmlformats.org/markup-compatibility/2006" xmlns:mv="urn:schemas-microsoft-com:mac:vml" xmlns:p="http://schemas.openxmlformats.org/presentationml/2006/main" xmlns:c="http://schemas.openxmlformats.org/drawingml/2006/chart" xmlns:dgm="http://schemas.openxmlformats.org/drawingml/2006/diagram" xmlns:o="urn:schemas-microsoft-com:office:office" xmlns:v="urn:schemas-microsoft-com:vml" xmlns:pvml="urn:schemas-microsoft-com:office:powerpoint" xmlns:com="http://schemas.openxmlformats.org/drawingml/2006/compatibility" xmlns:p14="http://schemas.microsoft.com/office/powerpoint/2010/main" xmlns:p15="http://schemas.microsoft.com/office/powerpoint/2012/main" xmlns:ahyp="http://schemas.microsoft.com/office/drawing/2018/hyperlinkcolor">
+<p:sldMaster xmlns:a="http://schemas.openxmlformats.org/drawingml/2006/main" xmlns:r="http://schemas.openxmlformats.org/officeDocument/2006/relationships" xmlns:p="http://schemas.openxmlformats.org/presentationml/2006/main">
   <p:cSld name="geometric">
     <p:bg>
       <p:bgPr>
         <a:solidFill>
           <a:schemeClr val="lt1"/>
         </a:solidFill>
+        <a:effectLst/>
       </p:bgPr>
     </p:bg>
     <p:spTree>
       <p:nvGrpSpPr>
-        <p:cNvPr id="5" name="Shape 5"/>
+        <p:cNvPr id="1" name="Shape 5"/>
         <p:cNvGrpSpPr/>
         <p:nvPr/>
       </p:nvGrpSpPr>
@@ -7841,7 +7999,9 @@
       <p:sp>
         <p:nvSpPr>
           <p:cNvPr id="6" name="Google Shape;6;p1"/>
-          <p:cNvSpPr txBox="1"/>
+          <p:cNvSpPr txBox="1">
+            <a:spLocks noGrp="1"/>
+          </p:cNvSpPr>
           <p:nvPr>
             <p:ph type="title"/>
           </p:nvPr>
@@ -7860,7 +8020,7 @@
           </a:ln>
         </p:spPr>
         <p:txBody>
-          <a:bodyPr anchorCtr="0" anchor="t" bIns="91425" lIns="91425" spcFirstLastPara="1" rIns="91425" wrap="square" tIns="91425">
+          <a:bodyPr spcFirstLastPara="1" wrap="square" lIns="91425" tIns="91425" rIns="91425" bIns="91425" anchor="t" anchorCtr="0">
             <a:noAutofit/>
           </a:bodyPr>
           <a:lstStyle>
@@ -8072,15 +8232,19 @@
               </a:defRPr>
             </a:lvl9pPr>
           </a:lstStyle>
-          <a:p/>
+          <a:p>
+            <a:endParaRPr/>
+          </a:p>
         </p:txBody>
       </p:sp>
       <p:sp>
         <p:nvSpPr>
           <p:cNvPr id="7" name="Google Shape;7;p1"/>
-          <p:cNvSpPr txBox="1"/>
+          <p:cNvSpPr txBox="1">
+            <a:spLocks noGrp="1"/>
+          </p:cNvSpPr>
           <p:nvPr>
-            <p:ph idx="1" type="body"/>
+            <p:ph type="body" idx="1"/>
           </p:nvPr>
         </p:nvSpPr>
         <p:spPr>
@@ -8097,11 +8261,11 @@
           </a:ln>
         </p:spPr>
         <p:txBody>
-          <a:bodyPr anchorCtr="0" anchor="t" bIns="91425" lIns="91425" spcFirstLastPara="1" rIns="91425" wrap="square" tIns="91425">
+          <a:bodyPr spcFirstLastPara="1" wrap="square" lIns="91425" tIns="91425" rIns="91425" bIns="91425" anchor="t" anchorCtr="0">
             <a:noAutofit/>
           </a:bodyPr>
           <a:lstStyle>
-            <a:lvl1pPr indent="-342900" lvl="0" marL="457200">
+            <a:lvl1pPr marL="457200" lvl="0" indent="-342900">
               <a:lnSpc>
                 <a:spcPct val="115000"/>
               </a:lnSpc>
@@ -8127,7 +8291,7 @@
                 <a:sym typeface="Roboto"/>
               </a:defRPr>
             </a:lvl1pPr>
-            <a:lvl2pPr indent="-317500" lvl="1" marL="914400">
+            <a:lvl2pPr marL="914400" lvl="1" indent="-317500">
               <a:lnSpc>
                 <a:spcPct val="115000"/>
               </a:lnSpc>
@@ -8153,7 +8317,7 @@
                 <a:sym typeface="Roboto"/>
               </a:defRPr>
             </a:lvl2pPr>
-            <a:lvl3pPr indent="-317500" lvl="2" marL="1371600">
+            <a:lvl3pPr marL="1371600" lvl="2" indent="-317500">
               <a:lnSpc>
                 <a:spcPct val="115000"/>
               </a:lnSpc>
@@ -8179,7 +8343,7 @@
                 <a:sym typeface="Roboto"/>
               </a:defRPr>
             </a:lvl3pPr>
-            <a:lvl4pPr indent="-317500" lvl="3" marL="1828800">
+            <a:lvl4pPr marL="1828800" lvl="3" indent="-317500">
               <a:lnSpc>
                 <a:spcPct val="115000"/>
               </a:lnSpc>
@@ -8205,7 +8369,7 @@
                 <a:sym typeface="Roboto"/>
               </a:defRPr>
             </a:lvl4pPr>
-            <a:lvl5pPr indent="-317500" lvl="4" marL="2286000">
+            <a:lvl5pPr marL="2286000" lvl="4" indent="-317500">
               <a:lnSpc>
                 <a:spcPct val="115000"/>
               </a:lnSpc>
@@ -8231,7 +8395,7 @@
                 <a:sym typeface="Roboto"/>
               </a:defRPr>
             </a:lvl5pPr>
-            <a:lvl6pPr indent="-317500" lvl="5" marL="2743200">
+            <a:lvl6pPr marL="2743200" lvl="5" indent="-317500">
               <a:lnSpc>
                 <a:spcPct val="115000"/>
               </a:lnSpc>
@@ -8257,7 +8421,7 @@
                 <a:sym typeface="Roboto"/>
               </a:defRPr>
             </a:lvl6pPr>
-            <a:lvl7pPr indent="-317500" lvl="6" marL="3200400">
+            <a:lvl7pPr marL="3200400" lvl="6" indent="-317500">
               <a:lnSpc>
                 <a:spcPct val="115000"/>
               </a:lnSpc>
@@ -8283,7 +8447,7 @@
                 <a:sym typeface="Roboto"/>
               </a:defRPr>
             </a:lvl7pPr>
-            <a:lvl8pPr indent="-317500" lvl="7" marL="3657600">
+            <a:lvl8pPr marL="3657600" lvl="7" indent="-317500">
               <a:lnSpc>
                 <a:spcPct val="115000"/>
               </a:lnSpc>
@@ -8309,7 +8473,7 @@
                 <a:sym typeface="Roboto"/>
               </a:defRPr>
             </a:lvl8pPr>
-            <a:lvl9pPr indent="-317500" lvl="8" marL="4114800">
+            <a:lvl9pPr marL="4114800" lvl="8" indent="-317500">
               <a:lnSpc>
                 <a:spcPct val="115000"/>
               </a:lnSpc>
@@ -8336,15 +8500,19 @@
               </a:defRPr>
             </a:lvl9pPr>
           </a:lstStyle>
-          <a:p/>
+          <a:p>
+            <a:endParaRPr/>
+          </a:p>
         </p:txBody>
       </p:sp>
       <p:sp>
         <p:nvSpPr>
           <p:cNvPr id="8" name="Google Shape;8;p1"/>
-          <p:cNvSpPr txBox="1"/>
+          <p:cNvSpPr txBox="1">
+            <a:spLocks noGrp="1"/>
+          </p:cNvSpPr>
           <p:nvPr>
-            <p:ph idx="12" type="sldNum"/>
+            <p:ph type="sldNum" idx="12"/>
           </p:nvPr>
         </p:nvSpPr>
         <p:spPr>
@@ -8361,7 +8529,7 @@
           </a:ln>
         </p:spPr>
         <p:txBody>
-          <a:bodyPr anchorCtr="0" anchor="ctr" bIns="91425" lIns="91425" spcFirstLastPara="1" rIns="91425" wrap="square" tIns="91425">
+          <a:bodyPr spcFirstLastPara="1" wrap="square" lIns="91425" tIns="91425" rIns="91425" bIns="91425" anchor="ctr" anchorCtr="0">
             <a:noAutofit/>
           </a:bodyPr>
           <a:lstStyle>
@@ -8475,7 +8643,7 @@
             </a:lvl9pPr>
           </a:lstStyle>
           <a:p>
-            <a:pPr indent="0" lvl="0" marL="0" rtl="0" algn="r">
+            <a:pPr marL="0" lvl="0" indent="0" algn="r" rtl="0">
               <a:spcBef>
                 <a:spcPts val="0"/>
               </a:spcBef>
@@ -8486,7 +8654,7 @@
             </a:pPr>
             <a:fld id="{00000000-1234-1234-1234-123412341234}" type="slidenum">
               <a:rPr lang="es"/>
-              <a:t>‹#›</a:t>
+              <a:t>‹Nº›</a:t>
             </a:fld>
             <a:endParaRPr/>
           </a:p>
@@ -8494,7 +8662,7 @@
       </p:sp>
     </p:spTree>
   </p:cSld>
-  <p:clrMap accent1="accent1" accent2="accent2" accent3="accent3" accent4="accent4" accent5="accent5" accent6="accent6" bg1="lt1" bg2="dk2" tx1="dk1" tx2="lt2" folHlink="folHlink" hlink="hlink"/>
+  <p:clrMap bg1="lt1" tx1="dk1" bg2="dk2" tx2="lt2" accent1="accent1" accent2="accent2" accent3="accent3" accent4="accent4" accent5="accent5" accent6="accent6" hlink="hlink" folHlink="folHlink"/>
   <p:sldLayoutIdLst>
     <p:sldLayoutId id="2147483648" r:id="rId1"/>
     <p:sldLayoutId id="2147483649" r:id="rId2"/>
@@ -8508,10 +8676,10 @@
     <p:sldLayoutId id="2147483657" r:id="rId10"/>
     <p:sldLayoutId id="2147483658" r:id="rId11"/>
   </p:sldLayoutIdLst>
-  <p:hf dt="0" ftr="0" hdr="0" sldNum="0"/>
+  <p:hf sldNum="0" hdr="0" ftr="0" dt="0"/>
   <p:txStyles>
     <p:titleStyle>
-      <a:defPPr lvl="0" marR="0" rtl="0" algn="l">
+      <a:defPPr marR="0" lvl="0" algn="l" rtl="0">
         <a:lnSpc>
           <a:spcPct val="100000"/>
         </a:lnSpc>
@@ -8522,7 +8690,7 @@
           <a:spcPts val="0"/>
         </a:spcAft>
       </a:defPPr>
-      <a:lvl1pPr lvl="0" marR="0" rtl="0" algn="l">
+      <a:lvl1pPr marR="0" lvl="0" algn="l" rtl="0">
         <a:lnSpc>
           <a:spcPct val="100000"/>
         </a:lnSpc>
@@ -8536,7 +8704,7 @@
           <a:srgbClr val="000000"/>
         </a:buClr>
         <a:buFont typeface="Arial"/>
-        <a:defRPr b="0" i="0" sz="1400" u="none" cap="none" strike="noStrike">
+        <a:defRPr sz="1400" b="0" i="0" u="none" strike="noStrike" cap="none">
           <a:solidFill>
             <a:srgbClr val="000000"/>
           </a:solidFill>
@@ -8546,7 +8714,7 @@
           <a:sym typeface="Arial"/>
         </a:defRPr>
       </a:lvl1pPr>
-      <a:lvl2pPr lvl="1" marR="0" rtl="0" algn="l">
+      <a:lvl2pPr marR="0" lvl="1" algn="l" rtl="0">
         <a:lnSpc>
           <a:spcPct val="100000"/>
         </a:lnSpc>
@@ -8560,7 +8728,7 @@
           <a:srgbClr val="000000"/>
         </a:buClr>
         <a:buFont typeface="Arial"/>
-        <a:defRPr b="0" i="0" sz="1400" u="none" cap="none" strike="noStrike">
+        <a:defRPr sz="1400" b="0" i="0" u="none" strike="noStrike" cap="none">
           <a:solidFill>
             <a:srgbClr val="000000"/>
           </a:solidFill>
@@ -8570,7 +8738,7 @@
           <a:sym typeface="Arial"/>
         </a:defRPr>
       </a:lvl2pPr>
-      <a:lvl3pPr lvl="2" marR="0" rtl="0" algn="l">
+      <a:lvl3pPr marR="0" lvl="2" algn="l" rtl="0">
         <a:lnSpc>
           <a:spcPct val="100000"/>
         </a:lnSpc>
@@ -8584,7 +8752,7 @@
           <a:srgbClr val="000000"/>
         </a:buClr>
         <a:buFont typeface="Arial"/>
-        <a:defRPr b="0" i="0" sz="1400" u="none" cap="none" strike="noStrike">
+        <a:defRPr sz="1400" b="0" i="0" u="none" strike="noStrike" cap="none">
           <a:solidFill>
             <a:srgbClr val="000000"/>
           </a:solidFill>
@@ -8594,7 +8762,7 @@
           <a:sym typeface="Arial"/>
         </a:defRPr>
       </a:lvl3pPr>
-      <a:lvl4pPr lvl="3" marR="0" rtl="0" algn="l">
+      <a:lvl4pPr marR="0" lvl="3" algn="l" rtl="0">
         <a:lnSpc>
           <a:spcPct val="100000"/>
         </a:lnSpc>
@@ -8608,7 +8776,7 @@
           <a:srgbClr val="000000"/>
         </a:buClr>
         <a:buFont typeface="Arial"/>
-        <a:defRPr b="0" i="0" sz="1400" u="none" cap="none" strike="noStrike">
+        <a:defRPr sz="1400" b="0" i="0" u="none" strike="noStrike" cap="none">
           <a:solidFill>
             <a:srgbClr val="000000"/>
           </a:solidFill>
@@ -8618,7 +8786,7 @@
           <a:sym typeface="Arial"/>
         </a:defRPr>
       </a:lvl4pPr>
-      <a:lvl5pPr lvl="4" marR="0" rtl="0" algn="l">
+      <a:lvl5pPr marR="0" lvl="4" algn="l" rtl="0">
         <a:lnSpc>
           <a:spcPct val="100000"/>
         </a:lnSpc>
@@ -8632,7 +8800,7 @@
           <a:srgbClr val="000000"/>
         </a:buClr>
         <a:buFont typeface="Arial"/>
-        <a:defRPr b="0" i="0" sz="1400" u="none" cap="none" strike="noStrike">
+        <a:defRPr sz="1400" b="0" i="0" u="none" strike="noStrike" cap="none">
           <a:solidFill>
             <a:srgbClr val="000000"/>
           </a:solidFill>
@@ -8642,7 +8810,7 @@
           <a:sym typeface="Arial"/>
         </a:defRPr>
       </a:lvl5pPr>
-      <a:lvl6pPr lvl="5" marR="0" rtl="0" algn="l">
+      <a:lvl6pPr marR="0" lvl="5" algn="l" rtl="0">
         <a:lnSpc>
           <a:spcPct val="100000"/>
         </a:lnSpc>
@@ -8656,7 +8824,7 @@
           <a:srgbClr val="000000"/>
         </a:buClr>
         <a:buFont typeface="Arial"/>
-        <a:defRPr b="0" i="0" sz="1400" u="none" cap="none" strike="noStrike">
+        <a:defRPr sz="1400" b="0" i="0" u="none" strike="noStrike" cap="none">
           <a:solidFill>
             <a:srgbClr val="000000"/>
           </a:solidFill>
@@ -8666,7 +8834,7 @@
           <a:sym typeface="Arial"/>
         </a:defRPr>
       </a:lvl6pPr>
-      <a:lvl7pPr lvl="6" marR="0" rtl="0" algn="l">
+      <a:lvl7pPr marR="0" lvl="6" algn="l" rtl="0">
         <a:lnSpc>
           <a:spcPct val="100000"/>
         </a:lnSpc>
@@ -8680,7 +8848,7 @@
           <a:srgbClr val="000000"/>
         </a:buClr>
         <a:buFont typeface="Arial"/>
-        <a:defRPr b="0" i="0" sz="1400" u="none" cap="none" strike="noStrike">
+        <a:defRPr sz="1400" b="0" i="0" u="none" strike="noStrike" cap="none">
           <a:solidFill>
             <a:srgbClr val="000000"/>
           </a:solidFill>
@@ -8690,7 +8858,7 @@
           <a:sym typeface="Arial"/>
         </a:defRPr>
       </a:lvl7pPr>
-      <a:lvl8pPr lvl="7" marR="0" rtl="0" algn="l">
+      <a:lvl8pPr marR="0" lvl="7" algn="l" rtl="0">
         <a:lnSpc>
           <a:spcPct val="100000"/>
         </a:lnSpc>
@@ -8704,7 +8872,7 @@
           <a:srgbClr val="000000"/>
         </a:buClr>
         <a:buFont typeface="Arial"/>
-        <a:defRPr b="0" i="0" sz="1400" u="none" cap="none" strike="noStrike">
+        <a:defRPr sz="1400" b="0" i="0" u="none" strike="noStrike" cap="none">
           <a:solidFill>
             <a:srgbClr val="000000"/>
           </a:solidFill>
@@ -8714,7 +8882,7 @@
           <a:sym typeface="Arial"/>
         </a:defRPr>
       </a:lvl8pPr>
-      <a:lvl9pPr lvl="8" marR="0" rtl="0" algn="l">
+      <a:lvl9pPr marR="0" lvl="8" algn="l" rtl="0">
         <a:lnSpc>
           <a:spcPct val="100000"/>
         </a:lnSpc>
@@ -8728,7 +8896,7 @@
           <a:srgbClr val="000000"/>
         </a:buClr>
         <a:buFont typeface="Arial"/>
-        <a:defRPr b="0" i="0" sz="1400" u="none" cap="none" strike="noStrike">
+        <a:defRPr sz="1400" b="0" i="0" u="none" strike="noStrike" cap="none">
           <a:solidFill>
             <a:srgbClr val="000000"/>
           </a:solidFill>
@@ -8740,7 +8908,7 @@
       </a:lvl9pPr>
     </p:titleStyle>
     <p:bodyStyle>
-      <a:defPPr lvl="0" marR="0" rtl="0" algn="l">
+      <a:defPPr marR="0" lvl="0" algn="l" rtl="0">
         <a:lnSpc>
           <a:spcPct val="100000"/>
         </a:lnSpc>
@@ -8751,7 +8919,7 @@
           <a:spcPts val="0"/>
         </a:spcAft>
       </a:defPPr>
-      <a:lvl1pPr lvl="0" marR="0" rtl="0" algn="l">
+      <a:lvl1pPr marR="0" lvl="0" algn="l" rtl="0">
         <a:lnSpc>
           <a:spcPct val="100000"/>
         </a:lnSpc>
@@ -8765,7 +8933,7 @@
           <a:srgbClr val="000000"/>
         </a:buClr>
         <a:buFont typeface="Arial"/>
-        <a:defRPr b="0" i="0" sz="1400" u="none" cap="none" strike="noStrike">
+        <a:defRPr sz="1400" b="0" i="0" u="none" strike="noStrike" cap="none">
           <a:solidFill>
             <a:srgbClr val="000000"/>
           </a:solidFill>
@@ -8775,7 +8943,7 @@
           <a:sym typeface="Arial"/>
         </a:defRPr>
       </a:lvl1pPr>
-      <a:lvl2pPr lvl="1" marR="0" rtl="0" algn="l">
+      <a:lvl2pPr marR="0" lvl="1" algn="l" rtl="0">
         <a:lnSpc>
           <a:spcPct val="100000"/>
         </a:lnSpc>
@@ -8789,7 +8957,7 @@
           <a:srgbClr val="000000"/>
         </a:buClr>
         <a:buFont typeface="Arial"/>
-        <a:defRPr b="0" i="0" sz="1400" u="none" cap="none" strike="noStrike">
+        <a:defRPr sz="1400" b="0" i="0" u="none" strike="noStrike" cap="none">
           <a:solidFill>
             <a:srgbClr val="000000"/>
           </a:solidFill>
@@ -8799,7 +8967,7 @@
           <a:sym typeface="Arial"/>
         </a:defRPr>
       </a:lvl2pPr>
-      <a:lvl3pPr lvl="2" marR="0" rtl="0" algn="l">
+      <a:lvl3pPr marR="0" lvl="2" algn="l" rtl="0">
         <a:lnSpc>
           <a:spcPct val="100000"/>
         </a:lnSpc>
@@ -8813,7 +8981,7 @@
           <a:srgbClr val="000000"/>
         </a:buClr>
         <a:buFont typeface="Arial"/>
-        <a:defRPr b="0" i="0" sz="1400" u="none" cap="none" strike="noStrike">
+        <a:defRPr sz="1400" b="0" i="0" u="none" strike="noStrike" cap="none">
           <a:solidFill>
             <a:srgbClr val="000000"/>
           </a:solidFill>
@@ -8823,7 +8991,7 @@
           <a:sym typeface="Arial"/>
         </a:defRPr>
       </a:lvl3pPr>
-      <a:lvl4pPr lvl="3" marR="0" rtl="0" algn="l">
+      <a:lvl4pPr marR="0" lvl="3" algn="l" rtl="0">
         <a:lnSpc>
           <a:spcPct val="100000"/>
         </a:lnSpc>
@@ -8837,7 +9005,7 @@
           <a:srgbClr val="000000"/>
         </a:buClr>
         <a:buFont typeface="Arial"/>
-        <a:defRPr b="0" i="0" sz="1400" u="none" cap="none" strike="noStrike">
+        <a:defRPr sz="1400" b="0" i="0" u="none" strike="noStrike" cap="none">
           <a:solidFill>
             <a:srgbClr val="000000"/>
           </a:solidFill>
@@ -8847,7 +9015,7 @@
           <a:sym typeface="Arial"/>
         </a:defRPr>
       </a:lvl4pPr>
-      <a:lvl5pPr lvl="4" marR="0" rtl="0" algn="l">
+      <a:lvl5pPr marR="0" lvl="4" algn="l" rtl="0">
         <a:lnSpc>
           <a:spcPct val="100000"/>
         </a:lnSpc>
@@ -8861,7 +9029,7 @@
           <a:srgbClr val="000000"/>
         </a:buClr>
         <a:buFont typeface="Arial"/>
-        <a:defRPr b="0" i="0" sz="1400" u="none" cap="none" strike="noStrike">
+        <a:defRPr sz="1400" b="0" i="0" u="none" strike="noStrike" cap="none">
           <a:solidFill>
             <a:srgbClr val="000000"/>
           </a:solidFill>
@@ -8871,7 +9039,7 @@
           <a:sym typeface="Arial"/>
         </a:defRPr>
       </a:lvl5pPr>
-      <a:lvl6pPr lvl="5" marR="0" rtl="0" algn="l">
+      <a:lvl6pPr marR="0" lvl="5" algn="l" rtl="0">
         <a:lnSpc>
           <a:spcPct val="100000"/>
         </a:lnSpc>
@@ -8885,7 +9053,7 @@
           <a:srgbClr val="000000"/>
         </a:buClr>
         <a:buFont typeface="Arial"/>
-        <a:defRPr b="0" i="0" sz="1400" u="none" cap="none" strike="noStrike">
+        <a:defRPr sz="1400" b="0" i="0" u="none" strike="noStrike" cap="none">
           <a:solidFill>
             <a:srgbClr val="000000"/>
           </a:solidFill>
@@ -8895,7 +9063,7 @@
           <a:sym typeface="Arial"/>
         </a:defRPr>
       </a:lvl6pPr>
-      <a:lvl7pPr lvl="6" marR="0" rtl="0" algn="l">
+      <a:lvl7pPr marR="0" lvl="6" algn="l" rtl="0">
         <a:lnSpc>
           <a:spcPct val="100000"/>
         </a:lnSpc>
@@ -8909,7 +9077,7 @@
           <a:srgbClr val="000000"/>
         </a:buClr>
         <a:buFont typeface="Arial"/>
-        <a:defRPr b="0" i="0" sz="1400" u="none" cap="none" strike="noStrike">
+        <a:defRPr sz="1400" b="0" i="0" u="none" strike="noStrike" cap="none">
           <a:solidFill>
             <a:srgbClr val="000000"/>
           </a:solidFill>
@@ -8919,7 +9087,7 @@
           <a:sym typeface="Arial"/>
         </a:defRPr>
       </a:lvl7pPr>
-      <a:lvl8pPr lvl="7" marR="0" rtl="0" algn="l">
+      <a:lvl8pPr marR="0" lvl="7" algn="l" rtl="0">
         <a:lnSpc>
           <a:spcPct val="100000"/>
         </a:lnSpc>
@@ -8933,7 +9101,7 @@
           <a:srgbClr val="000000"/>
         </a:buClr>
         <a:buFont typeface="Arial"/>
-        <a:defRPr b="0" i="0" sz="1400" u="none" cap="none" strike="noStrike">
+        <a:defRPr sz="1400" b="0" i="0" u="none" strike="noStrike" cap="none">
           <a:solidFill>
             <a:srgbClr val="000000"/>
           </a:solidFill>
@@ -8943,7 +9111,7 @@
           <a:sym typeface="Arial"/>
         </a:defRPr>
       </a:lvl8pPr>
-      <a:lvl9pPr lvl="8" marR="0" rtl="0" algn="l">
+      <a:lvl9pPr marR="0" lvl="8" algn="l" rtl="0">
         <a:lnSpc>
           <a:spcPct val="100000"/>
         </a:lnSpc>
@@ -8957,7 +9125,7 @@
           <a:srgbClr val="000000"/>
         </a:buClr>
         <a:buFont typeface="Arial"/>
-        <a:defRPr b="0" i="0" sz="1400" u="none" cap="none" strike="noStrike">
+        <a:defRPr sz="1400" b="0" i="0" u="none" strike="noStrike" cap="none">
           <a:solidFill>
             <a:srgbClr val="000000"/>
           </a:solidFill>
@@ -8969,7 +9137,7 @@
       </a:lvl9pPr>
     </p:bodyStyle>
     <p:otherStyle>
-      <a:defPPr lvl="0" marR="0" rtl="0" algn="l">
+      <a:defPPr marR="0" lvl="0" algn="l" rtl="0">
         <a:lnSpc>
           <a:spcPct val="100000"/>
         </a:lnSpc>
@@ -8980,7 +9148,7 @@
           <a:spcPts val="0"/>
         </a:spcAft>
       </a:defPPr>
-      <a:lvl1pPr lvl="0" marR="0" rtl="0" algn="l">
+      <a:lvl1pPr marR="0" lvl="0" algn="l" rtl="0">
         <a:lnSpc>
           <a:spcPct val="100000"/>
         </a:lnSpc>
@@ -8994,7 +9162,7 @@
           <a:srgbClr val="000000"/>
         </a:buClr>
         <a:buFont typeface="Arial"/>
-        <a:defRPr b="0" i="0" sz="1400" u="none" cap="none" strike="noStrike">
+        <a:defRPr sz="1400" b="0" i="0" u="none" strike="noStrike" cap="none">
           <a:solidFill>
             <a:srgbClr val="000000"/>
           </a:solidFill>
@@ -9004,7 +9172,7 @@
           <a:sym typeface="Arial"/>
         </a:defRPr>
       </a:lvl1pPr>
-      <a:lvl2pPr lvl="1" marR="0" rtl="0" algn="l">
+      <a:lvl2pPr marR="0" lvl="1" algn="l" rtl="0">
         <a:lnSpc>
           <a:spcPct val="100000"/>
         </a:lnSpc>
@@ -9018,7 +9186,7 @@
           <a:srgbClr val="000000"/>
         </a:buClr>
         <a:buFont typeface="Arial"/>
-        <a:defRPr b="0" i="0" sz="1400" u="none" cap="none" strike="noStrike">
+        <a:defRPr sz="1400" b="0" i="0" u="none" strike="noStrike" cap="none">
           <a:solidFill>
             <a:srgbClr val="000000"/>
           </a:solidFill>
@@ -9028,7 +9196,7 @@
           <a:sym typeface="Arial"/>
         </a:defRPr>
       </a:lvl2pPr>
-      <a:lvl3pPr lvl="2" marR="0" rtl="0" algn="l">
+      <a:lvl3pPr marR="0" lvl="2" algn="l" rtl="0">
         <a:lnSpc>
           <a:spcPct val="100000"/>
         </a:lnSpc>
@@ -9042,7 +9210,7 @@
           <a:srgbClr val="000000"/>
         </a:buClr>
         <a:buFont typeface="Arial"/>
-        <a:defRPr b="0" i="0" sz="1400" u="none" cap="none" strike="noStrike">
+        <a:defRPr sz="1400" b="0" i="0" u="none" strike="noStrike" cap="none">
           <a:solidFill>
             <a:srgbClr val="000000"/>
           </a:solidFill>
@@ -9052,7 +9220,7 @@
           <a:sym typeface="Arial"/>
         </a:defRPr>
       </a:lvl3pPr>
-      <a:lvl4pPr lvl="3" marR="0" rtl="0" algn="l">
+      <a:lvl4pPr marR="0" lvl="3" algn="l" rtl="0">
         <a:lnSpc>
           <a:spcPct val="100000"/>
         </a:lnSpc>
@@ -9066,7 +9234,7 @@
           <a:srgbClr val="000000"/>
         </a:buClr>
         <a:buFont typeface="Arial"/>
-        <a:defRPr b="0" i="0" sz="1400" u="none" cap="none" strike="noStrike">
+        <a:defRPr sz="1400" b="0" i="0" u="none" strike="noStrike" cap="none">
           <a:solidFill>
             <a:srgbClr val="000000"/>
           </a:solidFill>
@@ -9076,7 +9244,7 @@
           <a:sym typeface="Arial"/>
         </a:defRPr>
       </a:lvl4pPr>
-      <a:lvl5pPr lvl="4" marR="0" rtl="0" algn="l">
+      <a:lvl5pPr marR="0" lvl="4" algn="l" rtl="0">
         <a:lnSpc>
           <a:spcPct val="100000"/>
         </a:lnSpc>
@@ -9090,7 +9258,7 @@
           <a:srgbClr val="000000"/>
         </a:buClr>
         <a:buFont typeface="Arial"/>
-        <a:defRPr b="0" i="0" sz="1400" u="none" cap="none" strike="noStrike">
+        <a:defRPr sz="1400" b="0" i="0" u="none" strike="noStrike" cap="none">
           <a:solidFill>
             <a:srgbClr val="000000"/>
           </a:solidFill>
@@ -9100,7 +9268,7 @@
           <a:sym typeface="Arial"/>
         </a:defRPr>
       </a:lvl5pPr>
-      <a:lvl6pPr lvl="5" marR="0" rtl="0" algn="l">
+      <a:lvl6pPr marR="0" lvl="5" algn="l" rtl="0">
         <a:lnSpc>
           <a:spcPct val="100000"/>
         </a:lnSpc>
@@ -9114,7 +9282,7 @@
           <a:srgbClr val="000000"/>
         </a:buClr>
         <a:buFont typeface="Arial"/>
-        <a:defRPr b="0" i="0" sz="1400" u="none" cap="none" strike="noStrike">
+        <a:defRPr sz="1400" b="0" i="0" u="none" strike="noStrike" cap="none">
           <a:solidFill>
             <a:srgbClr val="000000"/>
           </a:solidFill>
@@ -9124,7 +9292,7 @@
           <a:sym typeface="Arial"/>
         </a:defRPr>
       </a:lvl6pPr>
-      <a:lvl7pPr lvl="6" marR="0" rtl="0" algn="l">
+      <a:lvl7pPr marR="0" lvl="6" algn="l" rtl="0">
         <a:lnSpc>
           <a:spcPct val="100000"/>
         </a:lnSpc>
@@ -9138,7 +9306,7 @@
           <a:srgbClr val="000000"/>
         </a:buClr>
         <a:buFont typeface="Arial"/>
-        <a:defRPr b="0" i="0" sz="1400" u="none" cap="none" strike="noStrike">
+        <a:defRPr sz="1400" b="0" i="0" u="none" strike="noStrike" cap="none">
           <a:solidFill>
             <a:srgbClr val="000000"/>
           </a:solidFill>
@@ -9148,7 +9316,7 @@
           <a:sym typeface="Arial"/>
         </a:defRPr>
       </a:lvl7pPr>
-      <a:lvl8pPr lvl="7" marR="0" rtl="0" algn="l">
+      <a:lvl8pPr marR="0" lvl="7" algn="l" rtl="0">
         <a:lnSpc>
           <a:spcPct val="100000"/>
         </a:lnSpc>
@@ -9162,7 +9330,7 @@
           <a:srgbClr val="000000"/>
         </a:buClr>
         <a:buFont typeface="Arial"/>
-        <a:defRPr b="0" i="0" sz="1400" u="none" cap="none" strike="noStrike">
+        <a:defRPr sz="1400" b="0" i="0" u="none" strike="noStrike" cap="none">
           <a:solidFill>
             <a:srgbClr val="000000"/>
           </a:solidFill>
@@ -9172,7 +9340,7 @@
           <a:sym typeface="Arial"/>
         </a:defRPr>
       </a:lvl8pPr>
-      <a:lvl9pPr lvl="8" marR="0" rtl="0" algn="l">
+      <a:lvl9pPr marR="0" lvl="8" algn="l" rtl="0">
         <a:lnSpc>
           <a:spcPct val="100000"/>
         </a:lnSpc>
@@ -9186,7 +9354,7 @@
           <a:srgbClr val="000000"/>
         </a:buClr>
         <a:buFont typeface="Arial"/>
-        <a:defRPr b="0" i="0" sz="1400" u="none" cap="none" strike="noStrike">
+        <a:defRPr sz="1400" b="0" i="0" u="none" strike="noStrike" cap="none">
           <a:solidFill>
             <a:srgbClr val="000000"/>
           </a:solidFill>
@@ -9202,11 +9370,11 @@
 </file>
 
 <file path=ppt/slides/slide1.xml><?xml version="1.0" encoding="utf-8"?>
-<p:sld xmlns:a="http://schemas.openxmlformats.org/drawingml/2006/main" xmlns:r="http://schemas.openxmlformats.org/officeDocument/2006/relationships" xmlns:mc="http://schemas.openxmlformats.org/markup-compatibility/2006" xmlns:mv="urn:schemas-microsoft-com:mac:vml" xmlns:p="http://schemas.openxmlformats.org/presentationml/2006/main" xmlns:c="http://schemas.openxmlformats.org/drawingml/2006/chart" xmlns:dgm="http://schemas.openxmlformats.org/drawingml/2006/diagram" xmlns:o="urn:schemas-microsoft-com:office:office" xmlns:v="urn:schemas-microsoft-com:vml" xmlns:pvml="urn:schemas-microsoft-com:office:powerpoint" xmlns:com="http://schemas.openxmlformats.org/drawingml/2006/compatibility" xmlns:p14="http://schemas.microsoft.com/office/powerpoint/2010/main" xmlns:p15="http://schemas.microsoft.com/office/powerpoint/2012/main" xmlns:ahyp="http://schemas.microsoft.com/office/drawing/2018/hyperlinkcolor">
+<p:sld xmlns:a="http://schemas.openxmlformats.org/drawingml/2006/main" xmlns:r="http://schemas.openxmlformats.org/officeDocument/2006/relationships" xmlns:p="http://schemas.openxmlformats.org/presentationml/2006/main">
   <p:cSld>
     <p:spTree>
       <p:nvGrpSpPr>
-        <p:cNvPr id="84" name="Shape 84"/>
+        <p:cNvPr id="1" name="Shape 84"/>
         <p:cNvGrpSpPr/>
         <p:nvPr/>
       </p:nvGrpSpPr>
@@ -9221,7 +9389,9 @@
       <p:sp>
         <p:nvSpPr>
           <p:cNvPr id="85" name="Google Shape;85;p13"/>
-          <p:cNvSpPr txBox="1"/>
+          <p:cNvSpPr txBox="1">
+            <a:spLocks noGrp="1"/>
+          </p:cNvSpPr>
           <p:nvPr>
             <p:ph type="ctrTitle"/>
           </p:nvPr>
@@ -9236,12 +9406,12 @@
           </a:prstGeom>
         </p:spPr>
         <p:txBody>
-          <a:bodyPr anchorCtr="0" anchor="b" bIns="91425" lIns="91425" spcFirstLastPara="1" rIns="91425" wrap="square" tIns="91425">
+          <a:bodyPr spcFirstLastPara="1" wrap="square" lIns="91425" tIns="91425" rIns="91425" bIns="91425" anchor="b" anchorCtr="0">
             <a:noAutofit/>
           </a:bodyPr>
           <a:lstStyle/>
           <a:p>
-            <a:pPr indent="0" lvl="0" marL="0" rtl="0" algn="l">
+            <a:pPr marL="0" lvl="0" indent="0" algn="l" rtl="0">
               <a:spcBef>
                 <a:spcPts val="0"/>
               </a:spcBef>
@@ -9261,9 +9431,11 @@
       <p:sp>
         <p:nvSpPr>
           <p:cNvPr id="86" name="Google Shape;86;p13"/>
-          <p:cNvSpPr txBox="1"/>
+          <p:cNvSpPr txBox="1">
+            <a:spLocks noGrp="1"/>
+          </p:cNvSpPr>
           <p:nvPr>
-            <p:ph idx="1" type="subTitle"/>
+            <p:ph type="subTitle" idx="1"/>
           </p:nvPr>
         </p:nvSpPr>
         <p:spPr>
@@ -9276,12 +9448,12 @@
           </a:prstGeom>
         </p:spPr>
         <p:txBody>
-          <a:bodyPr anchorCtr="0" anchor="t" bIns="91425" lIns="91425" spcFirstLastPara="1" rIns="91425" wrap="square" tIns="91425">
+          <a:bodyPr spcFirstLastPara="1" wrap="square" lIns="91425" tIns="91425" rIns="91425" bIns="91425" anchor="t" anchorCtr="0">
             <a:noAutofit/>
           </a:bodyPr>
           <a:lstStyle/>
           <a:p>
-            <a:pPr indent="0" lvl="0" marL="0" rtl="0" algn="l">
+            <a:pPr marL="0" lvl="0" indent="0" algn="l" rtl="0">
               <a:spcBef>
                 <a:spcPts val="0"/>
               </a:spcBef>
@@ -9307,7 +9479,7 @@
             </a:endParaRPr>
           </a:p>
           <a:p>
-            <a:pPr indent="0" lvl="0" marL="0" rtl="0" algn="l">
+            <a:pPr marL="0" lvl="0" indent="0" algn="l" rtl="0">
               <a:spcBef>
                 <a:spcPts val="0"/>
               </a:spcBef>
@@ -9338,11 +9510,11 @@
 </file>
 
 <file path=ppt/slides/slide10.xml><?xml version="1.0" encoding="utf-8"?>
-<p:sld xmlns:a="http://schemas.openxmlformats.org/drawingml/2006/main" xmlns:r="http://schemas.openxmlformats.org/officeDocument/2006/relationships" xmlns:mc="http://schemas.openxmlformats.org/markup-compatibility/2006" xmlns:mv="urn:schemas-microsoft-com:mac:vml" xmlns:p="http://schemas.openxmlformats.org/presentationml/2006/main" xmlns:c="http://schemas.openxmlformats.org/drawingml/2006/chart" xmlns:dgm="http://schemas.openxmlformats.org/drawingml/2006/diagram" xmlns:o="urn:schemas-microsoft-com:office:office" xmlns:v="urn:schemas-microsoft-com:vml" xmlns:pvml="urn:schemas-microsoft-com:office:powerpoint" xmlns:com="http://schemas.openxmlformats.org/drawingml/2006/compatibility" xmlns:p14="http://schemas.microsoft.com/office/powerpoint/2010/main" xmlns:p15="http://schemas.microsoft.com/office/powerpoint/2012/main" xmlns:ahyp="http://schemas.microsoft.com/office/drawing/2018/hyperlinkcolor">
+<p:sld xmlns:a="http://schemas.openxmlformats.org/drawingml/2006/main" xmlns:r="http://schemas.openxmlformats.org/officeDocument/2006/relationships" xmlns:p="http://schemas.openxmlformats.org/presentationml/2006/main">
   <p:cSld>
     <p:spTree>
       <p:nvGrpSpPr>
-        <p:cNvPr id="136" name="Shape 136"/>
+        <p:cNvPr id="1" name="Shape 136"/>
         <p:cNvGrpSpPr/>
         <p:nvPr/>
       </p:nvGrpSpPr>
@@ -9357,9 +9529,11 @@
       <p:sp>
         <p:nvSpPr>
           <p:cNvPr id="137" name="Google Shape;137;p22"/>
-          <p:cNvSpPr txBox="1"/>
+          <p:cNvSpPr txBox="1">
+            <a:spLocks noGrp="1"/>
+          </p:cNvSpPr>
           <p:nvPr>
-            <p:ph idx="1" type="body"/>
+            <p:ph type="body" idx="1"/>
           </p:nvPr>
         </p:nvSpPr>
         <p:spPr>
@@ -9372,12 +9546,12 @@
           </a:prstGeom>
         </p:spPr>
         <p:txBody>
-          <a:bodyPr anchorCtr="0" anchor="t" bIns="91425" lIns="91425" spcFirstLastPara="1" rIns="91425" wrap="square" tIns="91425">
+          <a:bodyPr spcFirstLastPara="1" wrap="square" lIns="91425" tIns="91425" rIns="91425" bIns="91425" anchor="t" anchorCtr="0">
             <a:noAutofit/>
           </a:bodyPr>
           <a:lstStyle/>
           <a:p>
-            <a:pPr indent="0" lvl="0" marL="0" rtl="0" algn="just">
+            <a:pPr marL="0" lvl="0" indent="0" algn="just" rtl="0">
               <a:lnSpc>
                 <a:spcPct val="100000"/>
               </a:lnSpc>
@@ -9398,7 +9572,7 @@
               <a:t>El número máximo de problemas a examinar es </a:t>
             </a:r>
             <a:r>
-              <a:rPr b="1" lang="es">
+              <a:rPr lang="es" b="1">
                 <a:solidFill>
                   <a:srgbClr val="000000"/>
                 </a:solidFill>
@@ -9414,7 +9588,7 @@
               <a:t>, para un problema con n variables binarias </a:t>
             </a:r>
             <a:r>
-              <a:rPr b="1" lang="es">
+              <a:rPr lang="es" b="1">
                 <a:solidFill>
                   <a:srgbClr val="000000"/>
                 </a:solidFill>
@@ -9436,7 +9610,7 @@
             </a:endParaRPr>
           </a:p>
           <a:p>
-            <a:pPr indent="0" lvl="0" marL="0" rtl="0" algn="just">
+            <a:pPr marL="0" lvl="0" indent="0" algn="just" rtl="0">
               <a:lnSpc>
                 <a:spcPct val="100000"/>
               </a:lnSpc>
@@ -9448,9 +9622,6 @@
               </a:spcAft>
               <a:buNone/>
             </a:pPr>
-            <a:r>
-              <a:t/>
-            </a:r>
             <a:endParaRPr>
               <a:solidFill>
                 <a:srgbClr val="000000"/>
@@ -9458,7 +9629,7 @@
             </a:endParaRPr>
           </a:p>
           <a:p>
-            <a:pPr indent="0" lvl="0" marL="0" rtl="0" algn="just">
+            <a:pPr marL="0" lvl="0" indent="0" algn="just" rtl="0">
               <a:lnSpc>
                 <a:spcPct val="100000"/>
               </a:lnSpc>
@@ -9485,7 +9656,7 @@
             </a:endParaRPr>
           </a:p>
           <a:p>
-            <a:pPr indent="0" lvl="0" marL="0" rtl="0" algn="just">
+            <a:pPr marL="0" lvl="0" indent="0" algn="just" rtl="0">
               <a:lnSpc>
                 <a:spcPct val="100000"/>
               </a:lnSpc>
@@ -9498,7 +9669,7 @@
               <a:buNone/>
             </a:pPr>
             <a:r>
-              <a:rPr b="1" lang="es">
+              <a:rPr lang="es" b="1">
                 <a:solidFill>
                   <a:srgbClr val="000000"/>
                 </a:solidFill>
@@ -9514,7 +9685,7 @@
               <a:t> </a:t>
             </a:r>
             <a:r>
-              <a:rPr b="1" lang="es">
+              <a:rPr lang="es" b="1">
                 <a:solidFill>
                   <a:srgbClr val="000000"/>
                 </a:solidFill>
@@ -9542,11 +9713,11 @@
 </file>
 
 <file path=ppt/slides/slide11.xml><?xml version="1.0" encoding="utf-8"?>
-<p:sld xmlns:a="http://schemas.openxmlformats.org/drawingml/2006/main" xmlns:r="http://schemas.openxmlformats.org/officeDocument/2006/relationships" xmlns:mc="http://schemas.openxmlformats.org/markup-compatibility/2006" xmlns:mv="urn:schemas-microsoft-com:mac:vml" xmlns:p="http://schemas.openxmlformats.org/presentationml/2006/main" xmlns:c="http://schemas.openxmlformats.org/drawingml/2006/chart" xmlns:dgm="http://schemas.openxmlformats.org/drawingml/2006/diagram" xmlns:o="urn:schemas-microsoft-com:office:office" xmlns:v="urn:schemas-microsoft-com:vml" xmlns:pvml="urn:schemas-microsoft-com:office:powerpoint" xmlns:com="http://schemas.openxmlformats.org/drawingml/2006/compatibility" xmlns:p14="http://schemas.microsoft.com/office/powerpoint/2010/main" xmlns:p15="http://schemas.microsoft.com/office/powerpoint/2012/main" xmlns:ahyp="http://schemas.microsoft.com/office/drawing/2018/hyperlinkcolor">
+<p:sld xmlns:a="http://schemas.openxmlformats.org/drawingml/2006/main" xmlns:r="http://schemas.openxmlformats.org/officeDocument/2006/relationships" xmlns:p="http://schemas.openxmlformats.org/presentationml/2006/main">
   <p:cSld>
     <p:spTree>
       <p:nvGrpSpPr>
-        <p:cNvPr id="141" name="Shape 141"/>
+        <p:cNvPr id="1" name="Shape 141"/>
         <p:cNvGrpSpPr/>
         <p:nvPr/>
       </p:nvGrpSpPr>
@@ -9561,7 +9732,9 @@
       <p:sp>
         <p:nvSpPr>
           <p:cNvPr id="142" name="Google Shape;142;p23"/>
-          <p:cNvSpPr txBox="1"/>
+          <p:cNvSpPr txBox="1">
+            <a:spLocks noGrp="1"/>
+          </p:cNvSpPr>
           <p:nvPr>
             <p:ph type="title"/>
           </p:nvPr>
@@ -9576,12 +9749,12 @@
           </a:prstGeom>
         </p:spPr>
         <p:txBody>
-          <a:bodyPr anchorCtr="0" anchor="t" bIns="91425" lIns="91425" spcFirstLastPara="1" rIns="91425" wrap="square" tIns="91425">
+          <a:bodyPr spcFirstLastPara="1" wrap="square" lIns="91425" tIns="91425" rIns="91425" bIns="91425" anchor="t" anchorCtr="0">
             <a:noAutofit/>
           </a:bodyPr>
           <a:lstStyle/>
           <a:p>
-            <a:pPr indent="0" lvl="0" marL="0" rtl="0" algn="l">
+            <a:pPr marL="0" lvl="0" indent="0" algn="l" rtl="0">
               <a:spcBef>
                 <a:spcPts val="0"/>
               </a:spcBef>
@@ -9601,9 +9774,11 @@
       <p:sp>
         <p:nvSpPr>
           <p:cNvPr id="143" name="Google Shape;143;p23"/>
-          <p:cNvSpPr txBox="1"/>
+          <p:cNvSpPr txBox="1">
+            <a:spLocks noGrp="1"/>
+          </p:cNvSpPr>
           <p:nvPr>
-            <p:ph idx="1" type="body"/>
+            <p:ph type="body" idx="1"/>
           </p:nvPr>
         </p:nvSpPr>
         <p:spPr>
@@ -9616,12 +9791,12 @@
           </a:prstGeom>
         </p:spPr>
         <p:txBody>
-          <a:bodyPr anchorCtr="0" anchor="t" bIns="91425" lIns="91425" spcFirstLastPara="1" rIns="91425" wrap="square" tIns="91425">
+          <a:bodyPr spcFirstLastPara="1" wrap="square" lIns="91425" tIns="91425" rIns="91425" bIns="91425" anchor="t" anchorCtr="0">
             <a:noAutofit/>
           </a:bodyPr>
           <a:lstStyle/>
           <a:p>
-            <a:pPr indent="0" lvl="0" marL="0" rtl="0" algn="just">
+            <a:pPr marL="0" lvl="0" indent="0" algn="just" rtl="0">
               <a:spcBef>
                 <a:spcPts val="0"/>
               </a:spcBef>
@@ -9651,11 +9826,11 @@
 </file>
 
 <file path=ppt/slides/slide12.xml><?xml version="1.0" encoding="utf-8"?>
-<p:sld xmlns:a="http://schemas.openxmlformats.org/drawingml/2006/main" xmlns:r="http://schemas.openxmlformats.org/officeDocument/2006/relationships" xmlns:mc="http://schemas.openxmlformats.org/markup-compatibility/2006" xmlns:mv="urn:schemas-microsoft-com:mac:vml" xmlns:p="http://schemas.openxmlformats.org/presentationml/2006/main" xmlns:c="http://schemas.openxmlformats.org/drawingml/2006/chart" xmlns:dgm="http://schemas.openxmlformats.org/drawingml/2006/diagram" xmlns:o="urn:schemas-microsoft-com:office:office" xmlns:v="urn:schemas-microsoft-com:vml" xmlns:pvml="urn:schemas-microsoft-com:office:powerpoint" xmlns:com="http://schemas.openxmlformats.org/drawingml/2006/compatibility" xmlns:p14="http://schemas.microsoft.com/office/powerpoint/2010/main" xmlns:p15="http://schemas.microsoft.com/office/powerpoint/2012/main" xmlns:ahyp="http://schemas.microsoft.com/office/drawing/2018/hyperlinkcolor">
+<p:sld xmlns:a="http://schemas.openxmlformats.org/drawingml/2006/main" xmlns:r="http://schemas.openxmlformats.org/officeDocument/2006/relationships" xmlns:p="http://schemas.openxmlformats.org/presentationml/2006/main">
   <p:cSld>
     <p:spTree>
       <p:nvGrpSpPr>
-        <p:cNvPr id="147" name="Shape 147"/>
+        <p:cNvPr id="1" name="Shape 147"/>
         <p:cNvGrpSpPr/>
         <p:nvPr/>
       </p:nvGrpSpPr>
@@ -9670,7 +9845,9 @@
       <p:sp>
         <p:nvSpPr>
           <p:cNvPr id="148" name="Google Shape;148;p24"/>
-          <p:cNvSpPr txBox="1"/>
+          <p:cNvSpPr txBox="1">
+            <a:spLocks noGrp="1"/>
+          </p:cNvSpPr>
           <p:nvPr>
             <p:ph type="title"/>
           </p:nvPr>
@@ -9685,12 +9862,12 @@
           </a:prstGeom>
         </p:spPr>
         <p:txBody>
-          <a:bodyPr anchorCtr="0" anchor="t" bIns="91425" lIns="91425" spcFirstLastPara="1" rIns="91425" wrap="square" tIns="91425">
+          <a:bodyPr spcFirstLastPara="1" wrap="square" lIns="91425" tIns="91425" rIns="91425" bIns="91425" anchor="t" anchorCtr="0">
             <a:noAutofit/>
           </a:bodyPr>
           <a:lstStyle/>
           <a:p>
-            <a:pPr indent="0" lvl="0" marL="0" rtl="0" algn="l">
+            <a:pPr marL="0" lvl="0" indent="0" algn="l" rtl="0">
               <a:spcBef>
                 <a:spcPts val="0"/>
               </a:spcBef>
@@ -9710,9 +9887,11 @@
       <p:sp>
         <p:nvSpPr>
           <p:cNvPr id="149" name="Google Shape;149;p24"/>
-          <p:cNvSpPr txBox="1"/>
+          <p:cNvSpPr txBox="1">
+            <a:spLocks noGrp="1"/>
+          </p:cNvSpPr>
           <p:nvPr>
-            <p:ph idx="1" type="body"/>
+            <p:ph type="body" idx="1"/>
           </p:nvPr>
         </p:nvSpPr>
         <p:spPr>
@@ -9725,12 +9904,12 @@
           </a:prstGeom>
         </p:spPr>
         <p:txBody>
-          <a:bodyPr anchorCtr="0" anchor="t" bIns="91425" lIns="91425" spcFirstLastPara="1" rIns="91425" wrap="square" tIns="91425">
+          <a:bodyPr spcFirstLastPara="1" wrap="square" lIns="91425" tIns="91425" rIns="91425" bIns="91425" anchor="t" anchorCtr="0">
             <a:noAutofit/>
           </a:bodyPr>
           <a:lstStyle/>
           <a:p>
-            <a:pPr indent="0" lvl="0" marL="0" rtl="0" algn="just">
+            <a:pPr marL="0" lvl="0" indent="0" algn="just" rtl="0">
               <a:spcBef>
                 <a:spcPts val="0"/>
               </a:spcBef>
@@ -9745,55 +9924,7 @@
                   <a:srgbClr val="000000"/>
                 </a:solidFill>
               </a:rPr>
-              <a:t>El problemas de la mochila es uno de los 21 problemas NP-completos de Richard Karp, establecidos por el </a:t>
-            </a:r>
-            <a:r>
-              <a:rPr lang="es">
-                <a:solidFill>
-                  <a:srgbClr val="000000"/>
-                </a:solidFill>
-              </a:rPr>
-              <a:t>informático</a:t>
-            </a:r>
-            <a:r>
-              <a:rPr lang="es">
-                <a:solidFill>
-                  <a:srgbClr val="000000"/>
-                </a:solidFill>
-              </a:rPr>
-              <a:t> </a:t>
-            </a:r>
-            <a:r>
-              <a:rPr lang="es">
-                <a:solidFill>
-                  <a:srgbClr val="000000"/>
-                </a:solidFill>
-              </a:rPr>
-              <a:t>teórico</a:t>
-            </a:r>
-            <a:r>
-              <a:rPr lang="es">
-                <a:solidFill>
-                  <a:srgbClr val="000000"/>
-                </a:solidFill>
-              </a:rPr>
-              <a:t> en un famoso </a:t>
-            </a:r>
-            <a:r>
-              <a:rPr lang="es">
-                <a:solidFill>
-                  <a:srgbClr val="000000"/>
-                </a:solidFill>
-              </a:rPr>
-              <a:t>artículo</a:t>
-            </a:r>
-            <a:r>
-              <a:rPr lang="es">
-                <a:solidFill>
-                  <a:srgbClr val="000000"/>
-                </a:solidFill>
-              </a:rPr>
-              <a:t> de 1972.</a:t>
+              <a:t>El problemas de la mochila es uno de los 21 problemas NP-completos de Richard Karp, establecidos por el informático teórico en un famoso artículo de 1972.</a:t>
             </a:r>
             <a:endParaRPr>
               <a:solidFill>
@@ -9802,7 +9933,7 @@
             </a:endParaRPr>
           </a:p>
           <a:p>
-            <a:pPr indent="0" lvl="0" marL="0" rtl="0" algn="just">
+            <a:pPr marL="0" lvl="0" indent="0" algn="just" rtl="0">
               <a:spcBef>
                 <a:spcPts val="0"/>
               </a:spcBef>
@@ -9839,11 +9970,11 @@
 </file>
 
 <file path=ppt/slides/slide13.xml><?xml version="1.0" encoding="utf-8"?>
-<p:sld xmlns:a="http://schemas.openxmlformats.org/drawingml/2006/main" xmlns:r="http://schemas.openxmlformats.org/officeDocument/2006/relationships" xmlns:mc="http://schemas.openxmlformats.org/markup-compatibility/2006" xmlns:mv="urn:schemas-microsoft-com:mac:vml" xmlns:p="http://schemas.openxmlformats.org/presentationml/2006/main" xmlns:c="http://schemas.openxmlformats.org/drawingml/2006/chart" xmlns:dgm="http://schemas.openxmlformats.org/drawingml/2006/diagram" xmlns:o="urn:schemas-microsoft-com:office:office" xmlns:v="urn:schemas-microsoft-com:vml" xmlns:pvml="urn:schemas-microsoft-com:office:powerpoint" xmlns:com="http://schemas.openxmlformats.org/drawingml/2006/compatibility" xmlns:p14="http://schemas.microsoft.com/office/powerpoint/2010/main" xmlns:p15="http://schemas.microsoft.com/office/powerpoint/2012/main" xmlns:ahyp="http://schemas.microsoft.com/office/drawing/2018/hyperlinkcolor">
+<p:sld xmlns:a="http://schemas.openxmlformats.org/drawingml/2006/main" xmlns:r="http://schemas.openxmlformats.org/officeDocument/2006/relationships" xmlns:p="http://schemas.openxmlformats.org/presentationml/2006/main">
   <p:cSld>
     <p:spTree>
       <p:nvGrpSpPr>
-        <p:cNvPr id="153" name="Shape 153"/>
+        <p:cNvPr id="1" name="Shape 153"/>
         <p:cNvGrpSpPr/>
         <p:nvPr/>
       </p:nvGrpSpPr>
@@ -9858,9 +9989,11 @@
       <p:sp>
         <p:nvSpPr>
           <p:cNvPr id="154" name="Google Shape;154;p25"/>
-          <p:cNvSpPr txBox="1"/>
+          <p:cNvSpPr txBox="1">
+            <a:spLocks noGrp="1"/>
+          </p:cNvSpPr>
           <p:nvPr>
-            <p:ph idx="1" type="body"/>
+            <p:ph type="body" idx="1"/>
           </p:nvPr>
         </p:nvSpPr>
         <p:spPr>
@@ -9873,12 +10006,12 @@
           </a:prstGeom>
         </p:spPr>
         <p:txBody>
-          <a:bodyPr anchorCtr="0" anchor="t" bIns="91425" lIns="91425" spcFirstLastPara="1" rIns="91425" wrap="square" tIns="91425">
+          <a:bodyPr spcFirstLastPara="1" wrap="square" lIns="91425" tIns="91425" rIns="91425" bIns="91425" anchor="t" anchorCtr="0">
             <a:noAutofit/>
           </a:bodyPr>
           <a:lstStyle/>
           <a:p>
-            <a:pPr indent="0" lvl="0" marL="0" rtl="0" algn="just">
+            <a:pPr marL="0" lvl="0" indent="0" algn="just" rtl="0">
               <a:spcBef>
                 <a:spcPts val="0"/>
               </a:spcBef>
@@ -9926,12 +10059,48 @@
                 <a:tableStyleId>{4270D528-E5A1-4A62-A619-2E432BABE935}</a:tableStyleId>
               </a:tblPr>
               <a:tblGrid>
-                <a:gridCol w="1085850"/>
-                <a:gridCol w="561975"/>
-                <a:gridCol w="561975"/>
-                <a:gridCol w="561975"/>
-                <a:gridCol w="561975"/>
-                <a:gridCol w="561975"/>
+                <a:gridCol w="1085850">
+                  <a:extLst>
+                    <a:ext uri="{9D8B030D-6E8A-4147-A177-3AD203B41FA5}">
+                      <a16:colId xmlns:a16="http://schemas.microsoft.com/office/drawing/2014/main" val="20000"/>
+                    </a:ext>
+                  </a:extLst>
+                </a:gridCol>
+                <a:gridCol w="561975">
+                  <a:extLst>
+                    <a:ext uri="{9D8B030D-6E8A-4147-A177-3AD203B41FA5}">
+                      <a16:colId xmlns:a16="http://schemas.microsoft.com/office/drawing/2014/main" val="20001"/>
+                    </a:ext>
+                  </a:extLst>
+                </a:gridCol>
+                <a:gridCol w="561975">
+                  <a:extLst>
+                    <a:ext uri="{9D8B030D-6E8A-4147-A177-3AD203B41FA5}">
+                      <a16:colId xmlns:a16="http://schemas.microsoft.com/office/drawing/2014/main" val="20002"/>
+                    </a:ext>
+                  </a:extLst>
+                </a:gridCol>
+                <a:gridCol w="561975">
+                  <a:extLst>
+                    <a:ext uri="{9D8B030D-6E8A-4147-A177-3AD203B41FA5}">
+                      <a16:colId xmlns:a16="http://schemas.microsoft.com/office/drawing/2014/main" val="20003"/>
+                    </a:ext>
+                  </a:extLst>
+                </a:gridCol>
+                <a:gridCol w="561975">
+                  <a:extLst>
+                    <a:ext uri="{9D8B030D-6E8A-4147-A177-3AD203B41FA5}">
+                      <a16:colId xmlns:a16="http://schemas.microsoft.com/office/drawing/2014/main" val="20004"/>
+                    </a:ext>
+                  </a:extLst>
+                </a:gridCol>
+                <a:gridCol w="561975">
+                  <a:extLst>
+                    <a:ext uri="{9D8B030D-6E8A-4147-A177-3AD203B41FA5}">
+                      <a16:colId xmlns:a16="http://schemas.microsoft.com/office/drawing/2014/main" val="20005"/>
+                    </a:ext>
+                  </a:extLst>
+                </a:gridCol>
               </a:tblGrid>
               <a:tr h="228600">
                 <a:tc>
@@ -9939,7 +10108,7 @@
                     <a:bodyPr/>
                     <a:lstStyle/>
                     <a:p>
-                      <a:pPr indent="0" lvl="0" marL="0" rtl="0" algn="l">
+                      <a:pPr marL="0" lvl="0" indent="0" algn="l" rtl="0">
                         <a:lnSpc>
                           <a:spcPct val="115000"/>
                         </a:lnSpc>
@@ -9952,7 +10121,7 @@
                         <a:buNone/>
                       </a:pPr>
                       <a:r>
-                        <a:rPr b="1" lang="es" sz="1200">
+                        <a:rPr lang="es" sz="1200" b="1">
                           <a:solidFill>
                             <a:srgbClr val="444444"/>
                           </a:solidFill>
@@ -9962,7 +10131,7 @@
                         </a:rPr>
                         <a:t>Artículo</a:t>
                       </a:r>
-                      <a:endParaRPr b="1" sz="1200">
+                      <a:endParaRPr sz="1200" b="1">
                         <a:solidFill>
                           <a:srgbClr val="444444"/>
                         </a:solidFill>
@@ -9972,42 +10141,42 @@
                       </a:endParaRPr>
                     </a:p>
                   </a:txBody>
-                  <a:tcPr marT="91425" marB="91425" marR="91425" marL="91425">
-                    <a:lnL cap="flat" cmpd="sng" w="14300">
+                  <a:tcPr marL="91425" marR="91425" marT="91425" marB="91425">
+                    <a:lnL w="14300" cap="flat" cmpd="sng">
                       <a:solidFill>
                         <a:srgbClr val="888888"/>
                       </a:solidFill>
                       <a:prstDash val="solid"/>
                       <a:round/>
-                      <a:headEnd len="sm" w="sm" type="none"/>
-                      <a:tailEnd len="sm" w="sm" type="none"/>
+                      <a:headEnd type="none" w="sm" len="sm"/>
+                      <a:tailEnd type="none" w="sm" len="sm"/>
                     </a:lnL>
-                    <a:lnR cap="flat" cmpd="sng" w="14300">
+                    <a:lnR w="14300" cap="flat" cmpd="sng">
                       <a:solidFill>
                         <a:srgbClr val="888888"/>
                       </a:solidFill>
                       <a:prstDash val="solid"/>
                       <a:round/>
-                      <a:headEnd len="sm" w="sm" type="none"/>
-                      <a:tailEnd len="sm" w="sm" type="none"/>
+                      <a:headEnd type="none" w="sm" len="sm"/>
+                      <a:tailEnd type="none" w="sm" len="sm"/>
                     </a:lnR>
-                    <a:lnT cap="flat" cmpd="sng" w="14300">
+                    <a:lnT w="14300" cap="flat" cmpd="sng">
                       <a:solidFill>
                         <a:srgbClr val="888888"/>
                       </a:solidFill>
                       <a:prstDash val="solid"/>
                       <a:round/>
-                      <a:headEnd len="sm" w="sm" type="none"/>
-                      <a:tailEnd len="sm" w="sm" type="none"/>
+                      <a:headEnd type="none" w="sm" len="sm"/>
+                      <a:tailEnd type="none" w="sm" len="sm"/>
                     </a:lnT>
-                    <a:lnB cap="flat" cmpd="sng" w="14300">
+                    <a:lnB w="14300" cap="flat" cmpd="sng">
                       <a:solidFill>
                         <a:srgbClr val="888888"/>
                       </a:solidFill>
                       <a:prstDash val="solid"/>
                       <a:round/>
-                      <a:headEnd len="sm" w="sm" type="none"/>
-                      <a:tailEnd len="sm" w="sm" type="none"/>
+                      <a:headEnd type="none" w="sm" len="sm"/>
+                      <a:tailEnd type="none" w="sm" len="sm"/>
                     </a:lnB>
                   </a:tcPr>
                 </a:tc>
@@ -10016,7 +10185,7 @@
                     <a:bodyPr/>
                     <a:lstStyle/>
                     <a:p>
-                      <a:pPr indent="0" lvl="0" marL="0" rtl="0" algn="l">
+                      <a:pPr marL="0" lvl="0" indent="0" algn="l" rtl="0">
                         <a:lnSpc>
                           <a:spcPct val="115000"/>
                         </a:lnSpc>
@@ -10029,7 +10198,7 @@
                         <a:buNone/>
                       </a:pPr>
                       <a:r>
-                        <a:rPr b="1" lang="es" sz="1200">
+                        <a:rPr lang="es" sz="1200" b="1">
                           <a:solidFill>
                             <a:srgbClr val="444444"/>
                           </a:solidFill>
@@ -10039,7 +10208,7 @@
                         </a:rPr>
                         <a:t> 1</a:t>
                       </a:r>
-                      <a:endParaRPr b="1" sz="1200">
+                      <a:endParaRPr sz="1200" b="1">
                         <a:solidFill>
                           <a:srgbClr val="444444"/>
                         </a:solidFill>
@@ -10049,42 +10218,42 @@
                       </a:endParaRPr>
                     </a:p>
                   </a:txBody>
-                  <a:tcPr marT="91425" marB="91425" marR="91425" marL="91425">
-                    <a:lnL cap="flat" cmpd="sng" w="14300">
+                  <a:tcPr marL="91425" marR="91425" marT="91425" marB="91425">
+                    <a:lnL w="14300" cap="flat" cmpd="sng">
                       <a:solidFill>
                         <a:srgbClr val="888888"/>
                       </a:solidFill>
                       <a:prstDash val="solid"/>
                       <a:round/>
-                      <a:headEnd len="sm" w="sm" type="none"/>
-                      <a:tailEnd len="sm" w="sm" type="none"/>
+                      <a:headEnd type="none" w="sm" len="sm"/>
+                      <a:tailEnd type="none" w="sm" len="sm"/>
                     </a:lnL>
-                    <a:lnR cap="flat" cmpd="sng" w="14300">
+                    <a:lnR w="14300" cap="flat" cmpd="sng">
                       <a:solidFill>
                         <a:srgbClr val="888888"/>
                       </a:solidFill>
                       <a:prstDash val="solid"/>
                       <a:round/>
-                      <a:headEnd len="sm" w="sm" type="none"/>
-                      <a:tailEnd len="sm" w="sm" type="none"/>
+                      <a:headEnd type="none" w="sm" len="sm"/>
+                      <a:tailEnd type="none" w="sm" len="sm"/>
                     </a:lnR>
-                    <a:lnT cap="flat" cmpd="sng" w="14300">
+                    <a:lnT w="14300" cap="flat" cmpd="sng">
                       <a:solidFill>
                         <a:srgbClr val="888888"/>
                       </a:solidFill>
                       <a:prstDash val="solid"/>
                       <a:round/>
-                      <a:headEnd len="sm" w="sm" type="none"/>
-                      <a:tailEnd len="sm" w="sm" type="none"/>
+                      <a:headEnd type="none" w="sm" len="sm"/>
+                      <a:tailEnd type="none" w="sm" len="sm"/>
                     </a:lnT>
-                    <a:lnB cap="flat" cmpd="sng" w="14300">
+                    <a:lnB w="14300" cap="flat" cmpd="sng">
                       <a:solidFill>
                         <a:srgbClr val="888888"/>
                       </a:solidFill>
                       <a:prstDash val="solid"/>
                       <a:round/>
-                      <a:headEnd len="sm" w="sm" type="none"/>
-                      <a:tailEnd len="sm" w="sm" type="none"/>
+                      <a:headEnd type="none" w="sm" len="sm"/>
+                      <a:tailEnd type="none" w="sm" len="sm"/>
                     </a:lnB>
                   </a:tcPr>
                 </a:tc>
@@ -10093,7 +10262,7 @@
                     <a:bodyPr/>
                     <a:lstStyle/>
                     <a:p>
-                      <a:pPr indent="0" lvl="0" marL="0" rtl="0" algn="l">
+                      <a:pPr marL="0" lvl="0" indent="0" algn="l" rtl="0">
                         <a:lnSpc>
                           <a:spcPct val="115000"/>
                         </a:lnSpc>
@@ -10106,7 +10275,7 @@
                         <a:buNone/>
                       </a:pPr>
                       <a:r>
-                        <a:rPr b="1" lang="es" sz="1200">
+                        <a:rPr lang="es" sz="1200" b="1">
                           <a:solidFill>
                             <a:srgbClr val="444444"/>
                           </a:solidFill>
@@ -10116,7 +10285,7 @@
                         </a:rPr>
                         <a:t> 2</a:t>
                       </a:r>
-                      <a:endParaRPr b="1" sz="1200">
+                      <a:endParaRPr sz="1200" b="1">
                         <a:solidFill>
                           <a:srgbClr val="444444"/>
                         </a:solidFill>
@@ -10126,42 +10295,42 @@
                       </a:endParaRPr>
                     </a:p>
                   </a:txBody>
-                  <a:tcPr marT="91425" marB="91425" marR="91425" marL="91425">
-                    <a:lnL cap="flat" cmpd="sng" w="14300">
+                  <a:tcPr marL="91425" marR="91425" marT="91425" marB="91425">
+                    <a:lnL w="14300" cap="flat" cmpd="sng">
                       <a:solidFill>
                         <a:srgbClr val="888888"/>
                       </a:solidFill>
                       <a:prstDash val="solid"/>
                       <a:round/>
-                      <a:headEnd len="sm" w="sm" type="none"/>
-                      <a:tailEnd len="sm" w="sm" type="none"/>
+                      <a:headEnd type="none" w="sm" len="sm"/>
+                      <a:tailEnd type="none" w="sm" len="sm"/>
                     </a:lnL>
-                    <a:lnR cap="flat" cmpd="sng" w="14300">
+                    <a:lnR w="14300" cap="flat" cmpd="sng">
                       <a:solidFill>
                         <a:srgbClr val="888888"/>
                       </a:solidFill>
                       <a:prstDash val="solid"/>
                       <a:round/>
-                      <a:headEnd len="sm" w="sm" type="none"/>
-                      <a:tailEnd len="sm" w="sm" type="none"/>
+                      <a:headEnd type="none" w="sm" len="sm"/>
+                      <a:tailEnd type="none" w="sm" len="sm"/>
                     </a:lnR>
-                    <a:lnT cap="flat" cmpd="sng" w="14300">
+                    <a:lnT w="14300" cap="flat" cmpd="sng">
                       <a:solidFill>
                         <a:srgbClr val="888888"/>
                       </a:solidFill>
                       <a:prstDash val="solid"/>
                       <a:round/>
-                      <a:headEnd len="sm" w="sm" type="none"/>
-                      <a:tailEnd len="sm" w="sm" type="none"/>
+                      <a:headEnd type="none" w="sm" len="sm"/>
+                      <a:tailEnd type="none" w="sm" len="sm"/>
                     </a:lnT>
-                    <a:lnB cap="flat" cmpd="sng" w="14300">
+                    <a:lnB w="14300" cap="flat" cmpd="sng">
                       <a:solidFill>
                         <a:srgbClr val="888888"/>
                       </a:solidFill>
                       <a:prstDash val="solid"/>
                       <a:round/>
-                      <a:headEnd len="sm" w="sm" type="none"/>
-                      <a:tailEnd len="sm" w="sm" type="none"/>
+                      <a:headEnd type="none" w="sm" len="sm"/>
+                      <a:tailEnd type="none" w="sm" len="sm"/>
                     </a:lnB>
                   </a:tcPr>
                 </a:tc>
@@ -10170,7 +10339,7 @@
                     <a:bodyPr/>
                     <a:lstStyle/>
                     <a:p>
-                      <a:pPr indent="0" lvl="0" marL="0" rtl="0" algn="l">
+                      <a:pPr marL="0" lvl="0" indent="0" algn="l" rtl="0">
                         <a:lnSpc>
                           <a:spcPct val="115000"/>
                         </a:lnSpc>
@@ -10183,7 +10352,7 @@
                         <a:buNone/>
                       </a:pPr>
                       <a:r>
-                        <a:rPr b="1" lang="es" sz="1200">
+                        <a:rPr lang="es" sz="1200" b="1">
                           <a:solidFill>
                             <a:srgbClr val="444444"/>
                           </a:solidFill>
@@ -10193,7 +10362,7 @@
                         </a:rPr>
                         <a:t> 3</a:t>
                       </a:r>
-                      <a:endParaRPr b="1" sz="1200">
+                      <a:endParaRPr sz="1200" b="1">
                         <a:solidFill>
                           <a:srgbClr val="444444"/>
                         </a:solidFill>
@@ -10203,42 +10372,42 @@
                       </a:endParaRPr>
                     </a:p>
                   </a:txBody>
-                  <a:tcPr marT="91425" marB="91425" marR="91425" marL="91425">
-                    <a:lnL cap="flat" cmpd="sng" w="14300">
+                  <a:tcPr marL="91425" marR="91425" marT="91425" marB="91425">
+                    <a:lnL w="14300" cap="flat" cmpd="sng">
                       <a:solidFill>
                         <a:srgbClr val="888888"/>
                       </a:solidFill>
                       <a:prstDash val="solid"/>
                       <a:round/>
-                      <a:headEnd len="sm" w="sm" type="none"/>
-                      <a:tailEnd len="sm" w="sm" type="none"/>
+                      <a:headEnd type="none" w="sm" len="sm"/>
+                      <a:tailEnd type="none" w="sm" len="sm"/>
                     </a:lnL>
-                    <a:lnR cap="flat" cmpd="sng" w="14300">
+                    <a:lnR w="14300" cap="flat" cmpd="sng">
                       <a:solidFill>
                         <a:srgbClr val="888888"/>
                       </a:solidFill>
                       <a:prstDash val="solid"/>
                       <a:round/>
-                      <a:headEnd len="sm" w="sm" type="none"/>
-                      <a:tailEnd len="sm" w="sm" type="none"/>
+                      <a:headEnd type="none" w="sm" len="sm"/>
+                      <a:tailEnd type="none" w="sm" len="sm"/>
                     </a:lnR>
-                    <a:lnT cap="flat" cmpd="sng" w="14300">
+                    <a:lnT w="14300" cap="flat" cmpd="sng">
                       <a:solidFill>
                         <a:srgbClr val="888888"/>
                       </a:solidFill>
                       <a:prstDash val="solid"/>
                       <a:round/>
-                      <a:headEnd len="sm" w="sm" type="none"/>
-                      <a:tailEnd len="sm" w="sm" type="none"/>
+                      <a:headEnd type="none" w="sm" len="sm"/>
+                      <a:tailEnd type="none" w="sm" len="sm"/>
                     </a:lnT>
-                    <a:lnB cap="flat" cmpd="sng" w="14300">
+                    <a:lnB w="14300" cap="flat" cmpd="sng">
                       <a:solidFill>
                         <a:srgbClr val="888888"/>
                       </a:solidFill>
                       <a:prstDash val="solid"/>
                       <a:round/>
-                      <a:headEnd len="sm" w="sm" type="none"/>
-                      <a:tailEnd len="sm" w="sm" type="none"/>
+                      <a:headEnd type="none" w="sm" len="sm"/>
+                      <a:tailEnd type="none" w="sm" len="sm"/>
                     </a:lnB>
                   </a:tcPr>
                 </a:tc>
@@ -10247,7 +10416,7 @@
                     <a:bodyPr/>
                     <a:lstStyle/>
                     <a:p>
-                      <a:pPr indent="0" lvl="0" marL="0" rtl="0" algn="l">
+                      <a:pPr marL="0" lvl="0" indent="0" algn="l" rtl="0">
                         <a:lnSpc>
                           <a:spcPct val="115000"/>
                         </a:lnSpc>
@@ -10260,7 +10429,7 @@
                         <a:buNone/>
                       </a:pPr>
                       <a:r>
-                        <a:rPr b="1" lang="es" sz="1200">
+                        <a:rPr lang="es" sz="1200" b="1">
                           <a:solidFill>
                             <a:srgbClr val="444444"/>
                           </a:solidFill>
@@ -10270,7 +10439,7 @@
                         </a:rPr>
                         <a:t> 4</a:t>
                       </a:r>
-                      <a:endParaRPr b="1" sz="1200">
+                      <a:endParaRPr sz="1200" b="1">
                         <a:solidFill>
                           <a:srgbClr val="444444"/>
                         </a:solidFill>
@@ -10280,42 +10449,42 @@
                       </a:endParaRPr>
                     </a:p>
                   </a:txBody>
-                  <a:tcPr marT="91425" marB="91425" marR="91425" marL="91425">
-                    <a:lnL cap="flat" cmpd="sng" w="14300">
+                  <a:tcPr marL="91425" marR="91425" marT="91425" marB="91425">
+                    <a:lnL w="14300" cap="flat" cmpd="sng">
                       <a:solidFill>
                         <a:srgbClr val="888888"/>
                       </a:solidFill>
                       <a:prstDash val="solid"/>
                       <a:round/>
-                      <a:headEnd len="sm" w="sm" type="none"/>
-                      <a:tailEnd len="sm" w="sm" type="none"/>
+                      <a:headEnd type="none" w="sm" len="sm"/>
+                      <a:tailEnd type="none" w="sm" len="sm"/>
                     </a:lnL>
-                    <a:lnR cap="flat" cmpd="sng" w="14300">
+                    <a:lnR w="14300" cap="flat" cmpd="sng">
                       <a:solidFill>
                         <a:srgbClr val="888888"/>
                       </a:solidFill>
                       <a:prstDash val="solid"/>
                       <a:round/>
-                      <a:headEnd len="sm" w="sm" type="none"/>
-                      <a:tailEnd len="sm" w="sm" type="none"/>
+                      <a:headEnd type="none" w="sm" len="sm"/>
+                      <a:tailEnd type="none" w="sm" len="sm"/>
                     </a:lnR>
-                    <a:lnT cap="flat" cmpd="sng" w="14300">
+                    <a:lnT w="14300" cap="flat" cmpd="sng">
                       <a:solidFill>
                         <a:srgbClr val="888888"/>
                       </a:solidFill>
                       <a:prstDash val="solid"/>
                       <a:round/>
-                      <a:headEnd len="sm" w="sm" type="none"/>
-                      <a:tailEnd len="sm" w="sm" type="none"/>
+                      <a:headEnd type="none" w="sm" len="sm"/>
+                      <a:tailEnd type="none" w="sm" len="sm"/>
                     </a:lnT>
-                    <a:lnB cap="flat" cmpd="sng" w="14300">
+                    <a:lnB w="14300" cap="flat" cmpd="sng">
                       <a:solidFill>
                         <a:srgbClr val="888888"/>
                       </a:solidFill>
                       <a:prstDash val="solid"/>
                       <a:round/>
-                      <a:headEnd len="sm" w="sm" type="none"/>
-                      <a:tailEnd len="sm" w="sm" type="none"/>
+                      <a:headEnd type="none" w="sm" len="sm"/>
+                      <a:tailEnd type="none" w="sm" len="sm"/>
                     </a:lnB>
                   </a:tcPr>
                 </a:tc>
@@ -10324,7 +10493,7 @@
                     <a:bodyPr/>
                     <a:lstStyle/>
                     <a:p>
-                      <a:pPr indent="0" lvl="0" marL="0" rtl="0" algn="l">
+                      <a:pPr marL="0" lvl="0" indent="0" algn="l" rtl="0">
                         <a:lnSpc>
                           <a:spcPct val="115000"/>
                         </a:lnSpc>
@@ -10337,7 +10506,7 @@
                         <a:buNone/>
                       </a:pPr>
                       <a:r>
-                        <a:rPr b="1" lang="es" sz="1200">
+                        <a:rPr lang="es" sz="1200" b="1">
                           <a:solidFill>
                             <a:srgbClr val="444444"/>
                           </a:solidFill>
@@ -10347,7 +10516,7 @@
                         </a:rPr>
                         <a:t> 5</a:t>
                       </a:r>
-                      <a:endParaRPr b="1" sz="1200">
+                      <a:endParaRPr sz="1200" b="1">
                         <a:solidFill>
                           <a:srgbClr val="444444"/>
                         </a:solidFill>
@@ -10357,45 +10526,50 @@
                       </a:endParaRPr>
                     </a:p>
                   </a:txBody>
-                  <a:tcPr marT="91425" marB="91425" marR="91425" marL="91425">
-                    <a:lnL cap="flat" cmpd="sng" w="14300">
+                  <a:tcPr marL="91425" marR="91425" marT="91425" marB="91425">
+                    <a:lnL w="14300" cap="flat" cmpd="sng">
                       <a:solidFill>
                         <a:srgbClr val="888888"/>
                       </a:solidFill>
                       <a:prstDash val="solid"/>
                       <a:round/>
-                      <a:headEnd len="sm" w="sm" type="none"/>
-                      <a:tailEnd len="sm" w="sm" type="none"/>
+                      <a:headEnd type="none" w="sm" len="sm"/>
+                      <a:tailEnd type="none" w="sm" len="sm"/>
                     </a:lnL>
-                    <a:lnR cap="flat" cmpd="sng" w="14300">
+                    <a:lnR w="14300" cap="flat" cmpd="sng">
                       <a:solidFill>
                         <a:srgbClr val="888888"/>
                       </a:solidFill>
                       <a:prstDash val="solid"/>
                       <a:round/>
-                      <a:headEnd len="sm" w="sm" type="none"/>
-                      <a:tailEnd len="sm" w="sm" type="none"/>
+                      <a:headEnd type="none" w="sm" len="sm"/>
+                      <a:tailEnd type="none" w="sm" len="sm"/>
                     </a:lnR>
-                    <a:lnT cap="flat" cmpd="sng" w="14300">
+                    <a:lnT w="14300" cap="flat" cmpd="sng">
                       <a:solidFill>
                         <a:srgbClr val="888888"/>
                       </a:solidFill>
                       <a:prstDash val="solid"/>
                       <a:round/>
-                      <a:headEnd len="sm" w="sm" type="none"/>
-                      <a:tailEnd len="sm" w="sm" type="none"/>
+                      <a:headEnd type="none" w="sm" len="sm"/>
+                      <a:tailEnd type="none" w="sm" len="sm"/>
                     </a:lnT>
-                    <a:lnB cap="flat" cmpd="sng" w="14300">
+                    <a:lnB w="14300" cap="flat" cmpd="sng">
                       <a:solidFill>
                         <a:srgbClr val="888888"/>
                       </a:solidFill>
                       <a:prstDash val="solid"/>
                       <a:round/>
-                      <a:headEnd len="sm" w="sm" type="none"/>
-                      <a:tailEnd len="sm" w="sm" type="none"/>
+                      <a:headEnd type="none" w="sm" len="sm"/>
+                      <a:tailEnd type="none" w="sm" len="sm"/>
                     </a:lnB>
                   </a:tcPr>
                 </a:tc>
+                <a:extLst>
+                  <a:ext uri="{0D108BD9-81ED-4DB2-BD59-A6C34878D82A}">
+                    <a16:rowId xmlns:a16="http://schemas.microsoft.com/office/drawing/2014/main" val="10000"/>
+                  </a:ext>
+                </a:extLst>
               </a:tr>
               <a:tr h="219075">
                 <a:tc>
@@ -10403,7 +10577,7 @@
                     <a:bodyPr/>
                     <a:lstStyle/>
                     <a:p>
-                      <a:pPr indent="0" lvl="0" marL="0" rtl="0" algn="l">
+                      <a:pPr marL="0" lvl="0" indent="0" algn="l" rtl="0">
                         <a:lnSpc>
                           <a:spcPct val="115000"/>
                         </a:lnSpc>
@@ -10416,7 +10590,7 @@
                         <a:buNone/>
                       </a:pPr>
                       <a:r>
-                        <a:rPr b="1" lang="es" sz="1200">
+                        <a:rPr lang="es" sz="1200" b="1">
                           <a:solidFill>
                             <a:srgbClr val="444444"/>
                           </a:solidFill>
@@ -10426,7 +10600,7 @@
                         </a:rPr>
                         <a:t>Peso</a:t>
                       </a:r>
-                      <a:endParaRPr b="1" sz="1200">
+                      <a:endParaRPr sz="1200" b="1">
                         <a:solidFill>
                           <a:srgbClr val="444444"/>
                         </a:solidFill>
@@ -10436,42 +10610,42 @@
                       </a:endParaRPr>
                     </a:p>
                   </a:txBody>
-                  <a:tcPr marT="91425" marB="91425" marR="91425" marL="91425">
-                    <a:lnL cap="flat" cmpd="sng" w="14300">
+                  <a:tcPr marL="91425" marR="91425" marT="91425" marB="91425">
+                    <a:lnL w="14300" cap="flat" cmpd="sng">
                       <a:solidFill>
                         <a:srgbClr val="888888"/>
                       </a:solidFill>
                       <a:prstDash val="solid"/>
                       <a:round/>
-                      <a:headEnd len="sm" w="sm" type="none"/>
-                      <a:tailEnd len="sm" w="sm" type="none"/>
+                      <a:headEnd type="none" w="sm" len="sm"/>
+                      <a:tailEnd type="none" w="sm" len="sm"/>
                     </a:lnL>
-                    <a:lnR cap="flat" cmpd="sng" w="14300">
+                    <a:lnR w="14300" cap="flat" cmpd="sng">
                       <a:solidFill>
                         <a:srgbClr val="888888"/>
                       </a:solidFill>
                       <a:prstDash val="solid"/>
                       <a:round/>
-                      <a:headEnd len="sm" w="sm" type="none"/>
-                      <a:tailEnd len="sm" w="sm" type="none"/>
+                      <a:headEnd type="none" w="sm" len="sm"/>
+                      <a:tailEnd type="none" w="sm" len="sm"/>
                     </a:lnR>
-                    <a:lnT cap="flat" cmpd="sng" w="14300">
+                    <a:lnT w="14300" cap="flat" cmpd="sng">
                       <a:solidFill>
                         <a:srgbClr val="888888"/>
                       </a:solidFill>
                       <a:prstDash val="solid"/>
                       <a:round/>
-                      <a:headEnd len="sm" w="sm" type="none"/>
-                      <a:tailEnd len="sm" w="sm" type="none"/>
+                      <a:headEnd type="none" w="sm" len="sm"/>
+                      <a:tailEnd type="none" w="sm" len="sm"/>
                     </a:lnT>
-                    <a:lnB cap="flat" cmpd="sng" w="14300">
+                    <a:lnB w="14300" cap="flat" cmpd="sng">
                       <a:solidFill>
                         <a:srgbClr val="888888"/>
                       </a:solidFill>
                       <a:prstDash val="solid"/>
                       <a:round/>
-                      <a:headEnd len="sm" w="sm" type="none"/>
-                      <a:tailEnd len="sm" w="sm" type="none"/>
+                      <a:headEnd type="none" w="sm" len="sm"/>
+                      <a:tailEnd type="none" w="sm" len="sm"/>
                     </a:lnB>
                   </a:tcPr>
                 </a:tc>
@@ -10480,7 +10654,7 @@
                     <a:bodyPr/>
                     <a:lstStyle/>
                     <a:p>
-                      <a:pPr indent="0" lvl="0" marL="0" rtl="0" algn="l">
+                      <a:pPr marL="0" lvl="0" indent="0" algn="l" rtl="0">
                         <a:lnSpc>
                           <a:spcPct val="115000"/>
                         </a:lnSpc>
@@ -10493,7 +10667,7 @@
                         <a:buNone/>
                       </a:pPr>
                       <a:r>
-                        <a:rPr b="1" lang="es" sz="1200">
+                        <a:rPr lang="es" sz="1200" b="1">
                           <a:solidFill>
                             <a:srgbClr val="444444"/>
                           </a:solidFill>
@@ -10503,7 +10677,7 @@
                         </a:rPr>
                         <a:t>42</a:t>
                       </a:r>
-                      <a:endParaRPr b="1" sz="1200">
+                      <a:endParaRPr sz="1200" b="1">
                         <a:solidFill>
                           <a:srgbClr val="444444"/>
                         </a:solidFill>
@@ -10513,42 +10687,42 @@
                       </a:endParaRPr>
                     </a:p>
                   </a:txBody>
-                  <a:tcPr marT="91425" marB="91425" marR="91425" marL="91425">
-                    <a:lnL cap="flat" cmpd="sng" w="14300">
+                  <a:tcPr marL="91425" marR="91425" marT="91425" marB="91425">
+                    <a:lnL w="14300" cap="flat" cmpd="sng">
                       <a:solidFill>
                         <a:srgbClr val="888888"/>
                       </a:solidFill>
                       <a:prstDash val="solid"/>
                       <a:round/>
-                      <a:headEnd len="sm" w="sm" type="none"/>
-                      <a:tailEnd len="sm" w="sm" type="none"/>
+                      <a:headEnd type="none" w="sm" len="sm"/>
+                      <a:tailEnd type="none" w="sm" len="sm"/>
                     </a:lnL>
-                    <a:lnR cap="flat" cmpd="sng" w="14300">
+                    <a:lnR w="14300" cap="flat" cmpd="sng">
                       <a:solidFill>
                         <a:srgbClr val="888888"/>
                       </a:solidFill>
                       <a:prstDash val="solid"/>
                       <a:round/>
-                      <a:headEnd len="sm" w="sm" type="none"/>
-                      <a:tailEnd len="sm" w="sm" type="none"/>
+                      <a:headEnd type="none" w="sm" len="sm"/>
+                      <a:tailEnd type="none" w="sm" len="sm"/>
                     </a:lnR>
-                    <a:lnT cap="flat" cmpd="sng" w="14300">
+                    <a:lnT w="14300" cap="flat" cmpd="sng">
                       <a:solidFill>
                         <a:srgbClr val="888888"/>
                       </a:solidFill>
                       <a:prstDash val="solid"/>
                       <a:round/>
-                      <a:headEnd len="sm" w="sm" type="none"/>
-                      <a:tailEnd len="sm" w="sm" type="none"/>
+                      <a:headEnd type="none" w="sm" len="sm"/>
+                      <a:tailEnd type="none" w="sm" len="sm"/>
                     </a:lnT>
-                    <a:lnB cap="flat" cmpd="sng" w="14300">
+                    <a:lnB w="14300" cap="flat" cmpd="sng">
                       <a:solidFill>
                         <a:srgbClr val="888888"/>
                       </a:solidFill>
                       <a:prstDash val="solid"/>
                       <a:round/>
-                      <a:headEnd len="sm" w="sm" type="none"/>
-                      <a:tailEnd len="sm" w="sm" type="none"/>
+                      <a:headEnd type="none" w="sm" len="sm"/>
+                      <a:tailEnd type="none" w="sm" len="sm"/>
                     </a:lnB>
                   </a:tcPr>
                 </a:tc>
@@ -10557,7 +10731,7 @@
                     <a:bodyPr/>
                     <a:lstStyle/>
                     <a:p>
-                      <a:pPr indent="0" lvl="0" marL="0" rtl="0" algn="l">
+                      <a:pPr marL="0" lvl="0" indent="0" algn="l" rtl="0">
                         <a:lnSpc>
                           <a:spcPct val="115000"/>
                         </a:lnSpc>
@@ -10570,7 +10744,7 @@
                         <a:buNone/>
                       </a:pPr>
                       <a:r>
-                        <a:rPr b="1" lang="es" sz="1200">
+                        <a:rPr lang="es" sz="1200" b="1">
                           <a:solidFill>
                             <a:srgbClr val="444444"/>
                           </a:solidFill>
@@ -10580,7 +10754,7 @@
                         </a:rPr>
                         <a:t>23 </a:t>
                       </a:r>
-                      <a:endParaRPr b="1" sz="1200">
+                      <a:endParaRPr sz="1200" b="1">
                         <a:solidFill>
                           <a:srgbClr val="444444"/>
                         </a:solidFill>
@@ -10590,42 +10764,42 @@
                       </a:endParaRPr>
                     </a:p>
                   </a:txBody>
-                  <a:tcPr marT="91425" marB="91425" marR="91425" marL="91425">
-                    <a:lnL cap="flat" cmpd="sng" w="14300">
+                  <a:tcPr marL="91425" marR="91425" marT="91425" marB="91425">
+                    <a:lnL w="14300" cap="flat" cmpd="sng">
                       <a:solidFill>
                         <a:srgbClr val="888888"/>
                       </a:solidFill>
                       <a:prstDash val="solid"/>
                       <a:round/>
-                      <a:headEnd len="sm" w="sm" type="none"/>
-                      <a:tailEnd len="sm" w="sm" type="none"/>
+                      <a:headEnd type="none" w="sm" len="sm"/>
+                      <a:tailEnd type="none" w="sm" len="sm"/>
                     </a:lnL>
-                    <a:lnR cap="flat" cmpd="sng" w="14300">
+                    <a:lnR w="14300" cap="flat" cmpd="sng">
                       <a:solidFill>
                         <a:srgbClr val="888888"/>
                       </a:solidFill>
                       <a:prstDash val="solid"/>
                       <a:round/>
-                      <a:headEnd len="sm" w="sm" type="none"/>
-                      <a:tailEnd len="sm" w="sm" type="none"/>
+                      <a:headEnd type="none" w="sm" len="sm"/>
+                      <a:tailEnd type="none" w="sm" len="sm"/>
                     </a:lnR>
-                    <a:lnT cap="flat" cmpd="sng" w="14300">
+                    <a:lnT w="14300" cap="flat" cmpd="sng">
                       <a:solidFill>
                         <a:srgbClr val="888888"/>
                       </a:solidFill>
                       <a:prstDash val="solid"/>
                       <a:round/>
-                      <a:headEnd len="sm" w="sm" type="none"/>
-                      <a:tailEnd len="sm" w="sm" type="none"/>
+                      <a:headEnd type="none" w="sm" len="sm"/>
+                      <a:tailEnd type="none" w="sm" len="sm"/>
                     </a:lnT>
-                    <a:lnB cap="flat" cmpd="sng" w="14300">
+                    <a:lnB w="14300" cap="flat" cmpd="sng">
                       <a:solidFill>
                         <a:srgbClr val="888888"/>
                       </a:solidFill>
                       <a:prstDash val="solid"/>
                       <a:round/>
-                      <a:headEnd len="sm" w="sm" type="none"/>
-                      <a:tailEnd len="sm" w="sm" type="none"/>
+                      <a:headEnd type="none" w="sm" len="sm"/>
+                      <a:tailEnd type="none" w="sm" len="sm"/>
                     </a:lnB>
                   </a:tcPr>
                 </a:tc>
@@ -10634,7 +10808,7 @@
                     <a:bodyPr/>
                     <a:lstStyle/>
                     <a:p>
-                      <a:pPr indent="0" lvl="0" marL="0" rtl="0" algn="l">
+                      <a:pPr marL="0" lvl="0" indent="0" algn="l" rtl="0">
                         <a:lnSpc>
                           <a:spcPct val="115000"/>
                         </a:lnSpc>
@@ -10647,7 +10821,7 @@
                         <a:buNone/>
                       </a:pPr>
                       <a:r>
-                        <a:rPr b="1" lang="es" sz="1200">
+                        <a:rPr lang="es" sz="1200" b="1">
                           <a:solidFill>
                             <a:srgbClr val="444444"/>
                           </a:solidFill>
@@ -10657,7 +10831,7 @@
                         </a:rPr>
                         <a:t>21 </a:t>
                       </a:r>
-                      <a:endParaRPr b="1" sz="1200">
+                      <a:endParaRPr sz="1200" b="1">
                         <a:solidFill>
                           <a:srgbClr val="444444"/>
                         </a:solidFill>
@@ -10667,42 +10841,42 @@
                       </a:endParaRPr>
                     </a:p>
                   </a:txBody>
-                  <a:tcPr marT="91425" marB="91425" marR="91425" marL="91425">
-                    <a:lnL cap="flat" cmpd="sng" w="14300">
+                  <a:tcPr marL="91425" marR="91425" marT="91425" marB="91425">
+                    <a:lnL w="14300" cap="flat" cmpd="sng">
                       <a:solidFill>
                         <a:srgbClr val="888888"/>
                       </a:solidFill>
                       <a:prstDash val="solid"/>
                       <a:round/>
-                      <a:headEnd len="sm" w="sm" type="none"/>
-                      <a:tailEnd len="sm" w="sm" type="none"/>
+                      <a:headEnd type="none" w="sm" len="sm"/>
+                      <a:tailEnd type="none" w="sm" len="sm"/>
                     </a:lnL>
-                    <a:lnR cap="flat" cmpd="sng" w="14300">
+                    <a:lnR w="14300" cap="flat" cmpd="sng">
                       <a:solidFill>
                         <a:srgbClr val="888888"/>
                       </a:solidFill>
                       <a:prstDash val="solid"/>
                       <a:round/>
-                      <a:headEnd len="sm" w="sm" type="none"/>
-                      <a:tailEnd len="sm" w="sm" type="none"/>
+                      <a:headEnd type="none" w="sm" len="sm"/>
+                      <a:tailEnd type="none" w="sm" len="sm"/>
                     </a:lnR>
-                    <a:lnT cap="flat" cmpd="sng" w="14300">
+                    <a:lnT w="14300" cap="flat" cmpd="sng">
                       <a:solidFill>
                         <a:srgbClr val="888888"/>
                       </a:solidFill>
                       <a:prstDash val="solid"/>
                       <a:round/>
-                      <a:headEnd len="sm" w="sm" type="none"/>
-                      <a:tailEnd len="sm" w="sm" type="none"/>
+                      <a:headEnd type="none" w="sm" len="sm"/>
+                      <a:tailEnd type="none" w="sm" len="sm"/>
                     </a:lnT>
-                    <a:lnB cap="flat" cmpd="sng" w="14300">
+                    <a:lnB w="14300" cap="flat" cmpd="sng">
                       <a:solidFill>
                         <a:srgbClr val="888888"/>
                       </a:solidFill>
                       <a:prstDash val="solid"/>
                       <a:round/>
-                      <a:headEnd len="sm" w="sm" type="none"/>
-                      <a:tailEnd len="sm" w="sm" type="none"/>
+                      <a:headEnd type="none" w="sm" len="sm"/>
+                      <a:tailEnd type="none" w="sm" len="sm"/>
                     </a:lnB>
                   </a:tcPr>
                 </a:tc>
@@ -10711,7 +10885,7 @@
                     <a:bodyPr/>
                     <a:lstStyle/>
                     <a:p>
-                      <a:pPr indent="0" lvl="0" marL="0" rtl="0" algn="l">
+                      <a:pPr marL="0" lvl="0" indent="0" algn="l" rtl="0">
                         <a:lnSpc>
                           <a:spcPct val="115000"/>
                         </a:lnSpc>
@@ -10724,7 +10898,7 @@
                         <a:buNone/>
                       </a:pPr>
                       <a:r>
-                        <a:rPr b="1" lang="es" sz="1200">
+                        <a:rPr lang="es" sz="1200" b="1">
                           <a:solidFill>
                             <a:srgbClr val="444444"/>
                           </a:solidFill>
@@ -10734,7 +10908,7 @@
                         </a:rPr>
                         <a:t>15 </a:t>
                       </a:r>
-                      <a:endParaRPr b="1" sz="1200">
+                      <a:endParaRPr sz="1200" b="1">
                         <a:solidFill>
                           <a:srgbClr val="444444"/>
                         </a:solidFill>
@@ -10744,42 +10918,42 @@
                       </a:endParaRPr>
                     </a:p>
                   </a:txBody>
-                  <a:tcPr marT="91425" marB="91425" marR="91425" marL="91425">
-                    <a:lnL cap="flat" cmpd="sng" w="14300">
+                  <a:tcPr marL="91425" marR="91425" marT="91425" marB="91425">
+                    <a:lnL w="14300" cap="flat" cmpd="sng">
                       <a:solidFill>
                         <a:srgbClr val="888888"/>
                       </a:solidFill>
                       <a:prstDash val="solid"/>
                       <a:round/>
-                      <a:headEnd len="sm" w="sm" type="none"/>
-                      <a:tailEnd len="sm" w="sm" type="none"/>
+                      <a:headEnd type="none" w="sm" len="sm"/>
+                      <a:tailEnd type="none" w="sm" len="sm"/>
                     </a:lnL>
-                    <a:lnR cap="flat" cmpd="sng" w="14300">
+                    <a:lnR w="14300" cap="flat" cmpd="sng">
                       <a:solidFill>
                         <a:srgbClr val="888888"/>
                       </a:solidFill>
                       <a:prstDash val="solid"/>
                       <a:round/>
-                      <a:headEnd len="sm" w="sm" type="none"/>
-                      <a:tailEnd len="sm" w="sm" type="none"/>
+                      <a:headEnd type="none" w="sm" len="sm"/>
+                      <a:tailEnd type="none" w="sm" len="sm"/>
                     </a:lnR>
-                    <a:lnT cap="flat" cmpd="sng" w="14300">
+                    <a:lnT w="14300" cap="flat" cmpd="sng">
                       <a:solidFill>
                         <a:srgbClr val="888888"/>
                       </a:solidFill>
                       <a:prstDash val="solid"/>
                       <a:round/>
-                      <a:headEnd len="sm" w="sm" type="none"/>
-                      <a:tailEnd len="sm" w="sm" type="none"/>
+                      <a:headEnd type="none" w="sm" len="sm"/>
+                      <a:tailEnd type="none" w="sm" len="sm"/>
                     </a:lnT>
-                    <a:lnB cap="flat" cmpd="sng" w="14300">
+                    <a:lnB w="14300" cap="flat" cmpd="sng">
                       <a:solidFill>
                         <a:srgbClr val="888888"/>
                       </a:solidFill>
                       <a:prstDash val="solid"/>
                       <a:round/>
-                      <a:headEnd len="sm" w="sm" type="none"/>
-                      <a:tailEnd len="sm" w="sm" type="none"/>
+                      <a:headEnd type="none" w="sm" len="sm"/>
+                      <a:tailEnd type="none" w="sm" len="sm"/>
                     </a:lnB>
                   </a:tcPr>
                 </a:tc>
@@ -10788,7 +10962,7 @@
                     <a:bodyPr/>
                     <a:lstStyle/>
                     <a:p>
-                      <a:pPr indent="0" lvl="0" marL="0" rtl="0" algn="l">
+                      <a:pPr marL="0" lvl="0" indent="0" algn="l" rtl="0">
                         <a:lnSpc>
                           <a:spcPct val="115000"/>
                         </a:lnSpc>
@@ -10801,7 +10975,7 @@
                         <a:buNone/>
                       </a:pPr>
                       <a:r>
-                        <a:rPr b="1" lang="es" sz="1200">
+                        <a:rPr lang="es" sz="1200" b="1">
                           <a:solidFill>
                             <a:srgbClr val="444444"/>
                           </a:solidFill>
@@ -10811,7 +10985,7 @@
                         </a:rPr>
                         <a:t>7 </a:t>
                       </a:r>
-                      <a:endParaRPr b="1" sz="1200">
+                      <a:endParaRPr sz="1200" b="1">
                         <a:solidFill>
                           <a:srgbClr val="444444"/>
                         </a:solidFill>
@@ -10821,45 +10995,50 @@
                       </a:endParaRPr>
                     </a:p>
                   </a:txBody>
-                  <a:tcPr marT="91425" marB="91425" marR="91425" marL="91425">
-                    <a:lnL cap="flat" cmpd="sng" w="14300">
+                  <a:tcPr marL="91425" marR="91425" marT="91425" marB="91425">
+                    <a:lnL w="14300" cap="flat" cmpd="sng">
                       <a:solidFill>
                         <a:srgbClr val="888888"/>
                       </a:solidFill>
                       <a:prstDash val="solid"/>
                       <a:round/>
-                      <a:headEnd len="sm" w="sm" type="none"/>
-                      <a:tailEnd len="sm" w="sm" type="none"/>
+                      <a:headEnd type="none" w="sm" len="sm"/>
+                      <a:tailEnd type="none" w="sm" len="sm"/>
                     </a:lnL>
-                    <a:lnR cap="flat" cmpd="sng" w="14300">
+                    <a:lnR w="14300" cap="flat" cmpd="sng">
                       <a:solidFill>
                         <a:srgbClr val="888888"/>
                       </a:solidFill>
                       <a:prstDash val="solid"/>
                       <a:round/>
-                      <a:headEnd len="sm" w="sm" type="none"/>
-                      <a:tailEnd len="sm" w="sm" type="none"/>
+                      <a:headEnd type="none" w="sm" len="sm"/>
+                      <a:tailEnd type="none" w="sm" len="sm"/>
                     </a:lnR>
-                    <a:lnT cap="flat" cmpd="sng" w="14300">
+                    <a:lnT w="14300" cap="flat" cmpd="sng">
                       <a:solidFill>
                         <a:srgbClr val="888888"/>
                       </a:solidFill>
                       <a:prstDash val="solid"/>
                       <a:round/>
-                      <a:headEnd len="sm" w="sm" type="none"/>
-                      <a:tailEnd len="sm" w="sm" type="none"/>
+                      <a:headEnd type="none" w="sm" len="sm"/>
+                      <a:tailEnd type="none" w="sm" len="sm"/>
                     </a:lnT>
-                    <a:lnB cap="flat" cmpd="sng" w="14300">
+                    <a:lnB w="14300" cap="flat" cmpd="sng">
                       <a:solidFill>
                         <a:srgbClr val="888888"/>
                       </a:solidFill>
                       <a:prstDash val="solid"/>
                       <a:round/>
-                      <a:headEnd len="sm" w="sm" type="none"/>
-                      <a:tailEnd len="sm" w="sm" type="none"/>
+                      <a:headEnd type="none" w="sm" len="sm"/>
+                      <a:tailEnd type="none" w="sm" len="sm"/>
                     </a:lnB>
                   </a:tcPr>
                 </a:tc>
+                <a:extLst>
+                  <a:ext uri="{0D108BD9-81ED-4DB2-BD59-A6C34878D82A}">
+                    <a16:rowId xmlns:a16="http://schemas.microsoft.com/office/drawing/2014/main" val="10001"/>
+                  </a:ext>
+                </a:extLst>
               </a:tr>
               <a:tr h="219075">
                 <a:tc>
@@ -10867,7 +11046,7 @@
                     <a:bodyPr/>
                     <a:lstStyle/>
                     <a:p>
-                      <a:pPr indent="0" lvl="0" marL="0" rtl="0" algn="l">
+                      <a:pPr marL="0" lvl="0" indent="0" algn="l" rtl="0">
                         <a:lnSpc>
                           <a:spcPct val="115000"/>
                         </a:lnSpc>
@@ -10880,7 +11059,7 @@
                         <a:buNone/>
                       </a:pPr>
                       <a:r>
-                        <a:rPr b="1" lang="es" sz="1200">
+                        <a:rPr lang="es" sz="1200" b="1">
                           <a:solidFill>
                             <a:srgbClr val="444444"/>
                           </a:solidFill>
@@ -10890,7 +11069,7 @@
                         </a:rPr>
                         <a:t>Valor</a:t>
                       </a:r>
-                      <a:endParaRPr b="1" sz="1200">
+                      <a:endParaRPr sz="1200" b="1">
                         <a:solidFill>
                           <a:srgbClr val="444444"/>
                         </a:solidFill>
@@ -10900,42 +11079,42 @@
                       </a:endParaRPr>
                     </a:p>
                   </a:txBody>
-                  <a:tcPr marT="91425" marB="91425" marR="91425" marL="91425">
-                    <a:lnL cap="flat" cmpd="sng" w="14300">
+                  <a:tcPr marL="91425" marR="91425" marT="91425" marB="91425">
+                    <a:lnL w="14300" cap="flat" cmpd="sng">
                       <a:solidFill>
                         <a:srgbClr val="888888"/>
                       </a:solidFill>
                       <a:prstDash val="solid"/>
                       <a:round/>
-                      <a:headEnd len="sm" w="sm" type="none"/>
-                      <a:tailEnd len="sm" w="sm" type="none"/>
+                      <a:headEnd type="none" w="sm" len="sm"/>
+                      <a:tailEnd type="none" w="sm" len="sm"/>
                     </a:lnL>
-                    <a:lnR cap="flat" cmpd="sng" w="14300">
+                    <a:lnR w="14300" cap="flat" cmpd="sng">
                       <a:solidFill>
                         <a:srgbClr val="888888"/>
                       </a:solidFill>
                       <a:prstDash val="solid"/>
                       <a:round/>
-                      <a:headEnd len="sm" w="sm" type="none"/>
-                      <a:tailEnd len="sm" w="sm" type="none"/>
+                      <a:headEnd type="none" w="sm" len="sm"/>
+                      <a:tailEnd type="none" w="sm" len="sm"/>
                     </a:lnR>
-                    <a:lnT cap="flat" cmpd="sng" w="14300">
+                    <a:lnT w="14300" cap="flat" cmpd="sng">
                       <a:solidFill>
                         <a:srgbClr val="888888"/>
                       </a:solidFill>
                       <a:prstDash val="solid"/>
                       <a:round/>
-                      <a:headEnd len="sm" w="sm" type="none"/>
-                      <a:tailEnd len="sm" w="sm" type="none"/>
+                      <a:headEnd type="none" w="sm" len="sm"/>
+                      <a:tailEnd type="none" w="sm" len="sm"/>
                     </a:lnT>
-                    <a:lnB cap="flat" cmpd="sng" w="14300">
+                    <a:lnB w="14300" cap="flat" cmpd="sng">
                       <a:solidFill>
                         <a:srgbClr val="888888"/>
                       </a:solidFill>
                       <a:prstDash val="solid"/>
                       <a:round/>
-                      <a:headEnd len="sm" w="sm" type="none"/>
-                      <a:tailEnd len="sm" w="sm" type="none"/>
+                      <a:headEnd type="none" w="sm" len="sm"/>
+                      <a:tailEnd type="none" w="sm" len="sm"/>
                     </a:lnB>
                   </a:tcPr>
                 </a:tc>
@@ -10944,7 +11123,7 @@
                     <a:bodyPr/>
                     <a:lstStyle/>
                     <a:p>
-                      <a:pPr indent="0" lvl="0" marL="0" rtl="0" algn="l">
+                      <a:pPr marL="0" lvl="0" indent="0" algn="l" rtl="0">
                         <a:lnSpc>
                           <a:spcPct val="115000"/>
                         </a:lnSpc>
@@ -10957,7 +11136,7 @@
                         <a:buNone/>
                       </a:pPr>
                       <a:r>
-                        <a:rPr b="1" lang="es" sz="1200">
+                        <a:rPr lang="es" sz="1200" b="1">
                           <a:solidFill>
                             <a:srgbClr val="444444"/>
                           </a:solidFill>
@@ -10967,7 +11146,7 @@
                         </a:rPr>
                         <a:t>100 </a:t>
                       </a:r>
-                      <a:endParaRPr b="1" sz="1200">
+                      <a:endParaRPr sz="1200" b="1">
                         <a:solidFill>
                           <a:srgbClr val="444444"/>
                         </a:solidFill>
@@ -10977,42 +11156,42 @@
                       </a:endParaRPr>
                     </a:p>
                   </a:txBody>
-                  <a:tcPr marT="91425" marB="91425" marR="91425" marL="91425">
-                    <a:lnL cap="flat" cmpd="sng" w="14300">
+                  <a:tcPr marL="91425" marR="91425" marT="91425" marB="91425">
+                    <a:lnL w="14300" cap="flat" cmpd="sng">
                       <a:solidFill>
                         <a:srgbClr val="888888"/>
                       </a:solidFill>
                       <a:prstDash val="solid"/>
                       <a:round/>
-                      <a:headEnd len="sm" w="sm" type="none"/>
-                      <a:tailEnd len="sm" w="sm" type="none"/>
+                      <a:headEnd type="none" w="sm" len="sm"/>
+                      <a:tailEnd type="none" w="sm" len="sm"/>
                     </a:lnL>
-                    <a:lnR cap="flat" cmpd="sng" w="14300">
+                    <a:lnR w="14300" cap="flat" cmpd="sng">
                       <a:solidFill>
                         <a:srgbClr val="888888"/>
                       </a:solidFill>
                       <a:prstDash val="solid"/>
                       <a:round/>
-                      <a:headEnd len="sm" w="sm" type="none"/>
-                      <a:tailEnd len="sm" w="sm" type="none"/>
+                      <a:headEnd type="none" w="sm" len="sm"/>
+                      <a:tailEnd type="none" w="sm" len="sm"/>
                     </a:lnR>
-                    <a:lnT cap="flat" cmpd="sng" w="14300">
+                    <a:lnT w="14300" cap="flat" cmpd="sng">
                       <a:solidFill>
                         <a:srgbClr val="888888"/>
                       </a:solidFill>
                       <a:prstDash val="solid"/>
                       <a:round/>
-                      <a:headEnd len="sm" w="sm" type="none"/>
-                      <a:tailEnd len="sm" w="sm" type="none"/>
+                      <a:headEnd type="none" w="sm" len="sm"/>
+                      <a:tailEnd type="none" w="sm" len="sm"/>
                     </a:lnT>
-                    <a:lnB cap="flat" cmpd="sng" w="14300">
+                    <a:lnB w="14300" cap="flat" cmpd="sng">
                       <a:solidFill>
                         <a:srgbClr val="888888"/>
                       </a:solidFill>
                       <a:prstDash val="solid"/>
                       <a:round/>
-                      <a:headEnd len="sm" w="sm" type="none"/>
-                      <a:tailEnd len="sm" w="sm" type="none"/>
+                      <a:headEnd type="none" w="sm" len="sm"/>
+                      <a:tailEnd type="none" w="sm" len="sm"/>
                     </a:lnB>
                   </a:tcPr>
                 </a:tc>
@@ -11021,7 +11200,7 @@
                     <a:bodyPr/>
                     <a:lstStyle/>
                     <a:p>
-                      <a:pPr indent="0" lvl="0" marL="0" rtl="0" algn="l">
+                      <a:pPr marL="0" lvl="0" indent="0" algn="l" rtl="0">
                         <a:lnSpc>
                           <a:spcPct val="115000"/>
                         </a:lnSpc>
@@ -11034,7 +11213,7 @@
                         <a:buNone/>
                       </a:pPr>
                       <a:r>
-                        <a:rPr b="1" lang="es" sz="1200">
+                        <a:rPr lang="es" sz="1200" b="1">
                           <a:solidFill>
                             <a:srgbClr val="444444"/>
                           </a:solidFill>
@@ -11044,7 +11223,7 @@
                         </a:rPr>
                         <a:t>60 </a:t>
                       </a:r>
-                      <a:endParaRPr b="1" sz="1200">
+                      <a:endParaRPr sz="1200" b="1">
                         <a:solidFill>
                           <a:srgbClr val="444444"/>
                         </a:solidFill>
@@ -11054,42 +11233,42 @@
                       </a:endParaRPr>
                     </a:p>
                   </a:txBody>
-                  <a:tcPr marT="91425" marB="91425" marR="91425" marL="91425">
-                    <a:lnL cap="flat" cmpd="sng" w="14300">
+                  <a:tcPr marL="91425" marR="91425" marT="91425" marB="91425">
+                    <a:lnL w="14300" cap="flat" cmpd="sng">
                       <a:solidFill>
                         <a:srgbClr val="888888"/>
                       </a:solidFill>
                       <a:prstDash val="solid"/>
                       <a:round/>
-                      <a:headEnd len="sm" w="sm" type="none"/>
-                      <a:tailEnd len="sm" w="sm" type="none"/>
+                      <a:headEnd type="none" w="sm" len="sm"/>
+                      <a:tailEnd type="none" w="sm" len="sm"/>
                     </a:lnL>
-                    <a:lnR cap="flat" cmpd="sng" w="14300">
+                    <a:lnR w="14300" cap="flat" cmpd="sng">
                       <a:solidFill>
                         <a:srgbClr val="888888"/>
                       </a:solidFill>
                       <a:prstDash val="solid"/>
                       <a:round/>
-                      <a:headEnd len="sm" w="sm" type="none"/>
-                      <a:tailEnd len="sm" w="sm" type="none"/>
+                      <a:headEnd type="none" w="sm" len="sm"/>
+                      <a:tailEnd type="none" w="sm" len="sm"/>
                     </a:lnR>
-                    <a:lnT cap="flat" cmpd="sng" w="14300">
+                    <a:lnT w="14300" cap="flat" cmpd="sng">
                       <a:solidFill>
                         <a:srgbClr val="888888"/>
                       </a:solidFill>
                       <a:prstDash val="solid"/>
                       <a:round/>
-                      <a:headEnd len="sm" w="sm" type="none"/>
-                      <a:tailEnd len="sm" w="sm" type="none"/>
+                      <a:headEnd type="none" w="sm" len="sm"/>
+                      <a:tailEnd type="none" w="sm" len="sm"/>
                     </a:lnT>
-                    <a:lnB cap="flat" cmpd="sng" w="14300">
+                    <a:lnB w="14300" cap="flat" cmpd="sng">
                       <a:solidFill>
                         <a:srgbClr val="888888"/>
                       </a:solidFill>
                       <a:prstDash val="solid"/>
                       <a:round/>
-                      <a:headEnd len="sm" w="sm" type="none"/>
-                      <a:tailEnd len="sm" w="sm" type="none"/>
+                      <a:headEnd type="none" w="sm" len="sm"/>
+                      <a:tailEnd type="none" w="sm" len="sm"/>
                     </a:lnB>
                   </a:tcPr>
                 </a:tc>
@@ -11098,7 +11277,7 @@
                     <a:bodyPr/>
                     <a:lstStyle/>
                     <a:p>
-                      <a:pPr indent="0" lvl="0" marL="0" rtl="0" algn="l">
+                      <a:pPr marL="0" lvl="0" indent="0" algn="l" rtl="0">
                         <a:lnSpc>
                           <a:spcPct val="115000"/>
                         </a:lnSpc>
@@ -11111,7 +11290,7 @@
                         <a:buNone/>
                       </a:pPr>
                       <a:r>
-                        <a:rPr b="1" lang="es" sz="1200">
+                        <a:rPr lang="es" sz="1200" b="1">
                           <a:solidFill>
                             <a:srgbClr val="444444"/>
                           </a:solidFill>
@@ -11121,7 +11300,7 @@
                         </a:rPr>
                         <a:t>70 </a:t>
                       </a:r>
-                      <a:endParaRPr b="1" sz="1200">
+                      <a:endParaRPr sz="1200" b="1">
                         <a:solidFill>
                           <a:srgbClr val="444444"/>
                         </a:solidFill>
@@ -11131,42 +11310,42 @@
                       </a:endParaRPr>
                     </a:p>
                   </a:txBody>
-                  <a:tcPr marT="91425" marB="91425" marR="91425" marL="91425">
-                    <a:lnL cap="flat" cmpd="sng" w="14300">
+                  <a:tcPr marL="91425" marR="91425" marT="91425" marB="91425">
+                    <a:lnL w="14300" cap="flat" cmpd="sng">
                       <a:solidFill>
                         <a:srgbClr val="888888"/>
                       </a:solidFill>
                       <a:prstDash val="solid"/>
                       <a:round/>
-                      <a:headEnd len="sm" w="sm" type="none"/>
-                      <a:tailEnd len="sm" w="sm" type="none"/>
+                      <a:headEnd type="none" w="sm" len="sm"/>
+                      <a:tailEnd type="none" w="sm" len="sm"/>
                     </a:lnL>
-                    <a:lnR cap="flat" cmpd="sng" w="14300">
+                    <a:lnR w="14300" cap="flat" cmpd="sng">
                       <a:solidFill>
                         <a:srgbClr val="888888"/>
                       </a:solidFill>
                       <a:prstDash val="solid"/>
                       <a:round/>
-                      <a:headEnd len="sm" w="sm" type="none"/>
-                      <a:tailEnd len="sm" w="sm" type="none"/>
+                      <a:headEnd type="none" w="sm" len="sm"/>
+                      <a:tailEnd type="none" w="sm" len="sm"/>
                     </a:lnR>
-                    <a:lnT cap="flat" cmpd="sng" w="14300">
+                    <a:lnT w="14300" cap="flat" cmpd="sng">
                       <a:solidFill>
                         <a:srgbClr val="888888"/>
                       </a:solidFill>
                       <a:prstDash val="solid"/>
                       <a:round/>
-                      <a:headEnd len="sm" w="sm" type="none"/>
-                      <a:tailEnd len="sm" w="sm" type="none"/>
+                      <a:headEnd type="none" w="sm" len="sm"/>
+                      <a:tailEnd type="none" w="sm" len="sm"/>
                     </a:lnT>
-                    <a:lnB cap="flat" cmpd="sng" w="14300">
+                    <a:lnB w="14300" cap="flat" cmpd="sng">
                       <a:solidFill>
                         <a:srgbClr val="888888"/>
                       </a:solidFill>
                       <a:prstDash val="solid"/>
                       <a:round/>
-                      <a:headEnd len="sm" w="sm" type="none"/>
-                      <a:tailEnd len="sm" w="sm" type="none"/>
+                      <a:headEnd type="none" w="sm" len="sm"/>
+                      <a:tailEnd type="none" w="sm" len="sm"/>
                     </a:lnB>
                   </a:tcPr>
                 </a:tc>
@@ -11175,7 +11354,7 @@
                     <a:bodyPr/>
                     <a:lstStyle/>
                     <a:p>
-                      <a:pPr indent="0" lvl="0" marL="0" rtl="0" algn="l">
+                      <a:pPr marL="0" lvl="0" indent="0" algn="l" rtl="0">
                         <a:lnSpc>
                           <a:spcPct val="115000"/>
                         </a:lnSpc>
@@ -11188,7 +11367,7 @@
                         <a:buNone/>
                       </a:pPr>
                       <a:r>
-                        <a:rPr b="1" lang="es" sz="1200">
+                        <a:rPr lang="es" sz="1200" b="1">
                           <a:solidFill>
                             <a:srgbClr val="444444"/>
                           </a:solidFill>
@@ -11198,7 +11377,7 @@
                         </a:rPr>
                         <a:t>15 </a:t>
                       </a:r>
-                      <a:endParaRPr b="1" sz="1200">
+                      <a:endParaRPr sz="1200" b="1">
                         <a:solidFill>
                           <a:srgbClr val="444444"/>
                         </a:solidFill>
@@ -11208,42 +11387,42 @@
                       </a:endParaRPr>
                     </a:p>
                   </a:txBody>
-                  <a:tcPr marT="91425" marB="91425" marR="91425" marL="91425">
-                    <a:lnL cap="flat" cmpd="sng" w="14300">
+                  <a:tcPr marL="91425" marR="91425" marT="91425" marB="91425">
+                    <a:lnL w="14300" cap="flat" cmpd="sng">
                       <a:solidFill>
                         <a:srgbClr val="888888"/>
                       </a:solidFill>
                       <a:prstDash val="solid"/>
                       <a:round/>
-                      <a:headEnd len="sm" w="sm" type="none"/>
-                      <a:tailEnd len="sm" w="sm" type="none"/>
+                      <a:headEnd type="none" w="sm" len="sm"/>
+                      <a:tailEnd type="none" w="sm" len="sm"/>
                     </a:lnL>
-                    <a:lnR cap="flat" cmpd="sng" w="14300">
+                    <a:lnR w="14300" cap="flat" cmpd="sng">
                       <a:solidFill>
                         <a:srgbClr val="888888"/>
                       </a:solidFill>
                       <a:prstDash val="solid"/>
                       <a:round/>
-                      <a:headEnd len="sm" w="sm" type="none"/>
-                      <a:tailEnd len="sm" w="sm" type="none"/>
+                      <a:headEnd type="none" w="sm" len="sm"/>
+                      <a:tailEnd type="none" w="sm" len="sm"/>
                     </a:lnR>
-                    <a:lnT cap="flat" cmpd="sng" w="14300">
+                    <a:lnT w="14300" cap="flat" cmpd="sng">
                       <a:solidFill>
                         <a:srgbClr val="888888"/>
                       </a:solidFill>
                       <a:prstDash val="solid"/>
                       <a:round/>
-                      <a:headEnd len="sm" w="sm" type="none"/>
-                      <a:tailEnd len="sm" w="sm" type="none"/>
+                      <a:headEnd type="none" w="sm" len="sm"/>
+                      <a:tailEnd type="none" w="sm" len="sm"/>
                     </a:lnT>
-                    <a:lnB cap="flat" cmpd="sng" w="14300">
+                    <a:lnB w="14300" cap="flat" cmpd="sng">
                       <a:solidFill>
                         <a:srgbClr val="888888"/>
                       </a:solidFill>
                       <a:prstDash val="solid"/>
                       <a:round/>
-                      <a:headEnd len="sm" w="sm" type="none"/>
-                      <a:tailEnd len="sm" w="sm" type="none"/>
+                      <a:headEnd type="none" w="sm" len="sm"/>
+                      <a:tailEnd type="none" w="sm" len="sm"/>
                     </a:lnB>
                   </a:tcPr>
                 </a:tc>
@@ -11252,7 +11431,7 @@
                     <a:bodyPr/>
                     <a:lstStyle/>
                     <a:p>
-                      <a:pPr indent="0" lvl="0" marL="0" rtl="0" algn="l">
+                      <a:pPr marL="0" lvl="0" indent="0" algn="l" rtl="0">
                         <a:lnSpc>
                           <a:spcPct val="115000"/>
                         </a:lnSpc>
@@ -11265,7 +11444,7 @@
                         <a:buNone/>
                       </a:pPr>
                       <a:r>
-                        <a:rPr b="1" lang="es" sz="1200">
+                        <a:rPr lang="es" sz="1200" b="1">
                           <a:solidFill>
                             <a:srgbClr val="444444"/>
                           </a:solidFill>
@@ -11275,7 +11454,7 @@
                         </a:rPr>
                         <a:t>9</a:t>
                       </a:r>
-                      <a:endParaRPr b="1" sz="1200">
+                      <a:endParaRPr sz="1200" b="1">
                         <a:solidFill>
                           <a:srgbClr val="444444"/>
                         </a:solidFill>
@@ -11285,45 +11464,50 @@
                       </a:endParaRPr>
                     </a:p>
                   </a:txBody>
-                  <a:tcPr marT="91425" marB="91425" marR="91425" marL="91425">
-                    <a:lnL cap="flat" cmpd="sng" w="14300">
+                  <a:tcPr marL="91425" marR="91425" marT="91425" marB="91425">
+                    <a:lnL w="14300" cap="flat" cmpd="sng">
                       <a:solidFill>
                         <a:srgbClr val="888888"/>
                       </a:solidFill>
                       <a:prstDash val="solid"/>
                       <a:round/>
-                      <a:headEnd len="sm" w="sm" type="none"/>
-                      <a:tailEnd len="sm" w="sm" type="none"/>
+                      <a:headEnd type="none" w="sm" len="sm"/>
+                      <a:tailEnd type="none" w="sm" len="sm"/>
                     </a:lnL>
-                    <a:lnR cap="flat" cmpd="sng" w="14300">
+                    <a:lnR w="14300" cap="flat" cmpd="sng">
                       <a:solidFill>
                         <a:srgbClr val="888888"/>
                       </a:solidFill>
                       <a:prstDash val="solid"/>
                       <a:round/>
-                      <a:headEnd len="sm" w="sm" type="none"/>
-                      <a:tailEnd len="sm" w="sm" type="none"/>
+                      <a:headEnd type="none" w="sm" len="sm"/>
+                      <a:tailEnd type="none" w="sm" len="sm"/>
                     </a:lnR>
-                    <a:lnT cap="flat" cmpd="sng" w="14300">
+                    <a:lnT w="14300" cap="flat" cmpd="sng">
                       <a:solidFill>
                         <a:srgbClr val="888888"/>
                       </a:solidFill>
                       <a:prstDash val="solid"/>
                       <a:round/>
-                      <a:headEnd len="sm" w="sm" type="none"/>
-                      <a:tailEnd len="sm" w="sm" type="none"/>
+                      <a:headEnd type="none" w="sm" len="sm"/>
+                      <a:tailEnd type="none" w="sm" len="sm"/>
                     </a:lnT>
-                    <a:lnB cap="flat" cmpd="sng" w="14300">
+                    <a:lnB w="14300" cap="flat" cmpd="sng">
                       <a:solidFill>
                         <a:srgbClr val="888888"/>
                       </a:solidFill>
                       <a:prstDash val="solid"/>
                       <a:round/>
-                      <a:headEnd len="sm" w="sm" type="none"/>
-                      <a:tailEnd len="sm" w="sm" type="none"/>
+                      <a:headEnd type="none" w="sm" len="sm"/>
+                      <a:tailEnd type="none" w="sm" len="sm"/>
                     </a:lnB>
                   </a:tcPr>
                 </a:tc>
+                <a:extLst>
+                  <a:ext uri="{0D108BD9-81ED-4DB2-BD59-A6C34878D82A}">
+                    <a16:rowId xmlns:a16="http://schemas.microsoft.com/office/drawing/2014/main" val="10002"/>
+                  </a:ext>
+                </a:extLst>
               </a:tr>
             </a:tbl>
           </a:graphicData>
@@ -11338,11 +11522,11 @@
 </file>
 
 <file path=ppt/slides/slide14.xml><?xml version="1.0" encoding="utf-8"?>
-<p:sld xmlns:a="http://schemas.openxmlformats.org/drawingml/2006/main" xmlns:r="http://schemas.openxmlformats.org/officeDocument/2006/relationships" xmlns:mc="http://schemas.openxmlformats.org/markup-compatibility/2006" xmlns:mv="urn:schemas-microsoft-com:mac:vml" xmlns:p="http://schemas.openxmlformats.org/presentationml/2006/main" xmlns:c="http://schemas.openxmlformats.org/drawingml/2006/chart" xmlns:dgm="http://schemas.openxmlformats.org/drawingml/2006/diagram" xmlns:o="urn:schemas-microsoft-com:office:office" xmlns:v="urn:schemas-microsoft-com:vml" xmlns:pvml="urn:schemas-microsoft-com:office:powerpoint" xmlns:com="http://schemas.openxmlformats.org/drawingml/2006/compatibility" xmlns:p14="http://schemas.microsoft.com/office/powerpoint/2010/main" xmlns:p15="http://schemas.microsoft.com/office/powerpoint/2012/main" xmlns:ahyp="http://schemas.microsoft.com/office/drawing/2018/hyperlinkcolor">
+<p:sld xmlns:a="http://schemas.openxmlformats.org/drawingml/2006/main" xmlns:r="http://schemas.openxmlformats.org/officeDocument/2006/relationships" xmlns:p="http://schemas.openxmlformats.org/presentationml/2006/main">
   <p:cSld>
     <p:spTree>
       <p:nvGrpSpPr>
-        <p:cNvPr id="159" name="Shape 159"/>
+        <p:cNvPr id="1" name="Shape 159"/>
         <p:cNvGrpSpPr/>
         <p:nvPr/>
       </p:nvGrpSpPr>
@@ -11357,9 +11541,11 @@
       <p:sp>
         <p:nvSpPr>
           <p:cNvPr id="160" name="Google Shape;160;p26"/>
-          <p:cNvSpPr txBox="1"/>
+          <p:cNvSpPr txBox="1">
+            <a:spLocks noGrp="1"/>
+          </p:cNvSpPr>
           <p:nvPr>
-            <p:ph idx="1" type="body"/>
+            <p:ph type="body" idx="1"/>
           </p:nvPr>
         </p:nvSpPr>
         <p:spPr>
@@ -11372,12 +11558,12 @@
           </a:prstGeom>
         </p:spPr>
         <p:txBody>
-          <a:bodyPr anchorCtr="0" anchor="t" bIns="91425" lIns="91425" spcFirstLastPara="1" rIns="91425" wrap="square" tIns="91425">
+          <a:bodyPr spcFirstLastPara="1" wrap="square" lIns="91425" tIns="91425" rIns="91425" bIns="91425" anchor="t" anchorCtr="0">
             <a:noAutofit/>
           </a:bodyPr>
           <a:lstStyle/>
           <a:p>
-            <a:pPr indent="0" lvl="0" marL="0" rtl="0" algn="just">
+            <a:pPr marL="0" lvl="0" indent="0" algn="just" rtl="0">
               <a:spcBef>
                 <a:spcPts val="0"/>
               </a:spcBef>
@@ -11387,7 +11573,7 @@
               <a:buNone/>
             </a:pPr>
             <a:r>
-              <a:rPr b="1" lang="es">
+              <a:rPr lang="es" b="1">
                 <a:solidFill>
                   <a:srgbClr val="444444"/>
                 </a:solidFill>
@@ -11407,7 +11593,7 @@
             </a:endParaRPr>
           </a:p>
           <a:p>
-            <a:pPr indent="0" lvl="0" marL="0" rtl="0" algn="just">
+            <a:pPr marL="0" lvl="0" indent="0" algn="just" rtl="0">
               <a:spcBef>
                 <a:spcPts val="0"/>
               </a:spcBef>
@@ -11416,9 +11602,6 @@
               </a:spcAft>
               <a:buNone/>
             </a:pPr>
-            <a:r>
-              <a:t/>
-            </a:r>
             <a:endParaRPr>
               <a:solidFill>
                 <a:srgbClr val="444444"/>
@@ -11429,7 +11612,7 @@
             </a:endParaRPr>
           </a:p>
           <a:p>
-            <a:pPr indent="0" lvl="0" marL="0" rtl="0" algn="just">
+            <a:pPr marL="0" lvl="0" indent="0" algn="just" rtl="0">
               <a:spcBef>
                 <a:spcPts val="0"/>
               </a:spcBef>
@@ -11459,7 +11642,7 @@
             </a:endParaRPr>
           </a:p>
           <a:p>
-            <a:pPr indent="0" lvl="0" marL="0" rtl="0" algn="just">
+            <a:pPr marL="0" lvl="0" indent="0" algn="just" rtl="0">
               <a:spcBef>
                 <a:spcPts val="0"/>
               </a:spcBef>
@@ -11477,73 +11660,7 @@
                   <a:srgbClr val="FFFFFF"/>
                 </a:highlight>
               </a:rPr>
-              <a:t>Xi = 0 no se lleva el </a:t>
-            </a:r>
-            <a:r>
-              <a:rPr lang="es">
-                <a:solidFill>
-                  <a:srgbClr val="444444"/>
-                </a:solidFill>
-                <a:highlight>
-                  <a:srgbClr val="FFFFFF"/>
-                </a:highlight>
-              </a:rPr>
-              <a:t>artículo</a:t>
-            </a:r>
-            <a:r>
-              <a:rPr lang="es">
-                <a:solidFill>
-                  <a:srgbClr val="444444"/>
-                </a:solidFill>
-                <a:highlight>
-                  <a:srgbClr val="FFFFFF"/>
-                </a:highlight>
-              </a:rPr>
-              <a:t> i, 1 </a:t>
-            </a:r>
-            <a:r>
-              <a:rPr lang="es">
-                <a:solidFill>
-                  <a:srgbClr val="444444"/>
-                </a:solidFill>
-                <a:highlight>
-                  <a:srgbClr val="FFFFFF"/>
-                </a:highlight>
-              </a:rPr>
-              <a:t>si</a:t>
-            </a:r>
-            <a:r>
-              <a:rPr lang="es">
-                <a:solidFill>
-                  <a:srgbClr val="444444"/>
-                </a:solidFill>
-                <a:highlight>
-                  <a:srgbClr val="FFFFFF"/>
-                </a:highlight>
-              </a:rPr>
-              <a:t> se lleva el </a:t>
-            </a:r>
-            <a:r>
-              <a:rPr lang="es">
-                <a:solidFill>
-                  <a:srgbClr val="444444"/>
-                </a:solidFill>
-                <a:highlight>
-                  <a:srgbClr val="FFFFFF"/>
-                </a:highlight>
-              </a:rPr>
-              <a:t>artículo</a:t>
-            </a:r>
-            <a:r>
-              <a:rPr lang="es">
-                <a:solidFill>
-                  <a:srgbClr val="444444"/>
-                </a:solidFill>
-                <a:highlight>
-                  <a:srgbClr val="FFFFFF"/>
-                </a:highlight>
-              </a:rPr>
-              <a:t> i.</a:t>
+              <a:t>Xi = 0 no se lleva el artículo i, 1 si se lleva el artículo i.</a:t>
             </a:r>
             <a:endParaRPr>
               <a:solidFill>
@@ -11555,7 +11672,7 @@
             </a:endParaRPr>
           </a:p>
           <a:p>
-            <a:pPr indent="0" lvl="0" marL="0" rtl="0" algn="just">
+            <a:pPr marL="0" lvl="0" indent="0" algn="just" rtl="0">
               <a:spcBef>
                 <a:spcPts val="0"/>
               </a:spcBef>
@@ -11564,9 +11681,6 @@
               </a:spcAft>
               <a:buNone/>
             </a:pPr>
-            <a:r>
-              <a:t/>
-            </a:r>
             <a:endParaRPr>
               <a:solidFill>
                 <a:srgbClr val="444444"/>
@@ -11598,12 +11712,12 @@
           </a:ln>
         </p:spPr>
         <p:txBody>
-          <a:bodyPr anchorCtr="0" anchor="t" bIns="91425" lIns="91425" spcFirstLastPara="1" rIns="91425" wrap="square" tIns="91425">
+          <a:bodyPr spcFirstLastPara="1" wrap="square" lIns="91425" tIns="91425" rIns="91425" bIns="91425" anchor="t" anchorCtr="0">
             <a:noAutofit/>
           </a:bodyPr>
           <a:lstStyle/>
           <a:p>
-            <a:pPr indent="0" lvl="0" marL="0" rtl="0" algn="just">
+            <a:pPr marL="0" lvl="0" indent="0" algn="just" rtl="0">
               <a:lnSpc>
                 <a:spcPct val="115000"/>
               </a:lnSpc>
@@ -11616,7 +11730,7 @@
               <a:buNone/>
             </a:pPr>
             <a:r>
-              <a:rPr b="1" lang="es" sz="1800">
+              <a:rPr lang="es" sz="1800" b="1">
                 <a:solidFill>
                   <a:srgbClr val="444444"/>
                 </a:solidFill>
@@ -11650,7 +11764,7 @@
             </a:endParaRPr>
           </a:p>
           <a:p>
-            <a:pPr indent="0" lvl="0" marL="0" rtl="0" algn="just">
+            <a:pPr marL="0" lvl="0" indent="0" algn="just" rtl="0">
               <a:lnSpc>
                 <a:spcPct val="115000"/>
               </a:lnSpc>
@@ -11672,19 +11786,7 @@
                 <a:cs typeface="Roboto"/>
                 <a:sym typeface="Roboto"/>
               </a:rPr>
-              <a:t>    s.a.  = 42X1 + 23X2 + 21X3 + 15X4 + 7X5 &lt;= 6</a:t>
-            </a:r>
-            <a:r>
-              <a:rPr lang="es" sz="1800">
-                <a:solidFill>
-                  <a:srgbClr val="444444"/>
-                </a:solidFill>
-                <a:latin typeface="Roboto"/>
-                <a:ea typeface="Roboto"/>
-                <a:cs typeface="Roboto"/>
-                <a:sym typeface="Roboto"/>
-              </a:rPr>
-              <a:t>0</a:t>
+              <a:t>    s.a.  = 42X1 + 23X2 + 21X3 + 15X4 + 7X5 &lt;= 60</a:t>
             </a:r>
             <a:endParaRPr sz="1800">
               <a:solidFill>
@@ -11697,7 +11799,7 @@
             </a:endParaRPr>
           </a:p>
           <a:p>
-            <a:pPr indent="0" lvl="0" marL="0" rtl="0" algn="just">
+            <a:pPr marL="0" lvl="0" indent="0" algn="just" rtl="0">
               <a:lnSpc>
                 <a:spcPct val="115000"/>
               </a:lnSpc>
@@ -11719,19 +11821,7 @@
                 <a:cs typeface="Roboto"/>
                 <a:sym typeface="Roboto"/>
               </a:rPr>
-              <a:t>        		</a:t>
-            </a:r>
-            <a:r>
-              <a:rPr lang="es" sz="1800">
-                <a:solidFill>
-                  <a:srgbClr val="444444"/>
-                </a:solidFill>
-                <a:latin typeface="Roboto"/>
-                <a:ea typeface="Roboto"/>
-                <a:cs typeface="Roboto"/>
-                <a:sym typeface="Roboto"/>
-              </a:rPr>
-              <a:t>Xi ∈ {0,1}</a:t>
+              <a:t>        		Xi ∈ {0,1}</a:t>
             </a:r>
             <a:endParaRPr sz="1800">
               <a:solidFill>
@@ -11744,7 +11834,7 @@
             </a:endParaRPr>
           </a:p>
           <a:p>
-            <a:pPr indent="0" lvl="0" marL="0" rtl="0" algn="just">
+            <a:pPr marL="0" lvl="0" indent="0" algn="just" rtl="0">
               <a:lnSpc>
                 <a:spcPct val="115000"/>
               </a:lnSpc>
@@ -11756,10 +11846,7 @@
               </a:spcAft>
               <a:buNone/>
             </a:pPr>
-            <a:r>
-              <a:t/>
-            </a:r>
-            <a:endParaRPr b="1" sz="1800">
+            <a:endParaRPr sz="1800" b="1">
               <a:solidFill>
                 <a:srgbClr val="444444"/>
               </a:solidFill>
@@ -11783,11 +11870,11 @@
 </file>
 
 <file path=ppt/slides/slide15.xml><?xml version="1.0" encoding="utf-8"?>
-<p:sld xmlns:a="http://schemas.openxmlformats.org/drawingml/2006/main" xmlns:r="http://schemas.openxmlformats.org/officeDocument/2006/relationships" xmlns:mc="http://schemas.openxmlformats.org/markup-compatibility/2006" xmlns:mv="urn:schemas-microsoft-com:mac:vml" xmlns:p="http://schemas.openxmlformats.org/presentationml/2006/main" xmlns:c="http://schemas.openxmlformats.org/drawingml/2006/chart" xmlns:dgm="http://schemas.openxmlformats.org/drawingml/2006/diagram" xmlns:o="urn:schemas-microsoft-com:office:office" xmlns:v="urn:schemas-microsoft-com:vml" xmlns:pvml="urn:schemas-microsoft-com:office:powerpoint" xmlns:com="http://schemas.openxmlformats.org/drawingml/2006/compatibility" xmlns:p14="http://schemas.microsoft.com/office/powerpoint/2010/main" xmlns:p15="http://schemas.microsoft.com/office/powerpoint/2012/main" xmlns:ahyp="http://schemas.microsoft.com/office/drawing/2018/hyperlinkcolor">
+<p:sld xmlns:a="http://schemas.openxmlformats.org/drawingml/2006/main" xmlns:r="http://schemas.openxmlformats.org/officeDocument/2006/relationships" xmlns:p="http://schemas.openxmlformats.org/presentationml/2006/main">
   <p:cSld>
     <p:spTree>
       <p:nvGrpSpPr>
-        <p:cNvPr id="165" name="Shape 165"/>
+        <p:cNvPr id="1" name="Shape 165"/>
         <p:cNvGrpSpPr/>
         <p:nvPr/>
       </p:nvGrpSpPr>
@@ -11817,22 +11904,70 @@
                 <a:tableStyleId>{4270D528-E5A1-4A62-A619-2E432BABE935}</a:tableStyleId>
               </a:tblPr>
               <a:tblGrid>
-                <a:gridCol w="941875"/>
-                <a:gridCol w="941875"/>
-                <a:gridCol w="941875"/>
-                <a:gridCol w="941875"/>
-                <a:gridCol w="941875"/>
-                <a:gridCol w="941875"/>
-                <a:gridCol w="1083175"/>
-                <a:gridCol w="800600"/>
+                <a:gridCol w="941875">
+                  <a:extLst>
+                    <a:ext uri="{9D8B030D-6E8A-4147-A177-3AD203B41FA5}">
+                      <a16:colId xmlns:a16="http://schemas.microsoft.com/office/drawing/2014/main" val="20000"/>
+                    </a:ext>
+                  </a:extLst>
+                </a:gridCol>
+                <a:gridCol w="941875">
+                  <a:extLst>
+                    <a:ext uri="{9D8B030D-6E8A-4147-A177-3AD203B41FA5}">
+                      <a16:colId xmlns:a16="http://schemas.microsoft.com/office/drawing/2014/main" val="20001"/>
+                    </a:ext>
+                  </a:extLst>
+                </a:gridCol>
+                <a:gridCol w="941875">
+                  <a:extLst>
+                    <a:ext uri="{9D8B030D-6E8A-4147-A177-3AD203B41FA5}">
+                      <a16:colId xmlns:a16="http://schemas.microsoft.com/office/drawing/2014/main" val="20002"/>
+                    </a:ext>
+                  </a:extLst>
+                </a:gridCol>
+                <a:gridCol w="941875">
+                  <a:extLst>
+                    <a:ext uri="{9D8B030D-6E8A-4147-A177-3AD203B41FA5}">
+                      <a16:colId xmlns:a16="http://schemas.microsoft.com/office/drawing/2014/main" val="20003"/>
+                    </a:ext>
+                  </a:extLst>
+                </a:gridCol>
+                <a:gridCol w="941875">
+                  <a:extLst>
+                    <a:ext uri="{9D8B030D-6E8A-4147-A177-3AD203B41FA5}">
+                      <a16:colId xmlns:a16="http://schemas.microsoft.com/office/drawing/2014/main" val="20004"/>
+                    </a:ext>
+                  </a:extLst>
+                </a:gridCol>
+                <a:gridCol w="941875">
+                  <a:extLst>
+                    <a:ext uri="{9D8B030D-6E8A-4147-A177-3AD203B41FA5}">
+                      <a16:colId xmlns:a16="http://schemas.microsoft.com/office/drawing/2014/main" val="20005"/>
+                    </a:ext>
+                  </a:extLst>
+                </a:gridCol>
+                <a:gridCol w="1083175">
+                  <a:extLst>
+                    <a:ext uri="{9D8B030D-6E8A-4147-A177-3AD203B41FA5}">
+                      <a16:colId xmlns:a16="http://schemas.microsoft.com/office/drawing/2014/main" val="20006"/>
+                    </a:ext>
+                  </a:extLst>
+                </a:gridCol>
+                <a:gridCol w="800600">
+                  <a:extLst>
+                    <a:ext uri="{9D8B030D-6E8A-4147-A177-3AD203B41FA5}">
+                      <a16:colId xmlns:a16="http://schemas.microsoft.com/office/drawing/2014/main" val="20007"/>
+                    </a:ext>
+                  </a:extLst>
+                </a:gridCol>
               </a:tblGrid>
-              <a:tr h="190500">
+              <a:tr h="0">
                 <a:tc>
                   <a:txBody>
                     <a:bodyPr/>
                     <a:lstStyle/>
                     <a:p>
-                      <a:pPr indent="0" lvl="0" marL="0" rtl="0" algn="l">
+                      <a:pPr marL="0" lvl="0" indent="0" algn="l" rtl="0">
                         <a:spcBef>
                           <a:spcPts val="0"/>
                         </a:spcBef>
@@ -11848,14 +11983,14 @@
                       <a:endParaRPr/>
                     </a:p>
                   </a:txBody>
-                  <a:tcPr marT="91425" marB="91425" marR="91425" marL="91425"/>
+                  <a:tcPr marL="91425" marR="91425" marT="91425" marB="91425"/>
                 </a:tc>
                 <a:tc>
                   <a:txBody>
                     <a:bodyPr/>
                     <a:lstStyle/>
                     <a:p>
-                      <a:pPr indent="0" lvl="0" marL="0" rtl="0" algn="l">
+                      <a:pPr marL="0" lvl="0" indent="0" algn="l" rtl="0">
                         <a:spcBef>
                           <a:spcPts val="0"/>
                         </a:spcBef>
@@ -11871,14 +12006,14 @@
                       <a:endParaRPr/>
                     </a:p>
                   </a:txBody>
-                  <a:tcPr marT="91425" marB="91425" marR="91425" marL="91425"/>
+                  <a:tcPr marL="91425" marR="91425" marT="91425" marB="91425"/>
                 </a:tc>
                 <a:tc>
                   <a:txBody>
                     <a:bodyPr/>
                     <a:lstStyle/>
                     <a:p>
-                      <a:pPr indent="0" lvl="0" marL="0" rtl="0" algn="l">
+                      <a:pPr marL="0" lvl="0" indent="0" algn="l" rtl="0">
                         <a:spcBef>
                           <a:spcPts val="0"/>
                         </a:spcBef>
@@ -11894,14 +12029,14 @@
                       <a:endParaRPr/>
                     </a:p>
                   </a:txBody>
-                  <a:tcPr marT="91425" marB="91425" marR="91425" marL="91425"/>
+                  <a:tcPr marL="91425" marR="91425" marT="91425" marB="91425"/>
                 </a:tc>
                 <a:tc>
                   <a:txBody>
                     <a:bodyPr/>
                     <a:lstStyle/>
                     <a:p>
-                      <a:pPr indent="0" lvl="0" marL="0" rtl="0" algn="l">
+                      <a:pPr marL="0" lvl="0" indent="0" algn="l" rtl="0">
                         <a:spcBef>
                           <a:spcPts val="0"/>
                         </a:spcBef>
@@ -11917,14 +12052,14 @@
                       <a:endParaRPr/>
                     </a:p>
                   </a:txBody>
-                  <a:tcPr marT="91425" marB="91425" marR="91425" marL="91425"/>
+                  <a:tcPr marL="91425" marR="91425" marT="91425" marB="91425"/>
                 </a:tc>
                 <a:tc>
                   <a:txBody>
                     <a:bodyPr/>
                     <a:lstStyle/>
                     <a:p>
-                      <a:pPr indent="0" lvl="0" marL="0" rtl="0" algn="l">
+                      <a:pPr marL="0" lvl="0" indent="0" algn="l" rtl="0">
                         <a:spcBef>
                           <a:spcPts val="0"/>
                         </a:spcBef>
@@ -11940,14 +12075,14 @@
                       <a:endParaRPr/>
                     </a:p>
                   </a:txBody>
-                  <a:tcPr marT="91425" marB="91425" marR="91425" marL="91425"/>
+                  <a:tcPr marL="91425" marR="91425" marT="91425" marB="91425"/>
                 </a:tc>
                 <a:tc>
                   <a:txBody>
                     <a:bodyPr/>
                     <a:lstStyle/>
                     <a:p>
-                      <a:pPr indent="0" lvl="0" marL="0" rtl="0" algn="l">
+                      <a:pPr marL="0" lvl="0" indent="0" algn="l" rtl="0">
                         <a:spcBef>
                           <a:spcPts val="0"/>
                         </a:spcBef>
@@ -11963,14 +12098,14 @@
                       <a:endParaRPr/>
                     </a:p>
                   </a:txBody>
-                  <a:tcPr marT="91425" marB="91425" marR="91425" marL="91425"/>
+                  <a:tcPr marL="91425" marR="91425" marT="91425" marB="91425"/>
                 </a:tc>
                 <a:tc>
                   <a:txBody>
                     <a:bodyPr/>
                     <a:lstStyle/>
                     <a:p>
-                      <a:pPr indent="0" lvl="0" marL="0" rtl="0" algn="l">
+                      <a:pPr marL="0" lvl="0" indent="0" algn="l" rtl="0">
                         <a:spcBef>
                           <a:spcPts val="0"/>
                         </a:spcBef>
@@ -11981,23 +12116,19 @@
                       </a:pPr>
                       <a:r>
                         <a:rPr lang="es"/>
-                        <a:t>peso </a:t>
-                      </a:r>
-                      <a:r>
-                        <a:rPr lang="es"/>
-                        <a:t>máximo</a:t>
+                        <a:t>peso máximo</a:t>
                       </a:r>
                       <a:endParaRPr/>
                     </a:p>
                   </a:txBody>
-                  <a:tcPr marT="91425" marB="91425" marR="91425" marL="91425"/>
+                  <a:tcPr marL="91425" marR="91425" marT="91425" marB="91425"/>
                 </a:tc>
                 <a:tc>
                   <a:txBody>
                     <a:bodyPr/>
                     <a:lstStyle/>
                     <a:p>
-                      <a:pPr indent="0" lvl="0" marL="0" rtl="0" algn="l">
+                      <a:pPr marL="0" lvl="0" indent="0" algn="l" rtl="0">
                         <a:spcBef>
                           <a:spcPts val="0"/>
                         </a:spcBef>
@@ -12013,16 +12144,21 @@
                       <a:endParaRPr/>
                     </a:p>
                   </a:txBody>
-                  <a:tcPr marT="91425" marB="91425" marR="91425" marL="91425"/>
+                  <a:tcPr marL="91425" marR="91425" marT="91425" marB="91425"/>
                 </a:tc>
+                <a:extLst>
+                  <a:ext uri="{0D108BD9-81ED-4DB2-BD59-A6C34878D82A}">
+                    <a16:rowId xmlns:a16="http://schemas.microsoft.com/office/drawing/2014/main" val="10000"/>
+                  </a:ext>
+                </a:extLst>
               </a:tr>
-              <a:tr h="190500">
+              <a:tr h="0">
                 <a:tc>
                   <a:txBody>
                     <a:bodyPr/>
                     <a:lstStyle/>
                     <a:p>
-                      <a:pPr indent="0" lvl="0" marL="0" rtl="0" algn="l">
+                      <a:pPr marL="0" lvl="0" indent="0" algn="l" rtl="0">
                         <a:spcBef>
                           <a:spcPts val="0"/>
                         </a:spcBef>
@@ -12038,14 +12174,14 @@
                       <a:endParaRPr/>
                     </a:p>
                   </a:txBody>
-                  <a:tcPr marT="91425" marB="91425" marR="91425" marL="91425"/>
+                  <a:tcPr marL="91425" marR="91425" marT="91425" marB="91425"/>
                 </a:tc>
                 <a:tc>
                   <a:txBody>
                     <a:bodyPr/>
                     <a:lstStyle/>
                     <a:p>
-                      <a:pPr indent="0" lvl="0" marL="0" rtl="0" algn="l">
+                      <a:pPr marL="0" lvl="0" indent="0" algn="l" rtl="0">
                         <a:spcBef>
                           <a:spcPts val="0"/>
                         </a:spcBef>
@@ -12061,14 +12197,14 @@
                       <a:endParaRPr/>
                     </a:p>
                   </a:txBody>
-                  <a:tcPr marT="91425" marB="91425" marR="91425" marL="91425"/>
+                  <a:tcPr marL="91425" marR="91425" marT="91425" marB="91425"/>
                 </a:tc>
                 <a:tc>
                   <a:txBody>
                     <a:bodyPr/>
                     <a:lstStyle/>
                     <a:p>
-                      <a:pPr indent="0" lvl="0" marL="0" rtl="0" algn="l">
+                      <a:pPr marL="0" lvl="0" indent="0" algn="l" rtl="0">
                         <a:spcBef>
                           <a:spcPts val="0"/>
                         </a:spcBef>
@@ -12084,14 +12220,14 @@
                       <a:endParaRPr/>
                     </a:p>
                   </a:txBody>
-                  <a:tcPr marT="91425" marB="91425" marR="91425" marL="91425"/>
+                  <a:tcPr marL="91425" marR="91425" marT="91425" marB="91425"/>
                 </a:tc>
                 <a:tc>
                   <a:txBody>
                     <a:bodyPr/>
                     <a:lstStyle/>
                     <a:p>
-                      <a:pPr indent="0" lvl="0" marL="0" rtl="0" algn="l">
+                      <a:pPr marL="0" lvl="0" indent="0" algn="l" rtl="0">
                         <a:spcBef>
                           <a:spcPts val="0"/>
                         </a:spcBef>
@@ -12107,14 +12243,14 @@
                       <a:endParaRPr/>
                     </a:p>
                   </a:txBody>
-                  <a:tcPr marT="91425" marB="91425" marR="91425" marL="91425"/>
+                  <a:tcPr marL="91425" marR="91425" marT="91425" marB="91425"/>
                 </a:tc>
                 <a:tc>
                   <a:txBody>
                     <a:bodyPr/>
                     <a:lstStyle/>
                     <a:p>
-                      <a:pPr indent="0" lvl="0" marL="0" rtl="0" algn="l">
+                      <a:pPr marL="0" lvl="0" indent="0" algn="l" rtl="0">
                         <a:spcBef>
                           <a:spcPts val="0"/>
                         </a:spcBef>
@@ -12130,14 +12266,14 @@
                       <a:endParaRPr/>
                     </a:p>
                   </a:txBody>
-                  <a:tcPr marT="91425" marB="91425" marR="91425" marL="91425"/>
+                  <a:tcPr marL="91425" marR="91425" marT="91425" marB="91425"/>
                 </a:tc>
                 <a:tc>
                   <a:txBody>
                     <a:bodyPr/>
                     <a:lstStyle/>
                     <a:p>
-                      <a:pPr indent="0" lvl="0" marL="0" rtl="0" algn="l">
+                      <a:pPr marL="0" lvl="0" indent="0" algn="l" rtl="0">
                         <a:spcBef>
                           <a:spcPts val="0"/>
                         </a:spcBef>
@@ -12153,14 +12289,14 @@
                       <a:endParaRPr/>
                     </a:p>
                   </a:txBody>
-                  <a:tcPr marT="91425" marB="91425" marR="91425" marL="91425"/>
+                  <a:tcPr marL="91425" marR="91425" marT="91425" marB="91425"/>
                 </a:tc>
                 <a:tc>
                   <a:txBody>
                     <a:bodyPr/>
                     <a:lstStyle/>
                     <a:p>
-                      <a:pPr indent="0" lvl="0" marL="0" rtl="0" algn="l">
+                      <a:pPr marL="0" lvl="0" indent="0" algn="l" rtl="0">
                         <a:spcBef>
                           <a:spcPts val="0"/>
                         </a:spcBef>
@@ -12176,14 +12312,14 @@
                       <a:endParaRPr/>
                     </a:p>
                   </a:txBody>
-                  <a:tcPr marT="91425" marB="91425" marR="91425" marL="91425"/>
+                  <a:tcPr marL="91425" marR="91425" marT="91425" marB="91425"/>
                 </a:tc>
                 <a:tc>
                   <a:txBody>
                     <a:bodyPr/>
                     <a:lstStyle/>
                     <a:p>
-                      <a:pPr indent="0" lvl="0" marL="0" rtl="0" algn="l">
+                      <a:pPr marL="0" lvl="0" indent="0" algn="l" rtl="0">
                         <a:spcBef>
                           <a:spcPts val="0"/>
                         </a:spcBef>
@@ -12199,16 +12335,21 @@
                       <a:endParaRPr/>
                     </a:p>
                   </a:txBody>
-                  <a:tcPr marT="91425" marB="91425" marR="91425" marL="91425"/>
+                  <a:tcPr marL="91425" marR="91425" marT="91425" marB="91425"/>
                 </a:tc>
+                <a:extLst>
+                  <a:ext uri="{0D108BD9-81ED-4DB2-BD59-A6C34878D82A}">
+                    <a16:rowId xmlns:a16="http://schemas.microsoft.com/office/drawing/2014/main" val="10001"/>
+                  </a:ext>
+                </a:extLst>
               </a:tr>
-              <a:tr h="190500">
+              <a:tr h="0">
                 <a:tc>
                   <a:txBody>
                     <a:bodyPr/>
                     <a:lstStyle/>
                     <a:p>
-                      <a:pPr indent="0" lvl="0" marL="0" rtl="0" algn="l">
+                      <a:pPr marL="0" lvl="0" indent="0" algn="l" rtl="0">
                         <a:spcBef>
                           <a:spcPts val="0"/>
                         </a:spcBef>
@@ -12224,14 +12365,14 @@
                       <a:endParaRPr/>
                     </a:p>
                   </a:txBody>
-                  <a:tcPr marT="91425" marB="91425" marR="91425" marL="91425"/>
+                  <a:tcPr marL="91425" marR="91425" marT="91425" marB="91425"/>
                 </a:tc>
                 <a:tc>
                   <a:txBody>
                     <a:bodyPr/>
                     <a:lstStyle/>
                     <a:p>
-                      <a:pPr indent="0" lvl="0" marL="0" rtl="0" algn="l">
+                      <a:pPr marL="0" lvl="0" indent="0" algn="l" rtl="0">
                         <a:spcBef>
                           <a:spcPts val="0"/>
                         </a:spcBef>
@@ -12247,14 +12388,14 @@
                       <a:endParaRPr/>
                     </a:p>
                   </a:txBody>
-                  <a:tcPr marT="91425" marB="91425" marR="91425" marL="91425"/>
+                  <a:tcPr marL="91425" marR="91425" marT="91425" marB="91425"/>
                 </a:tc>
                 <a:tc>
                   <a:txBody>
                     <a:bodyPr/>
                     <a:lstStyle/>
                     <a:p>
-                      <a:pPr indent="0" lvl="0" marL="0" rtl="0" algn="l">
+                      <a:pPr marL="0" lvl="0" indent="0" algn="l" rtl="0">
                         <a:spcBef>
                           <a:spcPts val="0"/>
                         </a:spcBef>
@@ -12270,14 +12411,14 @@
                       <a:endParaRPr/>
                     </a:p>
                   </a:txBody>
-                  <a:tcPr marT="91425" marB="91425" marR="91425" marL="91425"/>
+                  <a:tcPr marL="91425" marR="91425" marT="91425" marB="91425"/>
                 </a:tc>
                 <a:tc>
                   <a:txBody>
                     <a:bodyPr/>
                     <a:lstStyle/>
                     <a:p>
-                      <a:pPr indent="0" lvl="0" marL="0" rtl="0" algn="l">
+                      <a:pPr marL="0" lvl="0" indent="0" algn="l" rtl="0">
                         <a:spcBef>
                           <a:spcPts val="0"/>
                         </a:spcBef>
@@ -12293,14 +12434,14 @@
                       <a:endParaRPr/>
                     </a:p>
                   </a:txBody>
-                  <a:tcPr marT="91425" marB="91425" marR="91425" marL="91425"/>
+                  <a:tcPr marL="91425" marR="91425" marT="91425" marB="91425"/>
                 </a:tc>
                 <a:tc>
                   <a:txBody>
                     <a:bodyPr/>
                     <a:lstStyle/>
                     <a:p>
-                      <a:pPr indent="0" lvl="0" marL="0" rtl="0" algn="l">
+                      <a:pPr marL="0" lvl="0" indent="0" algn="l" rtl="0">
                         <a:spcBef>
                           <a:spcPts val="0"/>
                         </a:spcBef>
@@ -12316,14 +12457,14 @@
                       <a:endParaRPr/>
                     </a:p>
                   </a:txBody>
-                  <a:tcPr marT="91425" marB="91425" marR="91425" marL="91425"/>
+                  <a:tcPr marL="91425" marR="91425" marT="91425" marB="91425"/>
                 </a:tc>
                 <a:tc>
                   <a:txBody>
                     <a:bodyPr/>
                     <a:lstStyle/>
                     <a:p>
-                      <a:pPr indent="0" lvl="0" marL="0" rtl="0" algn="l">
+                      <a:pPr marL="0" lvl="0" indent="0" algn="l" rtl="0">
                         <a:spcBef>
                           <a:spcPts val="0"/>
                         </a:spcBef>
@@ -12339,14 +12480,14 @@
                       <a:endParaRPr/>
                     </a:p>
                   </a:txBody>
-                  <a:tcPr marT="91425" marB="91425" marR="91425" marL="91425"/>
+                  <a:tcPr marL="91425" marR="91425" marT="91425" marB="91425"/>
                 </a:tc>
                 <a:tc>
                   <a:txBody>
                     <a:bodyPr/>
                     <a:lstStyle/>
                     <a:p>
-                      <a:pPr indent="0" lvl="0" marL="0" rtl="0" algn="l">
+                      <a:pPr marL="0" lvl="0" indent="0" algn="l" rtl="0">
                         <a:spcBef>
                           <a:spcPts val="0"/>
                         </a:spcBef>
@@ -12362,14 +12503,14 @@
                       <a:endParaRPr/>
                     </a:p>
                   </a:txBody>
-                  <a:tcPr marT="91425" marB="91425" marR="91425" marL="91425"/>
+                  <a:tcPr marL="91425" marR="91425" marT="91425" marB="91425"/>
                 </a:tc>
                 <a:tc>
                   <a:txBody>
                     <a:bodyPr/>
                     <a:lstStyle/>
                     <a:p>
-                      <a:pPr indent="0" lvl="0" marL="0" rtl="0" algn="l">
+                      <a:pPr marL="0" lvl="0" indent="0" algn="l" rtl="0">
                         <a:spcBef>
                           <a:spcPts val="0"/>
                         </a:spcBef>
@@ -12385,8 +12526,13 @@
                       <a:endParaRPr/>
                     </a:p>
                   </a:txBody>
-                  <a:tcPr marT="91425" marB="91425" marR="91425" marL="91425"/>
+                  <a:tcPr marL="91425" marR="91425" marT="91425" marB="91425"/>
                 </a:tc>
+                <a:extLst>
+                  <a:ext uri="{0D108BD9-81ED-4DB2-BD59-A6C34878D82A}">
+                    <a16:rowId xmlns:a16="http://schemas.microsoft.com/office/drawing/2014/main" val="10002"/>
+                  </a:ext>
+                </a:extLst>
               </a:tr>
               <a:tr h="396200">
                 <a:tc>
@@ -12394,7 +12540,7 @@
                     <a:bodyPr/>
                     <a:lstStyle/>
                     <a:p>
-                      <a:pPr indent="0" lvl="0" marL="0" rtl="0" algn="l">
+                      <a:pPr marL="0" lvl="0" indent="0" algn="l" rtl="0">
                         <a:spcBef>
                           <a:spcPts val="0"/>
                         </a:spcBef>
@@ -12410,14 +12556,14 @@
                       <a:endParaRPr/>
                     </a:p>
                   </a:txBody>
-                  <a:tcPr marT="91425" marB="91425" marR="91425" marL="91425"/>
+                  <a:tcPr marL="91425" marR="91425" marT="91425" marB="91425"/>
                 </a:tc>
                 <a:tc>
                   <a:txBody>
                     <a:bodyPr/>
                     <a:lstStyle/>
                     <a:p>
-                      <a:pPr indent="0" lvl="0" marL="0" rtl="0" algn="l">
+                      <a:pPr marL="0" lvl="0" indent="0" algn="l" rtl="0">
                         <a:spcBef>
                           <a:spcPts val="0"/>
                         </a:spcBef>
@@ -12433,14 +12579,14 @@
                       <a:endParaRPr/>
                     </a:p>
                   </a:txBody>
-                  <a:tcPr marT="91425" marB="91425" marR="91425" marL="91425"/>
+                  <a:tcPr marL="91425" marR="91425" marT="91425" marB="91425"/>
                 </a:tc>
                 <a:tc>
                   <a:txBody>
                     <a:bodyPr/>
                     <a:lstStyle/>
                     <a:p>
-                      <a:pPr indent="0" lvl="0" marL="0" rtl="0" algn="l">
+                      <a:pPr marL="0" lvl="0" indent="0" algn="l" rtl="0">
                         <a:spcBef>
                           <a:spcPts val="0"/>
                         </a:spcBef>
@@ -12456,14 +12602,14 @@
                       <a:endParaRPr/>
                     </a:p>
                   </a:txBody>
-                  <a:tcPr marT="91425" marB="91425" marR="91425" marL="91425"/>
+                  <a:tcPr marL="91425" marR="91425" marT="91425" marB="91425"/>
                 </a:tc>
                 <a:tc>
                   <a:txBody>
                     <a:bodyPr/>
                     <a:lstStyle/>
                     <a:p>
-                      <a:pPr indent="0" lvl="0" marL="0" rtl="0" algn="l">
+                      <a:pPr marL="0" lvl="0" indent="0" algn="l" rtl="0">
                         <a:spcBef>
                           <a:spcPts val="0"/>
                         </a:spcBef>
@@ -12479,14 +12625,14 @@
                       <a:endParaRPr/>
                     </a:p>
                   </a:txBody>
-                  <a:tcPr marT="91425" marB="91425" marR="91425" marL="91425"/>
+                  <a:tcPr marL="91425" marR="91425" marT="91425" marB="91425"/>
                 </a:tc>
                 <a:tc>
                   <a:txBody>
                     <a:bodyPr/>
                     <a:lstStyle/>
                     <a:p>
-                      <a:pPr indent="0" lvl="0" marL="0" rtl="0" algn="l">
+                      <a:pPr marL="0" lvl="0" indent="0" algn="l" rtl="0">
                         <a:spcBef>
                           <a:spcPts val="0"/>
                         </a:spcBef>
@@ -12502,14 +12648,14 @@
                       <a:endParaRPr/>
                     </a:p>
                   </a:txBody>
-                  <a:tcPr marT="91425" marB="91425" marR="91425" marL="91425"/>
+                  <a:tcPr marL="91425" marR="91425" marT="91425" marB="91425"/>
                 </a:tc>
                 <a:tc>
                   <a:txBody>
                     <a:bodyPr/>
                     <a:lstStyle/>
                     <a:p>
-                      <a:pPr indent="0" lvl="0" marL="0" rtl="0" algn="l">
+                      <a:pPr marL="0" lvl="0" indent="0" algn="l" rtl="0">
                         <a:spcBef>
                           <a:spcPts val="0"/>
                         </a:spcBef>
@@ -12525,14 +12671,14 @@
                       <a:endParaRPr/>
                     </a:p>
                   </a:txBody>
-                  <a:tcPr marT="91425" marB="91425" marR="91425" marL="91425"/>
+                  <a:tcPr marL="91425" marR="91425" marT="91425" marB="91425"/>
                 </a:tc>
                 <a:tc>
                   <a:txBody>
                     <a:bodyPr/>
                     <a:lstStyle/>
                     <a:p>
-                      <a:pPr indent="0" lvl="0" marL="0" rtl="0" algn="l">
+                      <a:pPr marL="0" lvl="0" indent="0" algn="l" rtl="0">
                         <a:spcBef>
                           <a:spcPts val="0"/>
                         </a:spcBef>
@@ -12541,20 +12687,17 @@
                         </a:spcAft>
                         <a:buNone/>
                       </a:pPr>
-                      <a:r>
-                        <a:t/>
-                      </a:r>
                       <a:endParaRPr/>
                     </a:p>
                   </a:txBody>
-                  <a:tcPr marT="91425" marB="91425" marR="91425" marL="91425"/>
+                  <a:tcPr marL="91425" marR="91425" marT="91425" marB="91425"/>
                 </a:tc>
                 <a:tc>
                   <a:txBody>
                     <a:bodyPr/>
                     <a:lstStyle/>
                     <a:p>
-                      <a:pPr indent="0" lvl="0" marL="0" rtl="0" algn="l">
+                      <a:pPr marL="0" lvl="0" indent="0" algn="l" rtl="0">
                         <a:spcBef>
                           <a:spcPts val="0"/>
                         </a:spcBef>
@@ -12563,14 +12706,16 @@
                         </a:spcAft>
                         <a:buNone/>
                       </a:pPr>
-                      <a:r>
-                        <a:t/>
-                      </a:r>
                       <a:endParaRPr/>
                     </a:p>
                   </a:txBody>
-                  <a:tcPr marT="91425" marB="91425" marR="91425" marL="91425"/>
+                  <a:tcPr marL="91425" marR="91425" marT="91425" marB="91425"/>
                 </a:tc>
+                <a:extLst>
+                  <a:ext uri="{0D108BD9-81ED-4DB2-BD59-A6C34878D82A}">
+                    <a16:rowId xmlns:a16="http://schemas.microsoft.com/office/drawing/2014/main" val="10003"/>
+                  </a:ext>
+                </a:extLst>
               </a:tr>
             </a:tbl>
           </a:graphicData>
@@ -12585,11 +12730,11 @@
 </file>
 
 <file path=ppt/slides/slide16.xml><?xml version="1.0" encoding="utf-8"?>
-<p:sld xmlns:a="http://schemas.openxmlformats.org/drawingml/2006/main" xmlns:r="http://schemas.openxmlformats.org/officeDocument/2006/relationships" xmlns:mc="http://schemas.openxmlformats.org/markup-compatibility/2006" xmlns:mv="urn:schemas-microsoft-com:mac:vml" xmlns:p="http://schemas.openxmlformats.org/presentationml/2006/main" xmlns:c="http://schemas.openxmlformats.org/drawingml/2006/chart" xmlns:dgm="http://schemas.openxmlformats.org/drawingml/2006/diagram" xmlns:o="urn:schemas-microsoft-com:office:office" xmlns:v="urn:schemas-microsoft-com:vml" xmlns:pvml="urn:schemas-microsoft-com:office:powerpoint" xmlns:com="http://schemas.openxmlformats.org/drawingml/2006/compatibility" xmlns:p14="http://schemas.microsoft.com/office/powerpoint/2010/main" xmlns:p15="http://schemas.microsoft.com/office/powerpoint/2012/main" xmlns:ahyp="http://schemas.microsoft.com/office/drawing/2018/hyperlinkcolor">
+<p:sld xmlns:a="http://schemas.openxmlformats.org/drawingml/2006/main" xmlns:r="http://schemas.openxmlformats.org/officeDocument/2006/relationships" xmlns:p="http://schemas.openxmlformats.org/presentationml/2006/main">
   <p:cSld>
     <p:spTree>
       <p:nvGrpSpPr>
-        <p:cNvPr id="170" name="Shape 170"/>
+        <p:cNvPr id="1" name="Shape 170"/>
         <p:cNvGrpSpPr/>
         <p:nvPr/>
       </p:nvGrpSpPr>
@@ -12638,11 +12783,11 @@
 </file>
 
 <file path=ppt/slides/slide17.xml><?xml version="1.0" encoding="utf-8"?>
-<p:sld xmlns:a="http://schemas.openxmlformats.org/drawingml/2006/main" xmlns:r="http://schemas.openxmlformats.org/officeDocument/2006/relationships" xmlns:mc="http://schemas.openxmlformats.org/markup-compatibility/2006" xmlns:mv="urn:schemas-microsoft-com:mac:vml" xmlns:p="http://schemas.openxmlformats.org/presentationml/2006/main" xmlns:c="http://schemas.openxmlformats.org/drawingml/2006/chart" xmlns:dgm="http://schemas.openxmlformats.org/drawingml/2006/diagram" xmlns:o="urn:schemas-microsoft-com:office:office" xmlns:v="urn:schemas-microsoft-com:vml" xmlns:pvml="urn:schemas-microsoft-com:office:powerpoint" xmlns:com="http://schemas.openxmlformats.org/drawingml/2006/compatibility" xmlns:p14="http://schemas.microsoft.com/office/powerpoint/2010/main" xmlns:p15="http://schemas.microsoft.com/office/powerpoint/2012/main" xmlns:ahyp="http://schemas.microsoft.com/office/drawing/2018/hyperlinkcolor">
+<p:sld xmlns:a="http://schemas.openxmlformats.org/drawingml/2006/main" xmlns:r="http://schemas.openxmlformats.org/officeDocument/2006/relationships" xmlns:p="http://schemas.openxmlformats.org/presentationml/2006/main">
   <p:cSld>
     <p:spTree>
       <p:nvGrpSpPr>
-        <p:cNvPr id="175" name="Shape 175"/>
+        <p:cNvPr id="1" name="Shape 175"/>
         <p:cNvGrpSpPr/>
         <p:nvPr/>
       </p:nvGrpSpPr>
@@ -12691,11 +12836,11 @@
 </file>
 
 <file path=ppt/slides/slide18.xml><?xml version="1.0" encoding="utf-8"?>
-<p:sld xmlns:a="http://schemas.openxmlformats.org/drawingml/2006/main" xmlns:r="http://schemas.openxmlformats.org/officeDocument/2006/relationships" xmlns:mc="http://schemas.openxmlformats.org/markup-compatibility/2006" xmlns:mv="urn:schemas-microsoft-com:mac:vml" xmlns:p="http://schemas.openxmlformats.org/presentationml/2006/main" xmlns:c="http://schemas.openxmlformats.org/drawingml/2006/chart" xmlns:dgm="http://schemas.openxmlformats.org/drawingml/2006/diagram" xmlns:o="urn:schemas-microsoft-com:office:office" xmlns:v="urn:schemas-microsoft-com:vml" xmlns:pvml="urn:schemas-microsoft-com:office:powerpoint" xmlns:com="http://schemas.openxmlformats.org/drawingml/2006/compatibility" xmlns:p14="http://schemas.microsoft.com/office/powerpoint/2010/main" xmlns:p15="http://schemas.microsoft.com/office/powerpoint/2012/main" xmlns:ahyp="http://schemas.microsoft.com/office/drawing/2018/hyperlinkcolor">
+<p:sld xmlns:a="http://schemas.openxmlformats.org/drawingml/2006/main" xmlns:r="http://schemas.openxmlformats.org/officeDocument/2006/relationships" xmlns:p="http://schemas.openxmlformats.org/presentationml/2006/main">
   <p:cSld>
     <p:spTree>
       <p:nvGrpSpPr>
-        <p:cNvPr id="180" name="Shape 180"/>
+        <p:cNvPr id="1" name="Shape 180"/>
         <p:cNvGrpSpPr/>
         <p:nvPr/>
       </p:nvGrpSpPr>
@@ -12710,9 +12855,11 @@
       <p:sp>
         <p:nvSpPr>
           <p:cNvPr id="181" name="Google Shape;181;p30"/>
-          <p:cNvSpPr txBox="1"/>
+          <p:cNvSpPr txBox="1">
+            <a:spLocks noGrp="1"/>
+          </p:cNvSpPr>
           <p:nvPr>
-            <p:ph idx="1" type="body"/>
+            <p:ph type="body" idx="1"/>
           </p:nvPr>
         </p:nvSpPr>
         <p:spPr>
@@ -12725,12 +12872,12 @@
           </a:prstGeom>
         </p:spPr>
         <p:txBody>
-          <a:bodyPr anchorCtr="0" anchor="t" bIns="91425" lIns="91425" spcFirstLastPara="1" rIns="91425" wrap="square" tIns="91425">
+          <a:bodyPr spcFirstLastPara="1" wrap="square" lIns="91425" tIns="91425" rIns="91425" bIns="91425" anchor="t" anchorCtr="0">
             <a:noAutofit/>
           </a:bodyPr>
           <a:lstStyle/>
           <a:p>
-            <a:pPr indent="0" lvl="0" marL="0" rtl="0" algn="just">
+            <a:pPr marL="0" lvl="0" indent="0" algn="just" rtl="0">
               <a:spcBef>
                 <a:spcPts val="0"/>
               </a:spcBef>
@@ -12740,7 +12887,7 @@
               <a:buNone/>
             </a:pPr>
             <a:r>
-              <a:rPr b="1" lang="es">
+              <a:rPr lang="es" b="1">
                 <a:solidFill>
                   <a:srgbClr val="444444"/>
                 </a:solidFill>
@@ -12760,7 +12907,7 @@
             </a:endParaRPr>
           </a:p>
           <a:p>
-            <a:pPr indent="0" lvl="0" marL="0" rtl="0" algn="l">
+            <a:pPr marL="0" lvl="0" indent="0" algn="l" rtl="0">
               <a:lnSpc>
                 <a:spcPct val="120000"/>
               </a:lnSpc>
@@ -12772,10 +12919,7 @@
               </a:spcAft>
               <a:buNone/>
             </a:pPr>
-            <a:r>
-              <a:t/>
-            </a:r>
-            <a:endParaRPr b="1" sz="1400">
+            <a:endParaRPr sz="1400" b="1">
               <a:solidFill>
                 <a:srgbClr val="444444"/>
               </a:solidFill>
@@ -12789,7 +12933,7 @@
             </a:endParaRPr>
           </a:p>
           <a:p>
-            <a:pPr indent="0" lvl="0" marL="0" rtl="0" algn="l">
+            <a:pPr marL="0" lvl="0" indent="0" algn="l" rtl="0">
               <a:lnSpc>
                 <a:spcPct val="120000"/>
               </a:lnSpc>
@@ -12801,10 +12945,7 @@
               </a:spcAft>
               <a:buNone/>
             </a:pPr>
-            <a:r>
-              <a:t/>
-            </a:r>
-            <a:endParaRPr b="1" sz="1400">
+            <a:endParaRPr sz="1400" b="1">
               <a:solidFill>
                 <a:srgbClr val="444444"/>
               </a:solidFill>
@@ -12818,7 +12959,7 @@
             </a:endParaRPr>
           </a:p>
           <a:p>
-            <a:pPr indent="0" lvl="0" marL="0" rtl="0" algn="ctr">
+            <a:pPr marL="0" lvl="0" indent="0" algn="ctr" rtl="0">
               <a:lnSpc>
                 <a:spcPct val="120000"/>
               </a:lnSpc>
@@ -12859,7 +13000,7 @@
             </a:endParaRPr>
           </a:p>
           <a:p>
-            <a:pPr indent="0" lvl="0" marL="0" rtl="0" algn="ctr">
+            <a:pPr marL="0" lvl="0" indent="0" algn="ctr" rtl="0">
               <a:lnSpc>
                 <a:spcPct val="120000"/>
               </a:lnSpc>
@@ -12900,7 +13041,7 @@
             </a:endParaRPr>
           </a:p>
           <a:p>
-            <a:pPr indent="0" lvl="0" marL="0" rtl="0" algn="ctr">
+            <a:pPr marL="0" lvl="0" indent="0" algn="ctr" rtl="0">
               <a:lnSpc>
                 <a:spcPct val="120000"/>
               </a:lnSpc>
@@ -12941,7 +13082,7 @@
             </a:endParaRPr>
           </a:p>
           <a:p>
-            <a:pPr indent="0" lvl="0" marL="0" rtl="0" algn="ctr">
+            <a:pPr marL="0" lvl="0" indent="0" algn="ctr" rtl="0">
               <a:lnSpc>
                 <a:spcPct val="120000"/>
               </a:lnSpc>
@@ -12982,7 +13123,7 @@
             </a:endParaRPr>
           </a:p>
           <a:p>
-            <a:pPr indent="0" lvl="0" marL="0" rtl="0" algn="ctr">
+            <a:pPr marL="0" lvl="0" indent="0" algn="ctr" rtl="0">
               <a:lnSpc>
                 <a:spcPct val="120000"/>
               </a:lnSpc>
@@ -13023,7 +13164,7 @@
             </a:endParaRPr>
           </a:p>
           <a:p>
-            <a:pPr indent="0" lvl="0" marL="0" rtl="0" algn="ctr">
+            <a:pPr marL="0" lvl="0" indent="0" algn="ctr" rtl="0">
               <a:lnSpc>
                 <a:spcPct val="120000"/>
               </a:lnSpc>
@@ -13064,7 +13205,7 @@
             </a:endParaRPr>
           </a:p>
           <a:p>
-            <a:pPr indent="0" lvl="0" marL="0" rtl="0" algn="just">
+            <a:pPr marL="0" lvl="0" indent="0" algn="just" rtl="0">
               <a:spcBef>
                 <a:spcPts val="0"/>
               </a:spcBef>
@@ -13073,9 +13214,6 @@
               </a:spcAft>
               <a:buNone/>
             </a:pPr>
-            <a:r>
-              <a:t/>
-            </a:r>
             <a:endParaRPr>
               <a:solidFill>
                 <a:srgbClr val="444444"/>
@@ -13086,7 +13224,7 @@
             </a:endParaRPr>
           </a:p>
           <a:p>
-            <a:pPr indent="0" lvl="0" marL="0" rtl="0" algn="just">
+            <a:pPr marL="0" lvl="0" indent="0" algn="just" rtl="0">
               <a:spcBef>
                 <a:spcPts val="0"/>
               </a:spcBef>
@@ -13095,9 +13233,6 @@
               </a:spcAft>
               <a:buNone/>
             </a:pPr>
-            <a:r>
-              <a:t/>
-            </a:r>
             <a:endParaRPr>
               <a:solidFill>
                 <a:srgbClr val="444444"/>
@@ -13118,11 +13253,11 @@
 </file>
 
 <file path=ppt/slides/slide19.xml><?xml version="1.0" encoding="utf-8"?>
-<p:sld xmlns:a="http://schemas.openxmlformats.org/drawingml/2006/main" xmlns:r="http://schemas.openxmlformats.org/officeDocument/2006/relationships" xmlns:mc="http://schemas.openxmlformats.org/markup-compatibility/2006" xmlns:mv="urn:schemas-microsoft-com:mac:vml" xmlns:p="http://schemas.openxmlformats.org/presentationml/2006/main" xmlns:c="http://schemas.openxmlformats.org/drawingml/2006/chart" xmlns:dgm="http://schemas.openxmlformats.org/drawingml/2006/diagram" xmlns:o="urn:schemas-microsoft-com:office:office" xmlns:v="urn:schemas-microsoft-com:vml" xmlns:pvml="urn:schemas-microsoft-com:office:powerpoint" xmlns:com="http://schemas.openxmlformats.org/drawingml/2006/compatibility" xmlns:p14="http://schemas.microsoft.com/office/powerpoint/2010/main" xmlns:p15="http://schemas.microsoft.com/office/powerpoint/2012/main" xmlns:ahyp="http://schemas.microsoft.com/office/drawing/2018/hyperlinkcolor">
+<p:sld xmlns:a="http://schemas.openxmlformats.org/drawingml/2006/main" xmlns:r="http://schemas.openxmlformats.org/officeDocument/2006/relationships" xmlns:p="http://schemas.openxmlformats.org/presentationml/2006/main">
   <p:cSld>
     <p:spTree>
       <p:nvGrpSpPr>
-        <p:cNvPr id="185" name="Shape 185"/>
+        <p:cNvPr id="1" name="Shape 185"/>
         <p:cNvGrpSpPr/>
         <p:nvPr/>
       </p:nvGrpSpPr>
@@ -13137,7 +13272,9 @@
       <p:sp>
         <p:nvSpPr>
           <p:cNvPr id="186" name="Google Shape;186;p31"/>
-          <p:cNvSpPr txBox="1"/>
+          <p:cNvSpPr txBox="1">
+            <a:spLocks noGrp="1"/>
+          </p:cNvSpPr>
           <p:nvPr>
             <p:ph type="title"/>
           </p:nvPr>
@@ -13152,12 +13289,12 @@
           </a:prstGeom>
         </p:spPr>
         <p:txBody>
-          <a:bodyPr anchorCtr="0" anchor="t" bIns="91425" lIns="91425" spcFirstLastPara="1" rIns="91425" wrap="square" tIns="91425">
+          <a:bodyPr spcFirstLastPara="1" wrap="square" lIns="91425" tIns="91425" rIns="91425" bIns="91425" anchor="t" anchorCtr="0">
             <a:noAutofit/>
           </a:bodyPr>
           <a:lstStyle/>
           <a:p>
-            <a:pPr indent="0" lvl="0" marL="0" rtl="0" algn="l">
+            <a:pPr marL="0" lvl="0" indent="0" algn="l" rtl="0">
               <a:spcBef>
                 <a:spcPts val="0"/>
               </a:spcBef>
@@ -13177,9 +13314,11 @@
       <p:sp>
         <p:nvSpPr>
           <p:cNvPr id="187" name="Google Shape;187;p31"/>
-          <p:cNvSpPr txBox="1"/>
+          <p:cNvSpPr txBox="1">
+            <a:spLocks noGrp="1"/>
+          </p:cNvSpPr>
           <p:nvPr>
-            <p:ph idx="1" type="body"/>
+            <p:ph type="body" idx="1"/>
           </p:nvPr>
         </p:nvSpPr>
         <p:spPr>
@@ -13192,12 +13331,12 @@
           </a:prstGeom>
         </p:spPr>
         <p:txBody>
-          <a:bodyPr anchorCtr="0" anchor="t" bIns="91425" lIns="91425" spcFirstLastPara="1" rIns="91425" wrap="square" tIns="91425">
+          <a:bodyPr spcFirstLastPara="1" wrap="square" lIns="91425" tIns="91425" rIns="91425" bIns="91425" anchor="t" anchorCtr="0">
             <a:noAutofit/>
           </a:bodyPr>
           <a:lstStyle/>
           <a:p>
-            <a:pPr indent="0" lvl="0" marL="0" rtl="0" algn="just">
+            <a:pPr marL="0" lvl="0" indent="0" algn="just" rtl="0">
               <a:lnSpc>
                 <a:spcPct val="90000"/>
               </a:lnSpc>
@@ -13220,7 +13359,7 @@
             <a:endParaRPr sz="1400"/>
           </a:p>
           <a:p>
-            <a:pPr indent="0" lvl="0" marL="0" rtl="0" algn="just">
+            <a:pPr marL="0" lvl="0" indent="0" algn="just" rtl="0">
               <a:lnSpc>
                 <a:spcPct val="90000"/>
               </a:lnSpc>
@@ -13251,7 +13390,7 @@
                 <a:hlinkClick r:id="rId3">
                   <a:extLst>
                     <a:ext uri="{A12FA001-AC4F-418D-AE19-62706E023703}">
-                      <ahyp:hlinkClr val="tx"/>
+                      <ahyp:hlinkClr xmlns:ahyp="http://schemas.microsoft.com/office/drawing/2018/hyperlinkcolor" val="tx"/>
                     </a:ext>
                   </a:extLst>
                 </a:hlinkClick>
@@ -13269,7 +13408,7 @@
             </a:endParaRPr>
           </a:p>
           <a:p>
-            <a:pPr indent="0" lvl="0" marL="0" rtl="0" algn="just">
+            <a:pPr marL="0" lvl="0" indent="0" algn="just" rtl="0">
               <a:lnSpc>
                 <a:spcPct val="90000"/>
               </a:lnSpc>
@@ -13281,9 +13420,6 @@
               </a:spcAft>
               <a:buNone/>
             </a:pPr>
-            <a:r>
-              <a:t/>
-            </a:r>
             <a:endParaRPr sz="1400">
               <a:solidFill>
                 <a:srgbClr val="000000"/>
@@ -13291,7 +13427,7 @@
             </a:endParaRPr>
           </a:p>
           <a:p>
-            <a:pPr indent="0" lvl="0" marL="0" rtl="0" algn="l">
+            <a:pPr marL="0" lvl="0" indent="0" algn="l" rtl="0">
               <a:lnSpc>
                 <a:spcPct val="90000"/>
               </a:lnSpc>
@@ -13303,9 +13439,6 @@
               </a:spcAft>
               <a:buNone/>
             </a:pPr>
-            <a:r>
-              <a:t/>
-            </a:r>
             <a:endParaRPr sz="1400">
               <a:solidFill>
                 <a:srgbClr val="000000"/>
@@ -13313,7 +13446,7 @@
             </a:endParaRPr>
           </a:p>
           <a:p>
-            <a:pPr indent="0" lvl="0" marL="0" rtl="0" algn="l">
+            <a:pPr marL="0" lvl="0" indent="0" algn="l" rtl="0">
               <a:spcBef>
                 <a:spcPts val="0"/>
               </a:spcBef>
@@ -13322,9 +13455,6 @@
               </a:spcAft>
               <a:buNone/>
             </a:pPr>
-            <a:r>
-              <a:t/>
-            </a:r>
             <a:endParaRPr/>
           </a:p>
         </p:txBody>
@@ -13338,11 +13468,11 @@
 </file>
 
 <file path=ppt/slides/slide2.xml><?xml version="1.0" encoding="utf-8"?>
-<p:sld xmlns:a="http://schemas.openxmlformats.org/drawingml/2006/main" xmlns:r="http://schemas.openxmlformats.org/officeDocument/2006/relationships" xmlns:mc="http://schemas.openxmlformats.org/markup-compatibility/2006" xmlns:mv="urn:schemas-microsoft-com:mac:vml" xmlns:p="http://schemas.openxmlformats.org/presentationml/2006/main" xmlns:c="http://schemas.openxmlformats.org/drawingml/2006/chart" xmlns:dgm="http://schemas.openxmlformats.org/drawingml/2006/diagram" xmlns:o="urn:schemas-microsoft-com:office:office" xmlns:v="urn:schemas-microsoft-com:vml" xmlns:pvml="urn:schemas-microsoft-com:office:powerpoint" xmlns:com="http://schemas.openxmlformats.org/drawingml/2006/compatibility" xmlns:p14="http://schemas.microsoft.com/office/powerpoint/2010/main" xmlns:p15="http://schemas.microsoft.com/office/powerpoint/2012/main" xmlns:ahyp="http://schemas.microsoft.com/office/drawing/2018/hyperlinkcolor">
+<p:sld xmlns:a="http://schemas.openxmlformats.org/drawingml/2006/main" xmlns:r="http://schemas.openxmlformats.org/officeDocument/2006/relationships" xmlns:p="http://schemas.openxmlformats.org/presentationml/2006/main">
   <p:cSld>
     <p:spTree>
       <p:nvGrpSpPr>
-        <p:cNvPr id="90" name="Shape 90"/>
+        <p:cNvPr id="1" name="Shape 90"/>
         <p:cNvGrpSpPr/>
         <p:nvPr/>
       </p:nvGrpSpPr>
@@ -13357,7 +13487,9 @@
       <p:sp>
         <p:nvSpPr>
           <p:cNvPr id="91" name="Google Shape;91;p14"/>
-          <p:cNvSpPr txBox="1"/>
+          <p:cNvSpPr txBox="1">
+            <a:spLocks noGrp="1"/>
+          </p:cNvSpPr>
           <p:nvPr>
             <p:ph type="title"/>
           </p:nvPr>
@@ -13372,12 +13504,12 @@
           </a:prstGeom>
         </p:spPr>
         <p:txBody>
-          <a:bodyPr anchorCtr="0" anchor="t" bIns="91425" lIns="91425" spcFirstLastPara="1" rIns="91425" wrap="square" tIns="91425">
+          <a:bodyPr spcFirstLastPara="1" wrap="square" lIns="91425" tIns="91425" rIns="91425" bIns="91425" anchor="t" anchorCtr="0">
             <a:noAutofit/>
           </a:bodyPr>
           <a:lstStyle/>
           <a:p>
-            <a:pPr indent="0" lvl="0" marL="0" rtl="0" algn="l">
+            <a:pPr marL="0" lvl="0" indent="0" algn="l" rtl="0">
               <a:spcBef>
                 <a:spcPts val="0"/>
               </a:spcBef>
@@ -13397,9 +13529,11 @@
       <p:sp>
         <p:nvSpPr>
           <p:cNvPr id="92" name="Google Shape;92;p14"/>
-          <p:cNvSpPr txBox="1"/>
+          <p:cNvSpPr txBox="1">
+            <a:spLocks noGrp="1"/>
+          </p:cNvSpPr>
           <p:nvPr>
-            <p:ph idx="1" type="body"/>
+            <p:ph type="body" idx="1"/>
           </p:nvPr>
         </p:nvSpPr>
         <p:spPr>
@@ -13412,12 +13546,12 @@
           </a:prstGeom>
         </p:spPr>
         <p:txBody>
-          <a:bodyPr anchorCtr="0" anchor="t" bIns="91425" lIns="91425" spcFirstLastPara="1" rIns="91425" wrap="square" tIns="91425">
+          <a:bodyPr spcFirstLastPara="1" wrap="square" lIns="91425" tIns="91425" rIns="91425" bIns="91425" anchor="t" anchorCtr="0">
             <a:noAutofit/>
           </a:bodyPr>
           <a:lstStyle/>
           <a:p>
-            <a:pPr indent="-342900" lvl="0" marL="457200" rtl="0" algn="l">
+            <a:pPr marL="457200" lvl="0" indent="-342900" algn="l" rtl="0">
               <a:spcBef>
                 <a:spcPts val="0"/>
               </a:spcBef>
@@ -13434,7 +13568,7 @@
             <a:endParaRPr/>
           </a:p>
           <a:p>
-            <a:pPr indent="-342900" lvl="0" marL="457200" rtl="0" algn="l">
+            <a:pPr marL="457200" lvl="0" indent="-342900" algn="l" rtl="0">
               <a:spcBef>
                 <a:spcPts val="0"/>
               </a:spcBef>
@@ -13451,7 +13585,7 @@
             <a:endParaRPr/>
           </a:p>
           <a:p>
-            <a:pPr indent="-342900" lvl="0" marL="457200" rtl="0" algn="l">
+            <a:pPr marL="457200" lvl="0" indent="-342900" algn="l" rtl="0">
               <a:spcBef>
                 <a:spcPts val="0"/>
               </a:spcBef>
@@ -13468,7 +13602,7 @@
             <a:endParaRPr/>
           </a:p>
           <a:p>
-            <a:pPr indent="-342900" lvl="0" marL="457200" rtl="0" algn="l">
+            <a:pPr marL="457200" lvl="0" indent="-342900" algn="l" rtl="0">
               <a:spcBef>
                 <a:spcPts val="0"/>
               </a:spcBef>
@@ -13485,7 +13619,7 @@
             <a:endParaRPr/>
           </a:p>
           <a:p>
-            <a:pPr indent="-342900" lvl="0" marL="457200" rtl="0" algn="l">
+            <a:pPr marL="457200" lvl="0" indent="-342900" algn="l" rtl="0">
               <a:spcBef>
                 <a:spcPts val="0"/>
               </a:spcBef>
@@ -13497,16 +13631,12 @@
             </a:pPr>
             <a:r>
               <a:rPr lang="es"/>
-              <a:t>Programación</a:t>
-            </a:r>
-            <a:r>
-              <a:rPr lang="es"/>
-              <a:t> entera binaria</a:t>
+              <a:t>Programación entera binaria</a:t>
             </a:r>
             <a:endParaRPr/>
           </a:p>
           <a:p>
-            <a:pPr indent="-342900" lvl="0" marL="457200" rtl="0" algn="l">
+            <a:pPr marL="457200" lvl="0" indent="-342900" algn="l" rtl="0">
               <a:spcBef>
                 <a:spcPts val="0"/>
               </a:spcBef>
@@ -13523,7 +13653,7 @@
             <a:endParaRPr/>
           </a:p>
           <a:p>
-            <a:pPr indent="-342900" lvl="0" marL="457200" rtl="0" algn="l">
+            <a:pPr marL="457200" lvl="0" indent="-342900" algn="l" rtl="0">
               <a:spcBef>
                 <a:spcPts val="0"/>
               </a:spcBef>
@@ -13550,11 +13680,11 @@
 </file>
 
 <file path=ppt/slides/slide3.xml><?xml version="1.0" encoding="utf-8"?>
-<p:sld xmlns:a="http://schemas.openxmlformats.org/drawingml/2006/main" xmlns:r="http://schemas.openxmlformats.org/officeDocument/2006/relationships" xmlns:mc="http://schemas.openxmlformats.org/markup-compatibility/2006" xmlns:mv="urn:schemas-microsoft-com:mac:vml" xmlns:p="http://schemas.openxmlformats.org/presentationml/2006/main" xmlns:c="http://schemas.openxmlformats.org/drawingml/2006/chart" xmlns:dgm="http://schemas.openxmlformats.org/drawingml/2006/diagram" xmlns:o="urn:schemas-microsoft-com:office:office" xmlns:v="urn:schemas-microsoft-com:vml" xmlns:pvml="urn:schemas-microsoft-com:office:powerpoint" xmlns:com="http://schemas.openxmlformats.org/drawingml/2006/compatibility" xmlns:p14="http://schemas.microsoft.com/office/powerpoint/2010/main" xmlns:p15="http://schemas.microsoft.com/office/powerpoint/2012/main" xmlns:ahyp="http://schemas.microsoft.com/office/drawing/2018/hyperlinkcolor">
+<p:sld xmlns:a="http://schemas.openxmlformats.org/drawingml/2006/main" xmlns:r="http://schemas.openxmlformats.org/officeDocument/2006/relationships" xmlns:p="http://schemas.openxmlformats.org/presentationml/2006/main">
   <p:cSld>
     <p:spTree>
       <p:nvGrpSpPr>
-        <p:cNvPr id="96" name="Shape 96"/>
+        <p:cNvPr id="1" name="Shape 96"/>
         <p:cNvGrpSpPr/>
         <p:nvPr/>
       </p:nvGrpSpPr>
@@ -13569,7 +13699,9 @@
       <p:sp>
         <p:nvSpPr>
           <p:cNvPr id="97" name="Google Shape;97;p15"/>
-          <p:cNvSpPr txBox="1"/>
+          <p:cNvSpPr txBox="1">
+            <a:spLocks noGrp="1"/>
+          </p:cNvSpPr>
           <p:nvPr>
             <p:ph type="title"/>
           </p:nvPr>
@@ -13584,12 +13716,12 @@
           </a:prstGeom>
         </p:spPr>
         <p:txBody>
-          <a:bodyPr anchorCtr="0" anchor="t" bIns="91425" lIns="91425" spcFirstLastPara="1" rIns="91425" wrap="square" tIns="91425">
+          <a:bodyPr spcFirstLastPara="1" wrap="square" lIns="91425" tIns="91425" rIns="91425" bIns="91425" anchor="t" anchorCtr="0">
             <a:noAutofit/>
           </a:bodyPr>
           <a:lstStyle/>
           <a:p>
-            <a:pPr indent="0" lvl="0" marL="0" rtl="0" algn="l">
+            <a:pPr marL="0" lvl="0" indent="0" algn="l" rtl="0">
               <a:spcBef>
                 <a:spcPts val="0"/>
               </a:spcBef>
@@ -13609,9 +13741,11 @@
       <p:sp>
         <p:nvSpPr>
           <p:cNvPr id="98" name="Google Shape;98;p15"/>
-          <p:cNvSpPr txBox="1"/>
+          <p:cNvSpPr txBox="1">
+            <a:spLocks noGrp="1"/>
+          </p:cNvSpPr>
           <p:nvPr>
-            <p:ph idx="1" type="body"/>
+            <p:ph type="body" idx="1"/>
           </p:nvPr>
         </p:nvSpPr>
         <p:spPr>
@@ -13624,12 +13758,12 @@
           </a:prstGeom>
         </p:spPr>
         <p:txBody>
-          <a:bodyPr anchorCtr="0" anchor="t" bIns="91425" lIns="91425" spcFirstLastPara="1" rIns="91425" wrap="square" tIns="91425">
+          <a:bodyPr spcFirstLastPara="1" wrap="square" lIns="91425" tIns="91425" rIns="91425" bIns="91425" anchor="t" anchorCtr="0">
             <a:noAutofit/>
           </a:bodyPr>
           <a:lstStyle/>
           <a:p>
-            <a:pPr indent="0" lvl="0" marL="0" rtl="0" algn="just">
+            <a:pPr marL="0" lvl="0" indent="0" algn="just" rtl="0">
               <a:lnSpc>
                 <a:spcPct val="100000"/>
               </a:lnSpc>
@@ -13647,23 +13781,7 @@
                   <a:srgbClr val="000000"/>
                 </a:solidFill>
               </a:rPr>
-              <a:t>En esta </a:t>
-            </a:r>
-            <a:r>
-              <a:rPr lang="es">
-                <a:solidFill>
-                  <a:srgbClr val="000000"/>
-                </a:solidFill>
-              </a:rPr>
-              <a:t>presentación</a:t>
-            </a:r>
-            <a:r>
-              <a:rPr lang="es">
-                <a:solidFill>
-                  <a:srgbClr val="000000"/>
-                </a:solidFill>
-              </a:rPr>
-              <a:t> se aborda la aplicación de la programación entera binaria para la solución de problemas, sus diversas implicaciones, se realiza la presentación de algunos ejercicios solucionados, así como también el desarrollo del algoritmo de la programación entera binaria en código Python con interfaz de usuario que nos permita la solución práctica de cualquier problema correspondiente a variables enteras binarias.</a:t>
+              <a:t>En esta presentación se aborda la aplicación de la programación entera binaria para la solución de problemas, sus diversas implicaciones, se realiza la presentación de algunos ejercicios solucionados, así como también el desarrollo del algoritmo de la programación entera binaria en código Python con interfaz de usuario que nos permita la solución práctica de cualquier problema correspondiente a variables enteras binarias.</a:t>
             </a:r>
             <a:endParaRPr sz="2400"/>
           </a:p>
@@ -13678,11 +13796,11 @@
 </file>
 
 <file path=ppt/slides/slide4.xml><?xml version="1.0" encoding="utf-8"?>
-<p:sld xmlns:a="http://schemas.openxmlformats.org/drawingml/2006/main" xmlns:r="http://schemas.openxmlformats.org/officeDocument/2006/relationships" xmlns:mc="http://schemas.openxmlformats.org/markup-compatibility/2006" xmlns:mv="urn:schemas-microsoft-com:mac:vml" xmlns:p="http://schemas.openxmlformats.org/presentationml/2006/main" xmlns:c="http://schemas.openxmlformats.org/drawingml/2006/chart" xmlns:dgm="http://schemas.openxmlformats.org/drawingml/2006/diagram" xmlns:o="urn:schemas-microsoft-com:office:office" xmlns:v="urn:schemas-microsoft-com:vml" xmlns:pvml="urn:schemas-microsoft-com:office:powerpoint" xmlns:com="http://schemas.openxmlformats.org/drawingml/2006/compatibility" xmlns:p14="http://schemas.microsoft.com/office/powerpoint/2010/main" xmlns:p15="http://schemas.microsoft.com/office/powerpoint/2012/main" xmlns:ahyp="http://schemas.microsoft.com/office/drawing/2018/hyperlinkcolor">
+<p:sld xmlns:a="http://schemas.openxmlformats.org/drawingml/2006/main" xmlns:r="http://schemas.openxmlformats.org/officeDocument/2006/relationships" xmlns:p="http://schemas.openxmlformats.org/presentationml/2006/main">
   <p:cSld>
     <p:spTree>
       <p:nvGrpSpPr>
-        <p:cNvPr id="102" name="Shape 102"/>
+        <p:cNvPr id="1" name="Shape 102"/>
         <p:cNvGrpSpPr/>
         <p:nvPr/>
       </p:nvGrpSpPr>
@@ -13697,7 +13815,9 @@
       <p:sp>
         <p:nvSpPr>
           <p:cNvPr id="103" name="Google Shape;103;p16"/>
-          <p:cNvSpPr txBox="1"/>
+          <p:cNvSpPr txBox="1">
+            <a:spLocks noGrp="1"/>
+          </p:cNvSpPr>
           <p:nvPr>
             <p:ph type="title"/>
           </p:nvPr>
@@ -13712,12 +13832,12 @@
           </a:prstGeom>
         </p:spPr>
         <p:txBody>
-          <a:bodyPr anchorCtr="0" anchor="t" bIns="91425" lIns="91425" spcFirstLastPara="1" rIns="91425" wrap="square" tIns="91425">
+          <a:bodyPr spcFirstLastPara="1" wrap="square" lIns="91425" tIns="91425" rIns="91425" bIns="91425" anchor="t" anchorCtr="0">
             <a:noAutofit/>
           </a:bodyPr>
           <a:lstStyle/>
           <a:p>
-            <a:pPr indent="0" lvl="0" marL="0" rtl="0" algn="l">
+            <a:pPr marL="0" lvl="0" indent="0" algn="l" rtl="0">
               <a:spcBef>
                 <a:spcPts val="0"/>
               </a:spcBef>
@@ -13737,9 +13857,11 @@
       <p:sp>
         <p:nvSpPr>
           <p:cNvPr id="104" name="Google Shape;104;p16"/>
-          <p:cNvSpPr txBox="1"/>
+          <p:cNvSpPr txBox="1">
+            <a:spLocks noGrp="1"/>
+          </p:cNvSpPr>
           <p:nvPr>
-            <p:ph idx="1" type="body"/>
+            <p:ph type="body" idx="1"/>
           </p:nvPr>
         </p:nvSpPr>
         <p:spPr>
@@ -13752,12 +13874,12 @@
           </a:prstGeom>
         </p:spPr>
         <p:txBody>
-          <a:bodyPr anchorCtr="0" anchor="t" bIns="91425" lIns="91425" spcFirstLastPara="1" rIns="91425" wrap="square" tIns="91425">
+          <a:bodyPr spcFirstLastPara="1" wrap="square" lIns="91425" tIns="91425" rIns="91425" bIns="91425" anchor="t" anchorCtr="0">
             <a:noAutofit/>
           </a:bodyPr>
           <a:lstStyle/>
           <a:p>
-            <a:pPr indent="0" lvl="0" marL="0" rtl="0" algn="ctr">
+            <a:pPr marL="0" lvl="0" indent="0" algn="ctr" rtl="0">
               <a:spcBef>
                 <a:spcPts val="0"/>
               </a:spcBef>
@@ -13766,9 +13888,6 @@
               </a:spcAft>
               <a:buNone/>
             </a:pPr>
-            <a:r>
-              <a:t/>
-            </a:r>
             <a:endParaRPr sz="1200">
               <a:solidFill>
                 <a:srgbClr val="000000"/>
@@ -13780,7 +13899,7 @@
             </a:endParaRPr>
           </a:p>
           <a:p>
-            <a:pPr indent="0" lvl="0" marL="0" rtl="0" algn="just">
+            <a:pPr marL="0" lvl="0" indent="0" algn="just" rtl="0">
               <a:spcBef>
                 <a:spcPts val="0"/>
               </a:spcBef>
@@ -13798,7 +13917,7 @@
               <a:t>En muchos problemas prácticos, las variables de decisión sólo tienen sentido real si su valor es entero. Por ejemplo, con frecuencia es necesario asignar a las actividades cantidades enteras de personas, máquinas o vehículos. Si el hecho de exigir valores enteros es la única diferencia que tiene un problema con la formulación de programación lineal, entonces se trata de un problema de programación entera </a:t>
             </a:r>
             <a:r>
-              <a:rPr b="1" lang="es">
+              <a:rPr lang="es" b="1">
                 <a:solidFill>
                   <a:srgbClr val="000000"/>
                 </a:solidFill>
@@ -13830,11 +13949,11 @@
 </file>
 
 <file path=ppt/slides/slide5.xml><?xml version="1.0" encoding="utf-8"?>
-<p:sld xmlns:a="http://schemas.openxmlformats.org/drawingml/2006/main" xmlns:r="http://schemas.openxmlformats.org/officeDocument/2006/relationships" xmlns:mc="http://schemas.openxmlformats.org/markup-compatibility/2006" xmlns:mv="urn:schemas-microsoft-com:mac:vml" xmlns:p="http://schemas.openxmlformats.org/presentationml/2006/main" xmlns:c="http://schemas.openxmlformats.org/drawingml/2006/chart" xmlns:dgm="http://schemas.openxmlformats.org/drawingml/2006/diagram" xmlns:o="urn:schemas-microsoft-com:office:office" xmlns:v="urn:schemas-microsoft-com:vml" xmlns:pvml="urn:schemas-microsoft-com:office:powerpoint" xmlns:com="http://schemas.openxmlformats.org/drawingml/2006/compatibility" xmlns:p14="http://schemas.microsoft.com/office/powerpoint/2010/main" xmlns:p15="http://schemas.microsoft.com/office/powerpoint/2012/main" xmlns:ahyp="http://schemas.microsoft.com/office/drawing/2018/hyperlinkcolor">
+<p:sld xmlns:a="http://schemas.openxmlformats.org/drawingml/2006/main" xmlns:r="http://schemas.openxmlformats.org/officeDocument/2006/relationships" xmlns:p="http://schemas.openxmlformats.org/presentationml/2006/main">
   <p:cSld>
     <p:spTree>
       <p:nvGrpSpPr>
-        <p:cNvPr id="108" name="Shape 108"/>
+        <p:cNvPr id="1" name="Shape 108"/>
         <p:cNvGrpSpPr/>
         <p:nvPr/>
       </p:nvGrpSpPr>
@@ -13849,9 +13968,11 @@
       <p:sp>
         <p:nvSpPr>
           <p:cNvPr id="109" name="Google Shape;109;p17"/>
-          <p:cNvSpPr txBox="1"/>
+          <p:cNvSpPr txBox="1">
+            <a:spLocks noGrp="1"/>
+          </p:cNvSpPr>
           <p:nvPr>
-            <p:ph idx="1" type="body"/>
+            <p:ph type="body" idx="1"/>
           </p:nvPr>
         </p:nvSpPr>
         <p:spPr>
@@ -13864,12 +13985,12 @@
           </a:prstGeom>
         </p:spPr>
         <p:txBody>
-          <a:bodyPr anchorCtr="0" anchor="t" bIns="91425" lIns="91425" spcFirstLastPara="1" rIns="91425" wrap="square" tIns="91425">
+          <a:bodyPr spcFirstLastPara="1" wrap="square" lIns="91425" tIns="91425" rIns="91425" bIns="91425" anchor="t" anchorCtr="0">
             <a:noAutofit/>
           </a:bodyPr>
           <a:lstStyle/>
           <a:p>
-            <a:pPr indent="0" lvl="0" marL="0" rtl="0" algn="ctr">
+            <a:pPr marL="0" lvl="0" indent="0" algn="ctr" rtl="0">
               <a:spcBef>
                 <a:spcPts val="0"/>
               </a:spcBef>
@@ -13878,9 +13999,6 @@
               </a:spcAft>
               <a:buNone/>
             </a:pPr>
-            <a:r>
-              <a:t/>
-            </a:r>
             <a:endParaRPr sz="1200">
               <a:solidFill>
                 <a:srgbClr val="000000"/>
@@ -13892,7 +14010,7 @@
             </a:endParaRPr>
           </a:p>
           <a:p>
-            <a:pPr indent="0" lvl="0" marL="0" rtl="0" algn="just">
+            <a:pPr marL="0" lvl="0" indent="0" algn="just" rtl="0">
               <a:spcBef>
                 <a:spcPts val="0"/>
               </a:spcBef>
@@ -13926,11 +14044,11 @@
 </file>
 
 <file path=ppt/slides/slide6.xml><?xml version="1.0" encoding="utf-8"?>
-<p:sld xmlns:a="http://schemas.openxmlformats.org/drawingml/2006/main" xmlns:r="http://schemas.openxmlformats.org/officeDocument/2006/relationships" xmlns:mc="http://schemas.openxmlformats.org/markup-compatibility/2006" xmlns:mv="urn:schemas-microsoft-com:mac:vml" xmlns:p="http://schemas.openxmlformats.org/presentationml/2006/main" xmlns:c="http://schemas.openxmlformats.org/drawingml/2006/chart" xmlns:dgm="http://schemas.openxmlformats.org/drawingml/2006/diagram" xmlns:o="urn:schemas-microsoft-com:office:office" xmlns:v="urn:schemas-microsoft-com:vml" xmlns:pvml="urn:schemas-microsoft-com:office:powerpoint" xmlns:com="http://schemas.openxmlformats.org/drawingml/2006/compatibility" xmlns:p14="http://schemas.microsoft.com/office/powerpoint/2010/main" xmlns:p15="http://schemas.microsoft.com/office/powerpoint/2012/main" xmlns:ahyp="http://schemas.microsoft.com/office/drawing/2018/hyperlinkcolor">
+<p:sld xmlns:a="http://schemas.openxmlformats.org/drawingml/2006/main" xmlns:r="http://schemas.openxmlformats.org/officeDocument/2006/relationships" xmlns:p="http://schemas.openxmlformats.org/presentationml/2006/main">
   <p:cSld>
     <p:spTree>
       <p:nvGrpSpPr>
-        <p:cNvPr id="113" name="Shape 113"/>
+        <p:cNvPr id="1" name="Shape 113"/>
         <p:cNvGrpSpPr/>
         <p:nvPr/>
       </p:nvGrpSpPr>
@@ -13945,7 +14063,9 @@
       <p:sp>
         <p:nvSpPr>
           <p:cNvPr id="114" name="Google Shape;114;p18"/>
-          <p:cNvSpPr txBox="1"/>
+          <p:cNvSpPr txBox="1">
+            <a:spLocks noGrp="1"/>
+          </p:cNvSpPr>
           <p:nvPr>
             <p:ph type="title"/>
           </p:nvPr>
@@ -13960,12 +14080,12 @@
           </a:prstGeom>
         </p:spPr>
         <p:txBody>
-          <a:bodyPr anchorCtr="0" anchor="t" bIns="91425" lIns="91425" spcFirstLastPara="1" rIns="91425" wrap="square" tIns="91425">
+          <a:bodyPr spcFirstLastPara="1" wrap="square" lIns="91425" tIns="91425" rIns="91425" bIns="91425" anchor="t" anchorCtr="0">
             <a:noAutofit/>
           </a:bodyPr>
           <a:lstStyle/>
           <a:p>
-            <a:pPr indent="0" lvl="0" marL="0" rtl="0" algn="l">
+            <a:pPr marL="0" lvl="0" indent="0" algn="l" rtl="0">
               <a:spcBef>
                 <a:spcPts val="0"/>
               </a:spcBef>
@@ -13985,9 +14105,11 @@
       <p:sp>
         <p:nvSpPr>
           <p:cNvPr id="115" name="Google Shape;115;p18"/>
-          <p:cNvSpPr txBox="1"/>
+          <p:cNvSpPr txBox="1">
+            <a:spLocks noGrp="1"/>
+          </p:cNvSpPr>
           <p:nvPr>
-            <p:ph idx="1" type="body"/>
+            <p:ph type="body" idx="1"/>
           </p:nvPr>
         </p:nvSpPr>
         <p:spPr>
@@ -14000,12 +14122,12 @@
           </a:prstGeom>
         </p:spPr>
         <p:txBody>
-          <a:bodyPr anchorCtr="0" anchor="t" bIns="91425" lIns="91425" spcFirstLastPara="1" rIns="91425" wrap="square" tIns="91425">
+          <a:bodyPr spcFirstLastPara="1" wrap="square" lIns="91425" tIns="91425" rIns="91425" bIns="91425" anchor="t" anchorCtr="0">
             <a:noAutofit/>
           </a:bodyPr>
           <a:lstStyle/>
           <a:p>
-            <a:pPr indent="-342900" lvl="0" marL="457200" rtl="0" algn="just">
+            <a:pPr marL="457200" lvl="0" indent="-342900" algn="just" rtl="0">
               <a:spcBef>
                 <a:spcPts val="0"/>
               </a:spcBef>
@@ -14033,7 +14155,7 @@
             </a:endParaRPr>
           </a:p>
           <a:p>
-            <a:pPr indent="0" lvl="0" marL="457200" rtl="0" algn="just">
+            <a:pPr marL="457200" lvl="0" indent="0" algn="just" rtl="0">
               <a:spcBef>
                 <a:spcPts val="0"/>
               </a:spcBef>
@@ -14042,9 +14164,6 @@
               </a:spcAft>
               <a:buNone/>
             </a:pPr>
-            <a:r>
-              <a:t/>
-            </a:r>
             <a:endParaRPr>
               <a:solidFill>
                 <a:srgbClr val="000000"/>
@@ -14052,7 +14171,7 @@
             </a:endParaRPr>
           </a:p>
           <a:p>
-            <a:pPr indent="-342900" lvl="0" marL="457200" rtl="0" algn="just">
+            <a:pPr marL="457200" lvl="0" indent="-342900" algn="just" rtl="0">
               <a:spcBef>
                 <a:spcPts val="0"/>
               </a:spcBef>
@@ -14080,7 +14199,7 @@
             </a:endParaRPr>
           </a:p>
           <a:p>
-            <a:pPr indent="0" lvl="0" marL="457200" rtl="0" algn="just">
+            <a:pPr marL="457200" lvl="0" indent="0" algn="just" rtl="0">
               <a:spcBef>
                 <a:spcPts val="0"/>
               </a:spcBef>
@@ -14089,9 +14208,6 @@
               </a:spcAft>
               <a:buNone/>
             </a:pPr>
-            <a:r>
-              <a:t/>
-            </a:r>
             <a:endParaRPr>
               <a:solidFill>
                 <a:srgbClr val="000000"/>
@@ -14099,7 +14215,7 @@
             </a:endParaRPr>
           </a:p>
           <a:p>
-            <a:pPr indent="-342900" lvl="0" marL="457200" rtl="0" algn="just">
+            <a:pPr marL="457200" lvl="0" indent="-342900" algn="just" rtl="0">
               <a:spcBef>
                 <a:spcPts val="0"/>
               </a:spcBef>
@@ -14133,11 +14249,11 @@
 </file>
 
 <file path=ppt/slides/slide7.xml><?xml version="1.0" encoding="utf-8"?>
-<p:sld xmlns:a="http://schemas.openxmlformats.org/drawingml/2006/main" xmlns:r="http://schemas.openxmlformats.org/officeDocument/2006/relationships" xmlns:mc="http://schemas.openxmlformats.org/markup-compatibility/2006" xmlns:mv="urn:schemas-microsoft-com:mac:vml" xmlns:p="http://schemas.openxmlformats.org/presentationml/2006/main" xmlns:c="http://schemas.openxmlformats.org/drawingml/2006/chart" xmlns:dgm="http://schemas.openxmlformats.org/drawingml/2006/diagram" xmlns:o="urn:schemas-microsoft-com:office:office" xmlns:v="urn:schemas-microsoft-com:vml" xmlns:pvml="urn:schemas-microsoft-com:office:powerpoint" xmlns:com="http://schemas.openxmlformats.org/drawingml/2006/compatibility" xmlns:p14="http://schemas.microsoft.com/office/powerpoint/2010/main" xmlns:p15="http://schemas.microsoft.com/office/powerpoint/2012/main" xmlns:ahyp="http://schemas.microsoft.com/office/drawing/2018/hyperlinkcolor">
+<p:sld xmlns:a="http://schemas.openxmlformats.org/drawingml/2006/main" xmlns:r="http://schemas.openxmlformats.org/officeDocument/2006/relationships" xmlns:p="http://schemas.openxmlformats.org/presentationml/2006/main">
   <p:cSld>
     <p:spTree>
       <p:nvGrpSpPr>
-        <p:cNvPr id="119" name="Shape 119"/>
+        <p:cNvPr id="1" name="Shape 119"/>
         <p:cNvGrpSpPr/>
         <p:nvPr/>
       </p:nvGrpSpPr>
@@ -14152,7 +14268,9 @@
       <p:sp>
         <p:nvSpPr>
           <p:cNvPr id="120" name="Google Shape;120;p19"/>
-          <p:cNvSpPr txBox="1"/>
+          <p:cNvSpPr txBox="1">
+            <a:spLocks noGrp="1"/>
+          </p:cNvSpPr>
           <p:nvPr>
             <p:ph type="title"/>
           </p:nvPr>
@@ -14167,12 +14285,12 @@
           </a:prstGeom>
         </p:spPr>
         <p:txBody>
-          <a:bodyPr anchorCtr="0" anchor="t" bIns="91425" lIns="91425" spcFirstLastPara="1" rIns="91425" wrap="square" tIns="91425">
+          <a:bodyPr spcFirstLastPara="1" wrap="square" lIns="91425" tIns="91425" rIns="91425" bIns="91425" anchor="t" anchorCtr="0">
             <a:noAutofit/>
           </a:bodyPr>
           <a:lstStyle/>
           <a:p>
-            <a:pPr indent="0" lvl="0" marL="0" rtl="0" algn="l">
+            <a:pPr marL="0" lvl="0" indent="0" algn="l" rtl="0">
               <a:spcBef>
                 <a:spcPts val="0"/>
               </a:spcBef>
@@ -14192,9 +14310,11 @@
       <p:sp>
         <p:nvSpPr>
           <p:cNvPr id="121" name="Google Shape;121;p19"/>
-          <p:cNvSpPr txBox="1"/>
+          <p:cNvSpPr txBox="1">
+            <a:spLocks noGrp="1"/>
+          </p:cNvSpPr>
           <p:nvPr>
-            <p:ph idx="1" type="body"/>
+            <p:ph type="body" idx="1"/>
           </p:nvPr>
         </p:nvSpPr>
         <p:spPr>
@@ -14207,12 +14327,12 @@
           </a:prstGeom>
         </p:spPr>
         <p:txBody>
-          <a:bodyPr anchorCtr="0" anchor="t" bIns="91425" lIns="91425" spcFirstLastPara="1" rIns="91425" wrap="square" tIns="91425">
+          <a:bodyPr spcFirstLastPara="1" wrap="square" lIns="91425" tIns="91425" rIns="91425" bIns="91425" anchor="t" anchorCtr="0">
             <a:noAutofit/>
           </a:bodyPr>
           <a:lstStyle/>
           <a:p>
-            <a:pPr indent="0" lvl="0" marL="0" rtl="0" algn="just">
+            <a:pPr marL="0" lvl="0" indent="0" algn="just" rtl="0">
               <a:lnSpc>
                 <a:spcPct val="100000"/>
               </a:lnSpc>
@@ -14239,7 +14359,7 @@
             </a:endParaRPr>
           </a:p>
           <a:p>
-            <a:pPr indent="0" lvl="0" marL="0" rtl="0" algn="just">
+            <a:pPr marL="0" lvl="0" indent="0" algn="just" rtl="0">
               <a:lnSpc>
                 <a:spcPct val="100000"/>
               </a:lnSpc>
@@ -14276,11 +14396,11 @@
 </file>
 
 <file path=ppt/slides/slide8.xml><?xml version="1.0" encoding="utf-8"?>
-<p:sld xmlns:a="http://schemas.openxmlformats.org/drawingml/2006/main" xmlns:r="http://schemas.openxmlformats.org/officeDocument/2006/relationships" xmlns:mc="http://schemas.openxmlformats.org/markup-compatibility/2006" xmlns:mv="urn:schemas-microsoft-com:mac:vml" xmlns:p="http://schemas.openxmlformats.org/presentationml/2006/main" xmlns:c="http://schemas.openxmlformats.org/drawingml/2006/chart" xmlns:dgm="http://schemas.openxmlformats.org/drawingml/2006/diagram" xmlns:o="urn:schemas-microsoft-com:office:office" xmlns:v="urn:schemas-microsoft-com:vml" xmlns:pvml="urn:schemas-microsoft-com:office:powerpoint" xmlns:com="http://schemas.openxmlformats.org/drawingml/2006/compatibility" xmlns:p14="http://schemas.microsoft.com/office/powerpoint/2010/main" xmlns:p15="http://schemas.microsoft.com/office/powerpoint/2012/main" xmlns:ahyp="http://schemas.microsoft.com/office/drawing/2018/hyperlinkcolor">
+<p:sld xmlns:a="http://schemas.openxmlformats.org/drawingml/2006/main" xmlns:r="http://schemas.openxmlformats.org/officeDocument/2006/relationships" xmlns:p="http://schemas.openxmlformats.org/presentationml/2006/main">
   <p:cSld>
     <p:spTree>
       <p:nvGrpSpPr>
-        <p:cNvPr id="125" name="Shape 125"/>
+        <p:cNvPr id="1" name="Shape 125"/>
         <p:cNvGrpSpPr/>
         <p:nvPr/>
       </p:nvGrpSpPr>
@@ -14295,9 +14415,11 @@
       <p:sp>
         <p:nvSpPr>
           <p:cNvPr id="126" name="Google Shape;126;p20"/>
-          <p:cNvSpPr txBox="1"/>
+          <p:cNvSpPr txBox="1">
+            <a:spLocks noGrp="1"/>
+          </p:cNvSpPr>
           <p:nvPr>
-            <p:ph idx="1" type="body"/>
+            <p:ph type="body" idx="1"/>
           </p:nvPr>
         </p:nvSpPr>
         <p:spPr>
@@ -14310,12 +14432,12 @@
           </a:prstGeom>
         </p:spPr>
         <p:txBody>
-          <a:bodyPr anchorCtr="0" anchor="t" bIns="91425" lIns="91425" spcFirstLastPara="1" rIns="91425" wrap="square" tIns="91425">
+          <a:bodyPr spcFirstLastPara="1" wrap="square" lIns="91425" tIns="91425" rIns="91425" bIns="91425" anchor="t" anchorCtr="0">
             <a:noAutofit/>
           </a:bodyPr>
           <a:lstStyle/>
           <a:p>
-            <a:pPr indent="0" lvl="0" marL="0" rtl="0" algn="just">
+            <a:pPr marL="0" lvl="0" indent="0" algn="just" rtl="0">
               <a:lnSpc>
                 <a:spcPct val="100000"/>
               </a:lnSpc>
@@ -14342,7 +14464,7 @@
             </a:endParaRPr>
           </a:p>
           <a:p>
-            <a:pPr indent="0" lvl="0" marL="0" rtl="0" algn="just">
+            <a:pPr marL="0" lvl="0" indent="0" algn="just" rtl="0">
               <a:spcBef>
                 <a:spcPts val="1200"/>
               </a:spcBef>
@@ -14376,11 +14498,11 @@
 </file>
 
 <file path=ppt/slides/slide9.xml><?xml version="1.0" encoding="utf-8"?>
-<p:sld xmlns:a="http://schemas.openxmlformats.org/drawingml/2006/main" xmlns:r="http://schemas.openxmlformats.org/officeDocument/2006/relationships" xmlns:mc="http://schemas.openxmlformats.org/markup-compatibility/2006" xmlns:mv="urn:schemas-microsoft-com:mac:vml" xmlns:p="http://schemas.openxmlformats.org/presentationml/2006/main" xmlns:c="http://schemas.openxmlformats.org/drawingml/2006/chart" xmlns:dgm="http://schemas.openxmlformats.org/drawingml/2006/diagram" xmlns:o="urn:schemas-microsoft-com:office:office" xmlns:v="urn:schemas-microsoft-com:vml" xmlns:pvml="urn:schemas-microsoft-com:office:powerpoint" xmlns:com="http://schemas.openxmlformats.org/drawingml/2006/compatibility" xmlns:p14="http://schemas.microsoft.com/office/powerpoint/2010/main" xmlns:p15="http://schemas.microsoft.com/office/powerpoint/2012/main" xmlns:ahyp="http://schemas.microsoft.com/office/drawing/2018/hyperlinkcolor">
+<p:sld xmlns:a="http://schemas.openxmlformats.org/drawingml/2006/main" xmlns:r="http://schemas.openxmlformats.org/officeDocument/2006/relationships" xmlns:p="http://schemas.openxmlformats.org/presentationml/2006/main">
   <p:cSld>
     <p:spTree>
       <p:nvGrpSpPr>
-        <p:cNvPr id="130" name="Shape 130"/>
+        <p:cNvPr id="1" name="Shape 130"/>
         <p:cNvGrpSpPr/>
         <p:nvPr/>
       </p:nvGrpSpPr>
@@ -14395,7 +14517,9 @@
       <p:sp>
         <p:nvSpPr>
           <p:cNvPr id="131" name="Google Shape;131;p21"/>
-          <p:cNvSpPr txBox="1"/>
+          <p:cNvSpPr txBox="1">
+            <a:spLocks noGrp="1"/>
+          </p:cNvSpPr>
           <p:nvPr>
             <p:ph type="title"/>
           </p:nvPr>
@@ -14410,12 +14534,12 @@
           </a:prstGeom>
         </p:spPr>
         <p:txBody>
-          <a:bodyPr anchorCtr="0" anchor="t" bIns="91425" lIns="91425" spcFirstLastPara="1" rIns="91425" wrap="square" tIns="91425">
+          <a:bodyPr spcFirstLastPara="1" wrap="square" lIns="91425" tIns="91425" rIns="91425" bIns="91425" anchor="t" anchorCtr="0">
             <a:noAutofit/>
           </a:bodyPr>
           <a:lstStyle/>
           <a:p>
-            <a:pPr indent="0" lvl="0" marL="0" rtl="0" algn="l">
+            <a:pPr marL="0" lvl="0" indent="0" algn="l" rtl="0">
               <a:spcBef>
                 <a:spcPts val="0"/>
               </a:spcBef>
@@ -14435,9 +14559,11 @@
       <p:sp>
         <p:nvSpPr>
           <p:cNvPr id="132" name="Google Shape;132;p21"/>
-          <p:cNvSpPr txBox="1"/>
+          <p:cNvSpPr txBox="1">
+            <a:spLocks noGrp="1"/>
+          </p:cNvSpPr>
           <p:nvPr>
-            <p:ph idx="1" type="body"/>
+            <p:ph type="body" idx="1"/>
           </p:nvPr>
         </p:nvSpPr>
         <p:spPr>
@@ -14450,12 +14576,12 @@
           </a:prstGeom>
         </p:spPr>
         <p:txBody>
-          <a:bodyPr anchorCtr="0" anchor="t" bIns="91425" lIns="91425" spcFirstLastPara="1" rIns="91425" wrap="square" tIns="91425">
+          <a:bodyPr spcFirstLastPara="1" wrap="square" lIns="91425" tIns="91425" rIns="91425" bIns="91425" anchor="t" anchorCtr="0">
             <a:noAutofit/>
           </a:bodyPr>
           <a:lstStyle/>
           <a:p>
-            <a:pPr indent="0" lvl="0" marL="0" rtl="0" algn="just">
+            <a:pPr marL="0" lvl="0" indent="0" algn="just" rtl="0">
               <a:spcBef>
                 <a:spcPts val="0"/>
               </a:spcBef>
@@ -14465,7 +14591,7 @@
               <a:buNone/>
             </a:pPr>
             <a:r>
-              <a:rPr lang="es">
+              <a:rPr lang="es" dirty="0">
                 <a:solidFill>
                   <a:srgbClr val="000000"/>
                 </a:solidFill>
@@ -14473,7 +14599,7 @@
               <a:t>La programación de enteros </a:t>
             </a:r>
             <a:r>
-              <a:rPr b="1" lang="es">
+              <a:rPr lang="es" b="1" dirty="0">
                 <a:solidFill>
                   <a:srgbClr val="000000"/>
                 </a:solidFill>
@@ -14481,7 +14607,7 @@
               <a:t>0-1</a:t>
             </a:r>
             <a:r>
-              <a:rPr lang="es">
+              <a:rPr lang="es" dirty="0">
                 <a:solidFill>
                   <a:srgbClr val="000000"/>
                 </a:solidFill>
@@ -14489,7 +14615,7 @@
               <a:t> o la programación de enteros binarios </a:t>
             </a:r>
             <a:r>
-              <a:rPr b="1" lang="es">
+              <a:rPr lang="es" b="1" dirty="0">
                 <a:solidFill>
                   <a:srgbClr val="000000"/>
                 </a:solidFill>
@@ -14497,26 +14623,34 @@
               <a:t>(BIP)</a:t>
             </a:r>
             <a:r>
-              <a:rPr lang="es">
+              <a:rPr lang="es" dirty="0">
                 <a:solidFill>
                   <a:srgbClr val="000000"/>
                 </a:solidFill>
               </a:rPr>
-              <a:t> es el caso especial de la programación de enteros donde se requiere que las variables sean 0 o 1 (en lugar de enteros arbitrarios). Este problema también se clasifica como NP-difícil y, de hecho, la versión de decisión fue uno de los 21 problemas NP-completos de Karp .</a:t>
+              <a:t> es el caso especial de la programación de enteros donde se requiere que las variables sean 0 o 1 (en lugar de enteros arbitrarios). </a:t>
             </a:r>
-            <a:endParaRPr>
+          </a:p>
+          <a:p>
+            <a:pPr marL="0" lvl="0" indent="0" algn="just" rtl="0">
+              <a:spcBef>
+                <a:spcPts val="0"/>
+              </a:spcBef>
+              <a:spcAft>
+                <a:spcPts val="0"/>
+              </a:spcAft>
+              <a:buNone/>
+            </a:pPr>
+            <a:endParaRPr lang="es">
               <a:solidFill>
                 <a:srgbClr val="000000"/>
               </a:solidFill>
             </a:endParaRPr>
           </a:p>
           <a:p>
-            <a:pPr indent="0" lvl="0" marL="0" rtl="0" algn="just">
-              <a:lnSpc>
-                <a:spcPct val="100000"/>
-              </a:lnSpc>
-              <a:spcBef>
-                <a:spcPts val="1600"/>
+            <a:pPr marL="0" lvl="0" indent="0" algn="just" rtl="0">
+              <a:spcBef>
+                <a:spcPts val="0"/>
               </a:spcBef>
               <a:spcAft>
                 <a:spcPts val="0"/>
@@ -14529,9 +14663,17 @@
                   <a:srgbClr val="000000"/>
                 </a:solidFill>
               </a:rPr>
-              <a:t>Supongamos ahora que las variables pueden tomar solo valores 0 o 1. No se tienen que agregar restricciones adicionales a los subproblemas sino determinar que una variable toma valor 0 o toma valor 1.</a:t>
+              <a:t>Supongamos </a:t>
             </a:r>
-            <a:endParaRPr sz="2400"/>
+            <a:r>
+              <a:rPr lang="es" dirty="0">
+                <a:solidFill>
+                  <a:srgbClr val="000000"/>
+                </a:solidFill>
+              </a:rPr>
+              <a:t>ahora que las variables pueden tomar solo valores 0 o 1. No se tienen que agregar restricciones adicionales a los subproblemas sino determinar que una variable toma valor 0 o toma valor 1.</a:t>
+            </a:r>
+            <a:endParaRPr sz="2400" dirty="0"/>
           </a:p>
         </p:txBody>
       </p:sp>
@@ -14544,7 +14686,7 @@
 </file>
 
 <file path=ppt/theme/theme1.xml><?xml version="1.0" encoding="utf-8"?>
-<a:theme xmlns:a="http://schemas.openxmlformats.org/drawingml/2006/main" xmlns:r="http://schemas.openxmlformats.org/officeDocument/2006/relationships" name="Geometric">
+<a:theme xmlns:a="http://schemas.openxmlformats.org/drawingml/2006/main" name="Geometric">
   <a:themeElements>
     <a:clrScheme name="Geometric">
       <a:dk1>
@@ -14819,11 +14961,13 @@
       </a:bgFillStyleLst>
     </a:fmtScheme>
   </a:themeElements>
+  <a:objectDefaults/>
+  <a:extraClrSchemeLst/>
 </a:theme>
 </file>
 
 <file path=ppt/theme/theme2.xml><?xml version="1.0" encoding="utf-8"?>
-<a:theme xmlns:a="http://schemas.openxmlformats.org/drawingml/2006/main" xmlns:r="http://schemas.openxmlformats.org/officeDocument/2006/relationships">
+<a:theme xmlns:a="http://schemas.openxmlformats.org/drawingml/2006/main">
   <a:themeElements>
     <a:clrScheme name="Default">
       <a:dk1>
@@ -15098,5 +15242,7 @@
       </a:bgFillStyleLst>
     </a:fmtScheme>
   </a:themeElements>
+  <a:objectDefaults/>
+  <a:extraClrSchemeLst/>
 </a:theme>
 </file>